--- a/day 10/SAC_Training Day 10.pptx
+++ b/day 10/SAC_Training Day 10.pptx
@@ -6,22 +6,23 @@
     <p:sldMasterId id="2147483660" r:id="rId2"/>
   </p:sldMasterIdLst>
   <p:notesMasterIdLst>
-    <p:notesMasterId r:id="rId16"/>
+    <p:notesMasterId r:id="rId17"/>
   </p:notesMasterIdLst>
   <p:sldIdLst>
     <p:sldId id="256" r:id="rId3"/>
     <p:sldId id="463" r:id="rId4"/>
-    <p:sldId id="505" r:id="rId5"/>
-    <p:sldId id="503" r:id="rId6"/>
-    <p:sldId id="504" r:id="rId7"/>
-    <p:sldId id="495" r:id="rId8"/>
-    <p:sldId id="494" r:id="rId9"/>
-    <p:sldId id="496" r:id="rId10"/>
-    <p:sldId id="502" r:id="rId11"/>
-    <p:sldId id="462" r:id="rId12"/>
-    <p:sldId id="475" r:id="rId13"/>
-    <p:sldId id="399" r:id="rId14"/>
-    <p:sldId id="409" r:id="rId15"/>
+    <p:sldId id="503" r:id="rId5"/>
+    <p:sldId id="504" r:id="rId6"/>
+    <p:sldId id="505" r:id="rId7"/>
+    <p:sldId id="506" r:id="rId8"/>
+    <p:sldId id="495" r:id="rId9"/>
+    <p:sldId id="494" r:id="rId10"/>
+    <p:sldId id="496" r:id="rId11"/>
+    <p:sldId id="502" r:id="rId12"/>
+    <p:sldId id="462" r:id="rId13"/>
+    <p:sldId id="475" r:id="rId14"/>
+    <p:sldId id="399" r:id="rId15"/>
+    <p:sldId id="409" r:id="rId16"/>
   </p:sldIdLst>
   <p:sldSz cx="12192000" cy="6858000"/>
   <p:notesSz cx="6858000" cy="9144000"/>
@@ -144,125 +145,7 @@
           <inkml:channelProperty channel="T" name="resolution" value="1" units="1/dev"/>
         </inkml:channelProperties>
       </inkml:inkSource>
-      <inkml:timestamp xml:id="ts0" timeString="2022-01-25T07:10:23.855"/>
-    </inkml:context>
-    <inkml:brush xml:id="br0">
-      <inkml:brushProperty name="width" value="0.05" units="cm"/>
-      <inkml:brushProperty name="height" value="0.05" units="cm"/>
-      <inkml:brushProperty name="fitToCurve" value="1"/>
-    </inkml:brush>
-    <inkml:brush xml:id="br1">
-      <inkml:brushProperty name="width" value="0.05" units="cm"/>
-      <inkml:brushProperty name="height" value="0.05" units="cm"/>
-      <inkml:brushProperty name="color" value="#ED1C24"/>
-      <inkml:brushProperty name="fitToCurve" value="1"/>
-    </inkml:brush>
-  </inkml:definitions>
-  <inkml:trace contextRef="#ctx0" brushRef="#br0">1180 1770 0,'0'26'0,"25"0"15,-25-1-15,26 27 0,-26-1 16,26-25-16,-26 51 16,0-26-16,0 26 0,0 0 15,25 0-15,-25 25 0,0-25 16,0 26-16,26-26 16,-26 26-16,0-1 0,0 1 15,26 0-15,-26-27 16,0 27-16,0 0 0,-26-1 15,26-25-15,-26 26 0,26 0 16,-25-1-16,25 1 16,-26-1-16,26 1 0,-26 0 15,26-1-15,0 1 16,0 25 0,-25 180-16,25-205 15,-26-1-15,26 1 0,0 0 16,0-1-16,-26-25 0,26 26 31,0-1-31,-25-25 0,25 0 0,0 26 0,-26-26 16,26 0-16,0-26 0,0 26 15,-25-25-15,25 25 16,0-26-16,0 0 0,0 1 16,0-1-16,-26 0 15,26-25-15,0 25 0,0-25 16,0 25-16,0-25 0,0-1 15,0 27-15,0-27 16,0 1-16,0 0 0,0-1 16,0 1-16,26-26 15,-26 26-15,25-26 16,-25 25-16,26-25 31,-1 0-31,1 0 16,0 0-16,-1 0 0,1 0 15,0 0-15,25 0 16,0 0-16,1 0 0,-1 0 16,26 0-16,0 0 15,0 0-15,26 0 0,-1 0 16,1 0-16,51 0 0,-26 0 16,52-25-16,-26 25 15,51 0-15,0-26 0,0 26 16,26 0-16,0 0 15,0 0-15,0 0 0,26 0 16,-27 0-16,27 0 16,0 26-16,-1-26 0,1 0 15,-1 0-15,1 25 0,-26-25 16,25 0-16,-25 26 16,-26-26-16,1 0 0,-1 0 15,-25 26-15,-1-26 0,1 0 16,-26 25-16,0-25 15,-26 26-15,26-26 0,0 0 16,-26 0-16,26 0 16,0 0-16,-26 0 0,26 0 15,0 0-15,0 0 16,0-26-16,-26 26 0,26-25 16,0 25-16,-26-26 0,1 0 15,25 26-15,-26-25 16,-25 25-16,25-26 0,-26 26 15,1 0-15,0 0 0,-1 0 16,-25 0-16,-25 0 16,25 0-16,-26 0 0,0 0 15,-25 0-15,25 0 16,-25 0-16,0 26 0,-1-26 16,1 0-16,-26-26 31,-26 0-16,26 1 17,0-1-32,0 0 15,0-25 1,0 25-16,-25-25 0,25 0 16,-26-26-16,0 0 15,1 0-15,25-26 0,-26 1 16,0-1-16,1-25 0,25 25 15,0-25-15,0 25 16,25 1-16,-25-27 0,0 27 16,26-27-16,-26 27 15,0-27-15,0 1 0,0-26 16,0 26-16,-26-26 0,1 26 16,-1-26-16,26 25 15,-26-24-15,26 24 0,0 27 16,26-27-16,-26 1 15,26 25-15,-26-25 0,25 26 16,-25-27-16,26 27 0,-26-1 16,0 0-16,0 1 15,0 25-15,0 0 0,0 0 16,0 0-16,0 26 0,0-1 16,0 1-16,0 0 15,0-1-15,26 27 0,-26-27 16,0 27-16,0-1 15,0 0-15,0 1 0,0-1 16,0 0 0,0 1-16,0-1 15,-26 26 1,26-26 15,-26 26-31,26-25 16,-25 25-1,-1-26-15,0 26 16,-25-26 0,25 26-16,-25 0 0,0 0 15,-1-25-15,-25 25 0,0 0 16,-25 0-16,-1 0 16,1 0-16,-1 0 0,0 0 15,-25-26-15,0 26 0,25 0 16,-25 0-16,0 0 15,-26-26-15,0 26 16,0 0-16,0-25 0,0 25 16,-26 0-16,1-26 0,25 26 15,-26 0-15,26 0 16,-25 0-16,50-25 16,-25 25-16,0 0 0,0 0 0,1 25 15,-1-25-15,0 0 16,0 26-16,0-26 0,-26 25 15,26 1-15,-25-26 16,25 26-16,-26-26 0,26 25 16,0 1-16,-25-26 0,25 0 15,25 26-15,-25-26 16,26 0-16,0 25 0,25-25 16,1 0-16,-1 0 15,0 0-15,1 0 0,-1 0 16,26 0-16,-25 0 0,-1 26 15,26-26-15,-26 0 16,26 0-16,0 0 0,-25 0 16,25 0-16,0 0 15,0 0-15,0-26 0,0 26 16,-26 0-16,26 0 0,0 0 16,-25 0-16,25 0 15,0 0-15,0 26 0,0-26 16,0 0-16,0 0 0,26 0 15,-26 0-15,25 0 16,1 0-16,-26-26 0,26 26 16,-1 0-16,1 0 15,0 0-15,-1-25 0,1 25 16,0 0-16,25 0 0,-25 0 16,25 0-16,-25 0 15,25-26-15,-25 26 0,25 0 16,1 0-16,-1 0 15,-25 0-15,25 0 16,0 0-16,1 0 0,-1 26 0,0-26 16,1 0-16,-27 25 15,27-25-15,-1 26 0,0-26 16,-25 0-16,25 26 16,1-26-16,-1 25 15,0-25-15</inkml:trace>
-  <inkml:trace contextRef="#ctx0" brushRef="#br0" timeOffset="898">1205 539 0,'0'-26'0,"0"1"15,26 25-15,0 0 16,-1 0-1,-25 25-15,0 1 16,26 0-16,-26 25 16,0 26-16,26 0 0,-26 0 15,0 25-15,0 1 0,0 0 16,0-1-16,0 1 16,0 0-16,0-27 0,0 27 15,0-26-15,-26-26 16,26 26-16,0-51 0,0 25 15,0-25-15</inkml:trace>
-  <inkml:trace contextRef="#ctx0" brushRef="#br0" timeOffset="1573">1282 205 0,'-25'0'0,"-1"0"15,0-25-15,1 25 16,50 0-1,27-26 1,-1 26-16,26 0 0,26 0 16,-1-26-16,27 26 15,25 0-15,-1 0 0,27 0 16,0 0-16,25-25 0,-26 25 16,27 0-16,-1 0 15,0 0-15,1 0 0,-27 0 16,26 0-16,-51 0 0,26 0 15,-52 0-15,0 0 16,1-26-16,-27 26 0,-25 0 16,0-26-16,-51 26 15,25 0-15,-25 0 0,-26-25 16,26 25-16,-26-26 31,0 52 0,-26-26-15,26 25-16,0 1 16,0 0-1,0-1-15,0 1 0,0 25 16,0 1-16,26-1 16,-26 26-16,0 26 0,0-1 15,0 103 1,0 1-16,0-104 15,25 1-15,-25 0 0,0-26 16,0 0-16,0-26 16,0 26-16,0-26 0,-25 0 15,25-25-15,-26 25 0,26-25 16,-26-26-16</inkml:trace>
-  <inkml:trace contextRef="#ctx0" brushRef="#br0" timeOffset="2293">2001 795 0,'0'-25'0,"0"-1"16,0 0-1,25 1-15,1-1 16,0-25-16,-1 25 15,1 1-15,0-1 16,-1 0-16,1 1 0,0 25 16,-26-26-16,-26 26 15,-25 0-15,-1 0 16,1 26-16,-26-1 0,0 1 16,0 0-16,0 25 15,0-26 1,-25 52-16,50-25 0,52-27 15,0 27-15,26-27 0,0 1 16,25 0-16,26-1 0,0 1 16,-26 0-16,26-1 15,0 1-15,0-26 0,-26 26 16,-25-1-16,0 1 16,-26 0-16,0-1 0,-52 1 15,1 25-15,-26-25 0,0 0 16,0-1-16,0 1 15,-25 0-15,50-26 0,1 25 16,25-25-16,26-25 16,26-1-16</inkml:trace>
-  <inkml:trace contextRef="#ctx0" brushRef="#br0" timeOffset="2778">2514 667 0,'26'0'15,"-1"-26"-15,-25 52 47,0 0-47,0 25 16,0-25-16,0 25 0,0 26 15,-25-26-15,25 26 16,-26 0-16,0-25 0,1-1 16,-1 26-16,0-51 0,26 25 15,-25-25-15,-1-1 16,26 1-16,0-52 16,0 1-1,26-27-15,-26 1 16,25-26-16,1 0 0,0-26 15,-26 26-15,25-25 16,1-1-16,0 0 0,-1 27 16,1-1-16,-26 0 15,26 51-15,-1 0 0,1 26 16,0 26-16,-1 0 0,26 25 16,-25 26-16,0 0 15,-1 25-15,1 1 0,0-26 16,-1 26-16,1-1 0,-26-25 15,0 0-15,0-25 16,0-1-16,0 0 0</inkml:trace>
-  <inkml:trace contextRef="#ctx0" brushRef="#br0" timeOffset="3224">2411 1078 0,'26'0'32,"25"0"-32,1 0 15,-1 0-15,26 0 0,0-26 16,0 26-16,25-26 16,-25 26-16,0-25 0,26-1 15,-26 0-15,-26 26 0,26-25 16,-25-1-16,-1 0 15,0 1-15,-25-1 0,25 0 16,-25 26-16,-1-25 16,27-1-16,-27 0 0,1 1 15,0-1-15,-1 26 0,-25-26 16,26 1-16,-26-1 16,-26 26-16,1 0 15,-27 0-15,1 26 16,25-26-16,-50 25 0,24 27 15,1-1-15,0 0 0,25 1 16,-25 25-16,51 0 16,0 0-16,0 0 0,25 0 15,27-26-15,25 0 16,0 1-16,51-27 0,0-25 16,0 0-16,26 0 0,-25-25 15</inkml:trace>
-  <inkml:trace contextRef="#ctx0" brushRef="#br0" timeOffset="5015">692 11853 0,'26'0'16,"-26"-25"-16,26 25 0,-1 0 15,1 0-15,0-26 16,-26 0 0,-26 26-1,0-25-15,1 25 0,-1 0 16,0 0-16,-25 0 15,0 25-15,-1-25 16,-25 26-16,26 0 0,-26-1 16,26 1-16,-1 0 0,1-1 15,26 1-15,-1 0 0,0-1 16,26 27-16,0-27 16,26 1-16,0 0 0,25-1 15,0 1-15,0 0 0,1-1 16,25 1-16,0-26 15,25 0-15,-25 0 0,26 0 16,0-26-16,25 1 16,-26 25-16,1-26 0,25 0 15,-25 1-15,-26-1 16,0 0-16,-26 1 0,1 25 16,-1-26-16,-51 0 0,0 1 31,-26 25-31,1-26 15,-1 26-15,0 0 16</inkml:trace>
-  <inkml:trace contextRef="#ctx0" brushRef="#br0" timeOffset="5284">1026 11905 0,'-26'0'0,"-25"0"16,51-26-16,-26 26 0,1 0 16,-1-26-16,0 26 0,1 0 15,-1 0 1,0 0-16,1 26 0,-1-26 16,0 0-16,1 26 15,-1-26-15,26 25 16,-26-25-16,26 26 15</inkml:trace>
-  <inkml:trace contextRef="#ctx0" brushRef="#br0" timeOffset="5669">461 11879 0,'0'26'0,"-25"-26"15,50 0 1,27-26-16,-1 26 15,0-26-15,52 1 0,-26-1 16,26 0-16,25 26 0,-26-25 16,27-1-16,-27 26 15,-25 0-15,26 0 0,-52 0 16,1 0-16,-1 26 16,-25-1-16,-1 1 0,-50 25 31,-1 1-31,0-27 0,1 27 0,-1-27 15,-25 27-15,25-27 0,-25 27 16,25-27-16,-25 1 16,25 0-16,-25-1 0</inkml:trace>
-  <inkml:trace contextRef="#ctx0" brushRef="#br0" timeOffset="6318">102 12033 0,'0'-26'15,"26"26"-15,-26-25 0,26 25 16,-1 0-16,1 25 16,-26 1-16,25 0 15,-25 25-15,0 0 0,0 1 16,0 25-16,-25 0 0,-1 0 15,1 25-15,-1-25 16,0 26-16,1-1 0,-1 1 16,26-26-16,-26 26 15,26-26-15,-25 0 0,25-1 16,0-24-16,0-1 0,0-25 16,0-1-16,0 1 15,0 0-15,25-26 16,1 0-1,0-26-15,-1 0 16,27 26-16,-27-25 0,26-1 16,1 0-16,25 26 15,-26-25-15,26-1 0,26 26 16,-26-26-16,0 26 16,25-25-16,1 25 0,-26-26 15,0 26-15,0 0 0,0 0 16,-26 0-16,26 0 15,-51 0-15,25 0 0,-25 26 16,25-26-16,-25 0 16,-1 0-1,-25-26 1</inkml:trace>
-  <inkml:trace contextRef="#ctx0" brushRef="#br0" timeOffset="6695">1616 12136 0,'-26'-26'0,"1"0"15,25 1-15,0-1 16,0 0-16,25 26 15,-25 26 1,0 0 0,0-1-16,26 1 0,-26 0 15,0 25-15,0 0 16,-26 1-16,26 25 16,-25-26-16,-1 51 0,26-25 0,-26 26 15,1-26-15,-1 26 16,26-26-16,-26 0 0,1 0 15,25 0-15,-26-26 16,26 0-16,0-25 0,0-1 16,0 1-16,0 0 15,0-52 1,0 0-16</inkml:trace>
-  <inkml:trace contextRef="#ctx0" brushRef="#br0" timeOffset="8332">3540 11982 0,'0'-26'0,"26"26"16,-26-26-16,0 1 15,-26 25 1,1 0-16,-1 0 0,0 0 15,-25 25-15,0 1 0,-1 0 16,1-1-16,0 27 16,-1-1-16,1 26 0,0-26 15,25 26-15,0 0 16,1 0-16,-1 0 0,26-26 16,0 26-16,0-25 0,26-1 15,-1 0-15,27-25 16,-27 0-16,27-1 0,-1 1 15,0-26-15,26 0 0,-25-26 16,-1 1-16,0-1 16,1 0-16,-27-25 15,1 25-15,0-25 0,-26 0 16,0 25-16,-26-25 0,0 25 16,1 0-16,-27 1 0,27-1 15,-1 1-15,0 25 16,1 0-16,-1-26 0,52 26 31,-1 0-31,27 0 0,-27 0 16,27-26-16,-1 26 15,0 0-15,0 0 0,1 0 16,-27 0-16,1 0 0,0 0 16,-1 0-16,1 0 15,-26 26-15,0 0 16,26-1-16,-26 1 15,0-1-15,0 27 16,25-27-16,-25 78 16,0-26-1,0-26-15,-25 1 0,25-1 16,-26-25-16,26-1 0,0 1 16</inkml:trace>
-  <inkml:trace contextRef="#ctx0" brushRef="#br0" timeOffset="8770">2770 11725 0,'-25'-26'16,"-1"1"-1,26 50 1,26 1-1,-26 25-15,25-25 0,-25 25 16,0 26-16,0 0 16,0 0-16,0 26 0,0 0 15,-25 25-15,-1 0 16,1 0-16,25 1 0,-26-1 16,0 0-16,1 1 0,25-27 15,0 1-15,-26-26 16,26 0-16,0-26 0,0 0 15,0-25-15,0 0 0</inkml:trace>
-  <inkml:trace contextRef="#ctx0" brushRef="#br0" timeOffset="9449">2617 11802 0,'-26'-26'0,"26"1"16,51 25 15,1-26-31,24 26 0,1 0 16,26-26-16,25 26 0,26 0 15,-25-25-15,50 25 16,-25 0-16,0 0 0,-26 0 16,26 0-16,-25 25 15,-27-25-15,1 0 0,-26 26 16,0 0-16,-26-26 0,0 25 16,-25-25-16,0 26 15,-1 0-15,1-1 16,-26 1-16,0 0 15,0 25 1,26-25-16,-26-1 0,0 27 0,25-1 16,1 0-16,-26 1 15,26-1-15,-1 26 0,1-26 16,0 1-16,-26 24 16,25-24-16,-25 25 0,0 0 15,0 0-15,0-26 16,0 26-16,-25 0 0,25 0 15,0 0-15,-26-26 0,26 1 16,0-1-16,-26 0 16,26-25-16,0-1 15,-25 27-15,-1-27 0,0-25 16,-25 26 0,0-26-16,-1 0 0,-25 26 15,-25-26-15,-1 25 16,-51 1-16,0-26 0,0 26 15,-25-1-15,-1-25 0,1 26 16,25-26-16,0 26 16,25-26-16,1 0 0,25 0 15,27 0-15,24 0 16,1 0-16,25 0 0</inkml:trace>
-  <inkml:trace contextRef="#ctx0" brushRef="#br0" timeOffset="11321">5926 11905 0,'0'25'47,"0"1"-31,0 0-16,0 25 0,0 26 15,-25-26-15,25 26 16,-26 26-16,26 0 0,-26-27 16,26 53-16,-25-27 15,-1-25-15,26 26 0,-26 0 16,26-26-16,-25 0 0,25-26 16,0 0-16,0 0 15,0-25-15,0 0 0,0-1 16,0 1-16,25-26 15,-25-26 1,26 26-16,-26-25 0,0-1 16,0 0-1,26 26-15,-1 0 47,1 0-47,25 0 16,1-25-16,25 25 15,0-26-15,25 26 0,26 0 16,-25-25-16,25-1 0,1 26 16,-1-26-16,26 26 15,-52 0-15,27-25 0,-27 25 16,1 0-16,0 0 16,-26 0-16,-26 0 0,0 0 15,-25 0-15,0 0 0,-1 0 16,-25-26 31,0 0-32,0 1-15,0-1 16,0 0-16,0 1 16,0-27-16,0 1 0,0-26 15,0 0-15,0 26 16,0-52-16,0 26 0,0-25 15,26 25-15,-26-26 0,25 0 16,-25 1-16,0 25 16,26-26-16,-26 0 0,26 26 15,-26 1-15,0-1 0,25 25 16,-25 1-16,0 0 16,0 25-16,0 0 0,0 1 15,-25 25 63,-1 25-62,-25-25-16,25 0 16,-25 26-16,-26-26 15,0 26-15,0-26 0,-26 25 16,-25-25-16,0 26 0,-1 0 15,1-1-15,0 1 16,0 0-16,25-26 0,0 25 16,26 1-16,26-26 0,0 26 15,-1-26-15,27 25 16,-1-25-16,1 0 0,25 26 16,-26-26-16,0 0 15,1 25-15,-1-25 16,0 0-1,26 26-15,0 0 32,26-26-32,0 0 15,-26 25 1,25-25-16</inkml:trace>
-  <inkml:trace contextRef="#ctx0" brushRef="#br0" timeOffset="11846">7440 11469 0,'0'-26'16,"0"52"62,0-1-78,0 1 16,0 25-16,0-25 15,0 25-15,-26 0 16,26-25-16,-25 25 0,25 1 16,0-27-16,-26 1 0,26 0 15,0-1-15,0 1 16,0 0-16,26-26 15,-1 0-15,1 0 16,25 0-16,26-26 0,-25 0 16,25 26-16,25-51 0,-25 25 15,0 1-15,0-1 16,-26 0-16,1 26 0,-52-25 31</inkml:trace>
-  <inkml:trace contextRef="#ctx0" brushRef="#br0" timeOffset="12564">6183 12392 0,'-51'0'16,"25"-25"-16,26-1 16,26 26-1,-1 26-15,1-26 16,25 25-16,-25 27 0,25-27 15,-25 1-15,25 25 16,-25-25-16,-1 25 0,1-25 16,0-1-16,-1 1 15,-25 0-15,26-1 0,0-25 16</inkml:trace>
-  <inkml:trace contextRef="#ctx0" brushRef="#br0" timeOffset="12810">6465 12238 0,'-26'0'15,"26"26"17,0 0-32,-25-1 15,-1 27-15,0-27 0,1 27 16,-1-1-16,0 0 15,-25-25-15,25 25 0,1 0 16,-1 1-16,1-27 16,-1 27-16,26-27 0,0 1 15</inkml:trace>
-  <inkml:trace contextRef="#ctx0" brushRef="#br0" timeOffset="13163">6542 12392 0,'26'-25'0,"-1"-1"16,1 26 0,0 0 15,-26 26-31,0-1 0,0 1 15,0 0 1,0 25-16,-26-26 0,0 1 16,26 0-16,-25 25 0,-1-25 15,26-1-15,-26 1 16,26 0-16,-25-1 0,25 1 16,0 0-16,0-1 15,25-25-15,1 0 16,0 0-16,25 0 0,-25 0 15,-1-25-15,27 25 16,-27 0-16,1-26 0,0 26 16</inkml:trace>
-  <inkml:trace contextRef="#ctx0" brushRef="#br0" timeOffset="13549">7158 12367 0,'0'-26'16,"0"0"-16,0 1 31,25 25-31,-50 0 31,-1 0-31,0 25 16,1 1 0,-1-26-16,0 26 0,1-26 15,-1 25-15,26 1 0,-25 0 16,25-1 0,25 1-16,1-26 0,-1 25 15,1 1 1,0-26-16,-1 26 0,1-26 0,0 25 15,-26 1-15,-26-26 16,-25 26-16,-1-1 0,-24 1 16,-27 0-16,-25-1 15</inkml:trace>
-  <inkml:trace contextRef="#ctx0" brushRef="#br0" timeOffset="15362">1231 11417 0,'-26'-25'16,"1"25"-16,50 0 15,-25-26 32,0 0-47,0 1 16,0-27-16,0 27 0,0-27 16,26-25-16,-26 0 15,26-25-15,25-1 0,0-25 16,1 0-16,-1-52 0,26 0 15,-26-25-15,26 0 16,0 0-16,0-26 0,0 0 16,51-180-1,-76 206-15,-1 25 0,-25 1 16,25 25-16,-25 26 0,-1 25 16,-25 26-16,26 0 15,-26 26-15,26 25 0,-26 52 47,0-1-47,25-25 0,-25 26 16,0 0-1,26-26-15,-26 25 16</inkml:trace>
-  <inkml:trace contextRef="#ctx0" brushRef="#br0" timeOffset="15818">2026 8005 0,'-25'0'0,"-1"-26"0,0 26 15,26-25 1,0-1-1,0 0-15,0-25 16,26 25-16,0 1 16,-1-1-16,1-25 0,0-1 15,-1 27-15,1-27 0,0 1 16,-1 25-16,1-25 16,25 25-16,-25 1 0,0-1 15,-1 26-15,1 0 16,0 0-16,-1 26 0,1 25 15,0 0-15,-1 1 16,1 25-16,0 0 0,-26 0 16,25 25-16,1-25 15,-26 0-15,26 26 0,-1-26 16,-25 0-16</inkml:trace>
-  <inkml:trace contextRef="#ctx0" brushRef="#br0" timeOffset="16542">3386 11546 0,'-25'0'15,"25"-26"1,0 0-1,0 1-15,0-27 16,25 27-16,-25-27 16,0 1-16,26 0 0,-26-26 15,0-26-15,26 0 0,-1-25 16,-25-26-16,26-25 16,0-27-16,-1 1 0,-25 0 15,0-26-15,26-26 16,-26 26-16,0 26 0,0 0 15,0 0-15,-26 51 0,26 25 16,0 27-16,-25-1 16,25 52-16,0 0 0,-26 25 31,26 0-31,0 1 16,-26 25 15,26 25-16,-25-25 17</inkml:trace>
-  <inkml:trace contextRef="#ctx0" brushRef="#br0" timeOffset="17049">3001 8826 0,'-25'-26'16,"-1"1"-16,26-27 16,0 1-16,0 0 15,0-1-15,0-25 0,0 0 16,0 0-16,0-25 16,0 25-16,26-26 0,-26 1 15,25-1-15,1 0 0,0 26 16,-26 0-16,25 0 15,1 26-15,0 25 0,-26 1 16,25-1-16,1 26 16,0 0-1,-26 26-15,25-1 16,1 1-16,0 0 16,-1 25-16,1 0 0,25 1 15,1 25-15,-1 0 0,0 0 16,1 0-16,24 25 15,-24-25-15,-1 26 16,0-26-16,1 0 0,-1 0 16,-25 0-16,-1 0 0,1-26 15</inkml:trace>
-  <inkml:trace contextRef="#ctx0" brushRef="#br0" timeOffset="18382">5952 11366 0,'26'0'15,"-26"26"-15,25-26 16,-25 25-16,26 1 16,-26 0-1,0-1-15,26 1 0,-1 0 16,-25-1 0,26 1-16,-26 0 15,26-1-15,-26 1 0,25-1 16,-25 1-1,0 0-15,26-1 16,-1-25 15,-25-25-31,0-1 16,26 0 0,-26-25-16,0 26 0,0-27 15,0 27 1,0-27-16,0-25 0,0 0 0,-26 0 15,1 0-15,-1-25 0,1-1 16,-1 0-16,-25-25 16,-1 0-16,1 0 0,0-26 15,-26 25-15,25-50 16,-25 25-16,0 0 0,0 0 16,26 0-16,0 26 0,-1-26 15,1 26-15,0-1 16,25 27-16,1-27 0,-27 27 31,27-1-31,-1 0 0,0 26 0,1 1 0,-1-1 16,0 25-16,1 1 0,-1 25 15,0 1-15,26-1 16,-25 0-16,-1 26 16,0 0 30,1 0-30,-1-25 0,0 25-1,26-26 1,0 0 0,0 1-16,26-1 15,-26 0-15,0 1 16,0-1-16,0 0 0,0 1 15,0-1 1,0 0 0,-26 26 62</inkml:trace>
-  <inkml:trace contextRef="#ctx0" brushRef="#br0" timeOffset="18730">4823 7364 0,'0'-26'16,"0"0"-1,-26 26 1,1 26-16,25 0 16,-26-1-16,0 26 0,1-25 15,-1 25-15,26 26 16,-26-25-16,1 25 0,-1 0 15,26-26-15,-26 0 0,26 1 16,-25-1-16,25 0 16,0-25-16,-26 0 0,26-1 15,0-50 17,0-1-32,0 0 0,0 1 15,26-27-15</inkml:trace>
-  <inkml:trace contextRef="#ctx0" brushRef="#br0" timeOffset="18873">4695 7389 0,'25'-51'0,"-25"25"15,52 1-15,-27 25 16,1 0-16,25 25 0,26 27 16,-25-1-16,25 0 15,-26 26-15,52 26 0,-27-26 16,1 25-16,0 1 0</inkml:trace>
-  <inkml:trace contextRef="#ctx0" brushRef="#br0" timeOffset="27463">25374 12726 0,'-26'0'16,"1"0"-16,-1 0 15,0 0 1,26-26-16,26 26 31,0 0-15,-1 26-16,1-26 15,25 0-15,52 0 16,25 0-16,26 0 0,51 25 16,26-25-16,26 0 0,25 26 15,26-26-15,25 26 16,27-1-16,-27-25 0,26 26 16,26 0-16,0-1 0,0-25 15,0 26-15,-26 0 16,0-26-16,-25 0 0,-1 25 15,-51-25-15,-25 0 16,-26 0-16,-26 0 0,-51 0 16,-26 0-16,-25 0 0,-26 0 15,-51-25-15,-1 25 16,-50 0-16,-1-26 16,-25 26-16,-1-26 0</inkml:trace>
-  <inkml:trace contextRef="#ctx0" brushRef="#br0" timeOffset="28874">25297 12674 0,'0'-25'15,"26"25"17,-26 25 15,0 1-47,0 0 0,-26 179 31,26-128-31,0 26 0,0-1 15,-26 1-15,26 25 0,0-25 16,0 25-16,-25-25 0,25 25 16,-26-25-16,26 25 15,-26 0-15,26-25 0,-25 25 16,25 0-16,-26 1 16,26-1-16,0 0 0,-26 0 15,26 1-15,-25-27 16,25 1-16,0 25 0,0-25 15,-26-26-15,0 25 0,26 1 16,-25 0-16,25-26 16,-26 25-16,26-25 0,-26 0 15,26 26-15,-25-26 0,25 0 16,0 0-16,0 0 16,0 0-16,-26-26 0,26 26 15,0-26-15,-26 26 0,26-25 16,0-1-16,-25 0 15,25-25-15,-26 25 0,26-25 16,0 0-16,0-1 16,-26 1-16,26 0 0,0-1 15,0 1-15,0-1 16,0 1-16,0 0 16,0-1-16,0 1 0,0 0 15,0-1-15,0 1 16,0 0-16,-25-1 15</inkml:trace>
-  <inkml:trace contextRef="#ctx0" brushRef="#br0" timeOffset="29442">26477 14932 0,'0'-25'0,"0"-1"0,0 0 15,0 1 1,0 50 0,0 27-1,0-27 1,0 27-16,0 24 0,0-24 15,0 25-15,0-26 16,-25 26-16,25-26 0,0 26 16,0-25-16,0-1 0,0 0 15,0-25-15,0 0 16,0-1-16</inkml:trace>
-  <inkml:trace contextRef="#ctx0" brushRef="#br0" timeOffset="29874">26400 15266 0,'26'0'31,"25"0"-31,0 0 0,1 0 16,25 0-16,25 0 0,-25-26 15,0 26-15,0 0 16,0-26-16,-25 26 0,-1 0 16,-25-25-16,-1 25 0,-25-26 15,0 0-15,-25 26 16,-1-25-16,0-1 16,-25 0-16,25 1 0,1-1 15,-1 1-15,0-1 0,1 0 16,25 1-16,0 50 31,25 1-31,-25 25 0,26-25 16,-26 25-16,0 0 15,26 26-15,-26-25 0,0-1 16,0 0-16,0 1 0,-26-1 16,26-25-16,0 25 15,-26-25-15,26-1 0,-25-25 16,25 26-16</inkml:trace>
-  <inkml:trace contextRef="#ctx0" brushRef="#br0" timeOffset="30379">27452 14881 0,'26'0'15,"-26"26"-15,25-1 16,-25 1-16,0 0 16,0 25-16,26-26 0,-26 27 15,0-1-15,0 26 0,0-26 16,-26 1-16,1-1 16,25 0-16,-26 1 0,0-1 15,26-25-15,-25-1 16,-1 27-16,0-27 15,1-25 1,25-25 0,0-1-16,0-25 0,25-1 15,1 1-15,0-52 16,-1 26-16,1-25 0,0-1 16,25 1-1,26-104-15,-26 104 0,1 50 16,-1 1-16,0 25 0,1 26 15,-1 0-15,0 52 16,1-1-16,-1 0 0,-25 26 16,-1 0-16,-25 26 0,26-26 15,-26 0-15,25 0 16,-25 0-16,0 0 0,0 0 16,0-26-16,0 0 15,0 1-15,0-27 0,0 1 16,-25 0-16,25-1 0,-26-25 15</inkml:trace>
-  <inkml:trace contextRef="#ctx0" brushRef="#br0" timeOffset="30578">27632 15189 0,'-26'0'16,"77"0"15,-25 0-31,25 0 16,1-26-16,25 26 15,0 0-15,0-26 0,0 26 16,-1-25-16,1 25 16</inkml:trace>
-  <inkml:trace contextRef="#ctx0" brushRef="#br0" timeOffset="30846">28530 14907 0,'25'-26'16,"-25"0"-16,26 26 15,-26-25-15,26 25 16,-26 25-16,0 1 15,0 0-15,25 25 0,-25 0 16,0 26-16,0 0 16,-25-26-16,-1 26 0,26 0 15,-26-25-15,1 25 0,-1-26 16,26-25-16,-26 25 16,1-25-16,-1-1 0</inkml:trace>
-  <inkml:trace contextRef="#ctx0" brushRef="#br0" timeOffset="31100">28530 14881 0,'25'0'0,"1"26"15,25-1 1,-25 1-16,25 0 0,1 25 15,-1-26-15,26 52 16,-26-25-16,1-1 0,-1 0 16,-26 1-16,27-1 0,-27-25 15,-25 25-15,26-25 16,-26-1-16,0 1 0,0-52 31</inkml:trace>
-  <inkml:trace contextRef="#ctx0" brushRef="#br0" timeOffset="31320">29248 14701 0,'-26'-25'16,"26"-1"-16,-25 26 0,25 26 16,0 25-1,0-25-15,0 25 16,0 0-16,25 1 0,-25 25 15,0-26 1,26 26-16,-26-26 0,0 26 0,0-26 16,-26 1-16,26-1 15,-25-25-15,25-1 0,-26 1 16</inkml:trace>
-  <inkml:trace contextRef="#ctx0" brushRef="#br0" timeOffset="31920">29787 14753 0,'0'-26'0,"0"0"16,26 26 15,-26 26-15,0 0-16,0-1 16,0 27-16,-26-1 0,26 0 15,0 26-15,-26-26 0,26 26 16,-25 0-16,25-25 15,0-1-15,-26 0 0,26 1 16,0-27-16,0 1 16,-26 0-16,26-1 15,0-50 1,0-1-16,0 0 16,26-25-16,-26 0 0,26-26 15,-1 0-15,1 0 16,0-26-16,-1 1 0,1-1 15,-1 0-15,27 26 0,-27 0 16,27 0-16,-1 26 16,0 25-16,-25 26 0,25 0 15,1 26-15,-1 25 16,-25 1-16,-1 25 0,1 0 16,0 25-16,-1-25 15,-25 26-15,26-26 0,-26 0 16,0 0-16,0 0 0,0-26 15,26 0-15,-26 1 16,0-27-16,0 1 0,-26-26 16</inkml:trace>
-  <inkml:trace contextRef="#ctx0" brushRef="#br0" timeOffset="32124">29966 14958 0,'-51'0'16,"25"0"-16,52 0 31,0 0-31,25 0 0,0 0 16,26 0-16,0 0 0,0 0 16,0 0-16,0 0 15,0 0-15,-25 0 0,-1 0 16,-25 0-16</inkml:trace>
-  <inkml:trace contextRef="#ctx0" brushRef="#br0" timeOffset="33260">27709 16549 0,'0'-26'16,"25"26"-16,1-26 15,-26 1 1,-26 25-16,1-26 0,-1 26 16,-25 0-16,-26 26 15,0-1-15,0 1 0,0 25 16,0 1-16,-26-1 16,26 26-16,0 0 0,26 25 15,0-25-15,-1 0 16,27 0-16,-1 0 0,26 0 15,0-25-15,26-1 0,-1 0 16,27 1-16,-1-27 16,26 1-16,-26-1 0,26-25 15,26 0-15,-26 0 16,0 0-16,0-25 0,0-1 16,-26 1-16,0-27 0,1 27 15,-27-1-15,1 0 16,0 1-16,-26-1 0,25 0 15,-25 1-15</inkml:trace>
-  <inkml:trace contextRef="#ctx0" brushRef="#br0" timeOffset="33647">28324 16677 0,'0'-26'0,"0"1"16,0-1-16,0 0 15,0 52 17,0 25-17,0-25-15,0 25 0,0 0 16,0 1-16,0-1 0,-25 26 16,25 0-16,-26-26 15,26 1-15,-26 25 0,26-26 16,-25 0-16,25-25 15,0 25-15,-26-25 0,26 0 16</inkml:trace>
-  <inkml:trace contextRef="#ctx0" brushRef="#br0" timeOffset="34105">28863 16959 0,'-25'26'78,"-1"-1"-78,26 1 0,-26 0 15,1 25-15,-1-25 0,0 25 16,1 0-16,25-25 16,-26 25-16,26 1 0,0-27 15,26 1-15,-1 0 16,1-1-16,0-25 0,-1 0 16,27 0-16,-1 0 0,0 0 15,1-25-15,-1-27 16,-26 27-16,1-27 0,0 1 15,-1 0-15,-25-1 16,0-25-16,0 26 0,-25 25 16,-1-25-16,0 25 0,1 1 15,-26-1-15,25 26 16,0 0-16,1 0 16,25 26-1,25-26-15</inkml:trace>
-  <inkml:trace contextRef="#ctx0" brushRef="#br0" timeOffset="34530">29530 16882 0,'0'-26'16,"-25"26"-1,25 26 1,0 0-16,-26-1 16,26 27-16,-26-1 15,26 0-15,0 1 0,-25-1 16,25 0-16,0 1 0,25-1 16,-25-25-16,26-1 15,0 1-15,-1 0 0,27-1 16,-27-25-16,27 0 0,-1 0 15,0-25-15,1-1 16,-27 0-16,26-25 0,-25 0 16,0-1-16,-1 1 15,1-26-15,-26 0 0,0 26 16,0-26-16,0 0 16,0 25-16,0 27 0,0-26 15,0 76 16,-26 1-31,26-1 0,0 1 16,-25 0-16,25 25 16</inkml:trace>
-  <inkml:trace contextRef="#ctx0" brushRef="#br0" timeOffset="35670">30993 16908 0,'0'-26'31,"25"26"-15,-25-26-16,0 1 16,26-1-16,-26 0 15,0 1-15,-26-1 0,26 1 16,-25-1-16,-1 0 16,0 1-16,-25 25 0,25-26 15,-25 26-15,0 26 0,-1-1 16,1 1-16,0 25 15,0 0-15,-1 1 0,1 25 16,0 0-16,25 0 16,-25-26-16,25 26 0,26-26 15,-26 1-15,26-1 0,0-25 16,26 25-16,0-25 16,-1-26-16,27 25 0,-27-25 15,27 0-15,25-25 0,-26-1 16,26 0-16,-26-25 15,26 0-15,0-1 0,0-25 16,-26-25-16,1-1 16,-1 0-16,0 1 0,-25-26 15,0 25-15,-1 0 0,1 1 16,-26-1-16,26 26 16,-26 26-16,25-1 0,-25 27 15,0 50 1,0 27-16,-25-1 15,-1 26-15,26 26 0,-26-26 16,1 25-16,-1 27 16,0-27-16,1-25 0,25 26 15,-26-26-15,0 0 16,26 0-16,0-26 0,0-25 16,0 25-16,0-25 0,26-1 15,0-25-15,-1 0 16,27 0-16,-27-25 0,27 25 15,-1-26-15,0-25 16,1 25-16,-27 0 0,1-25 16,0 25-16,-26 1 0</inkml:trace>
-  <inkml:trace contextRef="#ctx0" brushRef="#br1" timeOffset="-54436.92">25938 13393 0,'0'-26'16,"0"0"31,0 1 15,-25 25-15,25-26-47,0 1 16,0-1 0,0 0-1,25 1-15,1 25 16,0-26-16,-1 26 15,1 0-15,25-26 0,-25 26 16,0 0-16,25 0 16,-25 26-16,-1 0 15,1-26-15,-26 25 0,0 1 16,0 25-16,-26-25 16,26-1-16,-25 27 0,-1-27 15,0 1-15,1 25 0,25-25 16,-26 0-1,0-1-15,1 1 0,25 0 0,-26-26 16,26 25-16,0 1 16,-26 0-16</inkml:trace>
-  <inkml:trace contextRef="#ctx0" brushRef="#br1" timeOffset="-53606.92">26041 13957 0,'26'0'62,"-1"0"-46,-25 26 93,-25-26-93,25-26 31,25 26-31,1 26-1,-26 0 16,-26-26 16,1 0-47,25-26 32,-26 26-17,52-26 48,-1 26-48,-25-25 1,26 25-16,0 0 31,-26 25-31</inkml:trace>
-  <inkml:trace contextRef="#ctx0" brushRef="#br1" timeOffset="-52356.92">26734 12931 0,'0'-26'15,"0"1"1,0-1-16,0 0 15,-26 1-15,0-1 16,-25 0-16,25 1 16,-25 25-16,0-26 0,-26 26 15,26 0-15,-52-26 16,-51 26 0,51 26-16,1 0 0,25-1 0,-26 1 15,26 25-15,0 1 16,0 25-16,0-26 0,26 26 15,0 26-15,-1-26 16,1-1-16,25 27 0,1-26 16,25 0-16,0 0 0,25 26 15,-25-26-15,52-26 16,-27 26-16,27-26 0,-1 26 16,0-25-16,26-1 15,0-26-15,26 27 0,-1-27 16,1-25-16,25 0 15,1 0-15,25 0 0,0-51 16,-26 25-16,26-25 0,-52 0 16,27-26-16,-52-26 15,25 26-15,-50-25 0,-27-1 16,1-25-16,-26 25 0,-26 0 16,-25-25-16,-26 26 15,0 25-15,-26 0 0,-25 0 16,0 25-16,25 27 15,-25-1-15</inkml:trace>
-  <inkml:trace contextRef="#ctx0" brushRef="#br1" timeOffset="-41206.92">22013 15137 0,'26'0'0,"-1"0"31,-25 26-16,0 0 1,0-1 0,-25 1-16,25 25 15,0 1-15,-26-1 0,26 0 0,-26 26 16,26 0-16,-25 0 16,25 0-16,-26 26 0,26-26 15,-26 0-15,26 25 16,-25-25-16,25 26 0,-26-26 15,26 26-15,-26-26 0,26 0 16,-25 0 0,25-26-16,0 0 0,-26 0 0,26 1 15,-26-1-15,26-25 16,0-1-16,-25 1 0,25 0 16,-26-26-16,26 25 0,0-50 31,26-1 0,-1 26-31,1-26 0,25 26 0,1-25 16,-1 25-16,0 0 15,26-26-15,26 26 0,-1 0 16,27 0-16,25 0 0,0 0 16,25 0-16,1 0 15,25 0-15,-25 0 0,25 0 16,-51 0-16,25 0 0,-50 0 15,-1 0-15,-25 0 16,-26 0-16,-26 0 0,-25 0 16,-1 0-16,-25-26 15,-25 26 1,-1 0-16,0 0 0,26-25 16,-25 25-16,-1 0 15,26-26 1,-26 26-1,26-26 1,0 1-16</inkml:trace>
-  <inkml:trace contextRef="#ctx0" brushRef="#br1" timeOffset="-40766.92">24604 15214 0,'26'0'0,"-26"26"62,-26 0-46,26-1-16,-25 1 16,25 25-16,-26 26 0,26 0 15,-26 0-15,26 0 16,-25 26-16,25-1 0,-26 1 15,26 25-15,0-25 0,0 25 16,0-25-16,0 0 16,0-1-16,0-25 0,0 0 15,0 0-15,26-26 16,-26 1-16,0-1 0,0-25 16,0-1-16</inkml:trace>
-  <inkml:trace contextRef="#ctx0" brushRef="#br1" timeOffset="-40126.92">21833 15214 0,'26'0'16,"0"0"0,-1 0-16,27 0 0,-1 0 15,52 0-15,-26 0 0,51 0 16,180 0-1,-129 0-15,1 0 16,25 0-16,0 0 0,-25 0 0,25-25 16,-25 25-16,-26-26 15,0 26-15,-52 0 0,-25 0 16,0 0-16,-25 0 16,-27 0-16,-50 0 31</inkml:trace>
-  <inkml:trace contextRef="#ctx0" brushRef="#br1" timeOffset="-39566.92">22295 15291 0,'26'26'16,"-26"0"-1,25-1-15,-25 1 16,0 0-16,0 25 0,0 0 16,0 1-16,0-1 15,-25 26-15,-1-26 0,26 26 16,-26 0-16,1 26 16,25-26-16,-26 25 0,26-25 15,-25 0-15,25 0 0,0 0 31,0 0-31,0-25 0,0-1 0,0 0 0,0-25 16,25-1-16,-25 1 0,26-26 31</inkml:trace>
-  <inkml:trace contextRef="#ctx0" brushRef="#br1" timeOffset="-39156.92">22885 15266 0,'0'-26'15,"26"26"1,-26 26-1,0-1 1,0 1-16,-26 25 16,26 1-16,-25-1 0,25 0 15,-26 26-15,26 0 16,-26 0-16,26 0 0,0 26 16,0-26-16,0 25 15,0 1-15,0 0 0,0-26 16,0 25-16,0-25 0,0 0 15,0-25-15,0 24 16,0-24-16,0-27 0,0 27 16,0-27-16,0 1 15,26-26 1,-26-26-16,26 1 0</inkml:trace>
-  <inkml:trace contextRef="#ctx0" brushRef="#br1" timeOffset="-38826.92">23398 15240 0,'0'51'0,"0"-25"0,0 25 15,-25 26-15,25-25 16,-26 25-16,26 0 0,-26 0 16,26 0-16,-25-1 15,25 27-15,0-26 0,0 0 16,0 26-16,0-26 16,0 0-16,0 0 0,25-26 15,-25 26-15,0-26 0,0-25 16,0 25-16,0-25 15,26-1-15,-26-50 16,26-1 0</inkml:trace>
-  <inkml:trace contextRef="#ctx0" brushRef="#br1" timeOffset="-38516.92">23912 15266 0,'0'51'0,"25"-25"16,-25 25-16,0 0 0,26 1 31,-26-1-31,0 26 0,0 103 0,-26-104 15,26 27-15,0 0 0,-25-1 16,25-25-16,-26 26 16,26 0-16,0-26 0,0 0 15,0-26-15,0 26 16,0-26-16,0-25 0,0-1 16</inkml:trace>
-  <inkml:trace contextRef="#ctx0" brushRef="#br1" timeOffset="-38106.92">21936 15497 0,'-26'0'0,"1"0"16,50 0-1,1 0-15,0 0 16,25 0-16,0 0 15,52 0-15,-1 0 0,1 0 16,25 0-16,26-26 0,0 26 16,26 0-16,-1 0 15,1-26-15,0 26 0,-1 0 16,-25-25-16,-26 25 0,1 0 16,-27 0-16,1 0 15,-26 0-15,-26 0 0,-25 0 16,0 0-16</inkml:trace>
-  <inkml:trace contextRef="#ctx0" brushRef="#br1" timeOffset="-37766.92">21474 15856 0,'-51'0'0,"51"25"0,25-25 15,27 26-15,-1-26 0,26 0 16,26 0-16,25 0 16,0 0-16,1-26 0,24 26 15,-24 0-15,50 0 16,-25 0-16,26-25 0,25 25 15,-25 0-15,-1 0 0,1 0 16,0 0-16,-1 0 16,-51 0-16,1 0 0,-27 0 15,1 0-15,-52 0 16,1 0-16,-27 25 0,-50-25 16</inkml:trace>
-  <inkml:trace contextRef="#ctx0" brushRef="#br1" timeOffset="-37456.92">21602 16215 0,'-25'26'0,"25"-1"16,25-25 0,27 0-16,-1 0 0,26 0 15,51 0-15,1 0 0,25 0 16,25 0-16,26 0 0,1 0 16,25 0-16,-1 0 15,1 0-15,0 0 0,-25 0 16,-1 0-16,-51 0 0,0 0 15,-52 0-15,-25 0 16,0 26-16,-51-26 0</inkml:trace>
-  <inkml:trace contextRef="#ctx0" brushRef="#br1" timeOffset="-37256.92">22500 16472 0,'-25'25'0,"50"1"15,27-26-15,25 26 0,25-26 16,27 0-16,-1 0 16,26 0-16,0 0 0,0 0 15,0 0-15</inkml:trace>
-  <inkml:trace contextRef="#ctx0" brushRef="#br1" timeOffset="-36336.92">19960 16241 0,'-25'0'16,"-1"0"-16,0 0 15,1 0-15,50 0 16,1 0-16,205 0 31,-128 25-31,25-25 16,0 0-16,-25 0 0,25 0 16,0 0-16,-25-25 15,0 25-15,-26 0 0,-26 0 16,0-26-16,-25 26 15,0 0-15,-26-26 0</inkml:trace>
-  <inkml:trace contextRef="#ctx0" brushRef="#br1" timeOffset="-36086.92">21089 16061 0,'-25'0'0,"-1"-26"16,52 26 0,-26-25-1,25 25-15,1 0 16,0 25-16,-1-25 16,1 26-16,0 0 0,-1-1 15,1 1-15,-26 0 16,-26-1-16,1 1 0,-27 25 15,-25-25-15,0 25 0,-25-25 16</inkml:trace>
-  <inkml:trace contextRef="#ctx0" brushRef="#br1" timeOffset="-35236.92">19396 15958 0,'-26'-25'0,"1"25"16,-1-26-16,0 26 16,1 0-16,-1 0 15,0 0-15,1 0 0,-1-26 16,-25 26-16,-1 0 16,1 0-16,0 0 0,-1 26 15,-24-26-15,24 26 16,1-26-16,0 0 0,-1 25 15,27 1-15,25 0 16,51-1-16,0-25 16,1 26-16,25 0 0,-1-26 15,1 0-15,26 25 0,0-25 16,-26 0-16,25 0 16,78-25-16,-103 25 15,-26-26-15,0 26 0,-25-26 16,0 1-16,-1 25 15,-25-26 1,0 0-16,-51 1 16,25-1-16,-25 26 0,0-26 0,0 26 15,-1 0-15,-25 0 16,0 0-16,0 0 0,0 0 16,0 26-16,26-26 0,0 26 15,25-26-15,0 25 16,26 1-1</inkml:trace>
-  <inkml:trace contextRef="#ctx0" brushRef="#br1" timeOffset="-34746.92">18729 16010 0,'0'25'31,"-26"1"-31,26 0 16,-25-1-16,25 1 15,-26 25-15,26-25 0,-26 51 16,26-26-16,-25 26 0,-1-25 15,26 25-15,-26 0 16,1-26-16,25 0 0,0 0 16,-26-25-16,26 25 15,0-25-15,0 0 16,0-1-16,26-25 16,-1 0-16,1 0 0,25 0 15,1 0-15,-1 0 16,0-25-16,26-1 0,-26 26 15,26-26-15,0 26 0,0-25 16,0 25-16,-25-26 0,25 26 16,-26-26-16,26 26 15,-51 0-15,25-25 0,-25 25 16,-1 0-16,1 0 16,0 0-16,-26-26 0,0 1 31</inkml:trace>
-  <inkml:trace contextRef="#ctx0" brushRef="#br1" timeOffset="-34496.92">19576 16164 0,'-26'-26'0,"26"0"16,0 1-16,-26-1 0,1 26 15,25 51 1,-26-25 0,26 25-16,0 1 0,0 25 15,-26-26-15,26 26 16,0 0-16,-25 0 0,25 0 16,0-26-16,-26 0 0,26 1 15,0-1-15,0-25 16</inkml:trace>
-  <inkml:trace contextRef="#ctx0" brushRef="#br1" timeOffset="-33736.92">18857 15163 0,'26'0'16,"-26"-26"-16,25 26 16,-25-25-1,0-1-15,-25 26 16,-1 0-16,26-26 15,-25 26-15,-27 0 0,27 0 16,-27 0-16,1 0 0,0 0 16,-1 26-16,-25 0 15,26-1-15,0 1 0,25 0 16,0-1-16,1 1 16,25 0-16,0-1 0,25 1 15,1 0-15,25-26 16,1 25-16,-27-25 0,27 0 15,25 0-15,-26-25 0,0 25 16,-25-26-16,25 0 0,-25 1 16,25-1-16,-25 0 15,-26 1-15,25-27 0,-25 27 16,0-27-16,0 1 16,0 0-16,0 0 0,0-1 15,0 27-15,-25-27 16,25 27-16,-26-1 0,26 0 15,0 52 1,0 0 0,0-1-16,0 27 0,0-1 15,26 0-15,-26 1 16,25-1-16,-25 0 0,26-25 16,-26 25-16,0-25 0,26-1 15,-1 27-15,1-27 16</inkml:trace>
-  <inkml:trace contextRef="#ctx0" brushRef="#br1" timeOffset="-33256.92">19268 15112 0,'0'-26'0,"25"-25"15,-25 25-15,0 1 16,0-1-16,0 0 0,0 1 0,0-1 15,-25 26 1,-1 26 0,0-1-1,26 1-15,-25 0 16,-1-1-16,0 26 0,26-25 16,-25 25-16,25-25 15,0 0-15,0-1 0,25 1 16,1 0-16,0-26 15,-1 0-15,1 0 0,0 0 16,-1 0-16,1 0 0,-26-26 16,26 0-16,-1 1 15,-25-1-15,0 0 0,0 1 16,0-1-16,0 0 0,0 1 16,-25 25-16,25-26 15,-26 1-15,0 25 16,26 25-1,26 26 1,-26-25-16,26 0 0,-26 25 16,25-25-16,1-1 15,0 27-15,-1-27 0,1-25 16,0 26-16,-1-26 16,1 0-16,0 0 0,-1-26 15,-25 1-15,26 25 0</inkml:trace>
-  <inkml:trace contextRef="#ctx0" brushRef="#br1" timeOffset="-33066.92">19601 14573 0,'0'26'0,"26"25"15,-26 0-15,0 26 16,0 0-16,26 0 0,-26 0 15,0 0-15,25 0 16,-25 0-16,0-26 0,26 1 16,-26-27-16</inkml:trace>
-  <inkml:trace contextRef="#ctx0" brushRef="#br1" timeOffset="-32566.92">19627 15086 0,'26'0'16,"-1"0"-16,1 0 15,25 0-15,0-26 16,1 26-16,-1 0 0,26-25 16,-26 25-16,1 0 0,-1 0 15,-25-26-15,-1 26 16,1 0-16,-26-25 31,-26 25-31,1 0 0,25-26 16,-26 26-16,0-26 15,-25 26-15,25 0 0,1-25 16,-1 25-16,0 0 16,1 25-16,-1-25 15,26 26-15,-26 0 0,26-1 16,0 26-16,0-25 15,0 0-15,0-1 0,0 1 16,26-26-16,0 26 16,-1-26-16,1 0 15,0 0-15,-1-26 0,1 0 16,0 1-16,-26-1 16,25 0-16,-25 1 15,0-1-15,26 26 0,-26-25 16,26 25-1,-1 25-15,1 26 16,0 1 0,-1-1-16,1 0 0,0 1 15,-1 25-15</inkml:trace>
-  <inkml:trace contextRef="#ctx0" brushRef="#br1" timeOffset="-30856.92">29197 13418 0,'25'0'0,"-25"26"32,0 0-17,0-1-15,0 27 16,0-27-16,-25 27 16,25-27-16,0 27 0,0-27 15,0 1-15,0 0 16,0-1-16,25-50 15,1-1 1,25 0-16,1-25 16,25 0-16,0-1 0,51-25 15,-25 0-15,50 0 0,1-25 16,0 25-16,0 0 16,0 0-16,0 0 15,-26 26-15,-25-1 0,0 27 16,-52 25-16,0 0 0,-51 25 15,0 1-15</inkml:trace>
-  <inkml:trace contextRef="#ctx0" brushRef="#br1" timeOffset="-29616.92">22680 13932 0,'0'-26'0,"0"0"16,0 1-1,0-1-15,0 0 16,26 26-16,-1 0 15,1 26 1,-26 0-16,0-1 0,0 27 16,26-1-16,-26 0 15,0 1-15,0-1 0,0 0 32,0 52-32,0-78 0,0 27 0,0-27 15,0 27-15,0-27 0,0 1 16</inkml:trace>
-  <inkml:trace contextRef="#ctx0" brushRef="#br1" timeOffset="-29286.92">22706 14368 0,'-26'0'15,"52"0"1,-26 25-1,25-25-15,1 26 16,0 0 0,-1-1-16,1-25 15,0 26-15,-1-26 16,1 0-16,0 0 16,-1 0-16,1-26 0,-26 1 15,26 25-15,-1-26 0,1 0 16,-1 1-16,1-1 15,0 0-15,-26 1 16,-26 50 15,0-25-31,1 26 16,-1-26-16,-25 26 0</inkml:trace>
-  <inkml:trace contextRef="#ctx0" brushRef="#br1" timeOffset="-28836.92">20371 13624 0,'-26'0'0,"26"-26"15,-25 0 1,50 52 15,-25 0-31,0-1 16,0 1-16,0 25 0,26 1 16,-26-1-16,0 0 15,0-25-15,0 25 16,0 1-16,0-1 0,0-25 15,26-1-15,-26 27 0,0-27 16,0 1-16</inkml:trace>
-  <inkml:trace contextRef="#ctx0" brushRef="#br1" timeOffset="-28506.92">20243 14137 0,'0'-26'15,"-26"-25"-15,0 25 16,52 52 15,-26 0-31,26-1 16,-1 1 0,1 0-16,-26-1 0,26 1 15,-1-26 1,-25 25-16,26-25 15,0-25-15,-1-1 16,-25 1 0,26-1-16,0 0 15,-26 1-15,0-1 0,25 26 16,-25-26-16,26 26 16,-26 26-1,0 0-15</inkml:trace>
-  <inkml:trace contextRef="#ctx0" brushRef="#br1" timeOffset="-20526.92">17985 12623 0,'-26'0'0,"1"0"0,50 0 15,52-26-15,0 26 16,26-25-16,51 25 16,25-26-16,52 26 0,26 0 15,25-26-15,52 26 16,-1 0-16,52 26 0,0-26 16,25 26-16,-25-26 0,26 25 15,-27 1-15,-24 0 16,-1-26-16,-26 25 0,-25-25 15,-26 26-15,-25-26 0,-26 0 16,-26 0-16,-25 0 16,-26-26-16,-26 26 0,-25 0 15,-26-25-15,-26 25 16,-77 0 0</inkml:trace>
-  <inkml:trace contextRef="#ctx0" brushRef="#br1" timeOffset="-19786.92">18036 12572 0,'0'51'16,"0"0"0,-26 1-16,26-1 0,-25 26 0,25 26 15,-26-1-15,1 27 0,-1-1 16,0 26-16,-25 0 15,25 0-15,1 0 0,-27 0 16,1 25-16,25 1 16,-25-26-16,25 25 0,-25 1 15,25-1-15,1-25 0,-1 26 16,0 0-16,1-1 16,25-25-16,-26 26 0,26-1 15,0-25-15,-26 0 16,26 0-16,0-26 0,-25 1 15,25-1-15,0-25 0,0-26 16,0-26-16,0 0 16,0 1-16,0-27 0,0-50 31,0-1-31,0-25 0</inkml:trace>
-  <inkml:trace contextRef="#ctx0" brushRef="#br1" timeOffset="-18166.92">12674 15035 0,'26'-26'15,"-26"1"-15,-26 25 16,0 0-1,1 0-15,25 25 16,-26 1-16,26 25 0,0-25 16,0 25-16,0 0 15,0 1-15,0-1 0,0 0 16,0-25-16,0 25 0,0-25 16,0 25-16,0-25 15,0 0-15,-26-26 16,26-26-1,0-25-15,0 25 16,0-25-16,0-26 0,26 0 16,-26 0-16,26-26 15,-26 1-15,25-27 0,1 27 16,0-1-16,25 26 16,0 0-16,1 0 0,-1 26 15,26 25-15,0 26 0,-26 0 16,26 0-16,-26 0 15,1 26-15,-27-1 0,1 1 16,-26 25-16,0-25 16,-26 25-16,1 1 0,-27 25 15,1-26-15,0 0 0,-1 1 16,-25-1-16,26 0 16,0 1-16,0-27 0,25 1 15,0-1-15,1-25 16,50 0-1,1 0-15,25-25 0,0-1 16,1 26-16,25-25 16,0 25-16,-26 0 0,26 0 15,0 25-15,-26-25 16,-25 26-16,25 25 0,-51-25 16,0 25-16,0-25 0,0 25 15,-51-25-15,25 25 16,-51 0-16,26-25 0,-26 0 15,0 25-15,0-25 0,26-26 16,-26 25-16,26-25 16,25 0-16,0 0 0,1-25 15,-1-1-15,26-25 16,26 25-16</inkml:trace>
-  <inkml:trace contextRef="#ctx0" brushRef="#br1" timeOffset="-17646.92">13752 14624 0,'0'-25'16,"0"-1"-1,0 52 16,0-1-31,0 1 0,0 25 16,-26 1 0,26 50-16,-26-50 0,26 25 15,-25-26-15,25 0 0,-26 0 16,26 1-16,-26-27 0,26 1 16,0 0-16,0-1 15,0 1-15,0-52 31,0-25-31,26 25 16,-26-25-16,26-26 0,-1 0 16,1 0-16,-26-25 15,51-1-15,-25 26 0,-1-26 16,1 26-16,25 0 16,-25 26-16,25 25 0,-25 1 15,0 25-15,25 25 0,-25 1 16,-1 25-16,-25 1 15,26 25-15,0 0 0,-26 0 16,0 25-16,0-25 16,25 26-16,-25-26 0,0 0 15,0-26-15,0 26 0,26-26 16,-26-25-16,0 0 16,0-1-16</inkml:trace>
-  <inkml:trace contextRef="#ctx0" brushRef="#br1" timeOffset="-17456.92">13957 14958 0,'-26'-26'16,"0"26"-16,1 0 16,50 0-1,1-25 1,25 25-16,1 0 0,-1-26 15,26 26-15,0-26 0,0 26 16,-26 0-16</inkml:trace>
-  <inkml:trace contextRef="#ctx0" brushRef="#br1" timeOffset="-16976.92">15060 14599 0,'0'-52'0,"0"27"15,0-27-15,0 27 16,0-27-16,0 27 0,0-27 16,0 27-16,-26-1 15,1 0-15,-1 26 16,-25 0-16,25 0 0,-25 26 15,-1 0-15,1-1 16,0 27-16,-1-27 0,27 27 16,-26-27-16,51 1 15,-26 25-15,26-25 0,26 0 16,-1-1-16,1 1 16,25 0-16,0-1 0,26 1 15,-25-26-15,25 26 0,-26-1 16,26 1-16,-26 0 15,1 25-15,-1-25 0,0 76 16,-51-76 0,0 25-16,-25 0 0,-27-25 15,1 25-15,-26-25 0,0 0 16,-26-26-16,1 25 16,-1-25-16,1 0 0,-1-25 15,26-1-15,0 0 0,26 1 16,-1-1-16,27-25 15</inkml:trace>
-  <inkml:trace contextRef="#ctx0" brushRef="#br1" timeOffset="-16526.92">12084 13855 0,'-26'-26'15,"1"26"1,-1 0-16,26 26 16,-26 25-16,26 0 0,0 26 15,0 0-15,0 26 16,0 25-16,0 0 0,26 1 16,-26 25-1,0 153-15,-26-153 0,26 0 16,-25 0-16,-1-25 0,0-1 15,1 0-15,25-25 16,-26-1-16,0 1 0,26-26 16,-25 0-16,25-26 15,0 1-15,0-27 0,0 1 16,25-26-16,1 0 16,0-26-16</inkml:trace>
-  <inkml:trace contextRef="#ctx0" brushRef="#br1" timeOffset="-15686.92">11596 14188 0,'-25'-25'0,"-1"25"16,26-26-16,26 0 16,-1 1-16,27-1 0,50 0 15,1 26-15,25-25 0,26-1 16,26 26-16,51-26 15,0 26-15,-1-25 0,53 25 16,-1 0-16,0-26 16,0 26-16,1 0 0,-1 0 15,-51 0-15,0 0 0,-26 0 16,-51 0-16,-26 26 16,-25-26-16,-26 0 0,-26 0 15,0 0-15,-76 25 16,-1-25-1,0 0-15,1 0 0,-1 26 16,0-26 0,26 26-16,0-1 15,0 1 1,0 0-16,0-1 16,0 1-16,0 0 0,0 25 15,0 0-15,-25 0 16,25 1-16,0 25 0,0 25 15,-26-25-15,26 26 16,0-26 0,26 231-16,-1-231 0,-25 0 15,26 0-15,-26 0 16,26-26-16,-26 26 0,0-26 16,0 1-16,0-27 0,0 1 15,-26 0-15,26-1 16,0 1-16,-26-26 0,26 26 15,-25-26-15,-1 0 16,0 0-16,-25 0 0,0 0 16,-1 0-16,-25 0 0,-25 0 15,-1 0-15,-25 0 16,-26-26-16,0 26 0,-51 0 16,0 0-16,-1 26 15,-25-26-15,-25 25 0,25-25 16,0 26-16,0-1 0,26 1 15,0 0-15,51-1 16,0-25-16,51 26 0,0-26 16,52 26-16,26-26 15</inkml:trace>
-  <inkml:trace contextRef="#ctx0" brushRef="#br1" timeOffset="-15116.92">15419 14676 0,'26'0'16,"-1"25"-16,1-25 0,51 0 15,0 0-15,26 0 16,25 0-16,0 0 0,26 0 15,26-25-15,-26 25 16,25 0-16,-25-26 0,26 26 16,-26-26-16,-26 26 15,0 0-15,-25-25 0,-26 25 16,0 0-16,-26-26 0,-25 26 16,0 0-16,-52 0 15,-25 0 1,25 0-16,0 0 0</inkml:trace>
-  <inkml:trace contextRef="#ctx0" brushRef="#br1" timeOffset="-14816.92">17215 14239 0,'-26'-25'0,"52"25"31,0 25-15,-1 1-16,27-26 16,-27 26-16,27-1 0,-1 27 15,26-27-15,-26 27 0,1-1 16,-1 0-16,-25 1 15,-1-1-15,-25 0 0,-25 1 16,-1-1-16,-51 26 0,-51-26 16,-26 26-16,-51-26 15</inkml:trace>
-  <inkml:trace contextRef="#ctx0" brushRef="#br1" timeOffset="-13266.92">9698 15009 0,'51'-25'16,"-25"25"-1,51 0-15,25-26 0,1 26 16,51 0-16,0-26 0,25 1 15,27 25-15,-1-26 0,0 0 16,0 1-16,1-1 16,-27 0-16,-25 26 0,0-25 15,-77 25-15,0 0 16,-26 0-16,-25 0 0,-52-26 16</inkml:trace>
-  <inkml:trace contextRef="#ctx0" brushRef="#br1" timeOffset="-12996.92">11802 14419 0,'-26'-26'0,"0"26"0,1-25 16,50 25 15,1 25-31,0 1 16,25 0-16,0-1 15,1 27-15,-1-1 0,0 0 16,-25 1-16,-1-1 0,-25 26 16,0-26-16,-51 26 15,-51 0-15,-27-26 0,-25 26 16</inkml:trace>
-  <inkml:trace contextRef="#ctx0" brushRef="#br1" timeOffset="-12146.92">9287 14393 0,'-51'-25'16,"25"-1"-16,-25 26 15,25 0-15,-25-26 0,0 26 16,-26 26-16,25 0 15,-25-1-15,26 27 0,0-1 16,0 26-16,25 0 0,0 0 16,26 0-16,26 0 15,25 0-15,0-26 16,206 77 0,-154-102-16,128-26 15,-129-26-15,1-25 0,-1 25 16,1-25-16,-26-26 15,-26 0-15,1 0 0,-27 0 16,-25 0-16,0-25 16,-25 25-16,-27 0 0,-25 0 15,0 0-15,0 26 0,-25-1 16,25 1-16,-26 51 16,26 0-16,26 0 0</inkml:trace>
-  <inkml:trace contextRef="#ctx0" brushRef="#br1" timeOffset="-11566.92">8902 15035 0,'-25'0'0,"25"-26"16,-26 26-16,0 26 15,1 25 1,-1-25-16,26 25 0,-26 0 16,1 1-16,-26-1 0,25 26 15,0 0-15,1-26 16,-1 1-16,26-1 15,-26 0-15,1 1 0,25-27 16,0 1-16,0 0 16,25-26-1,1-26-15,0 26 16,25-26-16,-25 26 16,25 0-16,0-25 15,26 25-15,-26 0 0,26 0 16,26 25-16,-26-25 0,0 26 15,0-26-15,26 26 16,-52-26-16,26 25 0,-26-25 16,0 0-16,1 0 15,-27 0-15,27 0 0,-27 0 16,1-25-16,0 25 0,-1-26 16,1-25-16,0 25 15,-26-25-15,25-1 0,-25-25 16,0 26-16,-25-26 15,-1 0-15,0 26 0,-25-26 16,0 25-16,-26 1 0,25 25 16,1 1-16,-26-1 15</inkml:trace>
-</inkml:ink>
-</file>
-
-<file path=ppt/ink/ink10.xml><?xml version="1.0" encoding="utf-8"?>
-<inkml:ink xmlns:inkml="http://www.w3.org/2003/InkML">
-  <inkml:definitions>
-    <inkml:context xml:id="ctx0">
-      <inkml:inkSource xml:id="inkSrc0">
-        <inkml:traceFormat>
-          <inkml:channel name="X" type="integer" max="1920" units="cm"/>
-          <inkml:channel name="Y" type="integer" max="1080" units="cm"/>
-          <inkml:channel name="T" type="integer" max="2.14748E9" units="dev"/>
-        </inkml:traceFormat>
-        <inkml:channelProperties>
-          <inkml:channelProperty channel="X" name="resolution" value="55.81395" units="1/cm"/>
-          <inkml:channelProperty channel="Y" name="resolution" value="55.6701" units="1/cm"/>
-          <inkml:channelProperty channel="T" name="resolution" value="1" units="1/dev"/>
-        </inkml:channelProperties>
-      </inkml:inkSource>
-      <inkml:timestamp xml:id="ts0" timeString="2020-11-08T01:52:33.731"/>
+      <inkml:timestamp xml:id="ts0" timeString="2020-11-08T01:52:07.185"/>
     </inkml:context>
     <inkml:brush xml:id="br0">
       <inkml:brushProperty name="width" value="0.05" units="cm"/>
@@ -271,61 +154,19 @@
       <inkml:brushProperty name="fitToCurve" value="1"/>
     </inkml:brush>
   </inkml:definitions>
-  <inkml:trace contextRef="#ctx0" brushRef="#br0">223 134 0,'25'-24'16,"-25"-1"-1,-25 25 48,1 25-63,0-25 15,-1 0-15,1 24 0,-1-24 16,1 24-16,-1 1 16,25-1-16,-24 1 0,0-1 15,24 25-15,0-25 16,0 25-16,0-24 0,0 24 15,24-25-15,0 0 0,1 1 16,-1-1-16,25-24 16,-24 25-16,23-25 0,1 0 15,-24 0-15,24 0 16,-25 0-16,25-25 0,-25 25 16,1-24-16,-1 24 0,-24-25 15</inkml:trace>
-  <inkml:trace contextRef="#ctx0" brushRef="#br0" timeOffset="581">956 232 0,'0'-25'15,"0"1"1,-24 24-16,-1-25 16,1 1-1,-1 24-15,1 0 16,0 0-16,-1 0 0,-24 0 15,25 0-15,-1 0 16,1 0-16,0 24 0,-1 1 16,1-1-1,24 1-15,-25-1 0,25 1 16,0-1-16,0 0 16,25 1-16,-1-1 15,1-24-15,-1 25 0,0-25 16,1 0-16,24 0 15,-25 0-15,25 0 0,0 0 16,-25 0-16,25 0 0,-25 24 16,1-24-16,-1 0 15,-24 25-15,25-25 0,-25 24 16,0 0-16,0 1 16,-25-1-16,1 1 15,-1-25-15,1 24 16,0-24-16,-1 0 15,-24 0-15,25 0 0,0 0 16,-1 0-16,1 0 16,-1 0-16,1-24 0,24-1 15</inkml:trace>
-  <inkml:trace contextRef="#ctx0" brushRef="#br0" timeOffset="1093">1225 232 0,'0'-25'31,"24"25"0,1 0-15,-25 25 0,24-1-16,-24 1 15,24-1-15,-24 0 16,25 1-16,-25-1 0,24 1 16,-24-1-16,25 1 15,-1-25-15,-24 24 0,25 0 16,-1-24-16,0 0 15,1 0-15,-1 0 16,-24-24 0,0 0-1,0-1-15,0 1 16,0-1-16,0 1 0,0-1 16,0-23-16,0 23 15,25 1-15,-25-1 0,0 1 16,24-1-16,0 25 47,-24 25-32,0-1 1</inkml:trace>
-  <inkml:trace contextRef="#ctx0" brushRef="#br0" timeOffset="1757">1933 354 0,'0'24'78,"24"1"-47,-24-1-31,0 1 16,0-1-16,0 0 16,-24 1-16,24-1 15,-24 1-15,24-1 0</inkml:trace>
-  <inkml:trace contextRef="#ctx0" brushRef="#br0" timeOffset="2573">2397 158 0,'24'0'63,"-24"-24"-47,-24 24 77,24-24-77,-24 24 0,24-25 15,0 1 0,24 24-15,-24 24 15,0 1-31,0-1 16,24 0-16,-24 1 15,25 24-15,-25-25 0,0 1 16,24-1-16,-24 25 15,25-25-15,-25 1 0,0-1 16,0 1-16,0-1 16</inkml:trace>
-  <inkml:trace contextRef="#ctx0" brushRef="#br0" timeOffset="2947">2299 354 0,'25'0'16,"-1"0"0,1 0-1,-1 0-15,0 24 0,1-24 16,-1 0-16,1 0 16,-1 0-16,1-24 0,23 24 15,-23 0-15,-1 0 16,1 0-16,-1 0 0,1 0 15,-1 0-15,-48 0 32</inkml:trace>
-  <inkml:trace contextRef="#ctx0" brushRef="#br0" timeOffset="3263">2202 134 0,'0'-24'16,"24"24"-16,0 0 15,1-25-15,-1 25 16,1 0-16,-1 0 0,1-24 16,-1 24-16,0 0 15,1 0-15,-1 0 0,1 0 16,-1 0-16,1 0 0,-1 0 16,0 0-16,1 0 15,-1 0-15</inkml:trace>
-  <inkml:trace contextRef="#ctx0" brushRef="#br0" timeOffset="3949">2763 183 0,'25'0'31,"-1"0"-15,1 0-1,-1 0-15,0 0 16,-24 24-16,25 1 16,-25-1-1,0 1-15,24-1 16,-24 0-1,0 1-15,0-50 47,0 1-31,0 0 0,25-1-16,-25 1 15,0-1-15,24 1 0,1 24 16,-25-25-16,24 1 15,0 24-15,1 0 16,-1 0-16,1 24 16,-25 1-1,24-25-15,-24 24 16,0 1-16,0-1 16,-24-24 15,24-24 0,24-1-15,1 25-16,-25-24 15,24 24-15,0 0 16,1-25-16,-1 25 16,1 0-16,-25 25 0,24-1 15,-24 1 1,0-1-16,25 1 15,-25-1-15,0 0 16,24 1-16,-24-1 0,0 1 16,24-25-1</inkml:trace>
-  <inkml:trace contextRef="#ctx0" brushRef="#br0" timeOffset="4506">3398 11 0,'0'-24'15,"25"48"1,-25 0 0,24 1-16,-24-1 15,0 1-15,25-1 0,-25 25 16,24 0-16,-24-25 15,0 25-15,24 0 0,-24 0 16,0-25-16,25 25 0,-25-25 16,0 25-16,0-24 15,0-1-15,0 0 0,0 1 16,0-1-16,0-48 31,0-1-15,0 1-1,0 0-15,0-25 0,-25 24 16,25-23-16,0 23 16,0-24-16,0 25 0,-24-25 15,24 25-15,0-1 0,0 1 16,24-1-16,-24 1 16,25-1-16,-1 25 0,-24-24 15,25 24-15,-1 0 16,1 0-16,-1 0 0,0 24 15,1 1-15,-1-25 16,-24 24-16,25 1 16,-25-1-16,-25 1 15,1-1-15,-1-24 16,1 24-16,0-24 0,-1 0 16,1 0-16,-25 0 15,24 0-15,1 0 0</inkml:trace>
-  <inkml:trace contextRef="#ctx0" brushRef="#br0" timeOffset="4722">3960 158 0,'0'25'0,"25"-25"15,-1 0-15,0 0 16,1 0-16,-1 0 16,1 0-16,-1 0 15,-24 24-15,-24-24 16</inkml:trace>
-  <inkml:trace contextRef="#ctx0" brushRef="#br0" timeOffset="6594">516 1038 0,'0'-25'31,"-24"25"172,24-24-172,-24 24-31,-1 0 16,1 0-16,-1 0 16,1 0-16,-25 0 15,25 0-15,-1 24 0,-24-24 16,25 25-16,-25-1 16,25 1-16,-1-1 0,1 0 15,-1 25-15,25-24 0,0 23 16,0-23-16,0 24 15,25-25-15,-1 1 0,1-1 16,-1 0-16,1-24 16,-1 25-16,25-25 0,-25 0 15,1 0-15,23 0 0,-23-25 16</inkml:trace>
-  <inkml:trace contextRef="#ctx0" brushRef="#br0" timeOffset="7145">883 1184 0,'-25'0'16,"25"-24"-1,0-1 16,-24 1-15,0 24 0,-1 0-16,1 0 15,-1 0 1,1 0-16,-1 24 0,1-24 16,0 25-16,-1-1 15,1 1-15,24-1 16,0 0-16,0 1 0,0-1 15,0 1-15,24-1 16,-24 1-16,25-25 0,-1 24 16,0-24-16,1 0 0,24 0 15,-25 0-15,1 0 16,-1 0-16,0-24 16,1-1-16,-1 1 15,-24-1-15,0 1 0,0-1 16,0 1-16,0-25 0,0 25 15,0-1-15,0 1 16,0 48 15,0 1-31,0-1 0,25 1 16,-25-1-16,0 0 16,24 1-16,-24-1 0,25-24 15,-25 25-15,24-25 0,0 0 16,1 0-16</inkml:trace>
-  <inkml:trace contextRef="#ctx0" brushRef="#br0" timeOffset="7398">1176 989 0,'-25'-25'0,"25"1"16,0 48 31,0 1-47,0-1 15,0 1-15,25 24 0,-25-25 16,0 0-16,0 25 16,0-24-16,24 24 0,-24-25 15,0 0-15,25 1 16,-25-1-16</inkml:trace>
-  <inkml:trace contextRef="#ctx0" brushRef="#br0" timeOffset="8423">1713 1184 0,'0'-24'16,"-24"-1"-1,-1 25 1,1 0-16,-1-24 16,1 24-16,0 0 15,-1 0-15,1 24 16,-1-24-16,1 0 0,24 25 15,-24-1-15,24 1 16,0-1-16,0 1 16,0-1-16,0 0 15,24 1-15,-24-1 0,24 1 16,1-25-16,-1 24 0,1-24 16,23 24-16,-23-24 15,-1 0-15,25 0 0,-24-24 16,-1 24-16,0-24 15,1-1-15,-1 1 0,-24-1 16,25 1-16,-25 0 0,0-1 16,0 1-16,0-1 15,0-24-15,0 25 16,0 0-16,-25 24 16,25 24-1,0 0 1,0 1-1,0-1-15,0 1 0,0-1 16,0 1-16,0-1 0,0 0 16,25 1-16,-1-1 15,1-24 1,-1 0-16,0 0 16,1 0-16,-1-24 15,1-1-15,-1 1 16,-24 0-1,0-1-15,0 1 0,0-1 16,0 1-16,0-1 16,0 1-16,-24 0 15,24 48 1,0 0 0,0 1-16,0-1 0,24-24 15,-24 49-15,25-49 16,-25 25-16,24-1 0,-24 0 15,24-24-15,1 25 0,-1-1 16,1-24 0,-1 0-16,1-24 15,-1-1 1,-24 1-16,24 0 0,-24-1 16,0 1-16,0-1 0,0-24 15,0 1-15,0 23 16,-24-24-16,24 25 0,0-25 15,-24 25-15,24-1 0,0 50 32,0-1-17,0 0-15,0 1 16,0 24-16,0-25 0,24 25 16,-24 0-16,0 0 0,24-25 15,-24 25-15,25-25 16,-25 1-16,24-1 0,1 1 15,-25-1-15,24-24 16</inkml:trace>
-  <inkml:trace contextRef="#ctx0" brushRef="#br0" timeOffset="9618">2324 1209 0,'-25'0'16,"25"-25"-1,25 25 17,-25-24-32,24 24 15,1 0-15,-1 0 16,0 0-16,25-25 0,-24 25 16,-1 0-16,25 0 15,-25-24-15,1 24 0,24 0 16,-25-24-16,1 24 15,-1 0-15,0-25 16,1 25-16,-25-24 16,0-1 15,-25 25-15,1 0-16,0 0 15,-1 0-15,1 0 0,24 25 16,-25-25-16,1 24 15,24 1-15,-25-1 16,25 0-16,0 1 16,0 24-16,0-25 0,0 0 15,0 1-15,0-1 0,0 1 16,25-1-16,-1 1 16,1-1-16,-1-24 15,1 0 1,-1-24-16,0 24 0,1-25 15,-1 1-15,-24-1 16,25 1-16,-25-25 16,0 25-16,0-1 0,0 1 15,0-1-15,0 1 16,0 0-16,0 48 16,0 0-1,0 1 1,0-1-16,0 1 0,0-1 15,0 0-15,24 1 16,-24-1-16,24 1 0,1-1 16,-1-24-16,1 0 15,-1 0-15,1 0 16,-1 0-16,0-24 0,-24-1 16,25 1-16,-1-1 0,-24-23 15,0 23-15,0-24 16,0 1-16,0-1 0,0 0 15,-24 24-15,24-23 16,-25 23-16,25 1 0,-24 24 16,24 24-1,0 1 1,0 23-16,0-23 0,24 24 16,-24 0-16,25-1 15,-25 1-15,24-24 0,1 23 16,-25-23-16,24 24 15,1-25-15,-1 1 16,0-25-16,-24-25 31,0 1-31,-24-1 0,24 1 16,-24-1-16,-1 1 0,25 0 16,-24 24-16,-1-25 15,25 1-15,-24 24 16,48 0-1,1-25 1,-1 25-16,1 0 0,-1 0 16,0 0-16,1-24 15,-1 24-15,1 0 0,-1 0 16,1-24 0,-1 24-1,-24-25-15,24 50 31,-24-1-31,0 0 16,0 1 0,0 24-16,25-25 0,-25 0 15,0 1-15,0-1 0,24 1 16,-24-1-16,25 1 16</inkml:trace>
-  <inkml:trace contextRef="#ctx0" brushRef="#br0" timeOffset="9786">3447 916 0,'-24'-25'16,"-1"1"-16,25 48 31,25 1-15,-1-1-1</inkml:trace>
-  <inkml:trace contextRef="#ctx0" brushRef="#br0" timeOffset="10583">3691 1038 0,'0'24'31,"-24"-24"-15,24 25-16,-24-1 16,24 0-16,0 1 0,0-1 15,0 25-15,0-25 16,0 1-16,24 24 0,0-25 16,1 1-16,-1-25 15,1 24-15,-1-24 0,1 0 16,23 0-16,-23 0 15,-1-24-15,1 24 0,-1-25 16,-24 1-16,0-25 0,0 24 16,0 1-16,-24-25 15,24 0-15,-25 25 0,1 0 16,-1-1-16,1 1 0,0-1 16,-1 25-16,1 0 15,-1 25-15,25-1 16,0 1-16,0-1 15,0 0-15,25 1 0,-25-1 16,24 25-16,-24-25 0,25-24 16,-25 25-16,24-25 15,0 24-15,1-24 16,-1-24 0,1-1-16,-25 1 15,0 0-15,0-1 0,0 1 16,24-1-16,-24-23 15,0 23-15,25 1 16,-1 24 0,0 0-16,-24 24 0,25 1 15,-25-1-15,24 0 0,-24 25 16,25-24-16,-25-1 16,0 25-16,24-25 0,-24 1 15,0-1-15,0-48 47,0-1-47,0 1 16,0-25-16,0 25 0,25-25 15,-25 0-15,0 25 16,24-1-16,-24 1 0,24-1 16,1 25-16,-1 25 15,1-1-15,-25 1 16,24 23-16,-24-23 0,24 24 15,-24-1-15,25 1 0,-25 0 16,24-24-16,-24-1 16,0 0-16,25 1 0,-25-1 15</inkml:trace>
-  <inkml:trace contextRef="#ctx0" brushRef="#br0" timeOffset="10879">4449 1013 0,'-25'-24'0,"1"24"15,24-25 1,24 25 15,1 25-15,-25-1-16,24 1 15,0-1-15,1 1 0,-1 23 16,1-23-16,-1 24 0,1-25 16,-1 25-16,0-25 15,1 25-15,-1-24 0,1-1 16,-1 0-16,-24-48 31</inkml:trace>
-  <inkml:trace contextRef="#ctx0" brushRef="#br0" timeOffset="11178">4766 989 0,'0'24'62,"0"1"-62,0-1 16,0 1-16,0-1 16,-24 25-16,24-25 0,0 25 15,0 0-15,0 0 0,0-25 16,24 25-16,-24 0 16,0-25-16,0 1 0,25-1 15,-25 1-15,0-1 16,0-48-1,0-1 1</inkml:trace>
+  <inkml:trace contextRef="#ctx0" brushRef="#br0">49 244 0,'-25'0'0,"1"0"15,24 24 17,0 1-32,0-1 15,24 25-15,-24-25 16,0 25-16,25 0 0,-25 0 15,0-25-15,0 25 0,0-24 16,0-1-16,0 0 16,0 1-16</inkml:trace>
+  <inkml:trace contextRef="#ctx0" brushRef="#br0" timeOffset="244">49 268 0,'0'-24'16,"24"24"-1,0 0 1,-24 24-16,25 1 0,-1-1 16,1 0-16,-1 1 15,25 24-15,-25-25 0,25 1 16,-24 23-16,23-23 0,-23-1 15,-1 1-15,1-1 16,-1 1-16,1-25 0,-1 0 16</inkml:trace>
+  <inkml:trace contextRef="#ctx0" brushRef="#br0" timeOffset="477">439 146 0,'0'-24'16,"-24"24"-16,24 24 31,0 0-31,0 1 16,24-1-16,-24 25 0,25-24 16,-1 23-16,1 1 15,-1-24-15,-24 24 0,24-25 16,1 0-16,-25 1 15,24-1-15,-24 1 0,0-1 16</inkml:trace>
+  <inkml:trace contextRef="#ctx0" brushRef="#br0" timeOffset="1035">1001 439 0,'0'-24'32,"0"-1"-32,-24 1 15,-1-1 1,1 25-16,-1-24 0,1 24 15,0 0-15,-1 0 16,1 0-16,-1 0 16,1 0-16,-1 24 0,1 1 15,0-1-15,24 1 16,-25-1-16,25 25 0,0-25 16,0 1-16,25 24 0,-1-25 15,-24 1-15,24-1 16,1-24-16,24 24 0,-25-24 15,1 0-15,-1 0 16,0 0-16,25-24 0,-24 0 16,-1-1-16,0 1 15,-24-1-15,0 1 16,0-25-16,0 25 0,0-1 16,0 1-16,0-1 15,0 50 16,0-1-31,25 1 16,-25-1-16,24 0 0,-24 1 16,25-1-16,-25 1 15,24-1-15,1-24 0,-1 25 16,0-25-16,1 0 16,-1 0-16</inkml:trace>
+  <inkml:trace contextRef="#ctx0" brushRef="#br0" timeOffset="1281">1319 244 0,'-25'-25'15,"25"-24"-15,0 25 0,-24 24 16,24-24-16,24 24 16,1 24-1,-25 0-15,24 1 16,0 24-16,1 0 15,-1-1-15,-24 1 0,25 0 16,-1-24-16,1 23 0,-25 1 16,24-24-16,-24-1 15,0 1-15,24-1 0,-24 0 16</inkml:trace>
+  <inkml:trace contextRef="#ctx0" brushRef="#br0" timeOffset="1673">1343 415 0,'-24'0'15,"48"0"17,0 0-17,1 0-15,-1 0 16,1-25-16,23 25 0,-23 0 15,-1 0-15,1-24 0,24 24 16,-25 0-16,-24-25 16,24 25-16,1 0 0,-1-24 15,1 24 1,-25-24-16,24 24 16,1 0 15,-25 24-31,0 0 15,0 25 1,24-24-16,-24-1 0,0 25 16,24-25-16,-24 25 0,25-24 15,-25-1-15,24 1 16,-24-1-16,25 0 0,-25 1 16,24-25-16,-24-25 15</inkml:trace>
+  <inkml:trace contextRef="#ctx0" brushRef="#br0" timeOffset="1864">1807 0 0,'-24'0'15,"24"24"1,24 0 15,-24 1-15</inkml:trace>
+  <inkml:trace contextRef="#ctx0" brushRef="#br0" timeOffset="2279">2051 244 0,'0'24'31,"-24"-24"-31,24 25 32,0-1-17,24 0-15,-24 1 16,25-1-16,-25 1 0,24-1 15,-24 25-15,25-25 0,-1 1 16,-24 24-16,24-49 16,-24 24-16,25 1 0,-1-25 15,1 0 1,-25-25-16,0 1 16,24-1-16,-24 1 0,0-25 15,24 25-15,-24-25 16,0 0-16,0 24 0,25-23 15,-25 23-15,0 1 0,0-1 16,0 1-16,24 24 16,1 0-1,-25 24 1,24-24-16,-24 25 16</inkml:trace>
+  <inkml:trace contextRef="#ctx0" brushRef="#br0" timeOffset="2740">2637 366 0,'0'24'16,"-24"-24"-16,0 0 15,48 0 32,0 0-47,1 0 16,-1 0-1,1 0-15,-1 0 0,0 0 16,1 0-16,-1 0 0,1-24 16,-1 24-16,1 0 15,-25-25-15,0 1 0,24 24 16,-24-24-16,0-1 0,-24 1 15,-1-1 1,1 25-16,-1 0 0,1-24 16,-1 24-16,1 0 15,0 0-15,-1 24 0,1-24 16,24 25-16,-25-1 0,25 1 16,0-1-16,0 25 15,0-25-15,25 25 0,-25 0 16,24 0-16,1-25 15,-25 25-15,24-24 0,0-1 16,1 0-16,-1-24 0,1 0 16,24 0-16</inkml:trace>
 </inkml:ink>
 </file>
 
-<file path=ppt/ink/ink11.xml><?xml version="1.0" encoding="utf-8"?>
-<inkml:ink xmlns:inkml="http://www.w3.org/2003/InkML">
-  <inkml:definitions>
-    <inkml:context xml:id="ctx0">
-      <inkml:inkSource xml:id="inkSrc0">
-        <inkml:traceFormat>
-          <inkml:channel name="X" type="integer" max="1920" units="cm"/>
-          <inkml:channel name="Y" type="integer" max="1080" units="cm"/>
-          <inkml:channel name="T" type="integer" max="2.14748E9" units="dev"/>
-        </inkml:traceFormat>
-        <inkml:channelProperties>
-          <inkml:channelProperty channel="X" name="resolution" value="55.81395" units="1/cm"/>
-          <inkml:channelProperty channel="Y" name="resolution" value="55.6701" units="1/cm"/>
-          <inkml:channelProperty channel="T" name="resolution" value="1" units="1/dev"/>
-        </inkml:channelProperties>
-      </inkml:inkSource>
-      <inkml:timestamp xml:id="ts0" timeString="2020-11-08T01:53:01.582"/>
-    </inkml:context>
-    <inkml:brush xml:id="br0">
-      <inkml:brushProperty name="width" value="0.05" units="cm"/>
-      <inkml:brushProperty name="height" value="0.05" units="cm"/>
-      <inkml:brushProperty name="color" value="#ED1C24"/>
-      <inkml:brushProperty name="fitToCurve" value="1"/>
-    </inkml:brush>
-  </inkml:definitions>
-  <inkml:trace contextRef="#ctx0" brushRef="#br0">27 51 0,'-24'0'32,"24"-24"46,24 24-63,1 0 17,-1 0-17,1 0 1,-1 0 0,1 0-16,-25-25 0,24 25 15,0 0-15,1 0 0,-1 0 16,1 0-16,-1 0 15,0 25-15,1-25 0,-1 0 16,1 0-16,-1 0 16,1 24-16,-1-24 15,0 0-15,1 0 16,-25 25-16,24-25 0,-24 24 16,25-24-16,-25 25 15,24-1 1,-24 0-16,0 1 15,0-1-15,25-24 16,-25 25-16,0-1 16,24-24-1,-24 25 1,0-1 0,0 0-16,0 1 15,0-1-15,0 1 16,0-1-16,0 0 15,0 1-15,0-1 16,0 1-16,0-1 16,0 1-16,0-1 15,-24 0 1,24 1-16,-25-1 16,25 1-1,-24-1-15,-1 1 16,25-1-16,-24-24 15,24 24-15,-25-24 16,25 25-16,-24-1 0,0 1 16,-1-1-1,25 1 1,-24-25-16,24 24 0,-25-24 16,25 24-16,-24-24 15,24 25-15,-25-1 16,25 1-1,0-1 1,0 1 0,0-1-1,0 0 1,0 1 15,25-1-31,-1 1 31,1-25-15,-1 0 0,1 24-16,-1-24 15,0 0-15,25 0 16,-24 0 0,-1 0-16,1 0 15,-1 0-15,0 0 16,1 0-1,-1 0 1,1 0 0,-25-24-1,24 24 1,-48 0 62,-1 0-62,1 0-1,-1 24 1,1-24 0,0 0-16,-1 24 31,1-24-16,24 25 1,-25-1 0,25 1-1,0-1 1,0 1 15,0-1 0,25-24-15,-25 24 0,0 1-1,24-25-15,-24 24 16,25-24 0,-25 25-16,24-25 15,-24 24-15,24-24 16,-24 25-16,25-25 0,-25 24 15,24-24-15,-24 24 16,25-24-16,-25 25 0,24-25 16,0 24-16,-24 1 15,25-1-15,-1 0 16,1 1-16,-25-1 0,24 1 16,1-1-16,-1 1 15,-24-1-15,0 0 16,24 1-1,-24-1 1,0 1-16,0-1 16,0 1-1,0-1-15,0 0 16,0 1 0,0-1-16,0 1 15,0-1-15,0 1 16,0-1-16,0 0 15,0 1-15,0-1 16,0 1 0,0-1-16,0 1 15,0-1 1,-24-24-16,24 24 16,-24-24-16,24 25 15,-25-25 1,25 24-16,-24-24 0,-1 0 15,25 25-15,-24-25 0,-1 0 16,25 24-16,-24-24 16,0 0-16,-1 24 15,1-24 1,-1 0-16,1 0 16,24 25-1,-24-25-15,-1 0 16,25 24-1,-24-24 1,48 0 15,1-24-15</inkml:trace>
-  <inkml:trace contextRef="#ctx0" brushRef="#br0" timeOffset="1434">736 1224 0,'-25'0'15,"50"0"48,-1 0-63,0 0 15,1 0-15,-1 0 0,25 0 16,0-25-16,0 25 16,0 0-16,24 0 0,-24 0 15,24 0-15,0 0 16,-24 0-16,25 0 0,-26 0 15,26 0-15,-26 0 0,1-24 16,-24 24-16,24 0 16,-25 0-16,0 0 0,1 0 15,-25-25-15,24 25 16,-24-24 0,-24 24 15,-1 0-16</inkml:trace>
-  <inkml:trace contextRef="#ctx0" brushRef="#br0" timeOffset="1891">1615 931 0,'24'0'46,"1"24"-46,-1-24 16,1 0-16,-1 0 0,25 24 16,0-24-16,-25 0 15,25 25-15,0-25 0,-25 24 16,1-24-16,-1 0 0,1 25 16,-1-25-16,-24 24 15,24-24-15,-24 24 16,-24 1-1,24-1-15,-24-24 0,-1 25 16,1-1-16,-1-24 0,1 25 16,-25-1-16,25-24 15,-25 24-15,24 1 0,1-25 16,-1 24-16,1-24 16,0 0-16</inkml:trace>
-  <inkml:trace contextRef="#ctx0" brushRef="#br0" timeOffset="2876">1078 467 0,'0'24'31,"-25"0"-15,25 1-16,0-1 0,0 1 15,0-1-15,0 0 16,-24 1-16,24-1 0,0 1 16,0-1-16,0 1 15,0-1-15,0 0 0,0 1 16,0-1-16,0 1 16,0-1 15,0-48-16,0-1 1,0 1 0,24-1-1,-24 1-15,0 0 16,25-1 0,-25 1-16,24 24 0,-24-25 15,24 1-15,1 24 0,-1-25 16,1 25-16,-1 0 15,1-24-15,-1 24 0,0 0 16,1 24 0,-1-24-16,1 25 15,-25-1-15,24-24 16,-24 25-16,0-1 0,0 1 16,-24-1-16,24 0 15,-25-24-15,1 25 16,-1-25-16,1 24 0,0-24 15,-25 25-15,24-25 0,1 0 16,-1 0-16,1 0 16,0 0-16,-1 0 0,1 0 15,24-25 1</inkml:trace>
-</inkml:ink>
-</file>
-
-<file path=ppt/ink/ink12.xml><?xml version="1.0" encoding="utf-8"?>
+<file path=ppt/ink/ink10.xml><?xml version="1.0" encoding="utf-8"?>
 <inkml:ink xmlns:inkml="http://www.w3.org/2003/InkML">
   <inkml:definitions>
     <inkml:context xml:id="ctx0">
@@ -356,7 +197,7 @@
 </inkml:ink>
 </file>
 
-<file path=ppt/ink/ink13.xml><?xml version="1.0" encoding="utf-8"?>
+<file path=ppt/ink/ink11.xml><?xml version="1.0" encoding="utf-8"?>
 <inkml:ink xmlns:inkml="http://www.w3.org/2003/InkML">
   <inkml:definitions>
     <inkml:context xml:id="ctx0">
@@ -389,7 +230,7 @@
 </inkml:ink>
 </file>
 
-<file path=ppt/ink/ink14.xml><?xml version="1.0" encoding="utf-8"?>
+<file path=ppt/ink/ink12.xml><?xml version="1.0" encoding="utf-8"?>
 <inkml:ink xmlns:inkml="http://www.w3.org/2003/InkML">
   <inkml:definitions>
     <inkml:context xml:id="ctx0">
@@ -418,7 +259,7 @@
 </inkml:ink>
 </file>
 
-<file path=ppt/ink/ink15.xml><?xml version="1.0" encoding="utf-8"?>
+<file path=ppt/ink/ink13.xml><?xml version="1.0" encoding="utf-8"?>
 <inkml:ink xmlns:inkml="http://www.w3.org/2003/InkML">
   <inkml:definitions>
     <inkml:context xml:id="ctx0">
@@ -469,7 +310,7 @@
 </inkml:ink>
 </file>
 
-<file path=ppt/ink/ink16.xml><?xml version="1.0" encoding="utf-8"?>
+<file path=ppt/ink/ink14.xml><?xml version="1.0" encoding="utf-8"?>
 <inkml:ink xmlns:inkml="http://www.w3.org/2003/InkML">
   <inkml:definitions>
     <inkml:context xml:id="ctx0">
@@ -499,7 +340,7 @@
 </inkml:ink>
 </file>
 
-<file path=ppt/ink/ink17.xml><?xml version="1.0" encoding="utf-8"?>
+<file path=ppt/ink/ink15.xml><?xml version="1.0" encoding="utf-8"?>
 <inkml:ink xmlns:inkml="http://www.w3.org/2003/InkML">
   <inkml:definitions>
     <inkml:context xml:id="ctx0">
@@ -537,7 +378,7 @@
 </inkml:ink>
 </file>
 
-<file path=ppt/ink/ink18.xml><?xml version="1.0" encoding="utf-8"?>
+<file path=ppt/ink/ink16.xml><?xml version="1.0" encoding="utf-8"?>
 <inkml:ink xmlns:inkml="http://www.w3.org/2003/InkML">
   <inkml:definitions>
     <inkml:context xml:id="ctx0">
@@ -574,7 +415,7 @@
 </inkml:ink>
 </file>
 
-<file path=ppt/ink/ink19.xml><?xml version="1.0" encoding="utf-8"?>
+<file path=ppt/ink/ink17.xml><?xml version="1.0" encoding="utf-8"?>
 <inkml:ink xmlns:inkml="http://www.w3.org/2003/InkML">
   <inkml:definitions>
     <inkml:context xml:id="ctx0">
@@ -690,230 +531,7 @@
 </inkml:ink>
 </file>
 
-<file path=ppt/ink/ink2.xml><?xml version="1.0" encoding="utf-8"?>
-<inkml:ink xmlns:inkml="http://www.w3.org/2003/InkML">
-  <inkml:definitions>
-    <inkml:context xml:id="ctx0">
-      <inkml:inkSource xml:id="inkSrc0">
-        <inkml:traceFormat>
-          <inkml:channel name="X" type="integer" max="1920" units="cm"/>
-          <inkml:channel name="Y" type="integer" max="1080" units="cm"/>
-          <inkml:channel name="T" type="integer" max="2.14748E9" units="dev"/>
-        </inkml:traceFormat>
-        <inkml:channelProperties>
-          <inkml:channelProperty channel="X" name="resolution" value="55.81395" units="1/cm"/>
-          <inkml:channelProperty channel="Y" name="resolution" value="55.6701" units="1/cm"/>
-          <inkml:channelProperty channel="T" name="resolution" value="1" units="1/dev"/>
-        </inkml:channelProperties>
-      </inkml:inkSource>
-      <inkml:timestamp xml:id="ts0" timeString="2021-11-26T03:53:55.307"/>
-    </inkml:context>
-    <inkml:brush xml:id="br0">
-      <inkml:brushProperty name="width" value="0.05" units="cm"/>
-      <inkml:brushProperty name="height" value="0.05" units="cm"/>
-      <inkml:brushProperty name="fitToCurve" value="1"/>
-    </inkml:brush>
-  </inkml:definitions>
-  <inkml:trace contextRef="#ctx0" brushRef="#br0">1566 11879 0,'0'-26'0,"-26"26"15,26-26-15,-26 1 0,1 25 16,25-26-16,0 0 16,-26 26-16,0-25 0,-25 25 15,25 0-15,-25 0 16,0 25-16,-1 1 0,1 0 16,0 25-16,-1 0 0,1 26 15,25-25-15,1 25 16,25 0-16,0 0 0,0-26 15,25 26-15,27-26 16,-1 1-16,0-27 0,26 1 16,0-26-16,0 0 0,26 0 15,-26-26-15</inkml:trace>
-  <inkml:trace contextRef="#ctx0" brushRef="#br0" timeOffset="204">1873 11879 0,'0'-52'0,"-25"1"16,25 0-16,-26 25 0,26 1 16,0-1-16,26 52 15,-26-1-15,25 1 16,1 25-16,-26 0 0,26 26 16,-1 0-16,-25 0 15,26 0-15,-26 0 0,0-25 16,0 25-16,0-26 0,26 0 15,-26-25-15</inkml:trace>
-  <inkml:trace contextRef="#ctx0" brushRef="#br0" timeOffset="941">2361 12058 0,'26'0'0,"-26"-25"15,-26 25 1,0 25-16,1 1 16,-1 0-16,26-1 15,-26 1-15,26 0 0,0 25 16,0-25-16,26 25 16,0-25-16,-1-1 0,1 1 15,25 0-15,-25-26 16,25 0-16,-25 0 0,25 0 15,-25-26-15,-1 0 0,1 1 16,-26-1-16,0 0 16,-26 1-16,26-1 0,-51-25 15,25 25-15,1 0 0,-27 1 16,27 25-16,-1-26 16,1 26-16,-1-26 0,0 26 15,52 0 1,0 0-16,-1 0 0,26 0 15,1 0-15,-1-25 0,26-1 16,-26 26-16,1-26 16,-1 1-16,0 25 0,-25-26 15,0 26-15,-26-26 16,0 1-16,-26 25 31,0 0-31,26 25 0,-25-25 16,25 26-16,0 25 0,0-25 15,0 0-15,0 25 16,25 0-16,-25-25 0,26 25 16,0 1-16,-1-27 0,1 1 15,0 0-15,-1-26 16,1 25-16,0-25 0,-1 0 16,1-25-16,0-1 0,-26 0 15,25 1-15,-25-1 16,26-25-16,-26 25 0,0-25 15,0-1-15,0 27 16,0-27-16,0 27 0,0-1 16,0 0-16,0 1 15,26 50 1,-1 1-16,-25 0 16,26-1-16,-1 27 0,1-27 15,0 27-15,-26-27 0,25 1 16,1 25-16</inkml:trace>
-  <inkml:trace contextRef="#ctx0" brushRef="#br0" timeOffset="1433">3952 12033 0,'25'-26'16,"-25"0"0,0 1-16,26-1 0,-26 0 15,0 1-15,0-1 0,-26 0 16,1 26-16,-1-25 16,0 25-16,1 0 0,-1 0 15,-25 0-15,-1 25 0,27-25 16,-27 52-16,27-27 15,-1 1-15,0 25 0,26-25 16,0 25-16,0-25 16,26 25-16,0-25 0,-1 0 15,27-26-15,-27 0 0,27 0 16,-1-26-16,0 26 16,1-51-16,-27 25 0,1-25 15,25 25-15,-25-25 16,-26-26-16,0 25 0,0 1 15,0-26-15,-26 0 0,1 26 16,-1-26-16,0 26 16,1-1-16,25 27 0,-26 25 15,0 0-15,26 51 16,0 0-16,0 1 16,26 25-16,0 0 0,-1 25 15,1-25-15,0 26 16,-1-1-16</inkml:trace>
-  <inkml:trace contextRef="#ctx0" brushRef="#br0" timeOffset="2856">4721 11904 0,'-25'-25'16,"-1"25"-1,0 0 17,26 25-17,0 1 1,26 0-16,0-1 16,-26 1-16,25 0 0,1-1 15,25-25-15,-25 26 0,25-26 16,1 0-16,-1 0 15,0-26-15,0 1 0,1 25 16,-27-26-16,1 0 16,0 1-16,-1-1 0,1 0 15,-26 1-15,26-1 16,-26 0-16,25 26 47,1 0-47,0 0 15,-1 0-15,1 0 0,25 0 16,1 0-16,-1 0 16,-25-25-16,25-1 0,0 26 15,-25-26-15,25 1 16,-25-1-16,-26 1 0,25-1 16,-25 0-16,-25 1 15,-1-1-15,26 0 0,-51 1 16,25-1-16,1 0 0,-27 26 15,27-25-15,-27 25 16,27-26-16,-1 26 0,0 0 16,1 0-16,50 0 31,1 0-15,0-26-16,-1 26 15,1-25-15,0-1 16,-26 0-16,25 1 15,-25-1 1,-25 0-16,-1 26 0,-25-25 16,25 25-16,-25-26 15,-1 26-15,1 0 0,0 0 16,-26 26-16,25-26 0,27 25 16,-27-25-16,27 26 15,-27-26-15,52 26 0,-25-26 16,25 25-16,25-25 31,1 0-31,-26-25 16,26 25-16,-26-26 15,0 0-15,-26 1 16,0 25-16,1 0 16,-26 0-16,25 0 15,-25 0-15,-1 25 0,1-25 16,0 26-16,-1 0 15,1-1-15,0 1 0,25 0 16,-25-1-16,51 1 0,-26 0 16,26-1-16,0 1 15,26 0-15,-1-26 16,1 25 0,0-25-16,-1 0 15,-50 26 16,-1-26-31,0 26 16,-25-1-16,25 1 16,1 0-16,-1-1 0,0 1 15,1-1-15,25 27 0,0-27 16,25 1-16,1 25 16,0-25-16,25 25 0,-25-25 15,51 25-15,-26-25 16,0 0-16,26-1 0,-25-25 15,25 0-15,-26 0 0,0-25 16,0-1-16,-25 0 16,-26-25-16</inkml:trace>
-  <inkml:trace contextRef="#ctx0" brushRef="#br0" timeOffset="6625">950 9724 0,'-26'0'15,"26"25"-15,-26-50 16,26-1-1,0 52 1,26-26 0,0 0-16,-26 25 0,51-25 15,-25 0-15</inkml:trace>
-  <inkml:trace contextRef="#ctx0" brushRef="#br0" timeOffset="6797">1899 9775 0,'51'26'0,"1"-26"16,-1 0-16,26 0 0,-26-26 15,26 26-15,0 0 16,-25-26-16,24 26 0,1-25 16,-25 25-16,25 0 0,0 0 15,-26 0-15</inkml:trace>
-  <inkml:trace contextRef="#ctx0" brushRef="#br0" timeOffset="6965">4362 9775 0,'77'0'0,"-26"26"15,1-26-15,-1 25 0,-25-25 16,25 0-16,-25 0 0,25 26 15,0-26-15,26 0 16,0 0-16</inkml:trace>
-  <inkml:trace contextRef="#ctx0" brushRef="#br0" timeOffset="34664">27787 8851 0,'0'-25'15,"25"25"-15,-25-26 16,0 0 0,0 1-16,0-1 15,0 0-15,0 1 16,-25-1 0,-27 26-16,27 0 15,-27 26-15,1-26 0,-26 25 16,0 1-16,26 25 0,-1-25 15,1 0-15,0-1 16,25 1-16,26 25 0,0-25 16,0 0-16,51-1 15,-25 1-15,51 0 0,-26-1 16,26-25-16,-25 26 0,25 0 16,-26-26-16,0 25 15,-25-25-15,0 26 0,-1-26 16,-25 25-16,0 1 15,-25-26-15,-1 26 0,0-1 16,-25 1-16,0-26 0,-26 26 16,25-1-16,-25-25 15,0 26-15,26-26 0,0 0 16,-1 0-16,27-26 16,-1 1-16,26-1 0,26 0 15</inkml:trace>
-  <inkml:trace contextRef="#ctx0" brushRef="#br0" timeOffset="34916">28094 8672 0,'0'-26'0,"0"0"15,0 52 16,0 0-15,0 25-16,0-25 16,0 25-16,0 0 0,-25 1 15,25 25-15,-26-26 16,26 26-16,-26-26 0,1 0 16,25 1-16,-26-27 0,26 1 15</inkml:trace>
-  <inkml:trace contextRef="#ctx0" brushRef="#br0" timeOffset="35414">28377 8928 0,'0'-25'0,"0"-1"15,0 0-15,0 52 47,0 0-47,0-1 16,0 1-16,0 0 15,0 25-15,25-25 0,-25-1 16,0 1-16,26 0 16,-26-1-16,26-25 15,-1 0-15,1 0 0,0 0 16,25 0-16,-25 0 15,-1 0-15,26-25 0,-25 25 16,0-26-16,-1 26 0,-25-26 16,26 26-16,-26-25 15,0-1-15,0 0 16,0 1-16,-26-1 16,26 0-16,0 1 15,0-1-15,0 0 0,0 1 16,0-1-1,0 52 1,0-1-16,0 1 16,26 0-16,-26-1 0,0 27 15,0-1-15,0-25 0,0 25 16,26 0-16,-26 0 16,0-25-16,0 25 0,0-25 15</inkml:trace>
-  <inkml:trace contextRef="#ctx0" brushRef="#br0" timeOffset="35649">29198 8723 0,'-26'-26'15,"0"1"-15,26-1 16,-25 26-16,-1 0 15,26 26-15,0 25 16,0-25-16,26 25 16,-26 0-16,25 1 0,1-1 15,-26 26-15,26-26 16,-1 1-16,-25-27 0,26 26 16</inkml:trace>
-  <inkml:trace contextRef="#ctx0" brushRef="#br0" timeOffset="35979">29146 9031 0,'0'-26'0,"0"1"0,-25-1 15,25 0 1,25 26-16,1-25 16,0 25-16,-1 0 15,27 0-15,-27 0 0,27 0 16,-27-26-16,27 26 0,-27 0 15,1-26-15,0 26 16,-1-25-16,-25-1 0,26 26 16,-26-26-16,0 1 15,0-1-15,-26 0 0,26 1 16,0-1 0,0 52-1,0-1-15,0 27 16,0-27-16,0 27 15,26-1-15,-26 0 0,0 26 16,0-25-16,25-27 0,-25 27 16</inkml:trace>
-  <inkml:trace contextRef="#ctx0" brushRef="#br0" timeOffset="36391">29890 8800 0,'-25'-26'0,"25"-25"16,0 25-16,-26 1 16,26 50-1,0 1-15,0 0 16,0-1-16,0 27 16,0-27-16,0 27 0,0-1 15,0 0-15,0-25 0,0 0 16,0-1-16,0 1 15,0 0-15,0-52 16,0 0 0,0 1-16,0-27 0,0 1 15,0 0-15,0-26 0,0 25 16,26-25-16,-26 0 16,25 26-16,-25 0 0,26-1 15,0 27-15,-1 25 16,27 0-16,-27 0 0,1 25 15,0 1-15,25 25 0,-25 1 16,-1 25-16,-25-26 16,26 26-16,0 0 0,-26-26 15,0 26-15,0-25 16,0-27-16,0 1 0</inkml:trace>
-  <inkml:trace contextRef="#ctx0" brushRef="#br0" timeOffset="36541">29967 8877 0,'-25'-26'16,"-1"26"-16,0 0 0,52 0 31,0 0-31,25 0 16,-25 0-16,25 0 15,0-25-15</inkml:trace>
-  <inkml:trace contextRef="#ctx0" brushRef="#br0" timeOffset="36752">30480 8595 0,'-25'0'0,"25"-26"0,-26 0 16,26 1-16,0-1 16,0 52-1,0-1-15,26 27 16,-1-27-16,-25 27 0,26-1 15,-26 0-15,26 26 16,-26-25-16,0-1 0,0-25 16,0 25-16,0-25 15,-26-26-15</inkml:trace>
-  <inkml:trace contextRef="#ctx0" brushRef="#br0" timeOffset="37077">30532 8723 0,'0'-26'15,"25"-25"-15,-25 0 0,26 25 16,-26 0-16,26 26 16,-1 26-16,1 0 15,0-1-15,-26 1 0,25 25 16,1 1-16,0-27 16,-1 27-16,1-1 0,0-25 15,-1-1-15,1 1 0,0 0 16,-1-26-16,1 0 15,0 0-15,-1-26 0,-25 0 16,26 1-16,-26-27 16,0 1-16,0 0 0,0-1 15,0 1-15,-26 0 0,26-1 16,0 27-16,-25-27 16,25 27-16,-26-1 15,26 52 1,0-1-1,26-25-15</inkml:trace>
-  <inkml:trace contextRef="#ctx0" brushRef="#br0" timeOffset="37491">31327 8441 0,'0'-26'16,"-26"26"-1,26 26 17,0-1-32,0 27 0,26-27 15,-26 27-15,0 25 16,26-26-16,-26 26 0,0 26 16,25-78-1,-25 1-15,0 0 0,0-1 16,0-50-1,0-1-15,0 0 16,0-25-16,0 0 0,0-26 16,0 25-16,0-25 15,0 0-15,0 26 0,26-26 16,-26 26-16,26 25 0,-26 1 16,25-1-16,1 26 15,0 0-15,-1 26 0,27-1 16,-27 1-16,1 25 0,25 0 15,-25 1-15,0-1 16,-1 26-16,1-26 0,-26 1 16,0-1-16,0 0 15</inkml:trace>
-  <inkml:trace contextRef="#ctx0" brushRef="#br0" timeOffset="37641">31327 8749 0,'0'-26'0,"26"0"16,-1 1-16,1 25 0,25-26 16,1 26-16,-1 0 15,0-26-15,1 26 0,-1 0 16,0 0-16</inkml:trace>
-  <inkml:trace contextRef="#ctx0" brushRef="#br0" timeOffset="40105">28069 11212 0,'0'-26'16,"25"26"-16,1-26 16,0 1-1,-26-1 1,-26 26-1,0 0-15,1 26 0,-27-26 16,1 25-16,0-25 0,-1 26 16,1-26-16,26 0 15,-27 26-15,27-26 0,-1 0 16,26 25 0,26 1-1,-1-26 1,-25 26-16,26-1 0,-26 1 15,26-26-15,-1 26 0,-25-1 16,0 27-16,26-27 16,-26 27-16,0-27 0,0 27 15,0-27-15,0 27 0,0-1 16,0-26-16,0 1 16,0 0-16,25-1 0,-25 1 15,26-26-15,0 26 16,-1-26-16,1 0 0,25 0 15,1 0-15,-1 0 0,0 0 16,1-26-16,25 0 16,-26 1-16</inkml:trace>
-  <inkml:trace contextRef="#ctx0" brushRef="#br0" timeOffset="40262">27966 11571 0,'-51'0'0,"-1"0"15,27 0-15,50 0 32,1 0-32,25 0 0,1-26 15,-1 26-15,0-25 16,26 25-16</inkml:trace>
-  <inkml:trace contextRef="#ctx0" brushRef="#br0" timeOffset="40555">29121 11263 0,'0'-26'16,"0"1"-16,0-1 16,-26 26-16,26-26 15,-26 1-15,1 25 0,-1 0 16,-25 0-16,25 0 15,-25 0-15,-1 25 0,27 1 16,-27 0-16,1 25 0,25-25 16,-25 25-16,51 0 15,-25 1-15,25-1 0,0-25 16,25 25-16,1-25 0,-1-1 16,27 1-16,-1 0 15,26-26-15,0 0 0,0 0 16</inkml:trace>
-  <inkml:trace contextRef="#ctx0" brushRef="#br0" timeOffset="40832">29608 11186 0,'26'-26'0,"-26"1"0,0-1 15,25 26-15,-25-26 0,0 1 16,-25 25-16,-1 0 15,0 0-15,-25 0 16,0 0-16,25 25 16,-25 1-16,25 0 0,-25 25 15,25-25-15,1 25 0,25-25 16,0 25-16,25 0 16,1-25-16,25 0 0,1-1 15,-1 1-15,26 0 16,0-26-16,0 0 0,0 0 15,0-26-15,-26 26 0</inkml:trace>
-  <inkml:trace contextRef="#ctx0" brushRef="#br0" timeOffset="38787">27556 10416 0,'-26'-25'0,"26"-1"16,0 0-1,0 1-15,0 50 32,0 1-32,26-26 15,-26 51-15,25-25 0,-25 0 16,26 25-16,0-25 15,-26 25-15,25-25 0,-25 25 16,26-25-16,0-1 16,-52-25-1,0 0 1,26-25-16,-25-1 16,-1 0-16,0-25 0,1 0 15,25-1-15,-26-25 0,26 26 16,0-26-16,0 0 15,0 26-15,26-1 0,-1 1 16,1 0-16,0 25 16,-1 1-16,27 25 0,-27-26 15,1 26-15,25 0 0,-25 26 16,-1-1-16,1 1 16,0 0-16,-26-1 0,0 1 15,0 25-15,-26-25 16,0-1-16,1 1 0,-1 0 15,1-1-15,-1 1 0,26 0 16,-26-26-16,26 25 16,26-25-1,0 0 1,-1 0-16,1 0 0,-1 0 16,27 0-16,-1 0 0,-25 26 15,25-26-15,-25 26 16,-1-1-16,1 1 0,0 0 15,-26-1-15,0 1 16,-26 0-16,-25-1 0,25 1 16,-25 0-16,-1-1 15,1-25-15,-26 0 0,26 0 16,25 0-16,-25 0 0,25-25 16,26-1-16,0 0 15</inkml:trace>
-  <inkml:trace contextRef="#ctx0" brushRef="#br0" timeOffset="39355">28402 9980 0,'0'-25'16,"0"50"15,26-25-16,-26 26-15,26 0 0,-26-1 16,25 26-16,-25-25 0,26 25 16,0 1-16,-26-1 15,25-25-15,-25 25 0,26 0 16,-26-25-16,26 0 0,-26-1 16,25-25-1,1 0-15,-26-25 16,25-27-16,-25 27 15,26-27-15,0 27 0,-26-27 16,25 1-16,1 25 0,0-25 16,-1 25-16,-25 1 15,26 25-15,0 0 0,-1 0 16,1 0-16,0 25 16,-1 1-16,1 0 0,0-1 15,-1 27-15,1-27 0,0 1 16,-1 25-16,1-25 15,0-26-15,-1 26 0,1-26 16,0-26 0,-1 26-16,-25-26 0,26-25 15,-26 25-15,26-25 0,-26 0 16,0-1-16,0 1 16,-26 0-16,26 0 0,-26 25 15,26-25-15,-25 25 16,25 0-16,-26 1 0,0 25 15,26 25 1,0 1-16,0 0 16,0-1-16</inkml:trace>
-  <inkml:trace contextRef="#ctx0" brushRef="#br0" timeOffset="41864">27992 12520 0,'25'26'47,"-25"0"-32,0-1-15,0 26 0,0 1 16,0-1-16,26 26 16,-26-26-16,0 26 0,0-25 15,26-27-15,-26 27 0,0-27 16,0 1-16,25-26 15,-25-26 1,0 1 0,0-27-16,-25 27 0,-1-27 15,0-25-15,26 26 0,-25-26 16,-1 26-16,0-26 16,1 26-16,25-1 0,0 1 15,0 0-15,25 25 16,1 0-16,0 1 0,-1 25 15,27 0-15,-1 0 0,0 0 16,1 0-16,25 25 16,-26 1-16,-25 0 0,25-1 15,-25 1-15,-26 0 0,0-1 16,0 27-16,-26-27 16,-25 1-16,25 25 0,-25-25 15,-1-1-15,27-25 16,-1 26-16,0-26 0,1 26 15,76-26 17,-25 0-17,25 0-15,0 25 0,1-25 16,-1 26-16,0-26 0,-25 26 16,25-1-16,-25 1 15,0 0-15,-26-1 0,0 27 16,-26-27-16,-25 1 0,-1 0 15,1-1-15,0-25 16,-1 26-16,1-26 0,0 0 16,-1 0-16,1 0 15</inkml:trace>
-  <inkml:trace contextRef="#ctx0" brushRef="#br0" timeOffset="42326">28915 12495 0,'-25'0'16,"-1"0"-16,0 0 15,1 25 1,25 1-16,0 0 16,0-1-16,25 26 0,1-25 15,0 25-15,-1 1 0,1-1 16,0 0-16,-1-25 15,-25 25-15,26-25 0,-26 0 16,26-1-16,-26 1 16,-26-26-1,26-26-15,-26 1 0,1-1 16,25 0-16,-26 1 16,0-27-16,26 1 0,-25 0 15,25-26-15,0 25 0,0-24 16,0 24-16,25-25 15,27 26-15,-27 25 0,27-25 16,-1 25-16,0 26 16,1 0-16,-27 0 0,27 26 15,-27 0-15,1-1 0,-26 1 16,0 25-16,-26 1 16,1-27-16,-27 27 0,1-27 15,0 26-15,-26-25 16,25 0-16,1-1 0,0-25 15,25 0-15</inkml:trace>
-  <inkml:trace contextRef="#ctx0" brushRef="#br0" timeOffset="42620">29582 12315 0,'26'-26'0,"25"1"0,-25 25 15,-26-26-15,0 0 16,0 1-16,-26 25 16,1 0-16,-27 25 0,27 1 15,-26 0-15,-1 25 16,27 0-16,-27 1 0,27-1 16,25 0-16,0 1 0,0-1 15,51 0-15,-25-25 16,25-1-16,26 1 0,0-26 15,25 0-15,-25-26 16,26 26-16,-26-25 0,0-1 16,-26 0-16,-25 1 0,-26-1 15</inkml:trace>
-  <inkml:trace contextRef="#ctx0" brushRef="#br0" timeOffset="44119">28531 13983 0,'0'25'0,"-26"-25"15,26 26-15,26-26 16,-1 0 15,1 0-15</inkml:trace>
-  <inkml:trace contextRef="#ctx0" brushRef="#br0" timeOffset="45351">29300 14778 0,'26'0'15,"-52"0"48</inkml:trace>
-  <inkml:trace contextRef="#ctx0" brushRef="#br0" timeOffset="45044">28633 14804 0,'0'25'16,"26"-25"15,-1 0-15,-25-25-16,26 25 15,0 0-15</inkml:trace>
-  <inkml:trace contextRef="#ctx0" brushRef="#br0" timeOffset="45194">28941 14778 0,'26'0'31,"-1"0"-15,1-26-1</inkml:trace>
-  <inkml:trace contextRef="#ctx0" brushRef="#br0" timeOffset="44292">28941 14034 0,'0'26'31,"0"-52"1</inkml:trace>
-  <inkml:trace contextRef="#ctx0" brushRef="#br0" timeOffset="44439">29044 14008 0,'0'26'0,"0"-52"32,25 26-17,1 0 1,-26-25-16,26 25 0</inkml:trace>
-  <inkml:trace contextRef="#ctx0" brushRef="#br0" timeOffset="44587">29326 13957 0,'0'-26'63,"-26"26"-32</inkml:trace>
-  <inkml:trace contextRef="#ctx0" brushRef="#br0" timeOffset="-4978">26247 1103 0,'-26'0'16,"1"-26"-1,-1 26-15,26 26 16,-26 0-16,1-1 15,25 1-15,0 25 0,-26 1 16,26-1-16,0 0 16,26 1-16,-26-1 0,25 26 15,1-52-15,0 27 0,-1-27 16,27 1-16,-27 0 16,27-26-16,-1 0 0,-25 0 15,25-26-15,0 0 16,-25-25-16,25 25 0,-25-25 15,-26 0-15,0 0 0,0-1 16,-26 1-16,1 25 16,-1-25-16,-25 25 0,-1 1 15,27-1-15,-27 0 0,1 26 16,25 0-16,1 0 16</inkml:trace>
-  <inkml:trace contextRef="#ctx0" brushRef="#br0" timeOffset="-4571">26735 1334 0,'0'-26'31,"25"52"0,1-26-31,0 26 16,-26-1-16,25 1 0,1 0 16,0-1-16,-1 1 0,-25 0 15,0-1-15,0 1 16,0-1-16,-25-25 31,25-25-15,0-1-16,25-25 15,-25 25-15,26-25 16,25 25-16,-25-25 0,-1 25 16,1 1-16,25-1 15,-25 26-15,0 0 0,-1 0 16,1 26-16,0-1 0,-26 1 16,25 0-16,-25 25 15,0-25-15,26 25 0,-26-25 16</inkml:trace>
-  <inkml:trace contextRef="#ctx0" brushRef="#br0" timeOffset="-4101">27658 1103 0,'0'-26'0,"-25"26"16,-1 0-1,26 26 1,0 0-16,0 25 16,0 0-16,0 1 0,26-1 15,-26 26-15,25 0 0,-25-26 16,26 26-16,-26-26 16,26 1-16,-26-1 0,0 0 15,0-25-15,25 0 0,-25-1 16,-25-50-1,25-1-15,-26 0 16,26-25-16,-26 0 16,1-1-16,25-25 0,0 1 15,-26-1-15,26 0 0,0 0 16,26 0-16,-1 25 16,-25 1-16,26 0 0,0 25 15,-1 0-15,1 26 16,0 0-1,-26 26-15,0 0 0,25 25 16,-25-25-16,0-1 16,-25 27-16,-1-27 0,0 1 15,1 0-15,-27-1 16,27-25-16,-27 26 0,27-26 16</inkml:trace>
-  <inkml:trace contextRef="#ctx0" brushRef="#br0" timeOffset="-3759">27863 1385 0,'0'-25'0,"0"-1"16,0 0-1,26 26 1,25 26-1,-25 0 1,0-26-16,25 25 0,-25 1 16,-1 0-16,1-1 15,0 1-15,-1 0 0,-25-1 16,-25-25 0,25-25-1,-26 25-15,26-26 0,0 0 16,0 1-16,0-27 15,26 27-15,-1-1 0,1 0 16,0-25-16,-1 51 0,1-26 16,0 1-16,25 25 15</inkml:trace>
-  <inkml:trace contextRef="#ctx0" brushRef="#br0" timeOffset="-3364">28531 1334 0,'0'26'0,"-26"-26"0,0 0 16,1 0-16,-1 0 15,52 0 17,-1 0-32,27 25 15,-27-25-15,27 0 0,-1 26 16,0-26-16,0 0 15,-25 0-15,25 0 0,-25 0 16,0-26-16,-1 26 16,-25-25-16,0-1 15,0 0-15,0 1 0,-25 25 16,-27-26-16,27 0 16,-1 26-16,-25 0 0,25-25 15,-25 25-15,25 0 16,-25 25-16,25 1 0,1 25 15,25-25-15,0 0 16,0-1-16,25 27 16,1-27-16,0 1 0,-1 0 15,26-1-15,1-25 16,-1 0-16</inkml:trace>
-  <inkml:trace contextRef="#ctx0" brushRef="#br0" timeOffset="-2475">29172 1308 0,'-26'0'0,"26"-25"16,0-1-16,0 0 16,26 1-16,-26-1 15,0 0-15,26 26 0,-26-25 16,25 25-16,-25 25 15,26 1-15,-26 0 16,26-1-16,-26 1 16,0 25-16,0 1 0,25-1 15,-25-25-15,0 25 0,0-25 16,0-1-16,0 1 16,-25-1-16,-1-25 31,26-25-31,0-1 15,0 1-15,0-1 0,0-25 16,0-1-16,0 1 16,26 25-16,-1-25 0,1 0 15,0 25-15,-26 0 0,25 1 16,1 25-16,0 25 16,-1 1-1,-25 25-15,0-25 16,0 0-16,0 25 0,0-25 15,0-1-15,26 1 0,-26 0 16,0-1 0,26-25 15,-26-25-31,25-1 0,1 0 16,-1 1-16,1-1 15,25-25-15,-25 25 0,25 26 16,-25-26-16,0 26 0,-1 0 15,1 26 1,-26 0-16,0-1 0,0 27 16,0-27-16,0 1 15,0 0-15,0-1 0,0 1 16,0 0-16,0-1 16</inkml:trace>
-  <inkml:trace contextRef="#ctx0" brushRef="#br0" timeOffset="-2295">29967 1308 0,'0'-25'0,"0"-1"16,26 26-1,-26 26 1,0-1-16,0 1 16,0 0-16,26-1 15,-26 1-15,0 0 0,0-1 16,25 1-16,-25 0 0,0-1 15</inkml:trace>
-  <inkml:trace contextRef="#ctx0" brushRef="#br0" timeOffset="-2158">30070 1103 0,'0'-26'15,"0"-25"-15,-26 25 0,26 1 16,-25-1-16,25 0 15,-26 26-15</inkml:trace>
-  <inkml:trace contextRef="#ctx0" brushRef="#br0" timeOffset="-1816">30403 1103 0,'26'0'15,"-52"0"1,1 0 0,-1 0-16,1 0 15,-1 0-15,0 0 0,1 0 16,25 26 0,0-1-16,0 1 15,0 0-15,0-1 16,25 1-16,1 0 0,0-1 15,25 1-15,-26 0 0,1-1 16,0 1-16,-1 0 16,1-26-16,-26 25 0,0 1 15,-26-26-15,1 26 0,-1-26 16,-25 0-16,25 0 16,-25 0-16,25 0 0,1 0 15,-1-26-15,0 26 16,26-26-16</inkml:trace>
-  <inkml:trace contextRef="#ctx0" brushRef="#br0" timeOffset="-1479">30711 1283 0,'26'0'16,"0"0"-16,-1 0 78,1 0-78,0 0 0,-1 0 16,1 0-16,25 0 15,-25 0-15,25-26 0,-25 26 16,0-26-16,-1 1 0,-25-1 16,0 0-16,0 1 15,0-1-15,-25 0 0,-1 1 16,-25 25-16,-1 0 15,1 0-15,0 0 0,-1 25 16,1 27-16,25-27 0,1 27 16,25-1-16,25 0 15,1 26-15,25-25 0,26-1 16,0-25-16,26 25 16</inkml:trace>
-  <inkml:trace contextRef="#ctx0" brushRef="#br0" timeOffset="-8793">23861 1154 0,'0'-25'16,"26"-1"-1,-1 26 1,-25-26 0,-25 26 15,-1 0-31,0 26 0,1-26 15,-27 0-15,27 26 16,-27-1-16,1 1 0,0 0 16,25 25-16,1-25 15,-1 25-15,26-25 0,0-1 16,0 27-16,26-27 0,-1 1 16,26-26-16,1 26 15,-1-26-15,26 25 0,0-25 16,-26 0-16,26-25 15,0-1-15,-25 26 0,-1-26 16,0 1-16,-25-1 16,0 0-16,-26-25 0,0 25 15,-26-25-15,0 25 0,1-25 16,-27 25-16,1 1 16,0-27-16,-1 27 0,1 25 15,0-26-15,-1 26 0,27 0 16,-1 0-16,0 0 15,26 26-15</inkml:trace>
-  <inkml:trace contextRef="#ctx0" brushRef="#br0" timeOffset="-8193">24451 1103 0,'26'-26'0,"-1"26"16,1 26 0,-26 0-1,26-1 1,-26 27-16,0-27 0,0 27 15,25-27-15,-25 27 16,0-1-16,0 0 0,0-25 16,0 25-16,0-25 0,0-1 15,0 1-15,-25 0 16,25-52 0,0 0-1,0 1-15,25-1 0,-25 1 16,0-1-16,0-25 0,26-1 15,-26 1-15,0 25 16,0-25-16,0-26 0,0 51 16,0-25-16,-26 0 0,26 25 15,0-25-15,0 25 16,0 0-16,0 1 16,26 25-16,25 0 15,-25-26-15,25 26 0,1 0 16,-1 0-16,0 26 15,1-26-15,-1 25 0,0-25 16,-25 26-16,-26 0 0,0-1 16,0 1-16,-26 0 15,-25-1-15,0 1 0,-1 0 16,1-26-16,0 25 16,-1 1-16,27-26 0,-27 0 15,27 0-15</inkml:trace>
-  <inkml:trace contextRef="#ctx0" brushRef="#br0" timeOffset="-7733">25247 1334 0,'-26'0'16,"0"0"-1,52-26 16,0 26-31,-1 0 16,26 0-16,1 0 0,-1-25 16,0 25-16,1 0 0,-1 0 15,0 0-15,-25 0 16,0 0-16</inkml:trace>
-  <inkml:trace contextRef="#ctx0" brushRef="#br0" timeOffset="-22395">3900 4644 0,'0'-26'0,"26"26"16,-26-26-16,26 1 15,-26-1 1,25 26-16,-25-26 0,26 26 16,-26-25-16,0-1 31,-26 26-31,1 0 0,-1 0 15,0-26-15,-25 26 16,0 0-16,-26 0 0,25 26 16,-25-26-16,0 26 0,0-1 15,26 1-15,-26-26 16,51 26-16,-25-1 0,26 1 16,-1 0-16,52-1 15,-1 1-15,26 0 16,26-26-16,-25 25 0,50 1 15,-25 0-15,0-1 16,0 1-16,0 0 0,-25-1 16,-1 1-16,-25 25 0,-26-25 15,0-1-15,0 27 16,-26-27-16,-25 1 0,-26 0 16,0-1-16,-26 1 15,26 0-15,-26-26 0,1 0 16,25 0-16,0 0 0,26-26 15,25 26-15,0-26 16,1 1-16,25-1 0</inkml:trace>
-  <inkml:trace contextRef="#ctx0" brushRef="#br0" timeOffset="-21887">4516 4592 0,'-26'0'16,"1"0"-16,-1 0 16,26 26-1,0 0 1,0-1-16,0 1 15,0 0-15,0 25 0,0 0 16,0 1-16,0-27 16,0 27-16,-26-1 0,26 0 15,-25-25-15,25-1 0,-26 27 16,0-27-16,1 1 16,25 0-16,-26-26 15,26-26-15,0 0 16,26 1-16,-26-1 15,25-25-15,1-1 0,0-24 16,-1-1-16,1 25 16,0-25-16,25 26 0,-25 0 15,-1-1-15,1 27 0,25-1 16,-25 26-16,0 26 16,-1-1-16,1 1 0,0 25 15,-1 1-15,1-1 16,0 0-16,-1 26 0,1-25 15,0-1-15,-26 26 16,25-26-16,-25 0 0,26-25 16,-26 25-16,0-25 0</inkml:trace>
-  <inkml:trace contextRef="#ctx0" brushRef="#br0" timeOffset="-21714">4619 4977 0,'-26'-25'15,"0"-1"-15,1 0 16,-1 1-16,52-1 16,25 26-1,-25 0 1,25 0-16,0-26 0,1 26 16,25 0-16,-26 0 0</inkml:trace>
-  <inkml:trace contextRef="#ctx0" brushRef="#br0" timeOffset="-21401">5696 4746 0,'52'-25'16,"-27"25"-16,26-26 15,-25 0-15,-26 1 0,26-1 16,-26 0-16,0 1 15,0-1-15,-26 26 0,0-26 16,-25 26-16,0 0 0,0 0 16,-1 26-16,-25 0 15,0-1-15,26 27 0,0-1 16,-1 0-16,27 26 0,25-25 16,0 25-16,0-26 15,51 0-15,0 0 0,1-25 16,25 25-16,25-25 15,-25-26-15,26 0 0,-1 0 16,1-26-16,-26 1 16</inkml:trace>
-  <inkml:trace contextRef="#ctx0" brushRef="#br0" timeOffset="-19513">2284 3643 0,'-26'-51'0,"1"25"0,-1 0 16,26 52-1,0 0-15,0-1 16,0 27-16,0 25 0,26-26 16,-26 52-16,0-1 15,0 1-15,0 25 0,0 0 16,-26 1-16,26 25 0,-26-26 15,1 26-15,-1 0 16,0 0-16,1 0 0,-1 0 16,0-26-16,26 26 15,-25-26-15,25-25 0,-26 25 16,26-25-16,-26-1 0,26 1 16,-25 0-16,25-27 15,-26 1-15,26 0 0,-26 0 16,26-25-16,0-1 0,0 0 15,0-25-15,0 0 16,26-26 0,0 0-1,-1 0-15,1 0 16,0 0-16,-1 0 16,1 0-16,0 0 0,25 0 15,0 0-15,1 0 0,-1 0 16,26 0-16,0 0 15,25-26-15,1 26 0,0 0 16,25 0-16,26-26 16,0 26-16,51 0 0,0 0 15,1 0-15,50 0 0,1 0 16,-1 0-16,1 0 16,25 0-16,0 26 0,-25-26 15,25 0-15,-25 0 16,-1 26-16,-25-26 0,-26 0 15,1 0-15,-27 0 0,-25 0 16,-26 0-16,1-26 16,-27 26-16,1 0 0,-26 0 15,0 0-15,0 0 0,-26 0 16,1 0-16,-27 0 16,27-26-16,-27 26 0,1 0 15,-1-25-15,1-52 31,-26 51-31,0 0 0,0 1 16,0-1-16,-26 0 16,26-25-16,-25 25 0,25-25 15,-26 25-15,1-25 16,-1 0-16,26-26 0,-26 0 16,1 0-16,25 0 0,0-51 15,0 25-15,-26-25 16,26 0-16,0-26 0,0 0 15,0 0-15,0 0 16,0 25-16,0 1 0,0 0 16,0 0-16,0 51 0,0-26 15,-26 52-15,26-26 16,-25 25-16,25 1 0,-26 25 16,0 1-1,26-27-15,-51-24 16,25 50-16,26 0 15,0 1-15,-25-1 0,25 0 16,0 1-16,0-1 0,25 0 16,-25 1-1,0-1-15,26 26 16,-26-26-16,0 1 16,-26 25-1,26-26-15,-25 26 0,-1 0 16,0 0-16,-25-26 15,25 26-15,-25 0 0,-26 0 16,26 0-16,-26-25 0,-26 25 16,1 0-16,-1 0 15,-25-26-15,-1 26 0,1-26 16,-26 26-16,-25-25 16,25 25-16,-26 0 0,0-26 15,1 26-15,25 0 0,0 0 16,0-26-16,0 26 15,26 0-15,-1 0 0,1 0 16,26 0-16,-1 0 16,0 0-16,1 0 0,-1 0 15,0 0-15,26 0 0,-25 0 16,25 0-16,0 26 16,0-26-16,0 0 0,0 0 15,26 0-15,-26 0 0,0 0 16,25 26-16,-25-26 15,26 0-15,-26 0 0,26 0 16,0 0-16,-1 0 16,1 0-16,-26 0 0,26 0 15,25 0-15,-25 0 0,-1 0 16,1 0-16,25 0 16,-25 0-16,25 0 0,1 0 15,-27 0-15,27 0 16,-1 0-16,0 25 0,1-25 15,-1 0-15,1 0 16,-1 0-16,0 0 16,1 0-16,-1 0 15,0 0 1,1 0-16,-1 0 16,0 0-1,1 0 1,-1 0-1,0 0 1,1 26-16,-1-26 16</inkml:trace>
-  <inkml:trace contextRef="#ctx0" brushRef="#br0" timeOffset="-18248">3259 641 0,'0'-25'0,"0"-1"16,0 0-1,-26 26 1,1 0 0,-1 0-1,0 0-15,1 26 0,-1-26 16,0 26-16,1-1 0,-27 1 16,1 0-16,25-1 15,1 26-15,-27 1 0,27-27 16,-1 27-16,26-1 15,-26 26-15,1-26 0,25 1 16,0 25-16,0-26 16,0 26-16,0-26 0,25 1 15,1 25-15,0-26 0,25 0 16,-25 0-16,25 1 16,0-1-16,1 0 0,-1-25 15,0 0-15,1-1 0,24 1 16,-24-26-16,102 0 15,-77 0-15,0-26 16,0 1-16,0-1 16,0-25-16,0-1 0,-26 1 15,26 0-15,-26-1 0,-25-24 16,25 24-16,-25-25 16,-1 26-16,-25-26 0,0 0 15,0 26-15,0-26 16,0 25-16,0 1 0,0 0 15,-25-1-15,25 27 0,-26-27 16,0 27-16,1-1 16,-1 1-16,-25-1 0,0 0 15,-1 1-15,-25-1 16,26-25-16,-26 25 0,0 0 16,26 26-16,-1-25 0,1-1 15,0 26-15,25 0 16,-25-26-16,25 26 0,0 0 15,1 0 1,-1 0-16,0 26 0,1-26 16,25 26-16,-26-26 15,26 25-15</inkml:trace>
-  <inkml:trace contextRef="#ctx0" brushRef="#br0" timeOffset="-17609">3002 1360 0,'-25'0'15,"50"0"17,-25 25-32,26-25 15,-26 26-15,26 0 16,-26-1-1,25 1-15,1 0 16,0-1-16,-1 1 16,1-1-16,25 1 0,-25 0 15,25-26-15,0 25 0,1-25 16,-1-25-16,0 25 16,1-26-16,-1 0 0,-25 1 15,-1-1-15,1 1 16,0 25-16,-26-26 0,0 0 15,0 1-15,0-1 16,0 0 0,0 1-16,0-1 15,-26 0-15,26 1 16</inkml:trace>
-  <inkml:trace contextRef="#ctx0" brushRef="#br0" timeOffset="-17147">3105 1000 0,'0'-25'16,"-26"25"-16,26-26 16,26 0-1,0 26 1,-1 0 0,-25 26-1,0 0-15,0-1 16,0 1-1,0 0 1,-25-26 15,-1 0-31,0 0 16,1 0 0,25-26-16,0 0 15,25 1 1,1-1-1,0 26-15,-26-26 16,25 26-16</inkml:trace>
-  <inkml:trace contextRef="#ctx0" brushRef="#br0" timeOffset="-16744">3567 923 0,'25'0'31,"1"0"-31,0 0 15,-1 26 1,-25 0 0,26-26-16,-26 25 0,0 1 15,-26 0 1,1-26-16,-1 0 16,0 25-16,1-25 15,-1-25-15,0 25 16,26-26-16,-25 0 15,25 1-15,0-1 16,25 26-16,-25-26 0,26 1 16,0 25-16,-1 0 15,1 0 1</inkml:trace>
-  <inkml:trace contextRef="#ctx0" brushRef="#br0" timeOffset="-16014">3413 1847 0,'0'26'47,"0"-1"-47,0 1 16,0 0-16,0 25 16,-26-25-16,26 25 0,0 0 15,0 1-15,0-1 16,0 26-16,0-26 0,0 1 15,0 24-15,0-24 0,26 50 16,-26-76 0,0 25-16,0 1 0,25-27 15,-25 1-15,0 25 16,0-25-16,0 0 0,26-1 16,-26 1-16,0 0 15,0-1-15,0 1 31,0-52-15,-26 1 0</inkml:trace>
-  <inkml:trace contextRef="#ctx0" brushRef="#br0" timeOffset="-15773">3182 2873 0,'0'26'16,"0"0"15,0-1-15,26-25-1,-1 26-15,-25 0 0,26-1 16,-1-25-16,1 26 15,0 0-15,-26-1 0,25 1 16,1-26-16,0 26 0</inkml:trace>
-  <inkml:trace contextRef="#ctx0" brushRef="#br0" timeOffset="-15507">3669 2950 0,'26'-25'15,"0"25"-15,-26-26 16,25 26-16,-25 26 31,-25-26-15,25 25-16,-26 1 16,0-26-16,1 26 0,-1-1 15,0 1-15,1 0 16,-1-1-16,0 1 0,1-26 15,-1 26-15,0-26 0,26 25 16,-25-25-16,-1 26 16,0-26-1</inkml:trace>
-  <inkml:trace contextRef="#ctx0" brushRef="#br0" timeOffset="4526">18371 3104 0,'0'52'0,"0"-1"0,0 0 16,0 0-16,25-25 0,-25 25 15,0 1-15,0-1 16,26 0-16,-26 1 0,26 25 16,-26-26-16,0 26 15,0-26-15,0 26 0,25 0 16,-25-25-16,0 24 16,0 1-16</inkml:trace>
-  <inkml:trace contextRef="#ctx0" brushRef="#br0" timeOffset="4681">18473 5182 0,'0'52'15,"-25"-1"-15,25 0 0,0 1 16,0-1-16,0 0 16,0 1-16,25-1 0,-25 0 15,0 26-15,26-25 16,-26-1-16</inkml:trace>
-  <inkml:trace contextRef="#ctx0" brushRef="#br0" timeOffset="4840">18371 6953 0,'-26'51'15,"26"0"-15,-26 1 16,26-1-16,-25 0 0,25 26 15,-26-25-15,26 25 0,0-26 16</inkml:trace>
-  <inkml:trace contextRef="#ctx0" brushRef="#br0" timeOffset="4310">18242 975 0,'0'-26'15,"0"0"1,26 26-16,-26 26 31,0 0-31,0-1 16,0 1-16,0 25 0,0 1 16,0-1-16,0 0 0,0 26 15,0 0-15,-26 26 16,26-26-16</inkml:trace>
-  <inkml:trace contextRef="#ctx0" brushRef="#br0" timeOffset="13660">17524 385 0,'0'-26'0,"0"0"16,0 1 0,0-1-16,0 0 15,-26 1-15,1-1 16,-1 26-16,0 0 16,1 0-16,-1 26 15,0-1-15,1 27 16,25-1-16,-26 0 0,26 26 15,0 0-15,0 26 0,0-26 16,26 25-16,-26-25 16,25 0-16,1 0 0,-26 0 15,26 0-15,-26-25 0,0-1 16,0 0-16,0-25 16,0 0-16,-26-26 0</inkml:trace>
-  <inkml:trace contextRef="#ctx0" brushRef="#br0" timeOffset="13817">17088 1000 0,'25'-25'16,"1"25"-16,-26-26 0,51 26 16,-25-26-16,25 26 15,1-25-15,-1-1 0,0 0 16,26 1-16,-25 25 0</inkml:trace>
-  <inkml:trace contextRef="#ctx0" brushRef="#br0" timeOffset="14007">17678 693 0,'-26'0'0,"1"0"0,-1 0 16,0 0-16,26 25 31,0 1-31,26-26 15,-26 25-15,26 27 16,-26-27-16,25 1 0,-25 0 16,26 25-16,-26-25 15,25-1-15,-25 1 0</inkml:trace>
-  <inkml:trace contextRef="#ctx0" brushRef="#br0" timeOffset="14157">17729 590 0,'0'-26'15,"0"1"-15,0-1 16</inkml:trace>
-  <inkml:trace contextRef="#ctx0" brushRef="#br0" timeOffset="14488">17883 667 0,'0'26'15,"26"-26"1,-26 25 15,25-25-31,-25 26 16,26-1-16,0 1 15,-26 0-15,25-1 16,1 1-16,-26 25 0,26-51 16,-26 26-16,0 0 0,0-1 15,0-50 17,-26 25-32,26-26 0,0 0 15,0-25-15,0 25 16,0-25-16,26 0 0,-1 0 15,1 25-15,-26 0 16,26-25-16,-1 51 0,1-26 16,0 1-16</inkml:trace>
-  <inkml:trace contextRef="#ctx0" brushRef="#br0" timeOffset="14860">18396 616 0,'0'25'15,"0"1"32,26-26-47,0 26 32,-1-26-17,1 0-15,-1 0 16,1-26-16,0 26 15,-26-26-15,0 1 16,25 25-16,-25-26 0,0 0 16,-25 26-16,25-25 15,-26 25-15,0-26 0,1 26 16,-1 0 0,1 26-16,-1-1 0,0 1 15,26 0-15,-25-1 0,25 1 16,0 0-16,0-1 15,25 1-15,1 25 0,0-51 16,-1 26-16,1-1 0,25-25 16,-25 0-16</inkml:trace>
-  <inkml:trace contextRef="#ctx0" brushRef="#br0" timeOffset="15383">18858 539 0,'0'-26'0,"-26"26"16,26 26 31,26-26-47,-26 25 0,26 1 16,-26 0-16,0-1 15,0 1 1,25 0-16,-25-1 15,26 1-15,0-26 32,-26-26-17,25 1 1,-25-1-16,26 0 16,-26 1-16,26-1 0,-26 0 15,25 1 1,-25 50-1,26 1 1,-26 0-16,26-1 16,-26 1-16,25-26 15,-25 26-15,26-26 16,0 0-16,-1 0 16,-25-26-1,26 26-15,-26-26 0,26 1 16,-26-1-16,0 0 0,25 1 15,-25-1-15,0 0 16,0 1-16,0-1 16,0 0-1,-25 26-15</inkml:trace>
-  <inkml:trace contextRef="#ctx0" brushRef="#br0" timeOffset="16227">19525 410 0,'26'0'0,"-1"0"16,1 0-1,0 0 1,-26-25 0,-26 25-1,0 0 1,1 0-16,-1 0 15,0 0-15,1 25 16,25 1 0,0 0-16,0-1 15,0 1-15,25 0 16,1-26 0,0 25-1,-1-25-15,1 0 31,-26 26 16,26-26-47,-1 26 32,1-26-17,0 25-15,-1-25 16,1-25-16,0 25 15,-1-26-15,1 26 0,0-26 16,-26 1-16,25-1 16,1 0-16,-26-25 0,0 25 15,26 1-15,-26-27 16,0 27-16,0-27 0,-26 27 16,26-1-16,-26 26 0,26-26 15,-25 26-15,25 26 16,-26-26-1,26 26-15,0-1 16,0 27-16,0-27 0,26 1 16,-26 0-16,25-1 0,1 1 15,-26 0-15,26-1 16,-1 1-16,1-26 0,0 0 16,-1 0-16,1 0 15,0 0-15,-1 0 0,27-26 16,-27 1-16,1-1 0,-1 0 15,1 1-15,-26-27 16,26 27-16,-26-27 0,0 1 16,-26 0-16,26 25 15,-26 0-15,26-25 0,-25 51 16,-1 0-16,1 0 16,25 26-16,-26 25 15,26-25-15,0 25 0,0 0 16,26 1-16,-1-27 0,1 27 15,-1-1-15,1-25 16,25-1-16,-25 1 0,0 0 16</inkml:trace>
-  <inkml:trace contextRef="#ctx0" brushRef="#br0" timeOffset="18213">4901 1283 0,'-26'0'0,"1"0"15,-1 0-15,0 0 0,1 0 16,50 0-1,1 0 1,25 0-16,1 0 0,-1 0 16,0 0-16,0 0 15,1 0-15,-1 0 0,-25 0 16,25 0-16,-25 0 16,-1 0-16,1 0 15,-26-26 32</inkml:trace>
-  <inkml:trace contextRef="#ctx0" brushRef="#br0" timeOffset="18530">5363 1103 0,'-26'0'0,"0"0"16,1 0-16,50 0 47,1 26-32,0-26-15,-1 0 16,1 25-16,0-25 0,-1 26 15,1-26-15,0 26 16,-1-1-16,-25 1 16,-25 0-16,-1-1 15,0 1 1,1-26-16,-1 26 16,0-26-16</inkml:trace>
-  <inkml:trace contextRef="#ctx0" brushRef="#br0" timeOffset="19813">6620 693 0,'0'-26'16,"0"52"46,0-1-46,0 1-16,0 25 15,0-25-15,0 25 0,0 0 16,0-25-16,0 25 16,0 1-16,0-1 0,0 0 15,0-25-15,0 25 0,0-25 16,-26 0-16,26-1 16,0 1-16,-25 0 15,25-1-15,0 1 16,0 0-16,25-1 31,1-25-15,0 0-16,25 0 0,-26 0 15,27 0-15,-1 0 16,26 0-16,0 0 0,-26 0 16,26 0-16,0-25 0,-25 25 15,25 0-15,-26 0 16,0 0-16,26 0 0,-51 0 15,25 0-15,-25 0 16,-1 0-16,1 0 0,0 0 16,-26-26 31,0 0-16,0 1-31,25 25 0,-25-26 15,0 0-15,26-25 16,-26 25-16,0-25 0,0 0 16,0 25-16,0-51 15,26 26-15,-26-1 0,0 1 16,0 0-16,0-1 16,0 1-16,0 0 0,0 25 15,0 1-15,0-1 0,0 0 16,0 1-1,-26 25 17,26 25-17,-26-25-15,1 0 16,-1 26 0,0-26-16,-25 0 0,0 0 15,25 26-15,-25-26 0,0 0 16,-1 0-16,1 25 15,0-25-15,-1 0 0,1 0 16,0 26-16,-1-26 16,27 0-16,-27 26 0,1-26 15,0 25-15,25-25 16,-25 0-16,25 26 0,0-26 16,1 25-16,-1-25 0,26 26 15,-25-26-15,25 26 16</inkml:trace>
-  <inkml:trace contextRef="#ctx0" brushRef="#br0" timeOffset="20659">6646 1514 0,'0'-26'16,"25"26"0,-50 0 15,-1 0-15,0 26-1,1-1-15,-1 1 0,0-1 16,-25 27-16,25-27 0,-25 1 15,25 25-15,1-25 16,-1 0-16,26-1 0,0 1 16,0 0-1,26-26 1,-1 0 0,1 0-16,-26-26 0,26 26 15,-1 0-15,27 0 0,-27-26 16,1 26-16,25 0 15,1-25-15,-1 25 0,0 0 16,0 0-16,1 0 0,25 0 16,-26 0-16,0 0 15,-25 0-15,25 0 0,-25 0 16,0 0-16,-1 0 16,27-26-16,-1 26 15,-25 0-15,-1 0 16,1-26-16,25 26 0,-25 0 15,25-25-15,0 25 0,1 0 16,-27-26-16,1 26 16,25 0-16,-51-26 0,26 26 15,0 0 1,-26-25-16,-26 25 16,26-26-16,-26 26 0,1-26 15,25 1-15,-26-1 16,0 1-16,1-1 0,25 0 15,-26 1-15,26-1 0,-26 0 16,26 1 0,0-1-16</inkml:trace>
-  <inkml:trace contextRef="#ctx0" brushRef="#br0" timeOffset="22682">8082 1231 0,'26'0'31,"25"0"-15,26 0-1,-25 0-15,-1 0 16,26 0-16,0 0 0,0 0 15,-26 0-15,26 0 0,-26 0 16,-25 0-16,25 0 16,-25 0-16,-26-25 31,26 25 78,-1 0-109,1 0 16,0 0-16,-1 0 0,27 0 16,-27 0-16,27 0 15,25 0-15,-26-26 0,26 26 16,-26 0-16,52 0 0,-26 0 15,25-26-15,1 26 16,25 0-16,1 0 0,-1 0 16,0-25-16,0 25 15,1 0-15,-1 0 0,0 0 16,-25 0-16,-1-26 0,-25 26 16,-25 0-16,-1 0 15,0 0-15,-25 0 0,0 0 16,-1 0-16,1 0 234,0 0-234,-1-26 31,1 26-31,0 0 16,-1 0-16,27 0 16,-1 0-16,26 0 0,0 0 15,25 0-15,27 0 0,-1 0 16,0 0-16,1 0 16,25-25-16,-26 25 0,0 0 15,0 0-15,-25 0 16,0 0-16,-1 0 0,-25-26 15,0 26-15,-25 0 0,24 0 16,-24 0-16,-1 0 16,0 0-16,1 0 0,-27 0 15,1 0-15,0 0 16,-1 0-16,-50 0 62,-1 0-46,26 26 0,0-1-1,-26-25 1,26 26-16,0 0 0,0-1 16,0 1-16,0 25 15,0 1-15,0-27 0,0 52 16,0-25-16,0 25 0,0-26 15,0 26-15,0 0 16,26 0-16,-26 0 0,0 0 16,0 0-16,26 0 15,-26-26-15,0 0 0,0 1 16,25-1-16,-25 0 0,0-25 16,0 0-16,0 25 15,0-26-15,0 1 16,0 0-16,-25-26 0,25 25 15,25-25 17,1 0-17,0 0-15,-1 0 16,27 0-16,-27 0 0,52-25 16,-25 25-16,25 0 15,25-26-15,1 26 0,-1-26 16,27 26-16,-27 0 15,1-25-15,0 25 0,-1-26 16,-25 26-16,-25 0 0,-1 0 16,0 0-16,-25 0 15,-52 0 17,0 0-32,1 0 15</inkml:trace>
-  <inkml:trace contextRef="#ctx0" brushRef="#br0" timeOffset="23133">14881 2129 0,'-25'0'15,"25"26"17,25 0-1,1-26-31,0 25 0,25-25 15,0 26-15,1-26 16,-1 26-16,26-1 0,0 1 16,-26-26-16,0 26 0,26-1 15,-51-25-15,0 26 16,25-26-16,-51 26 0,26-1 16,-26 1-16,0-1 15,-26-25-15,0 26 16,1 0-16,-1-1 0,0 1 15,1 25-15,-27-25 16,27 0-16,-1-1 0,0 1 16,1 0-16,-1-1 15,26 1-15,-26 0 0,1-1 16</inkml:trace>
-  <inkml:trace contextRef="#ctx0" brushRef="#br0" timeOffset="24477">15779 1744 0,'-25'0'0,"50"0"31,1 0-31,-26 26 16,26 0-16,-26-1 15,25 27-15,-25-1 16,26 26-16,0 0 0,-26 0 16,25 0-16,1 26 0,-26-26 15,0-1-15,25 27 16,-25-52-16,0 26 0,0-25 16,0-1-16,0 0 15,0-25-15,26 0 0,-26-1 16,26 1-1,-1-26-15,27-26 16,-1 26-16,0 0 0,26-25 16,0 25-16,26-26 15,25 26-15,1-26 0,50 26 16,1-25-16,25 25 0,26-26 16,25 0-16,27 26 15,-27-25-15,26 25 0,1 0 16,-27-26-16,-25 26 0,-26-26 15,-25 26-15,-26 0 16,-26 0-16,-25 0 0,-26-25 16,-26 25-16,0 0 15,-25 0-15,0 0 0,-26-26 47,-26 26-16,26-26-31,0 1 16,0-1-16,0 0 16,0 1-16,0-27 15,0 1-15,26 0 0,-26 0 16,0-1-16,0-25 16,0 0-16,0 0 0,-26 0 15,26 26-15,-26-26 0,26 26 16,0-1-16,-25 27 15,25-1-15,-26 0 0,26 1 16,-26 25 0,1 0-16,-1 0 15,1 0-15,-1 0 16,-25 25-16,-1-25 0,-25 0 16,26 26-16,-52-26 0,1 26 15,-1-26-15,-51 25 16,0-25-16,-25 26 0,-1-26 15,-51 26-15,0-26 0,-25 0 16,25 25-16,0-25 16,0 26-16,0-26 0,51 26 15,1-26-15,51 25 16,-1-25-16,27 26 0,25-26 16,0 0-16,25 0 0,1 26 15,25-26-15,-25 0 16,25 0-16,26 25 15,-25-25-15,25 26 32</inkml:trace>
-  <inkml:trace contextRef="#ctx0" brushRef="#br0" timeOffset="24950">16421 2206 0,'25'26'16,"1"-26"15,-26 26-31,26-1 16,-1 1-1,1 0-15,0-1 0,-1 27 16,1-27-16,0 26 16,25-25-16,-25 0 0,-1-1 15,27 1-15,-27-26 0,1 26 16,-1-26-16,1 0 15,0-26-15,-1 0 0,27 1 16,-27-1-16,1 0 16,-26-25-16,26 26 0,-1-27 15,-25 1-15,0 25 0,26-25 16,-26 25-16,0 1 16,0-1-16,0 0 0,0 1 15</inkml:trace>
-  <inkml:trace contextRef="#ctx0" brushRef="#br0" timeOffset="25424">17575 2052 0,'0'26'15,"-25"0"1,25-1 0,0 1-16,0 25 15,0-25-15,0 0 16,25 25-16,-25 0 0,26-25 16,-26 25-16,0 0 0,26-25 15,-26 0-15,0-1 16,25-25-16,-25 26 0,0-52 31,0 1-15,0-1-16,0 0 0,0-25 15,0 26-15,-25-27 16,25 1-16,0 0 0,25-1 16,-25 1-16,26 0 15,-1-1-15,1 27 0,25-1 16,-25 26-16,0 0 0,-1 0 15,1 0-15,0 26 16,-1-1-16,-25 1 0,0 0 16,0-1-16,-25 27 15,-27-27-15,1 1 0,0 0 16,-1-1-16,1 1 0,0 0 16,0-1-16,25-25 15,0 0-15,1 0 0</inkml:trace>
-  <inkml:trace contextRef="#ctx0" brushRef="#br0" timeOffset="26023">18242 2181 0,'26'0'31,"-26"25"-31,26-25 16,-26 26 0,0 0-1,25-1-15,-25 1 0,0 0 16,0 25-16,0-25 16,0-1-16,0 1 0,0-1 15,0 1-15,-25-26 31,25-26-15,0 1-16,0-1 16,0 1-16,0-1 0,0-25 15,0-1-15,0 1 16,25 0-16,-25-1 0,26 27 16,0-1-16,-1 0 0,1 1 15,0 25-15,-1 25 16,1-25-16,25 52 0,-25-27 15,-1 1-15,1 25 0,0 1 16,-1-27-16,1 27 16,0-27-16,-26 1 0,25-26 15,1 26-15,0-26 16,-26-26 0,0 0-16,0-25 15,0 25-15,0-25 16,0-52-1,0 52-15,0 0 0,0-1 16,0 27-16,0-1 0,0 0 16,25 26-16,-25 26 0,26 0 15,-26-1-15,26 1 16,-1 25-16,1-25 0,-26 0 16</inkml:trace>
-  <inkml:trace contextRef="#ctx0" brushRef="#br0" timeOffset="26990">20603 2206 0,'-26'-25'16,"0"25"-16,1 0 16,-1-26-16,0 26 15,52 0 16,25 0-15,-25 0 0,51 0-16,0 0 0,0 0 15,26 0-15,-1 0 16,1-26-16,25 26 0,-25-25 16,-26 25-16,0 0 0,0-26 15,-26 26-15,-25 0 16,-1 0-16,1 0 15,-52 0 1,1 0 0,25 26-1,0-1 1,0 1-16,0 0 16,0 25-16,0-25 0,0 25 15,0 26-15,0-26 16,0 26-16,0 0 0,25 0 15,-25 0-15,0 0 16,26 0-16,-26 0 0,0 26 16,26-52-16,-26 26 0,0 0 15,25 0-15,-25-26 16,0 26-16,26-26 0,-26-25 16,0 25-16,0-25 0,0 0 15,26-26-15,-26 25 16,25-25 15,1-25-31,0 25 16,25-26-16,0 26 0,26-26 15,26 26-15,-1-25 16,27 25-16,-27-26 0,27 26 16,-27-26-16,26 26 15,-51-25-15,0 25 0,0 0 16,-51 0-16,0-26 15,-1 26-15,-50 0 16,-1-26-16,0 26 0,1-25 16,-27 25-16</inkml:trace>
-  <inkml:trace contextRef="#ctx0" brushRef="#br0" timeOffset="27205">22835 3207 0,'-26'0'16,"26"26"0,26-1-1,-1 1-15,27-1 16,-1 1-16,-25 0 16,25 25-16,0-25 0,1 25 15,-27 0-15,-25 1 0,0-27 16,0 27-16,-51-1 15,0-25-15,-1 25 0</inkml:trace>
-  <inkml:trace contextRef="#ctx0" brushRef="#br0" timeOffset="29108">27299 2925 0,'26'0'16,"-26"-26"-16,-26 26 15,0-26-15,1 1 16,-27 25-16,1 0 15,0-26-15,-1 26 0,-24 0 16,-1 0-16,-26 0 0,0 26 16,1-26-16,-27 0 15,27 25-15,-27-25 0,27 26 16,-1-26-16,26 26 16,0-26-16,0 0 0,26 25 15,25-25-15,1 0 0,-1 0 16,26 26-1,0 0 1,26-26 0,-26 25-16,0 1 0,25 0 15,-25-1-15,0 27 16,0-1-16,26 0 0,-26 0 16,0 26-16,26 26 0,-26-26 15,25 26-15,-25 25 0,26-25 16,-26 25-16,26 0 15,-1-25-15,-25 25 0,26-25 16,-26 25-16,26-25 16,-26 25-16,25 0 0,-25 0 15,26 1-15,-26-1 16,26 0-16,-26-25 0,0 25 16,25-25-16,-25-1 0,0 1 15,0 0-15,0-26 16,26-26-16,-26 26 0,0-26 15,0 1-15,0-1 16,0-25-16,0 25 0,0-25 16,0-1-16,0 1 0,0-1 15,0 1-15,0 0 16,0-1 0,0 1-1,26-26 1,-26 26-16,25-26 15,1 0 1,-1 0-16,1 0 0,0 25 16,-1-25-16,27 0 15,-1 0-15,26 0 0,0-25 16,26 25-16,-1-26 0,27 26 16,-1 0-16,0 0 15,26-26-15,0 26 0,0 0 16,26 0-16,-52 0 0,26 26 15,-26-26-15,-25 26 16,-1-26-16,-25 0 0,0 25 16,-25-25-16,-1 0 15,-25 0-15,-1 0 0,1 0 16,-26-25 15,0-1-15,0 0-1,0 1-15,0-1 16,0 0-16,0 1 0,25-26 16,-25-1-16,0-25 15,26 0-15,-26-25 0,26-1 16,-26-25-16,0-26 16,0 0-16,0-26 0,0 26 15,-26-25-15,0 25 0,26 0 16,-25 26-16,-1-1 15,1 27-15,-1-27 0,0 52 16,1-25-16,25 25 16,-26-26-16,0 26 0,1 0 15,-1 0-15,0 26 16,1-26-16,-1 26 0,0-1 16,26 1-16,-25 0 0,25 25 15,0 0-15,-26 1 16,26-1-16,0 0 0,0 1 15,0-1-15,-26 0 0,26 1 16,0-1 0,-25 1-16,25-1 0,-26 26 15,26-26-15,-26 26 16,26-25-16,-25 25 0,25-26 16,-26 0-16,26 1 15,-26 25 1,26-26-16,-25 26 0,-1-26 15,26 1 1,-26 25-16,26-26 16,-25 26-16,25-26 15,-26 26-15,0 0 16,-25 0-16,25 0 16,-25 0-16,-26 0 0,0 0 15,-25 0-15,-1 0 16,-25 0-16,-1 0 0,27 0 15,-26 0-15,25 0 16,26 0-16,0 0 0,26 0 16,-1 0-16</inkml:trace>
-  <inkml:trace contextRef="#ctx0" brushRef="#br0" timeOffset="29707">26068 4310 0,'-26'0'0,"0"0"16,1 0-1,25 26 1,-26-26 15,52 0 0,-1 0-15,27 0-16,-1 0 0,0 0 16,0-26-16,26 26 0,-25 0 15,25 0-15,-52 0 16,27 0-16,-27 0 0,1 0 15</inkml:trace>
-  <inkml:trace contextRef="#ctx0" brushRef="#br0" timeOffset="29983">25939 4618 0,'-25'0'0,"25"26"0,25-26 16,1 0-1,0 0 1,25 0-16,0 0 0,0 0 16,26 0-16,0 0 15,-25-26-15,25 26 0,-26 0 16,0 0-16,1 0 0,-1 0 15,-25 0-15</inkml:trace>
-  <inkml:trace contextRef="#ctx0" brushRef="#br0" timeOffset="30224">26042 4952 0,'0'25'31,"26"-25"-15,-1 0-16,1 0 16,-1 0-16,27 0 0,-1 0 15,0-25-15,26 25 0,-25 0 16,25 0-16,-26 0 15,26 0-15,-26 0 0,-25 0 16,0 0-16,-1 0 16</inkml:trace>
-  <inkml:trace contextRef="#ctx0" brushRef="#br0" timeOffset="30434">26068 5311 0,'0'25'0,"25"-25"0,1 0 16,-1 0-16,27 0 15,-27 0-15,52 0 16,-25-25-16,25 25 0,0 0 16,0 0-16,-26 0 0,26 0 15,-26 0-15,-25 0 16,0 0-16</inkml:trace>
-  <inkml:trace contextRef="#ctx0" brushRef="#br0" timeOffset="30656">26170 5593 0,'-26'26'16,"26"-1"-16,-25 1 0,25 0 15,-26-1 1,26 1-1,26-26 1,-1 0-16,1 0 0,0 0 16,25 0-16,0 0 0,26 0 15,-25-26-15,25 26 16,0 0-16,0-25 0,0 25 16,-26-26-16</inkml:trace>
-  <inkml:trace contextRef="#ctx0" brushRef="#br0" timeOffset="30848">26196 6029 0,'25'26'15,"1"-26"-15,25 0 16,-25 0-16,25 0 15,1 0-15,-27 0 0,27 0 16,-1 0-16,0 0 16</inkml:trace>
-  <inkml:trace contextRef="#ctx0" brushRef="#br0" timeOffset="31567">27402 6670 0,'0'26'31,"25"0"-15,-25-1-16,26 1 0,0 25 16,-1 1-16,1-1 15,0 26-15,-26 0 0,25-26 16,1 26-16,-26 0 16,26-25-16,-26 25 0,0-26 15,0 0-15,0-25 0,0-1 16,0 1-16</inkml:trace>
-  <inkml:trace contextRef="#ctx0" brushRef="#br0" timeOffset="31938">27684 7543 0,'-26'0'16,"26"25"-1,-25-25-15,-1 0 0,0 26 16,1-26-16,-1 26 16,0-1-16,1 27 0,25-27 15,-26 27-15,0-27 0,26 27 16,0-27-16,26 27 16,0-27-16,-1 1 0,27 0 15,-1-26-15,0 0 16,1 0-16,-1 0 0,0-26 15,0 0-15,1 1 0,-27-1 16,1 0-16,0-25 16,-26 25-16,-26 1 0,26-27 15,-51 27-15,25-1 16,-25 26-16,0-26 0,25 26 16,-25 0-16,25 0 0,-25 26 15,51 0 1</inkml:trace>
-  <inkml:trace contextRef="#ctx0" brushRef="#br0" timeOffset="32192">27966 7722 0,'0'26'0,"26"-26"31,25 0-31,0 0 0,26 0 16,0 0-16,52 0 0,-27 0 15,27 0-15,-1 0 16,0 0-16,-25-26 0,-26 26 16,0 0-16,-26 0 15,-25 0-15,-52-25 16,0 25-1</inkml:trace>
-  <inkml:trace contextRef="#ctx0" brushRef="#br0" timeOffset="32522">26324 7928 0,'-26'0'0,"1"0"16,25 25-16,25-25 16,27 0-1,-27 0 1,52 0-16,0 0 0,0 0 15,26 0-15,0 0 0,25 0 16,-26 0-16,27 0 16,-52 0-16,25-25 0,-50 25 15,-1 0-15,-25 0 16,-1 0-16,-50 0 16</inkml:trace>
-  <inkml:trace contextRef="#ctx0" brushRef="#br0" timeOffset="49330">20090 1283 0,'0'-26'0,"25"26"15,-25-26-15,0 1 0,26-1 16,-26 52 31,0-1-47,-26 1 15,26 0-15,-25 25 0,-27 0 16,27 1-16,-27-1 0,27 26 16,-27-26-16,27 0 15,-27 1-15,27-1 0,-1 0 16,0-25-16,26 0 15,-25-26-15,25 25 0</inkml:trace>
-  <inkml:trace contextRef="#ctx0" brushRef="#br0" timeOffset="49571">19602 1693 0,'0'-26'0,"-26"26"16,26 26-1,0 0 1,0-1 0,0 1-16,26 0 15,-26-1-15,0 1 0,26-26 16,-1 26-16,-25-1 16,26-25-16,25 0 0,-25 0 15,25-25-15,1 25 16,-1-26-16,0 0 0,1 1 15</inkml:trace>
-  <inkml:trace contextRef="#ctx0" brushRef="#br0" timeOffset="53717">616 231 0,'0'-26'0,"-25"26"16,-1-26-16,0 26 15,1 0-15,25 26 32,0 0-32,0 25 0,0 0 15,0 1-15,0-1 0,0 26 16,0 0-16,0 0 15,0-26-15,0 26 0,-26-26 16,26 26-16</inkml:trace>
-  <inkml:trace contextRef="#ctx0" brushRef="#br0" timeOffset="53922">129 1077 0,'-26'-25'16,"52"25"0,-1 0-1,1 0-15,25 0 16,26 0-16,0 0 0,-25 0 16,25 0-16,0 0 0,0 0 15,-26 0-15</inkml:trace>
-  <inkml:trace contextRef="#ctx0" brushRef="#br0" timeOffset="54115">103 667 0,'-51'-77'16,"25"26"-16,0-26 0,26 25 15,0-25-15,26 26 16,0 0-16,-1 25 0,27 0 15,-1 1-15,0 25 16,1 0-16,25 0 0,-26 0 16,26 25-16,-26-25 15</inkml:trace>
-  <inkml:trace contextRef="#ctx0" brushRef="#br0" timeOffset="54534">565 616 0,'0'25'16,"26"-25"-1,-26 26 1,25 0 0,1-1-16,-26 26 15,26-25-15,-26 0 0,25 25 16,-25-25-16,0-1 15,0 1-15,0 0 0,0-1 16,0 1-16,-25 0 16,-1-52-1,26 0-15,0 1 16,26-27 0,-26 27-16,25-27 0,1 27 15,-1-27-15,1 1 0,0 26 16,-1-1-16,1 0 15,0 1-15,-1 25 0,1 25 16,-26 1 0,26 0-16,-26-1 0,25 1 15,-25-1-15,0 1 0,0 25 16,0-25-16,0 0 16,0-1-16</inkml:trace>
-  <inkml:trace contextRef="#ctx0" brushRef="#br0" timeOffset="54743">1104 410 0,'0'-51'0,"0"25"0,25 1 16,-25 50-1,0 27-15,0-1 16,0 0-16,0 1 0,26 25 15,-26-26-15,0 0 16,0 26-16,26-51 0,-26 25 16,0-25-16,0-1 0,0 1 15</inkml:trace>
-  <inkml:trace contextRef="#ctx0" brushRef="#br0" timeOffset="55081">1129 769 0,'0'-25'15,"-25"25"-15,25-26 16,25 26 15,1 0-31,0 0 0,-1 0 16,27 0-16,-1 0 0,26-25 16,-26 25-16,1-26 15,-1 26-15,-25 0 0,25-26 16,-51 1-16,0-1 15,-26 0 1,-25 26-16,25 0 16,1 0-16,-1 0 15,0 0-15,1 26 16,25 0-16,-26-1 16,26 1-16,0 0 0,0 25 15,0-26-15,26 27 0,-26-27 16,25 1-16,1 0 15,0-26-15</inkml:trace>
-  <inkml:trace contextRef="#ctx0" brushRef="#br0" timeOffset="55398">1668 718 0,'-26'-51'0,"26"25"15,-25 1-15,25-1 0,0 0 0,-26 26 16,26-25-16,26 25 15,-1 0-15,1 0 16,0 25-16,-1-25 16,1 26-16,25 25 0,-51-25 15,26 0-15,0-1 16,-26 1-16,0-1 0,0 1 16,0 0-16,-26-26 0,0 0 15,1 0-15,-1 0 16,26-26-1,0 0-15,0 1 16,0-26-16,0 25 0,26-25 16,25-1-16,-25 1 0,25 25 15,-25-25-15,25 25 16,-25 1-16,-1-1 0,1 26 16</inkml:trace>
-  <inkml:trace contextRef="#ctx0" brushRef="#br0" timeOffset="55775">2104 436 0,'-25'0'0,"50"26"78,-25-1-78,26 1 16,-26 0-16,0-1 0,26 1 15,-26 0-15,0-1 16,0 1-16,0 0 0,0-1 16,0 1-16,-26-26 31,26-26-31,0 1 16,0-1-1,26-25-15,-1 25 0,-25 0 16,26 1-16,0-1 0,-1 0 15,1 26-15,0 0 16,-1 0-16,1 26 16,-26 0-16,26-1 15,-26 27-15,0-27 0,0 1 16,0 0-16,0-1 0,0 1 16</inkml:trace>
-  <inkml:trace contextRef="#ctx0" brushRef="#br0" timeOffset="56358">2617 487 0,'0'-25'15,"0"50"17,0 1-17,0 0 1,26-26-1,0 0 1,-1 0 0,-25-26-16,0 0 15,0 1 1,0-1 0,-25 26-16,-1-26 15,0 26 1,1 0-16,-1 0 0,0 26 15,26 0-15,-25-1 0,25 1 16,0 0-16,0-1 16,0 1-16,0 25 0,25-25 15,-25 0-15,26-26 16,0 25-16,-1-25 16,1 0-16,25-25 0,-25-1 15,0 0-15,25 1 16,-25-27-16,-1 27 0,1-27 15,-26 1-15,26 0 0,-26-26 16,0 25-16,0 1 16,0 0-16,0-1 0,0 1 15,0 25-15,0 1 16,-26 25-16,26 25 16,0 27-16,0-27 0,0 27 15,0-1-15,0 0 16,0 26-16,26-25 0,-26-1 15,25 0-15,-25-25 16,26 0-16,-26-1 0,0 1 16</inkml:trace>
-  <inkml:trace contextRef="#ctx0" brushRef="#br0" timeOffset="56498">2797 333 0,'-26'-25'16,"26"-1"-16,0 0 15,26 26-15,0-25 0,-1 25 16,1 0-16,25 0 0,1-26 16,-1 26-16,0 0 15,-25-26-15</inkml:trace>
-  <inkml:trace contextRef="#ctx0" brushRef="#br0" timeOffset="57998">30044 2463 0,'0'-26'16,"0"52"15,0-1-16,0 1-15,0 25 0,0 1 16,0-1-16,0 0 16,0 26-16,-25-25 0,25 25 15,0-26-15</inkml:trace>
-  <inkml:trace contextRef="#ctx0" brushRef="#br0" timeOffset="58190">29762 3233 0,'0'-26'15,"26"26"1,-1 0-16,27 0 16,-1 0-16,0 0 0,26 0 15,0 0-15,0 0 16,0 0-16,0-26 0</inkml:trace>
-  <inkml:trace contextRef="#ctx0" brushRef="#br0" timeOffset="58358">30147 2848 0,'-51'-26'16,"-1"-25"-16,1-1 15,25 1-15,1 0 0,25-1 16,0 27-16,0-27 0,25 27 15,1-1-15,0 26 16,-1-25-16,27 25 0,-1 0 16,-25 25-16</inkml:trace>
-  <inkml:trace contextRef="#ctx0" brushRef="#br0" timeOffset="58760">30506 2745 0,'0'26'16,"-26"-26"-16,26 25 16,0 1 15,26 0-31,-26-1 16,0 1-16,0 25 15,0-25-15,0 0 0,0 25 16,0-25-16,0-1 15,0 1-15,0-52 47,0 1-47,0-1 16,26-25-16,-1 25 16,1-25-16,0 25 0,-1 0 15,1-25-15,0 51 16,25-26-16,-25 26 0,-1 0 15,1 0-15,25 26 0,-25 0 16,0-1-16,-1 1 16,1 25-16,0-25 0,-1 0 15,1 25-15,-26-25 0,26-1 16</inkml:trace>
-  <inkml:trace contextRef="#ctx0" brushRef="#br0" timeOffset="58982">31301 2488 0,'0'-25'0,"0"-1"16,0 1-16,0 50 16,0 1-16,26-1 15,-26 1-15,26 25 16,-26 26-16,25-25 0,1 25 15,-26-26-15,26 26 16,-26-26-16,25 1 0,-25-1 16,0 0-16</inkml:trace>
-  <inkml:trace contextRef="#ctx0" brushRef="#br0" timeOffset="59336">31276 2976 0,'0'-26'0,"0"1"16,0-1-16,0 0 0,0 1 16,25 25-16,1-26 0,0 0 15,25 26-15,0-25 16,1 25-16,-1 0 0,26 0 16,-26 25-16,1 1 15,-27 0-15,27-1 0,-52 1 16,25 0-16,-25-1 0,0 27 15,-25-27-15,-1 1 16,0-26-16,1 26 0,-27-26 16,27 0-16,-1 0 15,0-26-15,26 0 0,0 1 16,0-27-16,26 27 16,0-1-16,25-25 15,-25 25-15,25-25 0,0 25 16,1 0-16,-1 1 15,0 25-15,-25 0 0,25 0 16</inkml:trace>
-  <inkml:trace contextRef="#ctx0" brushRef="#br0" timeOffset="59732">32251 2771 0,'25'0'16,"1"0"-1,-26-26 1,0 0-1,0 1-15,-26 25 16,26-26-16,-25 26 16,-1 0-16,0 0 15,26 26-15,-51-1 0,25 1 16,1 0-16,-1-1 16,1 27-16,25-27 0,-26 27 15,26-27-15,0 1 16,0 0-16,26-1 0,-1-25 15,1 26-15,-1-26 0,1 0 16,0 0-16,-1 0 16,1-26-16,0 26 0,-1-25 15,1-1-15,0 0 16,-26 1-16,25 25 0,-25-26 16,26 0-16,-26 52 31,26 0-31,-26-1 15,0 1-15,0 0 16,25-1-16,1 1 16</inkml:trace>
-  <inkml:trace contextRef="#ctx0" brushRef="#br0" timeOffset="60561">32610 2822 0,'0'-26'0,"-26"1"0,26-1 16,-25 0-16,25 1 0,0 50 31,0 1-31,0 0 16,0-1-16,25 1 0,-25 0 16,0 25-16,0-25 15,0-1-15,0 1 0,0 0 16,0-1-16,0-50 47,0-1-47,0 0 15,26 1-15,0-1 0,-26 0 16,25 1-16,1-1 0,0 0 16,-26 1-16,25 25 15,1 0-15,-26 25 16,0 1-1,0 0-15,26-1 0,-26 1 16,0 0-16,0-1 0,25 1 16,-25 0-16,0-1 15,26-25-15,0 0 16,-1 0 0,1-25-16,-1 25 15,1-26-15,0 0 0,-1 1 16,-25-1-16,26 0 15,-26 1-15,0-27 0,0 27 16,0-1 0,-26 26-16,1 0 15,-1 26 1,0-1 0,26 1-16,-25 25 0,25-25 15,0 0-15,0-1 16,0 1-16,25 0 0,-25-1 15,26-25-15,0 26 0,-1-26 16,1 0-16,0 0 16,25-26-16,-25 26 0,-1-25 15,27-1-15,-27 0 16,1-25-16,0 25 0,-26-25 16,25 0-16,-25-1 0,0-25 15,0 26-15,0-77 16,-25 102-1,25 1-15,0 50 32,0 1-32,-26 25 0,26 0 15,0 1-15,0-1 16,0 0-16,0 26 0,0-25 16,0-1-16,0 26 0,0-26 15,0-25-15,26 25 16,-26-25-16</inkml:trace>
-  <inkml:trace contextRef="#ctx0" brushRef="#br0" timeOffset="60712">33200 2848 0,'0'-26'16,"-26"0"-16,52 26 15,0-25 1,25 25-1,-25 0-15,-1 0 0,1-26 16</inkml:trace>
-  <inkml:trace contextRef="#ctx0" brushRef="#br0" timeOffset="72688">16113 4413 0,'0'-26'16,"0"52"78,0-1-79,0 1-15,0 0 16,-26 25-16,26-25 0,0 25 16,-26 0-16,26 1 0,0-27 15,-25 27-15,25-1 16,-26 26-16,26-26 0,0 0 16,-26 1-16,26-1 15,-25 26-15,25-26 0,-26 1 16,26-1-16,0-25 0,0 25 15,-25-25-15,25-1 16,0 1-16,0 0 16,25-26 62,1 0-63,-1 0-15,1 0 16,25 0-16,1 0 0,25 0 16,0 25-16,0-25 15,25 0-15,27 0 0,25 0 16,-26 26-16,51-26 16,-25 0-16,26 0 0,0 26 15,25-26-15,-26 0 0,27 25 16,-1-25-16,0 0 15,-25 0-15,-1 26 0,27-26 16,-27 0-16,1 0 0,-1 26 16,-25-26-16,26 0 15,-26 25-15,0-25 0,0 0 16,-52 26-16,27-26 16,-52 0-16,-26 0 0,0 0 15,-25 0-15,0 0 16,-26-26-16,-26 26 31,26-25-31,-26 25 16,1 0-1,25-26 1,-26 26 15,26-26-15,0 1-16,-26-1 15,26 0-15,0-25 16,0 0-16,-25-1 16,25 1-16,0-26 0,-26 0 15,26 0-15,0 0 16,0 0-16,0 0 0,0 26 16,0 0-16,0-1 0,0 1 15,0 0-15,0 25 16,0 0-16,0-25 0,0 25 15,26 1-15,-26-1 0,0 0 16,0 1-16,0-1 16,0 0-16,25 1 15,-25-1 1,0 0 15,-25 26 16,-1 0-47,0 0 0,-25 26 16,0-26-16,-26 0 0,-26 26 15,0-26-15,-50 0 16,-1 25-16,0-25 0,-52 0 16,1 0-16,-26 0 15,0 0-15,-25 0 0,-1 0 16,1 0-16,-1 0 15,26 0-15,0 0 0,52 0 16,-1 0-16,26 0 0,26 0 16,25 0-16,1 0 15,25 0-15,0 0 0,25 0 16,1 0-16,25 0 16,-25 26-16,25-26 0,1 0 15,-1 0-15,0 0 31,1 26 48,-1-26-64</inkml:trace>
-  <inkml:trace contextRef="#ctx0" brushRef="#br0" timeOffset="73347">17447 4669 0,'0'-25'15,"0"-1"1,-26 26-16,26-26 16,-25 26-16,-1 0 15,0 0-15,1 0 16,-27 0-16,27 0 0,-27 0 15,1 26-15,0-26 16,25 26-16,-25-1 0,25 1 16,0 0-16,1-1 15,-1 1-15,26 0 0,0-1 16,26 1-16,-1 0 0,1-1 16,25 1-16,1 0 15,-1-1-15,0-25 0,26 26 16,-25-1-16,-27-25 0,27 26 15,-27 0-15,1-26 16,-26 25-16,0 1 0,-26 0 16,1-1-1,-1 1-15,-25 0 0,25-26 16,-25 25-16,-26-25 0,25 0 16,1 26-16,0-26 15,25 0-15,-25-26 0,25 26 16,-25-25-16,25 25 15,26-26-15,-25 26 0,-1-26 16</inkml:trace>
-  <inkml:trace contextRef="#ctx0" brushRef="#br0" timeOffset="73810">18319 4875 0,'0'-26'0,"26"0"0,-26 1 15,-26-1 1,1 0-16,-1 1 15,0 25-15,1-26 16,-27 26-16,27 0 16,-27 0-16,27 26 0,-27-26 15,1 25-15,0 1 0,25 0 16,-25-1-16,25 1 16,-25 0-16,25 25 0,0-25 15,26 25-15,0-26 16,0 27-16,0-27 0,26 27 15,25-27-15,-25 1 16,25 0-16,1-1 0,-1 1 16,0-26-16,1 26 15,-1-26-15,0 0 0,1 0 16,-1 0-16,-25 0 0,-1 0 16,1-26-16,0 26 0,-26-26 15,0 1 1,0-1-16</inkml:trace>
-  <inkml:trace contextRef="#ctx0" brushRef="#br0" timeOffset="74218">19089 4746 0,'26'0'0,"-26"-25"16,-26 25 15,0-26-31,1 26 0,-1 0 16,-25 26-16,-1-1 15,1 1-15,0 0 0,-1-1 16,27 1-16,-27 25 15,27-25-15,-1 25 0,0 0 16,26-25-16,0 25 0,26 1 16,0-27-16,25 1 15,0 0-15,1-1 0,25-25 16,-26 26-16,26-26 16,0 0-16,-26 0 0,1-26 15,-1 26-15,-25-25 0,-1 25 16,1-26-16,0 26 15,-52 0-15,0-26 16,-25 26-16</inkml:trace>
-  <inkml:trace contextRef="#ctx0" brushRef="#br0" timeOffset="5635">18678 12315 0,'-25'77'16,"25"26"-16,0-26 15,-26-1-15,26 1 0,-26 0 16,26 0-16,0 0 0,0 0 16,0 0-16,26 0 15,-26 0-15,26 0 0,-1 26 16,-25-26-16,26 25 16,-26-25-16,26 26 0,-26-26 15,0 26-15,25-26 0,-25 25 16,0 1-16,0-26 15,0 25-15,26 1 0,-26 0 16,0-1-16,26 1 0,-1 0 16,-25-26-16,26 25 15,0-25-15,-1 0 0,1 0 16,-26 0-16,26-26 16,-1 26-16,1 0 0,-26-25 15,26 25-15,-26 0 0,25-26 16,-25 26-16,0 0 15,0-26-15,0 26 0,0-26 16,-25 1-16,25-1 16,-26 0-16,26 1 0,0-1 15,-26 0-15,26 1 0,0-1 16,-25 0-16,25 1 16,0-1-16,0 0 0,0 0 15,0-25-15,0 25 16,0 1-16,0-27 0,25 27 15,-25-27-15,0 1 0,26 0 16,-26-1-16,26-25 16,-26 26-16,25-26 0,-25 26 15,26-1 1</inkml:trace>
-  <inkml:trace contextRef="#ctx0" brushRef="#br0" timeOffset="7133">6389 9878 0,'77'25'16,"26"-25"-16,-26 0 15,-1 0-15,27 0 0,-26 0 16,0 0-16,26-25 16,-26 25-16,0 0 0,0 0 15,25 0-15,-25 0 0,0-26 16</inkml:trace>
-  <inkml:trace contextRef="#ctx0" brushRef="#br0" timeOffset="7289">8570 9929 0,'51'0'16,"26"26"-16,0-26 16,0 0-16,-26 0 0,26 0 15,-25 0-15,25 0 0,-26 0 16,0 0-16,26 0 16,-26 0-16,1 0 0,25 0 15</inkml:trace>
-  <inkml:trace contextRef="#ctx0" brushRef="#br0" timeOffset="7453">10725 10057 0,'103'0'16,"-27"0"-16,1 0 0,0 26 16,0-26-16,-25 0 0,-1 0 15,0 0-15,1 25 16,-1-25-16,26 0 0,-26 0 15,52 0-15</inkml:trace>
-  <inkml:trace contextRef="#ctx0" brushRef="#br0" timeOffset="7650">12598 10108 0,'102'26'0,"-25"-26"16,26 0-16,-26 0 15,26 0-15,-26 0 0,25 0 16,-25 0-16,26 26 0,-26-26 15,0 0-15,0 0 16,0 0-16,0 0 0,0 0 16,25 0-16,-25 0 0,0 0 15,26 0-15,-26 0 16,25 25-16,-25-25 0,26 0 16</inkml:trace>
-  <inkml:trace contextRef="#ctx0" brushRef="#br0" timeOffset="5120">18473 8774 0,'26'103'0,"-26"-26"15,0 26-15,0-26 16,0-1-16,0 1 0,0 0 16,0 0-16,0 0 0,0 0 15,0 0-15,0 0 16,0 26-16,0-26 0,0 0 16,0 25-16,0 1 15,25-26-15,-25 26 0,26-1 16,-26 1-16,26-26 0,-26 26 15,0-26-15,25 25 16,-25-25-16,26 26 0,-26-26 16,26 25-16,-26-25 0,25 26 15</inkml:trace>
-  <inkml:trace contextRef="#ctx0" brushRef="#br0" timeOffset="8028">15779 10134 0,'26'0'0,"0"0"16,-1 0-1,1 0-15,0 0 0,-1 0 16,1 0-16,25 0 15,26 0-15,-26 0 0,26 0 16,0 0-16,26 0 0,-26 0 16,0 0-16,0 26 15,0-26-15,0 0 0,0 0 16,0 0-16,0 0 16,0 0-16,25 0 0,-25 0 15,-25 0-15,25 0 0,0 0 16,-26 0-16,0 0 15,-25 0-15,0 0 0,-1 0 16,1 0-16,-1 0 16,1 0-16,0 0 0,25 0 15,26 0-15,0 0 16,0 25-16,26-25 0,-1 0 16,-25 0-16</inkml:trace>
-  <inkml:trace contextRef="#ctx0" brushRef="#br0" timeOffset="89458">8749 11904 0,'-25'-25'0,"-1"25"16,-25 25-16,-26-25 15,0 26-15,25 0 0,-25-1 16,26 1-16,0 0 0,0-1 16,25 27-16,0-1 15,1-25-15,-1 25 0,0-25 16,26 25-16,0-25 0,0-1 16,0 1-16,52 0 15,-27-1-15,27 1 0,-27 0 16,27-26-16,-1 25 15,0-25-15,0 26 0,1-26 16,-27 26-16,1-26 0,0 25 16,-26 1-1,-26-1-15,0-25 16,-25 26-16,0 0 16,-1-26-16,-24 25 0,24-25 15,-25 26-15,0-26 16,26 0-16,0 0 0,-1 0 15,27 0-15,-1-26 0</inkml:trace>
-  <inkml:trace contextRef="#ctx0" brushRef="#br0" timeOffset="89838">8955 12033 0,'0'-26'0,"25"0"15,-25 1-15,0-1 16,0 52 0,0-1-1,0 27-15,-25-1 16,25 0-16,-26 26 0,0 0 16,1 0-16,-1 26 0,0-26 15,1 0-15,-1 0 16,0-26-16,1 0 0,25 1 15,-26-27-15,26 1 16,0 0-16</inkml:trace>
-  <inkml:trace contextRef="#ctx0" brushRef="#br0" timeOffset="90272">9186 12315 0,'25'-26'0,"-25"52"47,0 0-32,0-1-15,0 1 16,0 25-16,0-25 0,0 0 16,0-1-16,0 1 15,26 0-15,-26-1 0,25 1 16,1-26-1,0-26 1,-1 26-16,-25-25 16,26-1-16,0-25 15,-1 25-15,1-25 0,0 25 16,-26-25-16,25-1 16,-25 27-16,0-1 0,0 0 15,0 1-15,26 25 0,-26 25 31,0 1-31,0 0 0,0 25 16,0 0-16,0-25 16,0 25-16,0 1 0,0-1 15,0 0-15,0-25 0,0 25 16,0-25-16,-26-1 16</inkml:trace>
-  <inkml:trace contextRef="#ctx0" brushRef="#br0" timeOffset="90505">9955 12007 0,'0'-26'0,"0"1"0,26-1 16,-26 52-1,0-1-15,0 1 16,0 25-16,0 1 0,0-1 15,0 26-15,0-26 16,0 26-16,0-25 0,0-1 16,0 0-16,0 1 0,0-27 15,0 26-15</inkml:trace>
-  <inkml:trace contextRef="#ctx0" brushRef="#br0" timeOffset="90841">9930 12495 0,'0'-52'0,"0"27"15,0-1-15,0-25 16,0 25-16,25 0 16,1 26-1,-26-25-15,26 25 0,-1 0 16,26 0-16,-25-26 0,0 26 16,25 0-16,-25-26 15,25 26-15,-25-25 0,-1-1 16,-25 0-16,26 1 0,-26-1 15,26 0-15,-26 1 16,0-1-16,0 0 0,0-25 16,0 25-1,0 1-15,0 50 16,0 1-16,0 25 16,0-25-16,25 25 15,-25 26-15,0-25 0,0 25 16,0-26-16,0 26 15,0-26-15,0 1 0,0-27 16,0 27-16</inkml:trace>
-  <inkml:trace contextRef="#ctx0" brushRef="#br0" timeOffset="91279">10776 12058 0,'0'-25'16,"-25"50"0,25 1-1,0 0-15,-26-1 0,26 27 16,0-1-16,0 0 16,-26 1-16,26 25 0,-25-26 15,25 0-15,-26 1 0,26-27 16,0 1-16,-26-1 15,26 1-15,0-52 16,26 1 0,-26-26-16,26-1 0,-26-25 15,25 0-15,1 0 16,0 0-16,-1 0 0,1 0 16,-26 26-16,26 0 0,-1-1 15,1 27-15,-1 25 16,1 0-16,0 51 0,-1-25 15,1 25-15,0 0 16,-1 1-16,-25-1 0,26 26 16,-26-26-16,26 1 0,-26-1 15,0-25-15,0 25 16,0-25-16,-26-1 0,26 1 16,-26-26-16</inkml:trace>
-  <inkml:trace contextRef="#ctx0" brushRef="#br0" timeOffset="91436">10751 12392 0,'-26'-26'0,"26"1"0,-26-1 16,26 0-16,26 26 31,0 0-31,-1 0 16,27 0-16,-27 0 15,26 0-15,-25-25 0,25 25 16,1-26-16</inkml:trace>
-  <inkml:trace contextRef="#ctx0" brushRef="#br0" timeOffset="91963">11187 12161 0,'0'-26'16,"-26"1"-1,26-1-15,-26 26 0,26-26 16,-25 1-16,25-1 16,0 52-1,0-1-15,0 1 0,25 0 16,-25 25-16,0 0 15,0 1-15,26 25 0,-26-26 16,0 0-16,0 1 16,0-1-16,0 0 0,0-25 15,-26-1-15,26 1 0,0 0 16,0-52 0,0 0-16,0 1 0,0-26 15,26-1-15,-26 1 0,0-26 16,26 0-16,-1 0 15,-25 26-15,26-26 0,0 25 16,-1 27-16,-25-1 16,26 26-16,0 0 0,-26 26 15,25-1-15,-25 1 0,0 25 16,26-25-16,-26 25 16,0 1-16,0-27 0,26 27 15,-26-27-15,0 1 16,25 0-16,-25-1 0,26-25 15,0 0 1,-26-25 0,25-1-16,1 0 0,0-25 15,-26 0-15,25-1 16,1 1-16,-26 0 0,0 25 16,0-25-16,0 25 0,0 0 15,0 1-15,0-1 16,-26 26 15,26 26-31</inkml:trace>
-  <inkml:trace contextRef="#ctx0" brushRef="#br0" timeOffset="92397">11879 11930 0,'0'26'62,"0"-1"-46,0 27-16,0-1 0,0 0 16,0 1-16,0 25 15,0-26-15,0 0 0,0 1 16,-25-1-16,25-25 15,0-1-15,0-50 16,0-1-16,0 0 16,0-25-16,25 0 15,-25-1-15,26-25 0,-26 0 16,26 0-16,-1-25 0,1 50 16,0-25-16,-1 26 15,1 0-15,0 25 0,-1 1 16,1 25-16,25 25 15,-25 1-15,0 25 0,-1 0 16,-25 26-16,26 0 0,0 0 16,-26-25-16,0 25 15,25 0-15,-25-26 0,0 0 16,0 1-16,0-27 16</inkml:trace>
-  <inkml:trace contextRef="#ctx0" brushRef="#br0" timeOffset="92533">12008 12187 0,'0'-26'16,"-26"0"-16,52 1 15,-1 25-15,27 0 16,-27 0 0,27-26-16,-1 26 0</inkml:trace>
-  <inkml:trace contextRef="#ctx0" brushRef="#br0" timeOffset="92828">13316 11930 0,'0'-26'0,"-25"1"15,-1-1-15,0 26 16,1-26-16,-1 26 0,0 0 15,-25 0-15,0 0 0,-1 26 16,1 0-16,0-1 16,-1 27-16,1-1 0,25 0 15,1 26-15,25-25 16,0-1-16,0 26 0,25-51 16,27 25-16,-1-25 0,26-1 15,0-25-15,0 0 16,0 0-16,0 0 0,0-51 15,0 25-15</inkml:trace>
-  <inkml:trace contextRef="#ctx0" brushRef="#br0" timeOffset="93008">13598 11879 0,'-25'-52'16,"-1"1"-16,0 0 0,26 0 16,-25 25-16,25 0 15,-26 26-15,26 26 16,0 25-16,26-25 15,-26 25-15,0 0 16,0 26-16,0-25 0,0-1 16,0 26-16,25-26 15,-25 1-15,0-1 0,0 0 16</inkml:trace>
-  <inkml:trace contextRef="#ctx0" brushRef="#br0" timeOffset="93734">14035 12084 0,'0'-26'0,"0"1"16,-26 25-1,0-26-15,1 26 0,-1 0 16,0 0-16,1 0 16,-1 26-16,26-1 0,-26-25 15,26 26-15,0 25 0,0-25 16,0 25-16,0-25 15,0 25-15,26 1 0,0-27 16,-1 1-16,1 0 16,0-1-16,-1-25 0,27 0 15,-27 0-15,27 0 0,-27-25 16,1-27-16,0 27 16,-26-27-16,0 1 0,0 25 15,-26-25-15,0 0 16,1-1-16,-1 27 0,-25-27 15,25 27-15,-25 25 0,25-26 16,0 26-16,26 26 16,52-26-1,-27 25 1,27-25-16,-1 0 0,26 0 16,-26 0-16,26 0 0,-26-25 15,1 25-15,-1-26 16,-25 26-16,-1-26 0,1 26 15,-26-25-15,-26 25 16,1 0 0,-1 0-16,0 0 15,26 25-15,-25-25 16,25 52-16,0-27 0,0 1 16,0 25-16,0 1 0,25-1 15,1-25-15,-26 25 16,26-25-16,-1-1 0,1 1 15,25-26-15,-25 0 16,0 0-16,25 0 0,-25-26 16,25 1-16,-25-1 0,-1-25 15,27-1-15,-52 27 16,25-27-16,-25 1 0,0 0 16,0 25-16,0-25 15,0 25-15,-25 0 16,25 52-1,-26 0-15,26-1 16,0 1-16,0 0 0,0-1 16,26 1-16</inkml:trace>
-  <inkml:trace contextRef="#ctx0" brushRef="#br0" timeOffset="94240">15420 11904 0,'-26'-25'0,"26"-1"32,-25 26-1,-1 0-16,-25 0-15,25 0 0,-25 26 16,-1-1-16,-24 1 16,24 0-16,1-1 0,25 27 15,1-1-15,-1-25 0,26 25 16,0 0-16,26-25 16,-1 25-16,1-25 0,25-26 15,1 26-15,24-26 0,-24 0 16,-1-26-16,0 0 15,1 1-15,-1-1 0,0-25 16,-25-26-16,0 25 16,-1-25-16,-25 26 0,26-52 15,-26 26-15,0 1 16,-26-1-16,26 0 0,-25 0 16,25 25-16,-26 1 0,0 51 15,26 26 1,-25 25-16,25 26 15,0 0-15,0 0 0,0 51 16,0-25-16,25-1 16,-25 27-16,0-1 0</inkml:trace>
-  <inkml:trace contextRef="#ctx0" brushRef="#br0" timeOffset="95066">8595 13880 0,'26'-26'0,"0"1"0,-1-1 16,27-25-16,-52 25 16,25 0-16,1 1 0,-26-1 15,0 0-15,0 1 16,-26-1-16,1 0 0,-27 26 15,1-25-15,0 25 0,-26 0 16,0 25-16,0 1 16,0 0-16,0 25 0,0-25 15,26 25-15,-1 0 16,27 1-16,25-1 0,25 0 16,27 1-16,-1-1 0,129 26 15,-78-51 1,1-1-16,-26 1 0,25 0 15,-25-1-15,-25 1 16,-1-1-16,-51 1 16,0 0-16,-51-1 0,-1 27 15,1-27-15,-26 1 16,0-26-16,-26 26 0,26-26 16,1 0-16,-1 0 15,25 0-15,1-26 0,25 0 16,1-25-16,25 0 0</inkml:trace>
-  <inkml:trace contextRef="#ctx0" brushRef="#br0" timeOffset="95491">9032 13649 0,'0'-26'16,"-26"26"-16,0 0 0,1 0 15,-1 0 1,26 26-16,26 25 16,-26-25-16,25 25 15,1 1-15,0 25 0,-26 0 16,25-26-16,-25 26 0,0 0 16,0-26-16,0 0 15,0 1-15,0-27 0,0 1 16,0 0-16,-25-52 31,25 0-31,0-25 0,0 25 0,0-50 16,0 24-16,0-25 15,0-25-15,0 25 0,25 0 16,-25 0-16,26 0 16,-26 0-16,26 25 0,-1 27 15,1-1-15,0 0 0,-1 1 16,26 25-16,-25 0 15,25 0-15,1 0 0,-1 0 16,0 25-16,1-25 16,-1 26-16,-25-26 0,-1 26 15</inkml:trace>
-  <inkml:trace contextRef="#ctx0" brushRef="#br0" timeOffset="95659">9109 13906 0,'-26'25'0,"-25"1"15,51 0-15,-26-1 0,52-25 16,25 0 0,-25 0-16,25 0 15,26-25-15,-26 25 16,26 0-16,-26-26 0,26 26 16,-51 0-16,25-26 0</inkml:trace>
-  <inkml:trace contextRef="#ctx0" brushRef="#br0" timeOffset="96433">8262 15317 0,'-26'-26'0,"26"0"15,-25 26 1,25 26-16,0 25 16,0 1-16,0-1 15,0 26-15,0 0 16,0 26-16,0-26 0,0 0 16,0 0-16,0-1 0,0-24 15,0-27-15,0 27 16</inkml:trace>
-  <inkml:trace contextRef="#ctx0" brushRef="#br0" timeOffset="96584">8134 15650 0,'0'-77'16,"0"0"-16,0 0 0,25 26 16,1 0-16,0-1 15,25 27-15,0-1 0,0 0 16,26 1-16,-25-1 0,25 26 15,-26 0-15,0 0 16</inkml:trace>
-  <inkml:trace contextRef="#ctx0" brushRef="#br0" timeOffset="96734">8339 15548 0,'-51'25'16,"-1"27"-16,27-27 15,-1-25-15,26 26 0,26-26 16,-1 0-16,1 0 15,25-26-15,0 26 0,1-25 16,25-1-16,-26 26 0,0-26 16,1 1-16</inkml:trace>
-  <inkml:trace contextRef="#ctx0" brushRef="#br0" timeOffset="97149">9109 15265 0,'0'-25'16,"25"-1"-16,-25 0 15,0 1-15,-25-1 0,-1 26 16,26-25-16,-26 25 0,1 0 16,-1 25-16,0 1 15,1-1-15,-1 27 0,0-1 16,1 26-16,-1-26 16,26 26-16,0-25 0,0 25 15,26 0-15,-26-26 0,25 0 16,1-25-16,25 0 15,-25-1-15,0-25 0,25 0 16,0 0-16,-25-25 16,0-1-16,-1 0 0,1-25 15,-1 0-15,1-1 0,-26 27 16,0-27-16,26 1 16,-26 25-16,0-25 0,0 25 15,25 1-15,1 25 16,0 0-16,25 0 15,-25 0-15,-1 25 0,1 1 16,0 0-16,-1 25 16,1-25-16,-26 25 0,0-25 15,-26 25-15,1 0 16,-1 1-16,0-27 0,1 27 16</inkml:trace>
-  <inkml:trace contextRef="#ctx0" brushRef="#br0" timeOffset="98505">12008 13444 0,'25'-26'0,"1"1"16,0-1-16,-26 0 15,25 1-15,-25-1 0,0 0 16,-51 26 0,25 26-16,-25 0 15,-26 25-15,26 0 0,-26 0 16,26 26-16,-1 0 16,1 26-16,25-26 0,1 0 15,25 26-15,25-26 16,1-26-16,0 0 0,51 1 15,-1-27-15,1 1 0,0-26 16,26 0-16,0 0 16,-26-26-16,0 1 0,0-27 15,0 27-15,-26-27 16,-25 1-16,-1 25 0,-25-25 16,0 0-16,0 25 0,-25 0 15,-1 1-15,0-1 16,26 0-16,-25 26 0,-1 0 15,0 0-15,1 26 16,-1 0-16,0-1 0,26 1 16,-25 25-16,25 1 0,0-1 15,25 0-15,-25-25 16,26 25-16,25-25 0,-25 0 16,25-1-16,1 1 15,-1-26-15,0 0 0,-25-26 16,25 1-16,0-1 0,-25 0 15,-26 1-15,26-27 16,-26 1-16,-26 0 0,26-1 16,-51 27-16,25-27 15,-25 27-15,25-1 0,-25 26 16,0 0-16,25 0 0,0 0 16,1 26-16,25-1 15,0 1-15,25-26 16,1 0-16,25 0 15,-25 0-15,25-26 16,0 26-16,-25-25 0,25-1 16,-25 0-16,25 1 15,-25-1-15,0 0 0,-1 26 16,1 0-16,-26 26 16,26 0-1,-26-1-15,0 27 0,25-27 16,-25 27-16,0-27 15,26 1-15,-26 0 0,0-1 16,26 1-16,-26 0 16,25-52-1,-25 0-15,0 1 16,26-1-16,0 0 16,-1 1-16,1-1 0,0-25 15,-1 25-15,27 0 0,-27 26 16,1 0-16,0 0 15,-26 26-15,0 0 16,0-1-16,0 1 0,0 0 16,0-1-16,0 1 15,0 0-15,25-1 0</inkml:trace>
-  <inkml:trace contextRef="#ctx0" brushRef="#br0" timeOffset="98744">13855 13726 0,'0'-51'16,"-26"25"-16,1 0 16,-1 1-16,0-1 0,1 26 15,-1-26-15,0 26 16,1 0-16,-1 26 0,0 0 16,26-1-16,0 27 15,0-27-15,26 27 16,-26-1-16,26-25 0,-1 25 15,1-25-15,0 25 16,25-25-16,-25-26 0,25 0 16,26 0-16,-26 0 0,1-26 15</inkml:trace>
-  <inkml:trace contextRef="#ctx0" brushRef="#br0" timeOffset="99242">14266 13649 0,'0'-26'0,"-26"-25"16,0 25-16,1 26 0,-27-25 15,27-1-15,-1 26 16,0 0-16,26 26 16,26-1-1,0 1-15,-26 0 16,25-1-16,1 27 0,25-27 16,-25 1-16,0 0 15,-1-1-15,1 1 16,-1-26-16,1 0 0,0-26 15,-1 1 1,-25-1-16,0 0 16,0 1-16,26-27 15,-26 27-15,0-1 0,0 0 16,0 1-16,0-1 16,-26 0-1,1 26 1,25 26 171</inkml:trace>
-  <inkml:trace contextRef="#ctx0" brushRef="#br0" timeOffset="99577">14548 13495 0,'25'0'0,"-25"-26"16,0 1 0,26-1-16,0 1 15,-1 25 1,1 25-16,-26 1 16,26-1-16,-1 1 0,-25 0 15,26 25-15,-26 0 16,0 1-16,0-27 0,-26 1 15,26 25-15,-25-25 16,-1-26-16,0 0 16,26-26-16,0-25 15,26 25-15,0-25 16,-1 0-16,27-1 0,-1 1 16,0 0-16,1 25 0,-1-25 15,0 51-15,1 0 16,-27 0-16,1 26 0,-26-1 15,-26 26-15</inkml:trace>
-  <inkml:trace contextRef="#ctx0" brushRef="#br0" timeOffset="100166">12162 15137 0,'25'-25'15,"-25"-1"-15,0 0 0,-25 52 32,-1 0-32,0 25 15,1 0-15,-1 0 0,0 26 16,1-25-16,-1 25 15,26-26-15,-26 0 0,26 1 16,-25-1-16,25-25 0,25-52 31,1 0-31,0-25 16,-1 0-16,1-26 16,0 0-16,25 0 0,0-26 15,-25 26-15,25 0 0,1 0 16,-1 0-16,0 26 15,-25 25-15,25 1 0,-25 25 16,25 25-16,-25 27 16,-1-1-16,1 0 0,-26 26 15,26 0-15,-26 0 0,25 0 16,-25 0-16,0 0 16,0-26-16,0 1 0,0-1 15</inkml:trace>
-  <inkml:trace contextRef="#ctx0" brushRef="#br0" timeOffset="100640">12264 15394 0,'-25'-26'15,"-1"0"-15,0 26 16,1-25-16,50-1 16,1 26-1,25-26-15,1 26 16,-1-25-16,26-1 0,0 0 15,25 1-15,-25-1 16,26 26-16,-26 0 0,-26 0 16,26 0-16,-25 26 15,-1-1-15,-25 27 0,-1-27 16,1 52-16,-26-25 0,26-1 16,-26 0-16,0 1 15,0-1-15,0-25 0,0-1 16,-26 1-16,0-26 15,1 0-15,-1-26 16,0 1-16,26-27 0,-25 1 16,25 0-16,25-26 15,27 25-15,-27 1 0,27 0 16,25-1-16,-26 1 0,26 26 16,-26 25-16,0 0 15,1 0-15,-1 0 0,-25 0 16,-1 25-16,1 1 15,-26-1-15,0 1 0,0 0 16,0-1-16,-26 1 0,26 25 16,-25-25-1,25 0-15,0-1 0</inkml:trace>
-  <inkml:trace contextRef="#ctx0" brushRef="#br0" timeOffset="100796">13573 14855 0,'-26'-26'0,"0"26"16,1-25 0,50 25-1</inkml:trace>
-  <inkml:trace contextRef="#ctx0" brushRef="#br0" timeOffset="101738">13983 14829 0,'-25'-25'15,"25"-1"-15,0 0 0,-26 1 16,26-1-16,26 26 15,-26 26-15,25-1 16,-25 27-16,26-27 16,0 104-16,-26-78 15,0 26-15,0 0 0,0-26 16,0 0-16,0 1 16,-26-1-16,26 0 0,0-25 15,-26 0-15,1-26 16,-1-26-1,26 0-15,0 1 0,26-1 16,-26-25-16,25-1 16,27 27-16,-1-1 0,0-25 15,1 25-15,25 26 16,-26 0-16,26 0 0,-26 26 16,0-26-16,-25 25 0,0 27 15,-26-27-15,0 1 16,-26 0-16,-25-1 0,25 1 15,-51 0-15,26-1 0,0-25 16,-26 26-16,25-26 16,1 0-16,25-26 0</inkml:trace>
-  <inkml:trace contextRef="#ctx0" brushRef="#br0" timeOffset="102134">14856 15188 0,'25'0'16,"1"-25"-16,-26-1 0,0 1 16,0-1-1,0 0-15,-26 1 0,1-1 16,-1 26-16,0 0 0,1 0 16,-1 0-16,0 26 15,1-1-15,-27 1 0,27 25 16,-1-25-16,26-1 15,-26 27-15,26-27 0,0 1 16,26 0-16,-26-1 0,26 1 16,25-26-16,-25 0 15,-1 0-15,27 0 0,-1 0 16,-25-26-16,-1 1 0,27-1 16,-27 0-16,-25 1 15,26-1-15,-26-25 0,26 25 16,-26 1-1,0 50-15,0 1 16,25 25 0,-25-25-16,26 25 0,0-25 15,25 25-15,0 0 0,-25-25 16</inkml:trace>
-  <inkml:trace contextRef="#ctx0" brushRef="#br0" timeOffset="103418">8672 16959 0,'26'-26'16,"0"0"-16,-1 1 16,1-1-16,-26 0 0,26 26 15,-1-25-15,-25-1 16,26 26-16,-26-25 0,-26-1 16,1 26-16,-1 0 15,-25 0-15,-1 0 16,-25 26-16,26-26 0,-26 25 15,26 1-15,-1-1 0,1 1 16,26 25-16,25-25 16,0 0-16,25 25 0,1 0 15,25-25-15,0 25 16,26 1-16,26-27 0,-26 27 16,0-1-16,0-25 15,-26 25-15,1 0 0,-27-25 16,-25 0-16,0 25 15,-25-25-15,-27 25 0,1-25 16,-26-1-16,0 1 0,-26-1 16,26-25-16,0 26 0,0-26 15,26 0-15,0-26 16,25 1-16,1-1 0,25 1 16,25-1-16,1 0 15,25 1-15</inkml:trace>
-  <inkml:trace contextRef="#ctx0" brushRef="#br0" timeOffset="104030">9211 17318 0,'51'-26'16,"1"1"-16,-1-1 16,-25 0-16,-1 1 0,1-1 15,-26 0-15,0 1 16,0-1-16,-26 26 15,-25 0-15,25 0 0,1 0 16,-27 0-16,27 26 0,-26-1 16,25 1-16,0 0 15,26 25-15,-25 0 0,25 1 16,0-27-16,25 27 16,-25-1-16,26-25 0,0-1 15,-1 1-15,1 0 0,-1-26 16,1 0-16,0 0 15,-1 0-15,-25-26 16,26 0-16,0 1 16,-26-1-16,25 0 15,-25 1-15,0 50 32,0 1-17,26 0 1,-26-1-16,26 1 0,-1-26 15,1 26-15,0-26 0,-1 0 16,27-26-16,-27 26 16,27-51-16,-27 25 0,27-25 15,-27-1-15,1 1 16,0-26-16,-1 26 0,-25-26 16,0 0-16,-25 0 0,-1 25 15,0-25-15,1 26 16,-52 0-1,51 51-15,0 0 0,1 26 16,-1-1-16,0 26 0,26 26 16,0 0-16,0 0 0,26 0 15,0 0-15,25-25 16,-25 25-16,25-26 0,0 0 16,-25-25-16</inkml:trace>
-  <inkml:trace contextRef="#ctx0" brushRef="#br0" timeOffset="104666">10058 17292 0,'25'0'0,"-25"-25"31,26 25-31,0 0 16,-1 0-16,1 0 15,25-26-15,1 26 16,-1 0-16,0-26 0,1 1 16,-1 25-16,0-26 15,-25 0-15,0 1 0,-1-1 16,-25 0-16,0 1 16,0-1-16,-25 0 15,-27 26-15,27-25 0,-27 25 16,1 0-16,0 0 15,-1 25-15,1 1 0,0 0 16,25-1-16,0 27 0,1-1 16,-1 0-16,26 1 15,0-1-15,26 0 0,-1 1 16,1-1-16,25-25 16,1-26-16,-1 0 0,26 0 15,0-26-15,0 0 0,0-25 16,-26 25-16,26-25 15,0 0-15,-26-1 0,1 1 16,-27 0-16,1-1 16,-26 27-16,0-1 0,-26 26 15,1-26-15,-1 26 0,-25 0 16,0 0-16,-1 26 16,27-26-16,-27 26 0,27-26 15,25 25-15,0 1 16,25 0-16,1-1 15,0 27-15,25-27 0,0 27 16,0-27-16,-25 27 16,25-27-16,-25 1 0,0 25 15,-26-25-15,0 0 16,-26-1-16,0 1 0,-25 0 16,25-26-16,-25 0 0,0 0 15</inkml:trace>
-  <inkml:trace contextRef="#ctx0" brushRef="#br0" timeOffset="104950">11443 16548 0,'0'-25'0,"0"-1"15,-25 0 1,-1 26-16,0-25 0,1 25 15,-1 25 1,0 1-16,1 0 0,25 25 16,0 26-16,0 0 15,0 25-15,25 1 0,1 25 16,0 1-16,-1-1 0,1 0 16,0 26-16,-1-26 15,1-25-15,0 0 0,-26-26 16,0-26-16,0 0 0,-26-51 15</inkml:trace>
-  <inkml:trace contextRef="#ctx0" brushRef="#br0" timeOffset="105824">11238 17318 0,'26'-51'16,"-1"-1"-16,27 1 15,-1 25-15,0 1 0,1-1 16,25 26-16,-26-26 15,26 26-15,0-25 0,-26 25 16,0-26-16,1 26 0,-1 0 16,-25-26-16,-1 26 15,-50 0 1,-1 0 0,-25 0-16,25 0 15,0 26-15,1-26 0,-1 26 16,0-1-16,1-25 15,25 26-15,0 0 0,0-1 16,0 27-16,0-27 16,25 1-16,1-26 0,0 26 15,-1-26-15,1 0 0,0 0 16,-1 0-16,1-26 16,0 0-1,-26 1-15,0-1 0,25 0 16,-25 1-16,26-1 15,0 0-15,25 1 16,-25 25-16,25-26 16,-25 26-16,25 0 0,0 0 15,-25 0-15,0 26 16,-1-26-16,-25 25 0,0 1 16,0 0-16,-25-1 15,-1-25-15,0 26 16,1-26-16,-1 0 15,26-26 1,0 1-16,26-1 16,-1 0-16,1 1 15,0-1-15,25 0 0,0 1 16,-25-1-16,25 0 0,0 26 16,-25-25-16,0 25 0,-1 0 15,1 0-15,0 0 16,-1 0 31,1 0-47,0 0 15,-1-26-15,27 26 16,-27 0-16,1-26 0,0 26 16,-1 0-16,1-25 15,0 25-15,-26-26 16,-26 26-1,0 0 1,1 26-16,-1-26 0,-25 25 16,25 1-16,0 0 15,1 25-15,-1-25 0,0-1 16,26 27-16,0-27 0,26 27 16,0-52-16,-1 25 15,27 1-15,-1-26 0,0 0 16,26 0-16,-25-26 15,-1 26-15</inkml:trace>
-  <inkml:trace contextRef="#ctx0" brushRef="#br0" timeOffset="106161">13368 17010 0,'-26'-26'0,"0"26"16,26-25-16,-25 25 16,50 0 15,1 0-31,0 0 15,25 0-15,-26 0 0,27-26 16,-1 26-16,-25 0 16,25-26-16,0 26 0,-25-25 15,25 25-15,-25-26 0,0 0 32,-26 1-32,0-1 0,-26 26 0,0-25 15,1-1-15,-27 0 16,27 26-16,-27-25 0,27 25 15,-27 25-15,27 1 0,-27 0 16,27 25-16,25-26 16,-26 52-16,26-25 0,26-1 15,25 0-15,0 1 0,26-27 16,0 1-16,26 0 16,25-26-16,-25-26 0</inkml:trace>
-  <inkml:trace contextRef="#ctx0" brushRef="#br0" timeOffset="112072">7467 7132 0,'25'0'0,"-25"-25"15,0-1 16,26 26 1,-26 26-1,0-1-15,0 1-16,0 25 15,0-25-15,0 25 0,0 1 16,0-1-16,0 26 15,0 0-15,0-26 0,0 26 16,0 0-16,-26 0 16,26-26-16,0 26 0,0 0 15,0 0-15,0-25 16,0 25-16,0 0 0,0-1 16,0 1-16,0 0 0,0 0 15,0 0-15,0 0 16,26 0-16,-26-25 0,0 25 15,0-26-15,25 0 16,-25 26-16,0-26 0,0-25 16,0 25-16,0-25 0,0 25 15,0-25 1,0 0-16,0-52 62</inkml:trace>
-  <inkml:trace contextRef="#ctx0" brushRef="#br0" timeOffset="112559">7390 9493 0,'-26'0'125,"26"25"-109,0-50 31</inkml:trace>
-  <inkml:trace contextRef="#ctx0" brushRef="#br0" timeOffset="113828">7569 9441 0,'26'0'15,"-26"-25"16,-26 25 126,26-26-110,26 26-1,-26 26-46,0-1 16,0 1 0,0 0-16,0 25 0,25-25 15,-25 25-15,0 0 16,0 1-16,26-27 0,-26 27 16,0-1-16,0 0 0,26 26 15,-26-25-15,0-1 16,0 0-16,0 26 0,0-26 15,0 1-15,0 25 0,0 0 16,0 0-16,0 0 16,0-26-16,0 26 0,0-26 15,0 26-15,0-26 16,0 1-16,0-1 0,0 0 16,0 26-1,0-51-15,0 25 0,0-25 16,0 0-16,0-1 0,0 1 15,0 0-15,0 25 16,0-25-16,0-1 0,0 1 16,0 0-1,0-1-15,0 1 16,25 0 0,-25-1-1,0 1 32,0-52 62</inkml:trace>
-  <inkml:trace contextRef="#ctx0" brushRef="#br0" timeOffset="114286">7364 11520 0,'0'-26'0,"-26"26"0,26-26 16,0 1-1,26 25 1,-26 25-1,26-25-15,-1 26 16,1 0-16,-26-1 16,26-25-16,-1 26 0,-25 0 15,26-1-15,-1 1 16,1 0-16,0-1 16,-1-25-16,1 0 15</inkml:trace>
-  <inkml:trace contextRef="#ctx0" brushRef="#br0" timeOffset="114471">7980 11494 0,'25'0'0,"-25"-26"16,-25 52 15,-1-26-31,26 26 0,-26-1 16,-25 1-16,25 0 0,1-1 15,-1-25-15,0 26 16,1 0-16,-1-1 0</inkml:trace>
-  <inkml:trace contextRef="#ctx0" brushRef="#br0" timeOffset="115507">7364 7415 0,'0'-26'16,"26"26"-1,-26 26 48,-26-26-63,26 25 0,-26-25 16,1 26-16,-1 25 31,0-25-31,1-26 15,25-26 1,0 1 0,25-1-16,-25 0 15,0 1-15,26-1 0,-26 0 16,0-25-16,26 25 16,-26 1-16,25-1 15,-25 0 1,26 26-16,0 0 15,-26 26-15,25 0 0,1-1 16,0 1-16,-1 0 16,26-1-16,-25 27 0,25-1 15,-25 0-15,25 0 16</inkml:trace>
-  <inkml:trace contextRef="#ctx0" brushRef="#br0" timeOffset="166326">25862 5849 0,'26'0'16,"0"0"62</inkml:trace>
-  <inkml:trace contextRef="#ctx0" brushRef="#br0" timeOffset="166842">26093 5952 0,'-25'0'0,"-1"0"47,0 0 62,1 0-109,-1 26 16,-25-26-16,-1 0 16,1 0-16,0 0 0,-26 25 15,0-25-15,0 0 0,-26 0 16,26 0-16,-25 0 15,-1 0-15,0 0 0,1 0 16,-1 0-16,26 0 16,0 0-16,0 0 0,26 0 15,25 0-15,-25 0 0</inkml:trace>
-  <inkml:trace contextRef="#ctx0" brushRef="#br0" timeOffset="167374">24759 5875 0,'0'-26'15,"-26"26"1,1 0-16,-1-25 16,0 25-16,1 0 0,-1 0 15,-25 0-15,25 25 16,-25 1-16,0-26 0,25 26 16,-25-1-16,-1 27 15,27-27-15,-27 27 0,27-1 16,-1-25-16,26 25 0,0 0 15,0-25-15,26 25 16,-1-25-16,1 0 0,25-26 16,1 25-16,-1-25 15,26 0-15,-26-25 0,26-1 16,-26 0-16,1 1 0,-1-1 16,-25 0-16,-1-25 15,1 25-15,-26-25 0,-26 25 16,26-25-16,-51 25 15,25 1-15,-25-1 0,25 0 16,-25 26-16,0 0 0,-1 0 16,27 0-16,-26 0 15,25 0-15</inkml:trace>
-  <inkml:trace contextRef="#ctx0" brushRef="#br0" timeOffset="167954">22783 6953 0,'0'-26'16,"0"0"-16,0 1 31,0 50-15,0 1-16,0 0 0,-25-1 15,-1 27-15,26-1 16,-25 0-16,-1 1 0,0-1 16,1 0-16,-1 1 15,0-1-15,26-25 0,-25 25 16,25-25-16,-26-1 15,26 1-15</inkml:trace>
-  <inkml:trace contextRef="#ctx0" brushRef="#br0" timeOffset="168511">23040 7209 0,'0'-25'0,"-26"-1"15,26 0-15,0 1 16,26 25-1,0 0 1,-1 0 0,1 25-16,-26 1 0,26 0 15,-26-1-15,0 1 0,0 0 16,0-1-16,0 27 16,-26-27-16,26 1 0,-26 0 15,1-1-15,-1-25 0,26 26 16,-26-26-16,1 0 15,25-26 1,25 26 0,1-51-16,0 25 0,-1 1 15,27-27-15,-27 27 16,27-27-16,-1 27 0,-25-1 16,25 0-16,-25 26 0,-1 0 15,1 26-15,0 0 16,-1-1-16,-25 1 0,26 0 15,-26 25-15,0-25 16,0 25-16,0-25 0,0-1 16,-26 1-16,26 0 0,0-1 15,0 1-15,-25-26 16</inkml:trace>
-  <inkml:trace contextRef="#ctx0" brushRef="#br0" timeOffset="168854">24015 6953 0,'0'-26'0,"0"52"31,0-1-15,0 27-16,-26-27 15,26 1-15,-25 25 0,25 1 16,-26-1-16,0-25 0,1 25 16,-1-25-16,0 25 15,1-25-15,25-1 0,-26-25 16,0 26-16,1 0 15,25-52 1,25 26-16,-25-51 16</inkml:trace>
-  <inkml:trace contextRef="#ctx0" brushRef="#br0" timeOffset="169077">24015 6953 0,'0'-26'0,"26"0"0,-1 1 16,-25-1-16,26 26 15,0 0-15,-1 0 16,1 0-16,-26 26 16,26-26-16,-1 25 0,27 1 15,-27 25-15,1-25 0,0 25 16,-1 1-16,-25-27 16,26 27-16,-26-1 0,26-25 15,-26-1-15,0 27 16,0-27-16,0 1 0,-26-26 15,26 26-15</inkml:trace>
-  <inkml:trace contextRef="#ctx0" brushRef="#br0" timeOffset="169260">23938 7261 0,'0'-26'15,"0"0"1,26 26-1,-1-25-15,1 25 16,0 0-16,25 0 0,0 0 16,1 0-16,-1 0 0,0-26 15,1 26-15,-27 0 16,1 0-16</inkml:trace>
-  <inkml:trace contextRef="#ctx0" brushRef="#br0" timeOffset="170108">22963 7953 0,'26'0'0,"-26"-25"15,0 50 32,0 1-47,0 0 16,0 25-16,0-25 0,0 25 15,-26 0-15,26 1 16,-26 25-16,26-26 0,-25 0 16,-1 0-16</inkml:trace>
-  <inkml:trace contextRef="#ctx0" brushRef="#br0" timeOffset="170461">22501 8569 0,'0'-26'16,"-25"26"-16,25-25 15,25 50 32,1-25-47,25 26 16,-25-26-16,0 0 15,25 0-15,-25 0 0,-1 0 16,26 0-16,-25 0 0,0-26 16,-1 26-16,1 0 15,0-25-15,-1-1 0,1 0 16,0 26-16,-1-25 16,1 25-16,-26-26 15,26 26 1,-26 26-16,-26-1 15,0 1-15,-25 25 0,0-25 16</inkml:trace>
-  <inkml:trace contextRef="#ctx0" brushRef="#br0" timeOffset="180279">23553 10134 0,'-25'0'16,"-1"0"0,0 0-16,52 0 62,0 0-31,-1 0-31,1 0 0,25-26 16,-25 26-16,25 0 16,26 0-16,-26-25 0,1 25 15,25 0-15,-52 0 16,27 0-16,-27 0 0,1 0 16,0 0-16,-1 0 0,-50 25 31,25 1-16,-26 0-15,0-1 0,1 1 16,25 25-16,-26 1 16,0-27-16,26 27 0,-25-1 15,25 0-15,-26-25 16,26 25-16,0-25 0,-26 0 16,26-1-16</inkml:trace>
-  <inkml:trace contextRef="#ctx0" brushRef="#br0" timeOffset="180478">23630 10673 0,'0'-26'16,"0"1"-16,0-1 16,26 26-1,-26-26-15,25 26 0,-25-25 16,26 25-16,25-26 0,1 26 15,-27-26-15,52 26 16,-25-25-16,25 25 0,-26-26 16</inkml:trace>
-  <inkml:trace contextRef="#ctx0" brushRef="#br0" timeOffset="180706">24631 10493 0,'-26'0'0,"26"-25"0,-26 25 16,52 0 46</inkml:trace>
-  <inkml:trace contextRef="#ctx0" brushRef="#br0" timeOffset="181264">24913 10134 0,'-26'0'16,"26"-26"0,0 52 15,-25-26-31,25 26 16,0-1-16,-26 1 0,26 0 15,-26 25-15,26-25 16,-25-1-16,-1 27 0,26-27 15,-26 1 1,26 0-16,26-26 31,-26-26-31,26 26 16,25 0-16,-25 0 0,25-26 16,-25 26-16,25 0 0,0 0 15,-25 0-15,0 0 16,25 0-16,-25 0 0,-26 26 15,25-26-15,1 0 16,-26-26 0,26 1-1,-26-1-15,0 0 16,0 1-16,0-1 16,25 0-16,-25 1 15,0-1-15,0 52 31,0-1-15,0 27-16,-25-1 0,25 0 16,0 1-16,-26-1 15,26 26-15,-26-26 16,26-25-16,0 25 0</inkml:trace>
-  <inkml:trace contextRef="#ctx0" brushRef="#br0" timeOffset="181671">25452 9878 0,'-26'-52'0,"-25"-25"16,-52 26-16,1 0 0,-27 25 15,-50 0-15,-27 26 0,-24 0 16,-27 26-16,0 0 15,1-1-15,-1 27 0,26-1 16,26 26-16,0 0 16,51 0-16,51 25 0,1 27 15,50-1-15,52 0 0,0 1 16,77 25-16,0-26 16,77 0-16,0 0 0,77-25 15,0-26-15,51-26 16,0-25-16,26-26 0,0 0 15,0-26-15,-26-25 0,0-26 16,-25 0-16,-26-51 16,-51-1-16,-27-24 0,-50-1 15,-52-26-15,-51 26 16,-25 26-16,-78-26 0,-76 51 16,-52 26-16,-77 0 0,-26 26 15,-76 0-15</inkml:trace>
-  <inkml:trace contextRef="#ctx0" brushRef="#br0" timeOffset="188575">22424 4310 0,'0'-26'0,"26"26"15,-52 0 32,1 26-31,-1 0 0,26-1-16,-26 1 15,1 25-15,-1 1 0,26-27 16,-26 52-16,1-25 15,-1-1-15,26 26 0,-26-26 16,26 26-16,-25 0 0,25-26 16,0 26-16,0-25 15,-26 25-15,26-26 0,0 0 16,0-25-16,-26 25 16,26-25-16,0 0 0,0-1 15,0 1 1,26-26 15,0 0-15,-1-26-16,1 26 15,25 0-15,1 0 0,25 0 16,0-25-16,25 25 16,1 0-16,25 0 0,0 0 15,26 0-15,-25 0 16,-1 0-16,-25 0 0,-1 0 15,1 0-15,-26 0 16,0 25-16,-26-25 0,-25 0 16,-1 0-16,1 0 0,0 0 15,-1 0 1,1 0 0,-26-25-1,26 25 1,-1 0-1,-25-26 1,0 0-16,0 1 16,0-1-16,0-25 15,0 25-15,0-25 16,0-26-16,0 25 0,0-25 16,0 1-16,0-1 15,0 25-15,0-25 0,0 0 16,0 0-16,0 26 0,26 0 15,-26 25-15,0-25 16,26 25-16,-26 0 0,0 1 16,25-1-16,-25 0 15,26 1-15,-26-1 16,0 0 15,-26 52 32,1-26-63,-1 0 15,-25 0-15,-1 0 0,-25 0 16,-25 26-16,-1-26 16,-25 0-16,0 0 0,-26 0 15,0 0-15,0 0 0,0 0 16,26 0-16,-1 0 15,1 0-15,51 0 0,0 0 16,26 0-16,25 0 16,0 0-16,1 25 0,50-25 62,1 26-31</inkml:trace>
-  <inkml:trace contextRef="#ctx0" brushRef="#br0" timeOffset="189649">22835 4695 0,'25'-26'16,"1"26"-1,-26-25 1,26 25 15,-26-26-15,-26 26 15,0 0-15,1 0-1,50 0 79,-50 0 15,-1 0-77,0 26-17,1-26-15,-1 0 16,-25 25-16,25-25 0,-25 26 16,25-26-16,-25 26 0,25-1 15,1 1-15,-1-26 16,0 26-16,26-1 15,0 1-15,26-26 0,0 26 16,-1-26-16,27 0 16,-27 25-16,27-25 0,-1 26 15,-25-26-15,25 0 16,-26 26-16,1-26 0,0 25 16,-1-25-16,-25 26 15,0-1-15,0 1 0,0 0 16,-25-1-16,-1 1 0,0 0 15,-25-1-15,26 1 16,-27-26-16,1 26 0,0-26 16,25 0-16,-25 0 0,25 0 15,0 0-15,1-26 16,25 0-16</inkml:trace>
-  <inkml:trace contextRef="#ctx0" brushRef="#br0" timeOffset="190135">23194 4823 0,'0'-25'16,"-26"25"30,26 25-46,0 1 16,0 0-16,0-1 16,-25 27-16,25-27 15,0 1-15,0-1 0,0 1 16,-26 0-16,26-1 0,0 1 16,0 0-16,-26-26 15,26 25-15,0-50 31,0-1-31,0 0 16,0 1-16,26-1 16,-26-25-16,26 0 0,-26-1 15,25 1-15,1 0 0,-26 25 16,26-25-16,-1 25 16,1 26-1,0 26-15,-1-1 16,1 27-1,-26-27-15,26 1 0,-1 25 16,-25-25-16,26 25 16,-26-25-16,0-1 0,0 1 15,0 0-15,0-1 0,0 1 16</inkml:trace>
-  <inkml:trace contextRef="#ctx0" brushRef="#br0" timeOffset="190309">23194 5080 0,'-26'0'16,"26"-26"-16,0 0 0,0 1 16,0-1-1,26 26 1,0 0-16,-1 0 16,1-25-16,0 25 0,-1 0 15,27 0-15,-1 0 16,-25-26-16</inkml:trace>
-  <inkml:trace contextRef="#ctx0" brushRef="#br0" timeOffset="190573">23835 4798 0,'0'-26'0,"0"0"16,-25 26 15,-1 0-31,0 26 16,1-26-16,-1 26 15,0-1-15,26 1 0,-25 0 16,-1-1-16,26 1 0,0 25 16,0-25-16,0-1 15,26 1-15,-1 0 0,-25-1 16,52 1-16,-27-26 15,1 0-15</inkml:trace>
-  <inkml:trace contextRef="#ctx0" brushRef="#br0" timeOffset="191118">22578 5849 0,'-25'0'15,"-1"0"1,26 26-1,-26 0 1,1 25 0,25-25-16,-26-1 0,0 1 15,1 25-15,25-25 16,-26 0-16,0-1 0,26 1 16,0-52 15,26 1-31,-26-1 15,26-25-15,-1-1 16,-25 1-16,26 0 0,0-26 16,-1 26-16,27-1 0,-27 1 15,1 0-15,-26 25 16,26 26-16,-1 0 0,1 0 16,0 26-16,-1-1 0,-25 27 15,26-27-15,-1 27 16,1-1-16,-26 0 0,26 0 15,-1-25-15,-25 25 16,0-25-16,0 0 0,0-1 16,0 1-16</inkml:trace>
-  <inkml:trace contextRef="#ctx0" brushRef="#br0" timeOffset="191606">22501 6029 0,'-25'0'0,"-1"0"15,26-26 1,26 26 0,-1 0-1,27-25-15,-1 25 0,0-26 16,1 26-16,24-26 0,-24 26 16,25-25-16,0-1 15,-26 26-15,0-26 0,-25 1 16,25 25-16,-25-26 15,-26 1-15,26 25 0,-26-26 16,0 0-16,-26 26 16,0 0-16,1 0 15,-1 26-15,0-26 0,1 26 16,-1-1-16,0 1 16,1-1-16,25 1 0,-26 0 15,26-1-15,0 1 16,0 0-16,26-1 15,-1-25 1,1 26-16,0-26 16,-1 0-16,1 0 15,0 0 1,-26 26 0,0-1-16,-26 1 15,26 0-15,-26 25 16,26-25-16,-25 25 0,25-25 15,-26 25-15,26-25 0,-26-1 16,26 1 0,-25-26-16</inkml:trace>
-  <inkml:trace contextRef="#ctx0" brushRef="#br0" timeOffset="191983">23425 5952 0,'0'26'47,"26"-26"-16,-1 0-15,1 0-1,0-26 1,-26 0 0,25 26-16,-25-25 0,0-1 15,-25 26 17,25 26-17,-26-1-15,26 1 0,-26 0 16,26-1-16,0 27 0,-25-27 15,25 1-15,0 0 16,25-1-16,1-25 16</inkml:trace>
-  <inkml:trace contextRef="#ctx0" brushRef="#br0" timeOffset="192505">23707 5849 0,'0'-25'0,"0"50"31,0 1-15,0 0-1,0-1-15,0 1 16,0 0-16,0-1 16,0 1-1,0-52 16,0 1-15,26-1-16,-26 0 16,25 1-16,-25-1 15,26 26-15,-26 26 32,26-1-32,-26 1 15,0 0-15,0-1 16,0 1-16,25-26 15,-25 26-15,26-26 16,-26-26 0,26 26-16,-26-26 0,25 1 15,-25-1-15,26-25 0,0-1 16,-26 27-16,25-26 16,-25-1-16,26 27 0,-26-27 15,0 27-15,0 50 31,0 1-31,-26 25 16,26 1-16,0-27 0,0 26 16,0 1-16,-25-27 0,25 27 15,0-27-15,0 1 16</inkml:trace>
-  <inkml:trace contextRef="#ctx0" brushRef="#br0" timeOffset="192666">24041 5875 0,'0'-26'16,"25"26"15,1-25-31,0 25 16,25 0-16,0-26 15,1 1-15</inkml:trace>
-  <inkml:trace contextRef="#ctx0" brushRef="#br0" timeOffset="193046">24220 4798 0,'-25'0'0,"-1"-26"15,0 26-15,1-26 0,-1 26 16,52 0-1,-1 0-15,1 0 16,51 26-16,26-26 16,-1 0-16,26 0 0,52 26 15,-26-26-15,26 0 0,-26 0 16,-1 25-16,-24-25 16,-52 0-16,0 0 0,-26 0 15,-51-25-15</inkml:trace>
-  <inkml:trace contextRef="#ctx0" brushRef="#br0" timeOffset="193460">21809 4798 0,'-26'0'16,"0"0"-16,1 0 0,-1 0 16,52 0 15,25 0-31,0 0 0,1 0 15,50 0-15,-25-26 16</inkml:trace>
-</inkml:ink>
-</file>
-
-<file path=ppt/ink/ink20.xml><?xml version="1.0" encoding="utf-8"?>
+<file path=ppt/ink/ink18.xml><?xml version="1.0" encoding="utf-8"?>
 <inkml:ink xmlns:inkml="http://www.w3.org/2003/InkML">
   <inkml:definitions>
     <inkml:context xml:id="ctx0">
@@ -967,7 +585,7 @@
 </inkml:ink>
 </file>
 
-<file path=ppt/ink/ink21.xml><?xml version="1.0" encoding="utf-8"?>
+<file path=ppt/ink/ink19.xml><?xml version="1.0" encoding="utf-8"?>
 <inkml:ink xmlns:inkml="http://www.w3.org/2003/InkML">
   <inkml:definitions>
     <inkml:context xml:id="ctx0">
@@ -1007,7 +625,43 @@
 </inkml:ink>
 </file>
 
-<file path=ppt/ink/ink22.xml><?xml version="1.0" encoding="utf-8"?>
+<file path=ppt/ink/ink2.xml><?xml version="1.0" encoding="utf-8"?>
+<inkml:ink xmlns:inkml="http://www.w3.org/2003/InkML">
+  <inkml:definitions>
+    <inkml:context xml:id="ctx0">
+      <inkml:inkSource xml:id="inkSrc0">
+        <inkml:traceFormat>
+          <inkml:channel name="X" type="integer" max="1920" units="cm"/>
+          <inkml:channel name="Y" type="integer" max="1080" units="cm"/>
+          <inkml:channel name="T" type="integer" max="2.14748E9" units="dev"/>
+        </inkml:traceFormat>
+        <inkml:channelProperties>
+          <inkml:channelProperty channel="X" name="resolution" value="55.81395" units="1/cm"/>
+          <inkml:channelProperty channel="Y" name="resolution" value="55.6701" units="1/cm"/>
+          <inkml:channelProperty channel="T" name="resolution" value="1" units="1/dev"/>
+        </inkml:channelProperties>
+      </inkml:inkSource>
+      <inkml:timestamp xml:id="ts0" timeString="2020-11-08T01:52:00.734"/>
+    </inkml:context>
+    <inkml:brush xml:id="br0">
+      <inkml:brushProperty name="width" value="0.05" units="cm"/>
+      <inkml:brushProperty name="height" value="0.05" units="cm"/>
+      <inkml:brushProperty name="color" value="#ED1C24"/>
+      <inkml:brushProperty name="fitToCurve" value="1"/>
+    </inkml:brush>
+  </inkml:definitions>
+  <inkml:trace contextRef="#ctx0" brushRef="#br0">220 269 0,'0'25'141,"0"-1"-125,0 0-1,0 1-15,0-1 16,0 1-16,0-1 0,0 1 15,0-1-15,0 0 16,0 1-16,0-1 0,0 1 16,0-1-16,0 1 15,0-1 1</inkml:trace>
+  <inkml:trace contextRef="#ctx0" brushRef="#br0" timeOffset="2014">610 660 0</inkml:trace>
+  <inkml:trace contextRef="#ctx0" brushRef="#br0" timeOffset="3000">244 25 0,'0'-24'15,"24"24"17,1 0-32,-1 0 15,1 0 1,-1 0-16,0 24 0,1 0 16,-1 1-16,1-1 15,-1 1-15,1 24 16,-25-1-16,24 1 0,-24 24 15,24-24-15,-24 25 16,0-26-16,0 1 0,-24 25 16,24-26-16,-49 1 15,25 0-15,-25 0 0,0 0 16,0 0-16,-24-25 0,24 25 16,-24-25-16,24 1 15,-24-1-15</inkml:trace>
+  <inkml:trace contextRef="#ctx0" brushRef="#br0" timeOffset="4056">1196 147 0,'25'0'0,"-25"-24"15,-25 24 16,1 0-31,0 0 16,-1 0-16,-24 24 0,-24 25 31,24-25-31,0 1 0,1-1 0,23 25 16,1 0-16,-1 0 16,25-25-16,0 25 0,0 0 15,0-25-15,25 25 0,-1-24 16,25-1-16,-25 0 15,25 1-15,-24-25 0,24 24 16,-1-24-16,1 0 16</inkml:trace>
+  <inkml:trace contextRef="#ctx0" brushRef="#br0" timeOffset="4456">1514 465 0,'0'-25'15,"0"1"-15,-24-1 16,-1 25 0,25-24-16,-24 24 31,24 24-31,0 1 0,0-1 16,0 1-16,0-1 15,24 0-15,-24 1 16,0-1-16,25 1 0,-25-1 15,24 1-15,-24-1 16,0 0-16,0 1 16,-24-25-1,-1 0 1,1-25-16,24 1 16,0 0-1,0-1-15,0-24 0,24 25 16,1-25-16,-1 25 0,0-1 15,25-24-15,-24 25 16,24-1-16,-25 25 0,25 0 16,-25-24-16,1 24 0,-1 0 15,0 0-15</inkml:trace>
+  <inkml:trace contextRef="#ctx0" brushRef="#br0" timeOffset="4949">1905 513 0,'-25'0'0,"1"0"16,24 25-1,24-1 32,1-24-47,-25 25 16,24-25-16,1 0 15,-1 0-15,0 0 0,1 0 16,-1 0-16,1-25 16,-1 1-16,1 24 15,-25-25-15,0 1 0,0 0 16,0-1-1,-25 1-15,1 24 0,-1-25 16,1 1-16,-1 24 16,1-25-16,0 25 0,-1 0 15,1 0-15,-1 25 16,25-1 0,0 1-16,0 24 0,25-25 15,-25 0-15,24 1 16,1 24-16,-25-25 0,24-24 15,0 25-15,1-1 0,-1-24 16,1 24-16,-1-24 16,1 0-16,-1 0 15</inkml:trace>
+  <inkml:trace contextRef="#ctx0" brushRef="#br0" timeOffset="5718">2564 440 0,'0'-24'0,"0"-1"16,0 1-16,0-1 15,0 1 1,-24 24-16,-1 0 16,1 0-16,-1 24 15,1-24-15,0 0 16,-1 25-16,1-25 0,-1 24 15,25 1-15,-24-25 16,0 24-16,24 1 0,0-1 16,0 0-16,0 1 15,24-25-15,-24 24 0,24 1 16,-24-1-16,25-24 0,-1 25 16,1-25-16,-1 0 15,0 0-15,1 24 0,-1-24 16,1 0-1,-1-24-15,1-1 16,-25 1-16,24-1 16,-24 1-1,0-1-15,0 1 0,0 0 16,0 48 31,24-24-47,-24 24 15,0 1-15,25-25 0,-1 24 16,1-24-16,-1 25 16,1-25-16,-1 0 15,0 0-15,1 0 0,-1 0 16,1 0-16,-1-25 16,0 25-16,1-24 0,-1-1 15,-24 1-15,25 0 16,-25-1-16,0 1 15,0-25-15,0 24 0,0 1 16,0-25-16,0 25 16,0-1-16,0-24 0,-25 49 15,25-24-15,0 0 0,-24 24 32,24 24-32,0 0 15,0 1-15,0 24 16,-25-25-16,25 25 0,0 0 15,0 0-15,25-25 0,-25 25 16,24-25-16,-24 25 16,0-24-16,25-1 0,-25 1 15</inkml:trace>
+  <inkml:trace contextRef="#ctx0" brushRef="#br0" timeOffset="6130">2954 489 0,'-24'0'0,"24"-24"31,24 24-15,0 0-1,1 0-15,-1-25 0,25 25 16,0 0-16,-25-24 0,25 24 15,0 0-15,0-25 16,-25 25-16,25 0 0,-24 0 16,-1-24-16,0 24 15,1 0-15,-50 0 16,1 0 0,0-25-16,-1 25 15,1 0-15,-1 0 16,1 25-16,-1-25 0,1 24 15,0 1-15,24-1 16,-25 1-16,25-1 0,0 0 16,0 1-16,0 24 15,25-25-15,-25 1 0,24-1 16,25-24-16,-25 24 0,25-24 16,0 0-16,-25 0 15,25 0-15,0-24 0</inkml:trace>
+</inkml:ink>
+</file>
+
+<file path=ppt/ink/ink20.xml><?xml version="1.0" encoding="utf-8"?>
 <inkml:ink xmlns:inkml="http://www.w3.org/2003/InkML">
   <inkml:definitions>
     <inkml:context xml:id="ctx0">
@@ -1060,7 +714,7 @@
 </inkml:ink>
 </file>
 
-<file path=ppt/ink/ink23.xml><?xml version="1.0" encoding="utf-8"?>
+<file path=ppt/ink/ink21.xml><?xml version="1.0" encoding="utf-8"?>
 <inkml:ink xmlns:inkml="http://www.w3.org/2003/InkML">
   <inkml:definitions>
     <inkml:context xml:id="ctx0">
@@ -1089,7 +743,7 @@
 </inkml:ink>
 </file>
 
-<file path=ppt/ink/ink24.xml><?xml version="1.0" encoding="utf-8"?>
+<file path=ppt/ink/ink22.xml><?xml version="1.0" encoding="utf-8"?>
 <inkml:ink xmlns:inkml="http://www.w3.org/2003/InkML">
   <inkml:definitions>
     <inkml:context xml:id="ctx0">
@@ -1122,7 +776,7 @@
 </inkml:ink>
 </file>
 
-<file path=ppt/ink/ink25.xml><?xml version="1.0" encoding="utf-8"?>
+<file path=ppt/ink/ink23.xml><?xml version="1.0" encoding="utf-8"?>
 <inkml:ink xmlns:inkml="http://www.w3.org/2003/InkML">
   <inkml:definitions>
     <inkml:context xml:id="ctx0">
@@ -1186,7 +840,7 @@
 </inkml:ink>
 </file>
 
-<file path=ppt/ink/ink26.xml><?xml version="1.0" encoding="utf-8"?>
+<file path=ppt/ink/ink24.xml><?xml version="1.0" encoding="utf-8"?>
 <inkml:ink xmlns:inkml="http://www.w3.org/2003/InkML">
   <inkml:definitions>
     <inkml:context xml:id="ctx0">
@@ -1252,79 +906,6 @@
           <inkml:channelProperty channel="T" name="resolution" value="1" units="1/dev"/>
         </inkml:channelProperties>
       </inkml:inkSource>
-      <inkml:timestamp xml:id="ts0" timeString="2020-11-08T01:52:07.185"/>
-    </inkml:context>
-    <inkml:brush xml:id="br0">
-      <inkml:brushProperty name="width" value="0.05" units="cm"/>
-      <inkml:brushProperty name="height" value="0.05" units="cm"/>
-      <inkml:brushProperty name="color" value="#ED1C24"/>
-      <inkml:brushProperty name="fitToCurve" value="1"/>
-    </inkml:brush>
-  </inkml:definitions>
-  <inkml:trace contextRef="#ctx0" brushRef="#br0">49 244 0,'-25'0'0,"1"0"15,24 24 17,0 1-32,0-1 15,24 25-15,-24-25 16,0 25-16,25 0 0,-25 0 15,0-25-15,0 25 0,0-24 16,0-1-16,0 0 16,0 1-16</inkml:trace>
-  <inkml:trace contextRef="#ctx0" brushRef="#br0" timeOffset="244">49 268 0,'0'-24'16,"24"24"-1,0 0 1,-24 24-16,25 1 0,-1-1 16,1 0-16,-1 1 15,25 24-15,-25-25 0,25 1 16,-24 23-16,23-23 0,-23-1 15,-1 1-15,1-1 16,-1 1-16,1-25 0,-1 0 16</inkml:trace>
-  <inkml:trace contextRef="#ctx0" brushRef="#br0" timeOffset="477">439 146 0,'0'-24'16,"-24"24"-16,24 24 31,0 0-31,0 1 16,24-1-16,-24 25 0,25-24 16,-1 23-16,1 1 15,-1-24-15,-24 24 0,24-25 16,1 0-16,-25 1 15,24-1-15,-24 1 0,0-1 16</inkml:trace>
-  <inkml:trace contextRef="#ctx0" brushRef="#br0" timeOffset="1035">1001 439 0,'0'-24'32,"0"-1"-32,-24 1 15,-1-1 1,1 25-16,-1-24 0,1 24 15,0 0-15,-1 0 16,1 0-16,-1 0 16,1 0-16,-1 24 0,1 1 15,0-1-15,24 1 16,-25-1-16,25 25 0,0-25 16,0 1-16,25 24 0,-1-25 15,-24 1-15,24-1 16,1-24-16,24 24 0,-25-24 15,1 0-15,-1 0 16,0 0-16,25-24 0,-24 0 16,-1-1-16,0 1 15,-24-1-15,0 1 16,0-25-16,0 25 0,0-1 16,0 1-16,0-1 15,0 50 16,0-1-31,25 1 16,-25-1-16,24 0 0,-24 1 16,25-1-16,-25 1 15,24-1-15,1-24 0,-1 25 16,0-25-16,1 0 16,-1 0-16</inkml:trace>
-  <inkml:trace contextRef="#ctx0" brushRef="#br0" timeOffset="1281">1319 244 0,'-25'-25'15,"25"-24"-15,0 25 0,-24 24 16,24-24-16,24 24 16,1 24-1,-25 0-15,24 1 16,0 24-16,1 0 15,-1-1-15,-24 1 0,25 0 16,-1-24-16,1 23 0,-25 1 16,24-24-16,-24-1 15,0 1-15,24-1 0,-24 0 16</inkml:trace>
-  <inkml:trace contextRef="#ctx0" brushRef="#br0" timeOffset="1673">1343 415 0,'-24'0'15,"48"0"17,0 0-17,1 0-15,-1 0 16,1-25-16,23 25 0,-23 0 15,-1 0-15,1-24 0,24 24 16,-25 0-16,-24-25 16,24 25-16,1 0 0,-1-24 15,1 24 1,-25-24-16,24 24 16,1 0 15,-25 24-31,0 0 15,0 25 1,24-24-16,-24-1 0,0 25 16,24-25-16,-24 25 0,25-24 15,-25-1-15,24 1 16,-24-1-16,25 0 0,-25 1 16,24-25-16,-24-25 15</inkml:trace>
-  <inkml:trace contextRef="#ctx0" brushRef="#br0" timeOffset="1864">1807 0 0,'-24'0'15,"24"24"1,24 0 15,-24 1-15</inkml:trace>
-  <inkml:trace contextRef="#ctx0" brushRef="#br0" timeOffset="2279">2051 244 0,'0'24'31,"-24"-24"-31,24 25 32,0-1-17,24 0-15,-24 1 16,25-1-16,-25 1 0,24-1 15,-24 25-15,25-25 0,-1 1 16,-24 24-16,24-49 16,-24 24-16,25 1 0,-1-25 15,1 0 1,-25-25-16,0 1 16,24-1-16,-24 1 0,0-25 15,24 25-15,-24-25 16,0 0-16,0 24 0,25-23 15,-25 23-15,0 1 0,0-1 16,0 1-16,24 24 16,1 0-1,-25 24 1,24-24-16,-24 25 16</inkml:trace>
-  <inkml:trace contextRef="#ctx0" brushRef="#br0" timeOffset="2740">2637 366 0,'0'24'16,"-24"-24"-16,0 0 15,48 0 32,0 0-47,1 0 16,-1 0-1,1 0-15,-1 0 0,0 0 16,1 0-16,-1 0 0,1-24 16,-1 24-16,1 0 15,-25-25-15,0 1 0,24 24 16,-24-24-16,0-1 0,-24 1 15,-1-1 1,1 25-16,-1 0 0,1-24 16,-1 24-16,1 0 15,0 0-15,-1 24 0,1-24 16,24 25-16,-25-1 0,25 1 16,0-1-16,0 25 15,0-25-15,25 25 0,-25 0 16,24 0-16,1-25 15,-25 25-15,24-24 0,0-1 16,1 0-16,-1-24 0,1 0 16,24 0-16</inkml:trace>
-</inkml:ink>
-</file>
-
-<file path=ppt/ink/ink4.xml><?xml version="1.0" encoding="utf-8"?>
-<inkml:ink xmlns:inkml="http://www.w3.org/2003/InkML">
-  <inkml:definitions>
-    <inkml:context xml:id="ctx0">
-      <inkml:inkSource xml:id="inkSrc0">
-        <inkml:traceFormat>
-          <inkml:channel name="X" type="integer" max="1920" units="cm"/>
-          <inkml:channel name="Y" type="integer" max="1080" units="cm"/>
-          <inkml:channel name="T" type="integer" max="2.14748E9" units="dev"/>
-        </inkml:traceFormat>
-        <inkml:channelProperties>
-          <inkml:channelProperty channel="X" name="resolution" value="55.81395" units="1/cm"/>
-          <inkml:channelProperty channel="Y" name="resolution" value="55.6701" units="1/cm"/>
-          <inkml:channelProperty channel="T" name="resolution" value="1" units="1/dev"/>
-        </inkml:channelProperties>
-      </inkml:inkSource>
-      <inkml:timestamp xml:id="ts0" timeString="2020-11-08T01:52:00.734"/>
-    </inkml:context>
-    <inkml:brush xml:id="br0">
-      <inkml:brushProperty name="width" value="0.05" units="cm"/>
-      <inkml:brushProperty name="height" value="0.05" units="cm"/>
-      <inkml:brushProperty name="color" value="#ED1C24"/>
-      <inkml:brushProperty name="fitToCurve" value="1"/>
-    </inkml:brush>
-  </inkml:definitions>
-  <inkml:trace contextRef="#ctx0" brushRef="#br0">220 269 0,'0'25'141,"0"-1"-125,0 0-1,0 1-15,0-1 16,0 1-16,0-1 0,0 1 15,0-1-15,0 0 16,0 1-16,0-1 0,0 1 16,0-1-16,0 1 15,0-1 1</inkml:trace>
-  <inkml:trace contextRef="#ctx0" brushRef="#br0" timeOffset="2014">610 660 0</inkml:trace>
-  <inkml:trace contextRef="#ctx0" brushRef="#br0" timeOffset="3000">244 25 0,'0'-24'15,"24"24"17,1 0-32,-1 0 15,1 0 1,-1 0-16,0 24 0,1 0 16,-1 1-16,1-1 15,-1 1-15,1 24 16,-25-1-16,24 1 0,-24 24 15,24-24-15,-24 25 16,0-26-16,0 1 0,-24 25 16,24-26-16,-49 1 15,25 0-15,-25 0 0,0 0 16,0 0-16,-24-25 0,24 25 16,-24-25-16,24 1 15,-24-1-15</inkml:trace>
-  <inkml:trace contextRef="#ctx0" brushRef="#br0" timeOffset="4056">1196 147 0,'25'0'0,"-25"-24"15,-25 24 16,1 0-31,0 0 16,-1 0-16,-24 24 0,-24 25 31,24-25-31,0 1 0,1-1 0,23 25 16,1 0-16,-1 0 16,25-25-16,0 25 0,0 0 15,0-25-15,25 25 0,-1-24 16,25-1-16,-25 0 15,25 1-15,-24-25 0,24 24 16,-1-24-16,1 0 16</inkml:trace>
-  <inkml:trace contextRef="#ctx0" brushRef="#br0" timeOffset="4456">1514 465 0,'0'-25'15,"0"1"-15,-24-1 16,-1 25 0,25-24-16,-24 24 31,24 24-31,0 1 0,0-1 16,0 1-16,0-1 15,24 0-15,-24 1 16,0-1-16,25 1 0,-25-1 15,24 1-15,-24-1 16,0 0-16,0 1 16,-24-25-1,-1 0 1,1-25-16,24 1 16,0 0-1,0-1-15,0-24 0,24 25 16,1-25-16,-1 25 0,0-1 15,25-24-15,-24 25 16,24-1-16,-25 25 0,25 0 16,-25-24-16,1 24 0,-1 0 15,0 0-15</inkml:trace>
-  <inkml:trace contextRef="#ctx0" brushRef="#br0" timeOffset="4949">1905 513 0,'-25'0'0,"1"0"16,24 25-1,24-1 32,1-24-47,-25 25 16,24-25-16,1 0 15,-1 0-15,0 0 0,1 0 16,-1 0-16,1-25 16,-1 1-16,1 24 15,-25-25-15,0 1 0,0 0 16,0-1-1,-25 1-15,1 24 0,-1-25 16,1 1-16,-1 24 16,1-25-16,0 25 0,-1 0 15,1 0-15,-1 25 16,25-1 0,0 1-16,0 24 0,25-25 15,-25 0-15,24 1 16,1 24-16,-25-25 0,24-24 15,0 25-15,1-1 0,-1-24 16,1 24-16,-1-24 16,1 0-16,-1 0 15</inkml:trace>
-  <inkml:trace contextRef="#ctx0" brushRef="#br0" timeOffset="5718">2564 440 0,'0'-24'0,"0"-1"16,0 1-16,0-1 15,0 1 1,-24 24-16,-1 0 16,1 0-16,-1 24 15,1-24-15,0 0 16,-1 25-16,1-25 0,-1 24 15,25 1-15,-24-25 16,0 24-16,24 1 0,0-1 16,0 0-16,0 1 15,24-25-15,-24 24 0,24 1 16,-24-1-16,25-24 0,-1 25 16,1-25-16,-1 0 15,0 0-15,1 24 0,-1-24 16,1 0-1,-1-24-15,1-1 16,-25 1-16,24-1 16,-24 1-1,0-1-15,0 1 0,0 0 16,0 48 31,24-24-47,-24 24 15,0 1-15,25-25 0,-1 24 16,1-24-16,-1 25 16,1-25-16,-1 0 15,0 0-15,1 0 0,-1 0 16,1 0-16,-1-25 16,0 25-16,1-24 0,-1-1 15,-24 1-15,25 0 16,-25-1-16,0 1 15,0-25-15,0 24 0,0 1 16,0-25-16,0 25 16,0-1-16,0-24 0,-25 49 15,25-24-15,0 0 0,-24 24 32,24 24-32,0 0 15,0 1-15,0 24 16,-25-25-16,25 25 0,0 0 15,0 0-15,25-25 0,-25 25 16,24-25-16,-24 25 16,0-24-16,25-1 0,-25 1 15</inkml:trace>
-  <inkml:trace contextRef="#ctx0" brushRef="#br0" timeOffset="6130">2954 489 0,'-24'0'0,"24"-24"31,24 24-15,0 0-1,1 0-15,-1-25 0,25 25 16,0 0-16,-25-24 0,25 24 15,0 0-15,0-25 16,-25 25-16,25 0 0,-24 0 16,-1-24-16,0 24 15,1 0-15,-50 0 16,1 0 0,0-25-16,-1 25 15,1 0-15,-1 0 16,1 25-16,-1-25 0,1 24 15,0 1-15,24-1 16,-25 1-16,25-1 0,0 0 16,0 1-16,0 24 15,25-25-15,-25 1 0,24-1 16,25-24-16,-25 24 0,25-24 16,0 0-16,-25 0 15,25 0-15,0-24 0</inkml:trace>
-</inkml:ink>
-</file>
-
-<file path=ppt/ink/ink5.xml><?xml version="1.0" encoding="utf-8"?>
-<inkml:ink xmlns:inkml="http://www.w3.org/2003/InkML">
-  <inkml:definitions>
-    <inkml:context xml:id="ctx0">
-      <inkml:inkSource xml:id="inkSrc0">
-        <inkml:traceFormat>
-          <inkml:channel name="X" type="integer" max="1920" units="cm"/>
-          <inkml:channel name="Y" type="integer" max="1080" units="cm"/>
-          <inkml:channel name="T" type="integer" max="2.14748E9" units="dev"/>
-        </inkml:traceFormat>
-        <inkml:channelProperties>
-          <inkml:channelProperty channel="X" name="resolution" value="55.81395" units="1/cm"/>
-          <inkml:channelProperty channel="Y" name="resolution" value="55.6701" units="1/cm"/>
-          <inkml:channelProperty channel="T" name="resolution" value="1" units="1/dev"/>
-        </inkml:channelProperties>
-      </inkml:inkSource>
       <inkml:timestamp xml:id="ts0" timeString="2020-11-08T01:52:10.249"/>
     </inkml:context>
     <inkml:brush xml:id="br0">
@@ -1353,7 +934,7 @@
 </inkml:ink>
 </file>
 
-<file path=ppt/ink/ink6.xml><?xml version="1.0" encoding="utf-8"?>
+<file path=ppt/ink/ink4.xml><?xml version="1.0" encoding="utf-8"?>
 <inkml:ink xmlns:inkml="http://www.w3.org/2003/InkML">
   <inkml:definitions>
     <inkml:context xml:id="ctx0">
@@ -1382,7 +963,7 @@
 </inkml:ink>
 </file>
 
-<file path=ppt/ink/ink7.xml><?xml version="1.0" encoding="utf-8"?>
+<file path=ppt/ink/ink5.xml><?xml version="1.0" encoding="utf-8"?>
 <inkml:ink xmlns:inkml="http://www.w3.org/2003/InkML">
   <inkml:definitions>
     <inkml:context xml:id="ctx0">
@@ -1411,7 +992,7 @@
 </inkml:ink>
 </file>
 
-<file path=ppt/ink/ink8.xml><?xml version="1.0" encoding="utf-8"?>
+<file path=ppt/ink/ink6.xml><?xml version="1.0" encoding="utf-8"?>
 <inkml:ink xmlns:inkml="http://www.w3.org/2003/InkML">
   <inkml:definitions>
     <inkml:context xml:id="ctx0">
@@ -1440,7 +1021,7 @@
 </inkml:ink>
 </file>
 
-<file path=ppt/ink/ink9.xml><?xml version="1.0" encoding="utf-8"?>
+<file path=ppt/ink/ink7.xml><?xml version="1.0" encoding="utf-8"?>
 <inkml:ink xmlns:inkml="http://www.w3.org/2003/InkML">
   <inkml:definitions>
     <inkml:context xml:id="ctx0">
@@ -1476,6 +1057,85 @@
 </inkml:ink>
 </file>
 
+<file path=ppt/ink/ink8.xml><?xml version="1.0" encoding="utf-8"?>
+<inkml:ink xmlns:inkml="http://www.w3.org/2003/InkML">
+  <inkml:definitions>
+    <inkml:context xml:id="ctx0">
+      <inkml:inkSource xml:id="inkSrc0">
+        <inkml:traceFormat>
+          <inkml:channel name="X" type="integer" max="1920" units="cm"/>
+          <inkml:channel name="Y" type="integer" max="1080" units="cm"/>
+          <inkml:channel name="T" type="integer" max="2.14748E9" units="dev"/>
+        </inkml:traceFormat>
+        <inkml:channelProperties>
+          <inkml:channelProperty channel="X" name="resolution" value="55.81395" units="1/cm"/>
+          <inkml:channelProperty channel="Y" name="resolution" value="55.6701" units="1/cm"/>
+          <inkml:channelProperty channel="T" name="resolution" value="1" units="1/dev"/>
+        </inkml:channelProperties>
+      </inkml:inkSource>
+      <inkml:timestamp xml:id="ts0" timeString="2020-11-08T01:52:33.731"/>
+    </inkml:context>
+    <inkml:brush xml:id="br0">
+      <inkml:brushProperty name="width" value="0.05" units="cm"/>
+      <inkml:brushProperty name="height" value="0.05" units="cm"/>
+      <inkml:brushProperty name="color" value="#ED1C24"/>
+      <inkml:brushProperty name="fitToCurve" value="1"/>
+    </inkml:brush>
+  </inkml:definitions>
+  <inkml:trace contextRef="#ctx0" brushRef="#br0">223 134 0,'25'-24'16,"-25"-1"-1,-25 25 48,1 25-63,0-25 15,-1 0-15,1 24 0,-1-24 16,1 24-16,-1 1 16,25-1-16,-24 1 0,0-1 15,24 25-15,0-25 16,0 25-16,0-24 0,0 24 15,24-25-15,0 0 0,1 1 16,-1-1-16,25-24 16,-24 25-16,23-25 0,1 0 15,-24 0-15,24 0 16,-25 0-16,25-25 0,-25 25 16,1-24-16,-1 24 0,-24-25 15</inkml:trace>
+  <inkml:trace contextRef="#ctx0" brushRef="#br0" timeOffset="581">956 232 0,'0'-25'15,"0"1"1,-24 24-16,-1-25 16,1 1-1,-1 24-15,1 0 16,0 0-16,-1 0 0,-24 0 15,25 0-15,-1 0 16,1 0-16,0 24 0,-1 1 16,1-1-1,24 1-15,-25-1 0,25 1 16,0-1-16,0 0 16,25 1-16,-1-1 15,1-24-15,-1 25 0,0-25 16,1 0-16,24 0 15,-25 0-15,25 0 0,0 0 16,-25 0-16,25 0 0,-25 24 16,1-24-16,-1 0 15,-24 25-15,25-25 0,-25 24 16,0 0-16,0 1 16,-25-1-16,1 1 15,-1-25-15,1 24 16,0-24-16,-1 0 15,-24 0-15,25 0 0,0 0 16,-1 0-16,1 0 16,-1 0-16,1-24 0,24-1 15</inkml:trace>
+  <inkml:trace contextRef="#ctx0" brushRef="#br0" timeOffset="1093">1225 232 0,'0'-25'31,"24"25"0,1 0-15,-25 25 0,24-1-16,-24 1 15,24-1-15,-24 0 16,25 1-16,-25-1 0,24 1 16,-24-1-16,25 1 15,-1-25-15,-24 24 0,25 0 16,-1-24-16,0 0 15,1 0-15,-1 0 16,-24-24 0,0 0-1,0-1-15,0 1 16,0-1-16,0 1 0,0-1 16,0-23-16,0 23 15,25 1-15,-25-1 0,0 1 16,24-1-16,0 25 47,-24 25-32,0-1 1</inkml:trace>
+  <inkml:trace contextRef="#ctx0" brushRef="#br0" timeOffset="1757">1933 354 0,'0'24'78,"24"1"-47,-24-1-31,0 1 16,0-1-16,0 0 16,-24 1-16,24-1 15,-24 1-15,24-1 0</inkml:trace>
+  <inkml:trace contextRef="#ctx0" brushRef="#br0" timeOffset="2573">2397 158 0,'24'0'63,"-24"-24"-47,-24 24 77,24-24-77,-24 24 0,24-25 15,0 1 0,24 24-15,-24 24 15,0 1-31,0-1 16,24 0-16,-24 1 15,25 24-15,-25-25 0,0 1 16,24-1-16,-24 25 15,25-25-15,-25 1 0,0-1 16,0 1-16,0-1 16</inkml:trace>
+  <inkml:trace contextRef="#ctx0" brushRef="#br0" timeOffset="2947">2299 354 0,'25'0'16,"-1"0"0,1 0-1,-1 0-15,0 24 0,1-24 16,-1 0-16,1 0 16,-1 0-16,1-24 0,23 24 15,-23 0-15,-1 0 16,1 0-16,-1 0 0,1 0 15,-1 0-15,-48 0 32</inkml:trace>
+  <inkml:trace contextRef="#ctx0" brushRef="#br0" timeOffset="3263">2202 134 0,'0'-24'16,"24"24"-16,0 0 15,1-25-15,-1 25 16,1 0-16,-1 0 0,1-24 16,-1 24-16,0 0 15,1 0-15,-1 0 0,1 0 16,-1 0-16,1 0 0,-1 0 16,0 0-16,1 0 15,-1 0-15</inkml:trace>
+  <inkml:trace contextRef="#ctx0" brushRef="#br0" timeOffset="3949">2763 183 0,'25'0'31,"-1"0"-15,1 0-1,-1 0-15,0 0 16,-24 24-16,25 1 16,-25-1-1,0 1-15,24-1 16,-24 0-1,0 1-15,0-50 47,0 1-31,0 0 0,25-1-16,-25 1 15,0-1-15,24 1 0,1 24 16,-25-25-16,24 1 15,0 24-15,1 0 16,-1 0-16,1 24 16,-25 1-1,24-25-15,-24 24 16,0 1-16,0-1 16,-24-24 15,24-24 0,24-1-15,1 25-16,-25-24 15,24 24-15,0 0 16,1-25-16,-1 25 16,1 0-16,-25 25 0,24-1 15,-24 1 1,0-1-16,25 1 15,-25-1-15,0 0 16,24 1-16,-24-1 0,0 1 16,24-25-1</inkml:trace>
+  <inkml:trace contextRef="#ctx0" brushRef="#br0" timeOffset="4506">3398 11 0,'0'-24'15,"25"48"1,-25 0 0,24 1-16,-24-1 15,0 1-15,25-1 0,-25 25 16,24 0-16,-24-25 15,0 25-15,24 0 0,-24 0 16,0-25-16,25 25 0,-25-25 16,0 25-16,0-24 15,0-1-15,0 0 0,0 1 16,0-1-16,0-48 31,0-1-15,0 1-1,0 0-15,0-25 0,-25 24 16,25-23-16,0 23 16,0-24-16,0 25 0,-24-25 15,24 25-15,0-1 0,0 1 16,24-1-16,-24 1 16,25-1-16,-1 25 0,-24-24 15,25 24-15,-1 0 16,1 0-16,-1 0 0,0 24 15,1 1-15,-1-25 16,-24 24-16,25 1 16,-25-1-16,-25 1 15,1-1-15,-1-24 16,1 24-16,0-24 0,-1 0 16,1 0-16,-25 0 15,24 0-15,1 0 0</inkml:trace>
+  <inkml:trace contextRef="#ctx0" brushRef="#br0" timeOffset="4722">3960 158 0,'0'25'0,"25"-25"15,-1 0-15,0 0 16,1 0-16,-1 0 16,1 0-16,-1 0 15,-24 24-15,-24-24 16</inkml:trace>
+  <inkml:trace contextRef="#ctx0" brushRef="#br0" timeOffset="6594">516 1038 0,'0'-25'31,"-24"25"172,24-24-172,-24 24-31,-1 0 16,1 0-16,-1 0 16,1 0-16,-25 0 15,25 0-15,-1 24 0,-24-24 16,25 25-16,-25-1 16,25 1-16,-1-1 0,1 0 15,-1 25-15,25-24 0,0 23 16,0-23-16,0 24 15,25-25-15,-1 1 0,1-1 16,-1 0-16,1-24 16,-1 25-16,25-25 0,-25 0 15,1 0-15,23 0 0,-23-25 16</inkml:trace>
+  <inkml:trace contextRef="#ctx0" brushRef="#br0" timeOffset="7145">883 1184 0,'-25'0'16,"25"-24"-1,0-1 16,-24 1-15,0 24 0,-1 0-16,1 0 15,-1 0 1,1 0-16,-1 24 0,1-24 16,0 25-16,-1-1 15,1 1-15,24-1 16,0 0-16,0 1 0,0-1 15,0 1-15,24-1 16,-24 1-16,25-25 0,-1 24 16,0-24-16,1 0 0,24 0 15,-25 0-15,1 0 16,-1 0-16,0-24 16,1-1-16,-1 1 15,-24-1-15,0 1 0,0-1 16,0 1-16,0-25 0,0 25 15,0-1-15,0 1 16,0 48 15,0 1-31,0-1 0,25 1 16,-25-1-16,0 0 16,24 1-16,-24-1 0,25-24 15,-25 25-15,24-25 0,0 0 16,1 0-16</inkml:trace>
+  <inkml:trace contextRef="#ctx0" brushRef="#br0" timeOffset="7398">1176 989 0,'-25'-25'0,"25"1"16,0 48 31,0 1-47,0-1 15,0 1-15,25 24 0,-25-25 16,0 0-16,0 25 16,0-24-16,24 24 0,-24-25 15,0 0-15,25 1 16,-25-1-16</inkml:trace>
+  <inkml:trace contextRef="#ctx0" brushRef="#br0" timeOffset="8423">1713 1184 0,'0'-24'16,"-24"-1"-1,-1 25 1,1 0-16,-1-24 16,1 24-16,0 0 15,-1 0-15,1 24 16,-1-24-16,1 0 0,24 25 15,-24-1-15,24 1 16,0-1-16,0 1 16,0-1-16,0 0 15,24 1-15,-24-1 0,24 1 16,1-25-16,-1 24 0,1-24 16,23 24-16,-23-24 15,-1 0-15,25 0 0,-24-24 16,-1 24-16,0-24 15,1-1-15,-1 1 0,-24-1 16,25 1-16,-25 0 0,0-1 16,0 1-16,0-1 15,0-24-15,0 25 16,0 0-16,-25 24 16,25 24-1,0 0 1,0 1-1,0-1-15,0 1 0,0-1 16,0 1-16,0-1 0,0 0 16,25 1-16,-1-1 15,1-24 1,-1 0-16,0 0 16,1 0-16,-1-24 15,1-1-15,-1 1 16,-24 0-1,0-1-15,0 1 0,0-1 16,0 1-16,0-1 16,0 1-16,-24 0 15,24 48 1,0 0 0,0 1-16,0-1 0,24-24 15,-24 49-15,25-49 16,-25 25-16,24-1 0,-24 0 15,24-24-15,1 25 0,-1-1 16,1-24 0,-1 0-16,1-24 15,-1-1 1,-24 1-16,24 0 0,-24-1 16,0 1-16,0-1 0,0-24 15,0 1-15,0 23 16,-24-24-16,24 25 0,0-25 15,-24 25-15,24-1 0,0 50 32,0-1-17,0 0-15,0 1 16,0 24-16,0-25 0,24 25 16,-24 0-16,0 0 0,24-25 15,-24 25-15,25-25 16,-25 1-16,24-1 0,1 1 15,-25-1-15,24-24 16</inkml:trace>
+  <inkml:trace contextRef="#ctx0" brushRef="#br0" timeOffset="9618">2324 1209 0,'-25'0'16,"25"-25"-1,25 25 17,-25-24-32,24 24 15,1 0-15,-1 0 16,0 0-16,25-25 0,-24 25 16,-1 0-16,25 0 15,-25-24-15,1 24 0,24 0 16,-25-24-16,1 24 15,-1 0-15,0-25 16,1 25-16,-25-24 16,0-1 15,-25 25-15,1 0-16,0 0 15,-1 0-15,1 0 0,24 25 16,-25-25-16,1 24 15,24 1-15,-25-1 16,25 0-16,0 1 16,0 24-16,0-25 0,0 0 15,0 1-15,0-1 0,0 1 16,25-1-16,-1 1 16,1-1-16,-1-24 15,1 0 1,-1-24-16,0 24 0,1-25 15,-1 1-15,-24-1 16,25 1-16,-25-25 16,0 25-16,0-1 0,0 1 15,0-1-15,0 1 16,0 0-16,0 48 16,0 0-1,0 1 1,0-1-16,0 1 0,0-1 15,0 0-15,24 1 16,-24-1-16,24 1 0,1-1 16,-1-24-16,1 0 15,-1 0-15,1 0 16,-1 0-16,0-24 0,-24-1 16,25 1-16,-1-1 0,-24-23 15,0 23-15,0-24 16,0 1-16,0-1 0,0 0 15,-24 24-15,24-23 16,-25 23-16,25 1 0,-24 24 16,24 24-1,0 1 1,0 23-16,0-23 0,24 24 16,-24 0-16,25-1 15,-25 1-15,24-24 0,1 23 16,-25-23-16,24 24 15,1-25-15,-1 1 16,0-25-16,-24-25 31,0 1-31,-24-1 0,24 1 16,-24-1-16,-1 1 0,25 0 16,-24 24-16,-1-25 15,25 1-15,-24 24 16,48 0-1,1-25 1,-1 25-16,1 0 0,-1 0 16,0 0-16,1-24 15,-1 24-15,1 0 0,-1 0 16,1-24 0,-1 24-1,-24-25-15,24 50 31,-24-1-31,0 0 16,0 1 0,0 24-16,25-25 0,-25 0 15,0 1-15,0-1 0,24 1 16,-24-1-16,25 1 16</inkml:trace>
+  <inkml:trace contextRef="#ctx0" brushRef="#br0" timeOffset="9786">3447 916 0,'-24'-25'16,"-1"1"-16,25 48 31,25 1-15,-1-1-1</inkml:trace>
+  <inkml:trace contextRef="#ctx0" brushRef="#br0" timeOffset="10583">3691 1038 0,'0'24'31,"-24"-24"-15,24 25-16,-24-1 16,24 0-16,0 1 0,0-1 15,0 25-15,0-25 16,0 1-16,24 24 0,0-25 16,1 1-16,-1-25 15,1 24-15,-1-24 0,1 0 16,23 0-16,-23 0 15,-1-24-15,1 24 0,-1-25 16,-24 1-16,0-25 0,0 24 16,0 1-16,-24-25 15,24 0-15,-25 25 0,1 0 16,-1-1-16,1 1 0,0-1 16,-1 25-16,1 0 15,-1 25-15,25-1 16,0 1-16,0-1 15,0 0-15,25 1 0,-25-1 16,24 25-16,-24-25 0,25-24 16,-25 25-16,24-25 15,0 24-15,1-24 16,-1-24 0,1-1-16,-25 1 15,0 0-15,0-1 0,0 1 16,24-1-16,-24-23 15,0 23-15,25 1 16,-1 24 0,0 0-16,-24 24 0,25 1 15,-25-1-15,24 0 0,-24 25 16,25-24-16,-25-1 16,0 25-16,24-25 0,-24 1 15,0-1-15,0-48 47,0-1-47,0 1 16,0-25-16,0 25 0,25-25 15,-25 0-15,0 25 16,24-1-16,-24 1 0,24-1 16,1 25-16,-1 25 15,1-1-15,-25 1 16,24 23-16,-24-23 0,24 24 15,-24-1-15,25 1 0,-25 0 16,24-24-16,-24-1 16,0 0-16,25 1 0,-25-1 15</inkml:trace>
+  <inkml:trace contextRef="#ctx0" brushRef="#br0" timeOffset="10879">4449 1013 0,'-25'-24'0,"1"24"15,24-25 1,24 25 15,1 25-15,-25-1-16,24 1 15,0-1-15,1 1 0,-1 23 16,1-23-16,-1 24 0,1-25 16,-1 25-16,0-25 15,1 25-15,-1-24 0,1-1 16,-1 0-16,-24-48 31</inkml:trace>
+  <inkml:trace contextRef="#ctx0" brushRef="#br0" timeOffset="11178">4766 989 0,'0'24'62,"0"1"-62,0-1 16,0 1-16,0-1 16,-24 25-16,24-25 0,0 25 15,0 0-15,0 0 0,0-25 16,24 25-16,-24 0 16,0-25-16,0 1 0,25-1 15,-25 1-15,0-1 16,0-48-1,0-1 1</inkml:trace>
+</inkml:ink>
+</file>
+
+<file path=ppt/ink/ink9.xml><?xml version="1.0" encoding="utf-8"?>
+<inkml:ink xmlns:inkml="http://www.w3.org/2003/InkML">
+  <inkml:definitions>
+    <inkml:context xml:id="ctx0">
+      <inkml:inkSource xml:id="inkSrc0">
+        <inkml:traceFormat>
+          <inkml:channel name="X" type="integer" max="1920" units="cm"/>
+          <inkml:channel name="Y" type="integer" max="1080" units="cm"/>
+          <inkml:channel name="T" type="integer" max="2.14748E9" units="dev"/>
+        </inkml:traceFormat>
+        <inkml:channelProperties>
+          <inkml:channelProperty channel="X" name="resolution" value="55.81395" units="1/cm"/>
+          <inkml:channelProperty channel="Y" name="resolution" value="55.6701" units="1/cm"/>
+          <inkml:channelProperty channel="T" name="resolution" value="1" units="1/dev"/>
+        </inkml:channelProperties>
+      </inkml:inkSource>
+      <inkml:timestamp xml:id="ts0" timeString="2020-11-08T01:53:01.582"/>
+    </inkml:context>
+    <inkml:brush xml:id="br0">
+      <inkml:brushProperty name="width" value="0.05" units="cm"/>
+      <inkml:brushProperty name="height" value="0.05" units="cm"/>
+      <inkml:brushProperty name="color" value="#ED1C24"/>
+      <inkml:brushProperty name="fitToCurve" value="1"/>
+    </inkml:brush>
+  </inkml:definitions>
+  <inkml:trace contextRef="#ctx0" brushRef="#br0">27 51 0,'-24'0'32,"24"-24"46,24 24-63,1 0 17,-1 0-17,1 0 1,-1 0 0,1 0-16,-25-25 0,24 25 15,0 0-15,1 0 0,-1 0 16,1 0-16,-1 0 15,0 25-15,1-25 0,-1 0 16,1 0-16,-1 0 16,1 24-16,-1-24 15,0 0-15,1 0 16,-25 25-16,24-25 0,-24 24 16,25-24-16,-25 25 15,24-1 1,-24 0-16,0 1 15,0-1-15,25-24 16,-25 25-16,0-1 16,24-24-1,-24 25 1,0-1 0,0 0-16,0 1 15,0-1-15,0 1 16,0-1-16,0 0 15,0 1-15,0-1 16,0 1-16,0-1 16,0 1-16,0-1 15,-24 0 1,24 1-16,-25-1 16,25 1-1,-24-1-15,-1 1 16,25-1-16,-24-24 15,24 24-15,-25-24 16,25 25-16,-24-1 0,0 1 16,-1-1-1,25 1 1,-24-25-16,24 24 0,-25-24 16,25 24-16,-24-24 15,24 25-15,-25-1 16,25 1-1,0-1 1,0 1 0,0-1-1,0 0 1,0 1 15,25-1-31,-1 1 31,1-25-15,-1 0 0,1 24-16,-1-24 15,0 0-15,25 0 16,-24 0 0,-1 0-16,1 0 15,-1 0-15,0 0 16,1 0-1,-1 0 1,1 0 0,-25-24-1,24 24 1,-48 0 62,-1 0-62,1 0-1,-1 24 1,1-24 0,0 0-16,-1 24 31,1-24-16,24 25 1,-25-1 0,25 1-1,0-1 1,0 1 15,0-1 0,25-24-15,-25 24 0,0 1-1,24-25-15,-24 24 16,25-24 0,-25 25-16,24-25 15,-24 24-15,24-24 16,-24 25-16,25-25 0,-25 24 15,24-24-15,-24 24 16,25-24-16,-25 25 0,24-25 16,0 24-16,-24 1 15,25-1-15,-1 0 16,1 1-16,-25-1 0,24 1 16,1-1-16,-1 1 15,-24-1-15,0 0 16,24 1-1,-24-1 1,0 1-16,0-1 16,0 1-1,0-1-15,0 0 16,0 1 0,0-1-16,0 1 15,0-1-15,0 1 16,0-1-16,0 0 15,0 1-15,0-1 16,0 1 0,0-1-16,0 1 15,0-1 1,-24-24-16,24 24 16,-24-24-16,24 25 15,-25-25 1,25 24-16,-24-24 0,-1 0 15,25 25-15,-24-25 0,-1 0 16,25 24-16,-24-24 16,0 0-16,-1 24 15,1-24 1,-1 0-16,1 0 16,24 25-1,-24-25-15,-1 0 16,25 24-1,-24-24 1,48 0 15,1-24-15</inkml:trace>
+  <inkml:trace contextRef="#ctx0" brushRef="#br0" timeOffset="1434">736 1224 0,'-25'0'15,"50"0"48,-1 0-63,0 0 15,1 0-15,-1 0 0,25 0 16,0-25-16,0 25 16,0 0-16,24 0 0,-24 0 15,24 0-15,0 0 16,-24 0-16,25 0 0,-26 0 15,26 0-15,-26 0 0,1-24 16,-24 24-16,24 0 16,-25 0-16,0 0 0,1 0 15,-25-25-15,24 25 16,-24-24 0,-24 24 15,-1 0-16</inkml:trace>
+  <inkml:trace contextRef="#ctx0" brushRef="#br0" timeOffset="1891">1615 931 0,'24'0'46,"1"24"-46,-1-24 16,1 0-16,-1 0 0,25 24 16,0-24-16,-25 0 15,25 25-15,0-25 0,-25 24 16,1-24-16,-1 0 0,1 25 16,-1-25-16,-24 24 15,24-24-15,-24 24 16,-24 1-1,24-1-15,-24-24 0,-1 25 16,1-1-16,-1-24 0,1 25 16,-25-1-16,25-24 15,-25 24-15,24 1 0,1-25 16,-1 24-16,1-24 16,0 0-16</inkml:trace>
+  <inkml:trace contextRef="#ctx0" brushRef="#br0" timeOffset="2876">1078 467 0,'0'24'31,"-25"0"-15,25 1-16,0-1 0,0 1 15,0-1-15,0 0 16,-24 1-16,24-1 0,0 1 16,0-1-16,0 1 15,0-1-15,0 0 0,0 1 16,0-1-16,0 1 16,0-1 15,0-48-16,0-1 1,0 1 0,24-1-1,-24 1-15,0 0 16,25-1 0,-25 1-16,24 24 0,-24-25 15,24 1-15,1 24 0,-1-25 16,1 25-16,-1 0 15,1-24-15,-1 24 0,0 0 16,1 24 0,-1-24-16,1 25 15,-25-1-15,24-24 16,-24 25-16,0-1 0,0 1 16,-24-1-16,24 0 15,-25-24-15,1 25 16,-1-25-16,1 24 0,0-24 15,-25 25-15,24-25 0,1 0 16,-1 0-16,1 0 16,0 0-16,-1 0 0,1 0 15,24-25 1</inkml:trace>
+</inkml:ink>
+</file>
+
 <file path=ppt/notesMasters/notesMaster1.xml><?xml version="1.0" encoding="utf-8"?>
 <p:notesMaster xmlns:a="http://schemas.openxmlformats.org/drawingml/2006/main" xmlns:r="http://schemas.openxmlformats.org/officeDocument/2006/relationships" xmlns:p="http://schemas.openxmlformats.org/presentationml/2006/main">
   <p:cSld>
@@ -1558,7 +1218,7 @@
           <a:p>
             <a:fld id="{4AF2A06D-4991-4208-8C88-4E8BAD69A8B8}" type="datetimeFigureOut">
               <a:rPr lang="en-US" smtClean="0"/>
-              <a:t>3/16/2022</a:t>
+              <a:t>3/24/2022</a:t>
             </a:fld>
             <a:endParaRPr lang="en-US"/>
           </a:p>
@@ -2021,7 +1681,7 @@
                 <a:tabLst/>
                 <a:defRPr/>
               </a:pPr>
-              <a:t>13</a:t>
+              <a:t>14</a:t>
             </a:fld>
             <a:endParaRPr kumimoji="0" lang="en-US" sz="1200" b="0" i="0" u="none" strike="noStrike" kern="1200" cap="none" spc="0" normalizeH="0" baseline="0" noProof="0">
               <a:ln>
@@ -2182,7 +1842,7 @@
           <a:p>
             <a:fld id="{E26E0DA5-0C76-4851-AA82-0B75261F9EB4}" type="datetimeFigureOut">
               <a:rPr lang="en-US" smtClean="0"/>
-              <a:t>3/16/2022</a:t>
+              <a:t>3/24/2022</a:t>
             </a:fld>
             <a:endParaRPr lang="en-US"/>
           </a:p>
@@ -2350,7 +2010,7 @@
           <a:p>
             <a:fld id="{E26E0DA5-0C76-4851-AA82-0B75261F9EB4}" type="datetimeFigureOut">
               <a:rPr lang="en-US" smtClean="0"/>
-              <a:t>3/16/2022</a:t>
+              <a:t>3/24/2022</a:t>
             </a:fld>
             <a:endParaRPr lang="en-US"/>
           </a:p>
@@ -2528,7 +2188,7 @@
           <a:p>
             <a:fld id="{E26E0DA5-0C76-4851-AA82-0B75261F9EB4}" type="datetimeFigureOut">
               <a:rPr lang="en-US" smtClean="0"/>
-              <a:t>3/16/2022</a:t>
+              <a:t>3/24/2022</a:t>
             </a:fld>
             <a:endParaRPr lang="en-US"/>
           </a:p>
@@ -2855,7 +2515,7 @@
             <a:fld id="{9578D6DB-6798-42D2-B9AD-FC6F1C72FC30}" type="datetimeFigureOut">
               <a:rPr lang="en-US" smtClean="0"/>
               <a:pPr/>
-              <a:t>3/16/2022</a:t>
+              <a:t>3/24/2022</a:t>
             </a:fld>
             <a:endParaRPr lang="en-US"/>
           </a:p>
@@ -3097,7 +2757,7 @@
             <a:fld id="{425404F2-BE9A-4460-8815-8F645183555F}" type="datetimeFigureOut">
               <a:rPr lang="en-US" smtClean="0"/>
               <a:pPr/>
-              <a:t>3/16/2022</a:t>
+              <a:t>3/24/2022</a:t>
             </a:fld>
             <a:endParaRPr lang="en-US"/>
           </a:p>
@@ -3225,7 +2885,7 @@
             <a:fld id="{425404F2-BE9A-4460-8815-8F645183555F}" type="datetimeFigureOut">
               <a:rPr lang="en-US" smtClean="0"/>
               <a:pPr/>
-              <a:t>3/16/2022</a:t>
+              <a:t>3/24/2022</a:t>
             </a:fld>
             <a:endParaRPr lang="en-US"/>
           </a:p>
@@ -3475,7 +3135,7 @@
             <a:fld id="{425404F2-BE9A-4460-8815-8F645183555F}" type="datetimeFigureOut">
               <a:rPr lang="en-US" smtClean="0"/>
               <a:pPr/>
-              <a:t>3/16/2022</a:t>
+              <a:t>3/24/2022</a:t>
             </a:fld>
             <a:endParaRPr lang="en-US"/>
           </a:p>
@@ -3645,7 +3305,7 @@
             <a:fld id="{425404F2-BE9A-4460-8815-8F645183555F}" type="datetimeFigureOut">
               <a:rPr lang="en-US" smtClean="0"/>
               <a:pPr/>
-              <a:t>3/16/2022</a:t>
+              <a:t>3/24/2022</a:t>
             </a:fld>
             <a:endParaRPr lang="en-US"/>
           </a:p>
@@ -3932,7 +3592,7 @@
             <a:fld id="{425404F2-BE9A-4460-8815-8F645183555F}" type="datetimeFigureOut">
               <a:rPr lang="en-US" smtClean="0"/>
               <a:pPr/>
-              <a:t>3/16/2022</a:t>
+              <a:t>3/24/2022</a:t>
             </a:fld>
             <a:endParaRPr lang="en-US"/>
           </a:p>
@@ -4353,7 +4013,7 @@
             <a:fld id="{425404F2-BE9A-4460-8815-8F645183555F}" type="datetimeFigureOut">
               <a:rPr lang="en-US" smtClean="0"/>
               <a:pPr/>
-              <a:t>3/16/2022</a:t>
+              <a:t>3/24/2022</a:t>
             </a:fld>
             <a:endParaRPr lang="en-US"/>
           </a:p>
@@ -4478,7 +4138,7 @@
             <a:fld id="{425404F2-BE9A-4460-8815-8F645183555F}" type="datetimeFigureOut">
               <a:rPr lang="en-US" smtClean="0"/>
               <a:pPr/>
-              <a:t>3/16/2022</a:t>
+              <a:t>3/24/2022</a:t>
             </a:fld>
             <a:endParaRPr lang="en-US"/>
           </a:p>
@@ -4704,7 +4364,7 @@
           <a:p>
             <a:fld id="{E26E0DA5-0C76-4851-AA82-0B75261F9EB4}" type="datetimeFigureOut">
               <a:rPr lang="en-US" smtClean="0"/>
-              <a:t>3/16/2022</a:t>
+              <a:t>3/24/2022</a:t>
             </a:fld>
             <a:endParaRPr lang="en-US"/>
           </a:p>
@@ -4828,7 +4488,7 @@
             <a:fld id="{425404F2-BE9A-4460-8815-8F645183555F}" type="datetimeFigureOut">
               <a:rPr lang="en-US" smtClean="0"/>
               <a:pPr/>
-              <a:t>3/16/2022</a:t>
+              <a:t>3/24/2022</a:t>
             </a:fld>
             <a:endParaRPr lang="en-US"/>
           </a:p>
@@ -5375,7 +5035,7 @@
             <a:fld id="{425404F2-BE9A-4460-8815-8F645183555F}" type="datetimeFigureOut">
               <a:rPr lang="en-US" smtClean="0"/>
               <a:pPr/>
-              <a:t>3/16/2022</a:t>
+              <a:t>3/24/2022</a:t>
             </a:fld>
             <a:endParaRPr lang="en-US"/>
           </a:p>
@@ -5523,7 +5183,7 @@
             <a:fld id="{425404F2-BE9A-4460-8815-8F645183555F}" type="datetimeFigureOut">
               <a:rPr lang="en-US" smtClean="0"/>
               <a:pPr/>
-              <a:t>3/16/2022</a:t>
+              <a:t>3/24/2022</a:t>
             </a:fld>
             <a:endParaRPr lang="en-US"/>
           </a:p>
@@ -5756,7 +5416,7 @@
             <a:fld id="{425404F2-BE9A-4460-8815-8F645183555F}" type="datetimeFigureOut">
               <a:rPr lang="en-US" smtClean="0"/>
               <a:pPr/>
-              <a:t>3/16/2022</a:t>
+              <a:t>3/24/2022</a:t>
             </a:fld>
             <a:endParaRPr lang="en-US"/>
           </a:p>
@@ -5994,7 +5654,7 @@
             <a:fld id="{425404F2-BE9A-4460-8815-8F645183555F}" type="datetimeFigureOut">
               <a:rPr lang="en-US" smtClean="0"/>
               <a:pPr/>
-              <a:t>3/16/2022</a:t>
+              <a:t>3/24/2022</a:t>
             </a:fld>
             <a:endParaRPr lang="en-US"/>
           </a:p>
@@ -6176,7 +5836,7 @@
             <a:fld id="{425404F2-BE9A-4460-8815-8F645183555F}" type="datetimeFigureOut">
               <a:rPr lang="en-US" smtClean="0"/>
               <a:pPr/>
-              <a:t>3/16/2022</a:t>
+              <a:t>3/24/2022</a:t>
             </a:fld>
             <a:endParaRPr lang="en-US"/>
           </a:p>
@@ -6453,7 +6113,7 @@
             <a:fld id="{425404F2-BE9A-4460-8815-8F645183555F}" type="datetimeFigureOut">
               <a:rPr lang="en-US" smtClean="0"/>
               <a:pPr/>
-              <a:t>3/16/2022</a:t>
+              <a:t>3/24/2022</a:t>
             </a:fld>
             <a:endParaRPr lang="en-US"/>
           </a:p>
@@ -6707,7 +6367,7 @@
             <a:fld id="{425404F2-BE9A-4460-8815-8F645183555F}" type="datetimeFigureOut">
               <a:rPr lang="en-US" smtClean="0"/>
               <a:pPr/>
-              <a:t>3/16/2022</a:t>
+              <a:t>3/24/2022</a:t>
             </a:fld>
             <a:endParaRPr lang="en-US"/>
           </a:p>
@@ -6877,7 +6537,7 @@
             <a:fld id="{425404F2-BE9A-4460-8815-8F645183555F}" type="datetimeFigureOut">
               <a:rPr lang="en-US" smtClean="0"/>
               <a:pPr/>
-              <a:t>3/16/2022</a:t>
+              <a:t>3/24/2022</a:t>
             </a:fld>
             <a:endParaRPr lang="en-US"/>
           </a:p>
@@ -7057,7 +6717,7 @@
             <a:fld id="{425404F2-BE9A-4460-8815-8F645183555F}" type="datetimeFigureOut">
               <a:rPr lang="en-US" smtClean="0"/>
               <a:pPr/>
-              <a:t>3/16/2022</a:t>
+              <a:t>3/24/2022</a:t>
             </a:fld>
             <a:endParaRPr lang="en-US"/>
           </a:p>
@@ -7303,7 +6963,7 @@
           <a:p>
             <a:fld id="{E26E0DA5-0C76-4851-AA82-0B75261F9EB4}" type="datetimeFigureOut">
               <a:rPr lang="en-US" smtClean="0"/>
-              <a:t>3/16/2022</a:t>
+              <a:t>3/24/2022</a:t>
             </a:fld>
             <a:endParaRPr lang="en-US"/>
           </a:p>
@@ -7532,7 +7192,7 @@
           <a:p>
             <a:fld id="{E26E0DA5-0C76-4851-AA82-0B75261F9EB4}" type="datetimeFigureOut">
               <a:rPr lang="en-US" smtClean="0"/>
-              <a:t>3/16/2022</a:t>
+              <a:t>3/24/2022</a:t>
             </a:fld>
             <a:endParaRPr lang="en-US"/>
           </a:p>
@@ -7896,7 +7556,7 @@
           <a:p>
             <a:fld id="{E26E0DA5-0C76-4851-AA82-0B75261F9EB4}" type="datetimeFigureOut">
               <a:rPr lang="en-US" smtClean="0"/>
-              <a:t>3/16/2022</a:t>
+              <a:t>3/24/2022</a:t>
             </a:fld>
             <a:endParaRPr lang="en-US"/>
           </a:p>
@@ -8013,7 +7673,7 @@
           <a:p>
             <a:fld id="{E26E0DA5-0C76-4851-AA82-0B75261F9EB4}" type="datetimeFigureOut">
               <a:rPr lang="en-US" smtClean="0"/>
-              <a:t>3/16/2022</a:t>
+              <a:t>3/24/2022</a:t>
             </a:fld>
             <a:endParaRPr lang="en-US"/>
           </a:p>
@@ -8108,7 +7768,7 @@
           <a:p>
             <a:fld id="{E26E0DA5-0C76-4851-AA82-0B75261F9EB4}" type="datetimeFigureOut">
               <a:rPr lang="en-US" smtClean="0"/>
-              <a:t>3/16/2022</a:t>
+              <a:t>3/24/2022</a:t>
             </a:fld>
             <a:endParaRPr lang="en-US"/>
           </a:p>
@@ -8383,7 +8043,7 @@
           <a:p>
             <a:fld id="{E26E0DA5-0C76-4851-AA82-0B75261F9EB4}" type="datetimeFigureOut">
               <a:rPr lang="en-US" smtClean="0"/>
-              <a:t>3/16/2022</a:t>
+              <a:t>3/24/2022</a:t>
             </a:fld>
             <a:endParaRPr lang="en-US"/>
           </a:p>
@@ -8635,7 +8295,7 @@
           <a:p>
             <a:fld id="{E26E0DA5-0C76-4851-AA82-0B75261F9EB4}" type="datetimeFigureOut">
               <a:rPr lang="en-US" smtClean="0"/>
-              <a:t>3/16/2022</a:t>
+              <a:t>3/24/2022</a:t>
             </a:fld>
             <a:endParaRPr lang="en-US"/>
           </a:p>
@@ -8846,7 +8506,7 @@
           <a:p>
             <a:fld id="{E26E0DA5-0C76-4851-AA82-0B75261F9EB4}" type="datetimeFigureOut">
               <a:rPr lang="en-US" smtClean="0"/>
-              <a:t>3/16/2022</a:t>
+              <a:t>3/24/2022</a:t>
             </a:fld>
             <a:endParaRPr lang="en-US"/>
           </a:p>
@@ -9403,7 +9063,7 @@
             <a:fld id="{425404F2-BE9A-4460-8815-8F645183555F}" type="datetimeFigureOut">
               <a:rPr lang="en-US" smtClean="0"/>
               <a:pPr/>
-              <a:t>3/16/2022</a:t>
+              <a:t>3/24/2022</a:t>
             </a:fld>
             <a:endParaRPr lang="en-US"/>
           </a:p>
@@ -10006,7 +9666,7 @@
                   <a:schemeClr val="bg1"/>
                 </a:solidFill>
               </a:rPr>
-              <a:t>Day 10</a:t>
+              <a:t>Day 9</a:t>
             </a:r>
           </a:p>
         </p:txBody>
@@ -10055,2366 +9715,6 @@
       </p:grpSpPr>
       <p:sp>
         <p:nvSpPr>
-          <p:cNvPr id="2" name="Title 3">
-            <a:extLst>
-              <a:ext uri="{FF2B5EF4-FFF2-40B4-BE49-F238E27FC236}">
-                <a16:creationId xmlns:a16="http://schemas.microsoft.com/office/drawing/2014/main" id="{F07FC580-E2AB-4C55-8C95-D5E077A1D127}"/>
-              </a:ext>
-            </a:extLst>
-          </p:cNvPr>
-          <p:cNvSpPr txBox="1">
-            <a:spLocks/>
-          </p:cNvSpPr>
-          <p:nvPr/>
-        </p:nvSpPr>
-        <p:spPr>
-          <a:xfrm>
-            <a:off x="261764" y="188640"/>
-            <a:ext cx="11292008" cy="711081"/>
-          </a:xfrm>
-          <a:prstGeom prst="rect">
-            <a:avLst/>
-          </a:prstGeom>
-        </p:spPr>
-        <p:txBody>
-          <a:bodyPr/>
-          <a:lstStyle>
-            <a:lvl1pPr algn="l" defTabSz="914400" rtl="0" eaLnBrk="1" latinLnBrk="0" hangingPunct="1">
-              <a:lnSpc>
-                <a:spcPct val="90000"/>
-              </a:lnSpc>
-              <a:spcBef>
-                <a:spcPct val="0"/>
-              </a:spcBef>
-              <a:buNone/>
-              <a:defRPr sz="4400" kern="1200">
-                <a:solidFill>
-                  <a:schemeClr val="tx1"/>
-                </a:solidFill>
-                <a:latin typeface="+mj-lt"/>
-                <a:ea typeface="+mj-ea"/>
-                <a:cs typeface="+mj-cs"/>
-              </a:defRPr>
-            </a:lvl1pPr>
-          </a:lstStyle>
-          <a:p>
-            <a:endParaRPr lang="en-US" b="1" dirty="0"/>
-          </a:p>
-        </p:txBody>
-      </p:sp>
-      <p:sp>
-        <p:nvSpPr>
-          <p:cNvPr id="7" name="TextBox 6">
-            <a:extLst>
-              <a:ext uri="{FF2B5EF4-FFF2-40B4-BE49-F238E27FC236}">
-                <a16:creationId xmlns:a16="http://schemas.microsoft.com/office/drawing/2014/main" id="{17EB74BE-8011-4153-8F37-3BEF9C1F4CC0}"/>
-              </a:ext>
-            </a:extLst>
-          </p:cNvPr>
-          <p:cNvSpPr txBox="1"/>
-          <p:nvPr/>
-        </p:nvSpPr>
-        <p:spPr>
-          <a:xfrm>
-            <a:off x="3207328" y="2498209"/>
-            <a:ext cx="6174508" cy="1323439"/>
-          </a:xfrm>
-          <a:prstGeom prst="rect">
-            <a:avLst/>
-          </a:prstGeom>
-          <a:noFill/>
-        </p:spPr>
-        <p:txBody>
-          <a:bodyPr wrap="square">
-            <a:spAutoFit/>
-          </a:bodyPr>
-          <a:lstStyle/>
-          <a:p>
-            <a:r>
-              <a:rPr lang="en-US" sz="8000" b="1" dirty="0"/>
-              <a:t>End of Day 10</a:t>
-            </a:r>
-          </a:p>
-        </p:txBody>
-      </p:sp>
-    </p:spTree>
-    <p:extLst>
-      <p:ext uri="{BB962C8B-B14F-4D97-AF65-F5344CB8AC3E}">
-        <p14:creationId xmlns:p14="http://schemas.microsoft.com/office/powerpoint/2010/main" val="3867772902"/>
-      </p:ext>
-    </p:extLst>
-  </p:cSld>
-  <p:clrMapOvr>
-    <a:masterClrMapping/>
-  </p:clrMapOvr>
-</p:sld>
-</file>
-
-<file path=ppt/slides/slide11.xml><?xml version="1.0" encoding="utf-8"?>
-<p:sld xmlns:a="http://schemas.openxmlformats.org/drawingml/2006/main" xmlns:r="http://schemas.openxmlformats.org/officeDocument/2006/relationships" xmlns:p="http://schemas.openxmlformats.org/presentationml/2006/main">
-  <p:cSld>
-    <p:spTree>
-      <p:nvGrpSpPr>
-        <p:cNvPr id="1" name=""/>
-        <p:cNvGrpSpPr/>
-        <p:nvPr/>
-      </p:nvGrpSpPr>
-      <p:grpSpPr>
-        <a:xfrm>
-          <a:off x="0" y="0"/>
-          <a:ext cx="0" cy="0"/>
-          <a:chOff x="0" y="0"/>
-          <a:chExt cx="0" cy="0"/>
-        </a:xfrm>
-      </p:grpSpPr>
-      <p:sp>
-        <p:nvSpPr>
-          <p:cNvPr id="2" name="Title 1">
-            <a:extLst>
-              <a:ext uri="{FF2B5EF4-FFF2-40B4-BE49-F238E27FC236}">
-                <a16:creationId xmlns:a16="http://schemas.microsoft.com/office/drawing/2014/main" id="{29CB9E00-0397-4178-9E57-32DC82D3A8F7}"/>
-              </a:ext>
-            </a:extLst>
-          </p:cNvPr>
-          <p:cNvSpPr>
-            <a:spLocks noGrp="1"/>
-          </p:cNvSpPr>
-          <p:nvPr>
-            <p:ph type="title"/>
-          </p:nvPr>
-        </p:nvSpPr>
-        <p:spPr/>
-        <p:txBody>
-          <a:bodyPr/>
-          <a:lstStyle/>
-          <a:p>
-            <a:endParaRPr lang="en-US"/>
-          </a:p>
-        </p:txBody>
-      </p:sp>
-      <p:sp>
-        <p:nvSpPr>
-          <p:cNvPr id="3" name="Content Placeholder 2">
-            <a:extLst>
-              <a:ext uri="{FF2B5EF4-FFF2-40B4-BE49-F238E27FC236}">
-                <a16:creationId xmlns:a16="http://schemas.microsoft.com/office/drawing/2014/main" id="{73A078A5-4F35-4958-8384-CBBBD3DED2C3}"/>
-              </a:ext>
-            </a:extLst>
-          </p:cNvPr>
-          <p:cNvSpPr>
-            <a:spLocks noGrp="1"/>
-          </p:cNvSpPr>
-          <p:nvPr>
-            <p:ph sz="quarter" idx="13"/>
-          </p:nvPr>
-        </p:nvSpPr>
-        <p:spPr/>
-        <p:txBody>
-          <a:bodyPr/>
-          <a:lstStyle/>
-          <a:p>
-            <a:endParaRPr lang="en-US"/>
-          </a:p>
-        </p:txBody>
-      </p:sp>
-    </p:spTree>
-    <p:extLst>
-      <p:ext uri="{BB962C8B-B14F-4D97-AF65-F5344CB8AC3E}">
-        <p14:creationId xmlns:p14="http://schemas.microsoft.com/office/powerpoint/2010/main" val="3265325021"/>
-      </p:ext>
-    </p:extLst>
-  </p:cSld>
-  <p:clrMapOvr>
-    <a:masterClrMapping/>
-  </p:clrMapOvr>
-</p:sld>
-</file>
-
-<file path=ppt/slides/slide12.xml><?xml version="1.0" encoding="utf-8"?>
-<p:sld xmlns:a="http://schemas.openxmlformats.org/drawingml/2006/main" xmlns:r="http://schemas.openxmlformats.org/officeDocument/2006/relationships" xmlns:p="http://schemas.openxmlformats.org/presentationml/2006/main">
-  <p:cSld>
-    <p:spTree>
-      <p:nvGrpSpPr>
-        <p:cNvPr id="1" name=""/>
-        <p:cNvGrpSpPr/>
-        <p:nvPr/>
-      </p:nvGrpSpPr>
-      <p:grpSpPr>
-        <a:xfrm>
-          <a:off x="0" y="0"/>
-          <a:ext cx="0" cy="0"/>
-          <a:chOff x="0" y="0"/>
-          <a:chExt cx="0" cy="0"/>
-        </a:xfrm>
-      </p:grpSpPr>
-      <p:pic>
-        <p:nvPicPr>
-          <p:cNvPr id="1028" name="Picture 4" descr="Free Vector | Flat people with question marks background">
-            <a:extLst>
-              <a:ext uri="{FF2B5EF4-FFF2-40B4-BE49-F238E27FC236}">
-                <a16:creationId xmlns:a16="http://schemas.microsoft.com/office/drawing/2014/main" id="{E158EC70-4769-4E41-A278-C90EC4E480C7}"/>
-              </a:ext>
-            </a:extLst>
-          </p:cNvPr>
-          <p:cNvPicPr>
-            <a:picLocks noChangeAspect="1" noChangeArrowheads="1"/>
-          </p:cNvPicPr>
-          <p:nvPr/>
-        </p:nvPicPr>
-        <p:blipFill rotWithShape="1">
-          <a:blip r:embed="rId2">
-            <a:extLst>
-              <a:ext uri="{28A0092B-C50C-407E-A947-70E740481C1C}">
-                <a14:useLocalDpi xmlns:a14="http://schemas.microsoft.com/office/drawing/2010/main" val="0"/>
-              </a:ext>
-            </a:extLst>
-          </a:blip>
-          <a:srcRect t="1" b="22246"/>
-          <a:stretch/>
-        </p:blipFill>
-        <p:spPr bwMode="auto">
-          <a:xfrm>
-            <a:off x="1848418" y="639706"/>
-            <a:ext cx="7599507" cy="5908876"/>
-          </a:xfrm>
-          <a:prstGeom prst="rect">
-            <a:avLst/>
-          </a:prstGeom>
-          <a:noFill/>
-          <a:extLst>
-            <a:ext uri="{909E8E84-426E-40DD-AFC4-6F175D3DCCD1}">
-              <a14:hiddenFill xmlns:a14="http://schemas.microsoft.com/office/drawing/2010/main">
-                <a:solidFill>
-                  <a:srgbClr val="FFFFFF"/>
-                </a:solidFill>
-              </a14:hiddenFill>
-            </a:ext>
-          </a:extLst>
-        </p:spPr>
-      </p:pic>
-      <p:sp>
-        <p:nvSpPr>
-          <p:cNvPr id="2" name="TextBox 1">
-            <a:extLst>
-              <a:ext uri="{FF2B5EF4-FFF2-40B4-BE49-F238E27FC236}">
-                <a16:creationId xmlns:a16="http://schemas.microsoft.com/office/drawing/2014/main" id="{994C3DB2-D47E-4B94-804B-87AF1FDEF86E}"/>
-              </a:ext>
-            </a:extLst>
-          </p:cNvPr>
-          <p:cNvSpPr txBox="1"/>
-          <p:nvPr/>
-        </p:nvSpPr>
-        <p:spPr>
-          <a:xfrm>
-            <a:off x="4535055" y="1052946"/>
-            <a:ext cx="5588000" cy="769441"/>
-          </a:xfrm>
-          <a:prstGeom prst="rect">
-            <a:avLst/>
-          </a:prstGeom>
-          <a:noFill/>
-        </p:spPr>
-        <p:txBody>
-          <a:bodyPr wrap="square" rtlCol="0">
-            <a:spAutoFit/>
-          </a:bodyPr>
-          <a:lstStyle/>
-          <a:p>
-            <a:r>
-              <a:rPr lang="en-US" sz="4400" b="1" dirty="0"/>
-              <a:t>Questions</a:t>
-            </a:r>
-          </a:p>
-        </p:txBody>
-      </p:sp>
-    </p:spTree>
-    <p:extLst>
-      <p:ext uri="{BB962C8B-B14F-4D97-AF65-F5344CB8AC3E}">
-        <p14:creationId xmlns:p14="http://schemas.microsoft.com/office/powerpoint/2010/main" val="1308118299"/>
-      </p:ext>
-    </p:extLst>
-  </p:cSld>
-  <p:clrMapOvr>
-    <a:masterClrMapping/>
-  </p:clrMapOvr>
-</p:sld>
-</file>
-
-<file path=ppt/slides/slide13.xml><?xml version="1.0" encoding="utf-8"?>
-<p:sld xmlns:a="http://schemas.openxmlformats.org/drawingml/2006/main" xmlns:r="http://schemas.openxmlformats.org/officeDocument/2006/relationships" xmlns:p="http://schemas.openxmlformats.org/presentationml/2006/main">
-  <p:cSld>
-    <p:bg>
-      <p:bgPr>
-        <a:solidFill>
-          <a:schemeClr val="bg1">
-            <a:lumMod val="95000"/>
-          </a:schemeClr>
-        </a:solidFill>
-        <a:effectLst/>
-      </p:bgPr>
-    </p:bg>
-    <p:spTree>
-      <p:nvGrpSpPr>
-        <p:cNvPr id="1" name=""/>
-        <p:cNvGrpSpPr/>
-        <p:nvPr/>
-      </p:nvGrpSpPr>
-      <p:grpSpPr>
-        <a:xfrm>
-          <a:off x="0" y="0"/>
-          <a:ext cx="0" cy="0"/>
-          <a:chOff x="0" y="0"/>
-          <a:chExt cx="0" cy="0"/>
-        </a:xfrm>
-      </p:grpSpPr>
-      <p:pic>
-        <p:nvPicPr>
-          <p:cNvPr id="2052" name="Picture 4" descr="Ski Jumping Arena - Free Presentation Templates">
-            <a:extLst>
-              <a:ext uri="{FF2B5EF4-FFF2-40B4-BE49-F238E27FC236}">
-                <a16:creationId xmlns:a16="http://schemas.microsoft.com/office/drawing/2014/main" id="{B0D7E6A1-F72A-4F69-B4FB-A4ED7A0C6CED}"/>
-              </a:ext>
-            </a:extLst>
-          </p:cNvPr>
-          <p:cNvPicPr>
-            <a:picLocks noChangeAspect="1" noChangeArrowheads="1"/>
-          </p:cNvPicPr>
-          <p:nvPr/>
-        </p:nvPicPr>
-        <p:blipFill rotWithShape="1">
-          <a:blip r:embed="rId3">
-            <a:extLst>
-              <a:ext uri="{28A0092B-C50C-407E-A947-70E740481C1C}">
-                <a14:useLocalDpi xmlns:a14="http://schemas.microsoft.com/office/drawing/2010/main" val="0"/>
-              </a:ext>
-            </a:extLst>
-          </a:blip>
-          <a:srcRect r="2246" b="2246"/>
-          <a:stretch/>
-        </p:blipFill>
-        <p:spPr bwMode="auto">
-          <a:xfrm>
-            <a:off x="0" y="0"/>
-            <a:ext cx="12192000" cy="6858000"/>
-          </a:xfrm>
-          <a:prstGeom prst="rect">
-            <a:avLst/>
-          </a:prstGeom>
-          <a:noFill/>
-          <a:extLst>
-            <a:ext uri="{909E8E84-426E-40DD-AFC4-6F175D3DCCD1}">
-              <a14:hiddenFill xmlns:a14="http://schemas.microsoft.com/office/drawing/2010/main">
-                <a:solidFill>
-                  <a:srgbClr val="FFFFFF"/>
-                </a:solidFill>
-              </a14:hiddenFill>
-            </a:ext>
-          </a:extLst>
-        </p:spPr>
-      </p:pic>
-      <p:sp>
-        <p:nvSpPr>
-          <p:cNvPr id="5" name="TextBox 4"/>
-          <p:cNvSpPr txBox="1"/>
-          <p:nvPr/>
-        </p:nvSpPr>
-        <p:spPr>
-          <a:xfrm>
-            <a:off x="1910833" y="3429000"/>
-            <a:ext cx="6629399" cy="1200329"/>
-          </a:xfrm>
-          <a:prstGeom prst="rect">
-            <a:avLst/>
-          </a:prstGeom>
-          <a:noFill/>
-        </p:spPr>
-        <p:txBody>
-          <a:bodyPr wrap="square" rtlCol="0">
-            <a:spAutoFit/>
-          </a:bodyPr>
-          <a:lstStyle/>
-          <a:p>
-            <a:pPr marL="0" marR="0" lvl="0" indent="0" algn="l" defTabSz="914400" rtl="0" eaLnBrk="1" fontAlgn="auto" latinLnBrk="0" hangingPunct="1">
-              <a:lnSpc>
-                <a:spcPct val="100000"/>
-              </a:lnSpc>
-              <a:spcBef>
-                <a:spcPts val="0"/>
-              </a:spcBef>
-              <a:spcAft>
-                <a:spcPts val="0"/>
-              </a:spcAft>
-              <a:buClrTx/>
-              <a:buSzTx/>
-              <a:buFontTx/>
-              <a:buNone/>
-              <a:tabLst/>
-              <a:defRPr/>
-            </a:pPr>
-            <a:r>
-              <a:rPr kumimoji="0" lang="en-US" sz="3600" b="0" i="0" u="none" strike="noStrike" kern="1200" cap="none" spc="-150" normalizeH="0" baseline="0" noProof="0" dirty="0">
-                <a:ln>
-                  <a:noFill/>
-                </a:ln>
-                <a:solidFill>
-                  <a:prstClr val="white"/>
-                </a:solidFill>
-                <a:effectLst/>
-                <a:uLnTx/>
-                <a:uFillTx/>
-                <a:latin typeface="Calibri" panose="020F0502020204030204"/>
-                <a:ea typeface="+mn-ea"/>
-                <a:cs typeface="+mn-cs"/>
-              </a:rPr>
-              <a:t>Anubhav </a:t>
-            </a:r>
-            <a:r>
-              <a:rPr kumimoji="0" lang="en-US" sz="3600" b="0" i="0" u="none" strike="noStrike" kern="1200" cap="none" spc="-150" normalizeH="0" baseline="0" noProof="0" dirty="0" err="1">
-                <a:ln>
-                  <a:noFill/>
-                </a:ln>
-                <a:solidFill>
-                  <a:prstClr val="white"/>
-                </a:solidFill>
-                <a:effectLst/>
-                <a:uLnTx/>
-                <a:uFillTx/>
-                <a:latin typeface="Calibri" panose="020F0502020204030204"/>
-                <a:ea typeface="+mn-ea"/>
-                <a:cs typeface="+mn-cs"/>
-              </a:rPr>
-              <a:t>Oberoy</a:t>
-            </a:r>
-            <a:endParaRPr kumimoji="0" lang="en-US" sz="3600" b="0" i="0" u="none" strike="noStrike" kern="1200" cap="none" spc="-150" normalizeH="0" baseline="0" noProof="0" dirty="0">
-              <a:ln>
-                <a:noFill/>
-              </a:ln>
-              <a:solidFill>
-                <a:prstClr val="white"/>
-              </a:solidFill>
-              <a:effectLst/>
-              <a:uLnTx/>
-              <a:uFillTx/>
-              <a:latin typeface="Calibri" panose="020F0502020204030204"/>
-              <a:ea typeface="+mn-ea"/>
-              <a:cs typeface="+mn-cs"/>
-            </a:endParaRPr>
-          </a:p>
-          <a:p>
-            <a:pPr marL="0" marR="0" lvl="0" indent="0" algn="l" defTabSz="914400" rtl="0" eaLnBrk="1" fontAlgn="auto" latinLnBrk="0" hangingPunct="1">
-              <a:lnSpc>
-                <a:spcPct val="100000"/>
-              </a:lnSpc>
-              <a:spcBef>
-                <a:spcPts val="0"/>
-              </a:spcBef>
-              <a:spcAft>
-                <a:spcPts val="0"/>
-              </a:spcAft>
-              <a:buClrTx/>
-              <a:buSzTx/>
-              <a:buFontTx/>
-              <a:buNone/>
-              <a:tabLst/>
-              <a:defRPr/>
-            </a:pPr>
-            <a:r>
-              <a:rPr lang="en-US" sz="3600" spc="-150" dirty="0">
-                <a:solidFill>
-                  <a:prstClr val="white"/>
-                </a:solidFill>
-                <a:latin typeface="Calibri" panose="020F0502020204030204"/>
-              </a:rPr>
-              <a:t>anubhav.abap@gmail.com</a:t>
-            </a:r>
-            <a:endParaRPr kumimoji="0" lang="en-US" sz="3600" b="0" i="0" u="none" strike="noStrike" kern="1200" cap="none" spc="-150" normalizeH="0" baseline="0" noProof="0" dirty="0">
-              <a:ln>
-                <a:noFill/>
-              </a:ln>
-              <a:solidFill>
-                <a:prstClr val="white"/>
-              </a:solidFill>
-              <a:effectLst/>
-              <a:uLnTx/>
-              <a:uFillTx/>
-              <a:latin typeface="Calibri" panose="020F0502020204030204"/>
-              <a:ea typeface="+mn-ea"/>
-              <a:cs typeface="+mn-cs"/>
-            </a:endParaRPr>
-          </a:p>
-        </p:txBody>
-      </p:sp>
-    </p:spTree>
-    <p:extLst>
-      <p:ext uri="{BB962C8B-B14F-4D97-AF65-F5344CB8AC3E}">
-        <p14:creationId xmlns:p14="http://schemas.microsoft.com/office/powerpoint/2010/main" val="132008300"/>
-      </p:ext>
-    </p:extLst>
-  </p:cSld>
-  <p:clrMapOvr>
-    <a:masterClrMapping/>
-  </p:clrMapOvr>
-  <mc:AlternateContent xmlns:mc="http://schemas.openxmlformats.org/markup-compatibility/2006" xmlns:p14="http://schemas.microsoft.com/office/powerpoint/2010/main">
-    <mc:Choice Requires="p14">
-      <p:transition spd="med" p14:dur="700">
-        <p:fade/>
-      </p:transition>
-    </mc:Choice>
-    <mc:Fallback xmlns="">
-      <p:transition spd="med">
-        <p:fade/>
-      </p:transition>
-    </mc:Fallback>
-  </mc:AlternateContent>
-</p:sld>
-</file>
-
-<file path=ppt/slides/slide2.xml><?xml version="1.0" encoding="utf-8"?>
-<p:sld xmlns:a="http://schemas.openxmlformats.org/drawingml/2006/main" xmlns:r="http://schemas.openxmlformats.org/officeDocument/2006/relationships" xmlns:p="http://schemas.openxmlformats.org/presentationml/2006/main">
-  <p:cSld>
-    <p:spTree>
-      <p:nvGrpSpPr>
-        <p:cNvPr id="1" name=""/>
-        <p:cNvGrpSpPr/>
-        <p:nvPr/>
-      </p:nvGrpSpPr>
-      <p:grpSpPr>
-        <a:xfrm>
-          <a:off x="0" y="0"/>
-          <a:ext cx="0" cy="0"/>
-          <a:chOff x="0" y="0"/>
-          <a:chExt cx="0" cy="0"/>
-        </a:xfrm>
-      </p:grpSpPr>
-      <p:sp>
-        <p:nvSpPr>
-          <p:cNvPr id="2" name="Title 3">
-            <a:extLst>
-              <a:ext uri="{FF2B5EF4-FFF2-40B4-BE49-F238E27FC236}">
-                <a16:creationId xmlns:a16="http://schemas.microsoft.com/office/drawing/2014/main" id="{F07FC580-E2AB-4C55-8C95-D5E077A1D127}"/>
-              </a:ext>
-            </a:extLst>
-          </p:cNvPr>
-          <p:cNvSpPr txBox="1">
-            <a:spLocks/>
-          </p:cNvSpPr>
-          <p:nvPr/>
-        </p:nvSpPr>
-        <p:spPr>
-          <a:xfrm>
-            <a:off x="261764" y="188640"/>
-            <a:ext cx="11292008" cy="711081"/>
-          </a:xfrm>
-          <a:prstGeom prst="rect">
-            <a:avLst/>
-          </a:prstGeom>
-        </p:spPr>
-        <p:txBody>
-          <a:bodyPr/>
-          <a:lstStyle>
-            <a:lvl1pPr algn="l" defTabSz="914400" rtl="0" eaLnBrk="1" latinLnBrk="0" hangingPunct="1">
-              <a:lnSpc>
-                <a:spcPct val="90000"/>
-              </a:lnSpc>
-              <a:spcBef>
-                <a:spcPct val="0"/>
-              </a:spcBef>
-              <a:buNone/>
-              <a:defRPr sz="4400" kern="1200">
-                <a:solidFill>
-                  <a:schemeClr val="tx1"/>
-                </a:solidFill>
-                <a:latin typeface="+mj-lt"/>
-                <a:ea typeface="+mj-ea"/>
-                <a:cs typeface="+mj-cs"/>
-              </a:defRPr>
-            </a:lvl1pPr>
-          </a:lstStyle>
-          <a:p>
-            <a:pPr marL="0" marR="0" lvl="0" indent="0" algn="l" defTabSz="914400" rtl="0" eaLnBrk="1" fontAlgn="auto" latinLnBrk="0" hangingPunct="1">
-              <a:lnSpc>
-                <a:spcPct val="90000"/>
-              </a:lnSpc>
-              <a:spcBef>
-                <a:spcPct val="0"/>
-              </a:spcBef>
-              <a:spcAft>
-                <a:spcPts val="0"/>
-              </a:spcAft>
-              <a:buClrTx/>
-              <a:buSzTx/>
-              <a:buFontTx/>
-              <a:buNone/>
-              <a:tabLst/>
-              <a:defRPr/>
-            </a:pPr>
-            <a:r>
-              <a:rPr kumimoji="0" lang="en-US" sz="4400" b="1" i="0" u="none" strike="noStrike" kern="1200" cap="none" spc="0" normalizeH="0" baseline="0" noProof="0" dirty="0">
-                <a:ln>
-                  <a:noFill/>
-                </a:ln>
-                <a:solidFill>
-                  <a:prstClr val="black"/>
-                </a:solidFill>
-                <a:effectLst/>
-                <a:uLnTx/>
-                <a:uFillTx/>
-                <a:latin typeface="Calibri Light" panose="020F0302020204030204"/>
-                <a:ea typeface="+mj-ea"/>
-                <a:cs typeface="+mj-cs"/>
-              </a:rPr>
-              <a:t>Agenda – Day 10</a:t>
-            </a:r>
-          </a:p>
-        </p:txBody>
-      </p:sp>
-      <p:sp>
-        <p:nvSpPr>
-          <p:cNvPr id="4" name="Footer Placeholder 45">
-            <a:extLst>
-              <a:ext uri="{FF2B5EF4-FFF2-40B4-BE49-F238E27FC236}">
-                <a16:creationId xmlns:a16="http://schemas.microsoft.com/office/drawing/2014/main" id="{90E33047-DFF5-4690-8905-31E4C115EFDC}"/>
-              </a:ext>
-            </a:extLst>
-          </p:cNvPr>
-          <p:cNvSpPr>
-            <a:spLocks noGrp="1"/>
-          </p:cNvSpPr>
-          <p:nvPr>
-            <p:ph type="ftr" sz="quarter" idx="11"/>
-          </p:nvPr>
-        </p:nvSpPr>
-        <p:spPr>
-          <a:xfrm>
-            <a:off x="10123055" y="6548582"/>
-            <a:ext cx="2225295" cy="203620"/>
-          </a:xfrm>
-        </p:spPr>
-        <p:txBody>
-          <a:bodyPr/>
-          <a:lstStyle/>
-          <a:p>
-            <a:pPr marL="0" marR="0" lvl="0" indent="0" algn="ctr" defTabSz="914400" rtl="0" eaLnBrk="1" fontAlgn="auto" latinLnBrk="0" hangingPunct="1">
-              <a:lnSpc>
-                <a:spcPct val="100000"/>
-              </a:lnSpc>
-              <a:spcBef>
-                <a:spcPts val="0"/>
-              </a:spcBef>
-              <a:spcAft>
-                <a:spcPts val="0"/>
-              </a:spcAft>
-              <a:buClrTx/>
-              <a:buSzTx/>
-              <a:buFontTx/>
-              <a:buNone/>
-              <a:tabLst/>
-              <a:defRPr/>
-            </a:pPr>
-            <a:r>
-              <a:rPr kumimoji="0" lang="en-US" sz="1200" b="1" i="0" u="none" strike="noStrike" kern="1200" cap="none" spc="0" normalizeH="0" baseline="0" noProof="0" dirty="0">
-                <a:ln>
-                  <a:noFill/>
-                </a:ln>
-                <a:solidFill>
-                  <a:prstClr val="black"/>
-                </a:solidFill>
-                <a:effectLst/>
-                <a:uLnTx/>
-                <a:uFillTx/>
-                <a:latin typeface="Calibri" panose="020F0502020204030204"/>
-                <a:ea typeface="+mn-ea"/>
-                <a:cs typeface="+mn-cs"/>
-              </a:rPr>
-              <a:t>Anubhav trainings</a:t>
-            </a:r>
-          </a:p>
-        </p:txBody>
-      </p:sp>
-      <p:sp>
-        <p:nvSpPr>
-          <p:cNvPr id="5" name="TextBox 4">
-            <a:extLst>
-              <a:ext uri="{FF2B5EF4-FFF2-40B4-BE49-F238E27FC236}">
-                <a16:creationId xmlns:a16="http://schemas.microsoft.com/office/drawing/2014/main" id="{27E5B41D-1DDF-48C9-A5AF-075F84492B68}"/>
-              </a:ext>
-            </a:extLst>
-          </p:cNvPr>
-          <p:cNvSpPr txBox="1"/>
-          <p:nvPr/>
-        </p:nvSpPr>
-        <p:spPr>
-          <a:xfrm>
-            <a:off x="247878" y="982353"/>
-            <a:ext cx="11696243" cy="5262979"/>
-          </a:xfrm>
-          <a:prstGeom prst="rect">
-            <a:avLst/>
-          </a:prstGeom>
-          <a:noFill/>
-        </p:spPr>
-        <p:txBody>
-          <a:bodyPr wrap="square" rtlCol="0">
-            <a:spAutoFit/>
-          </a:bodyPr>
-          <a:lstStyle/>
-          <a:p>
-            <a:pPr marL="0" marR="0" lvl="0" indent="0" algn="l" defTabSz="914400" rtl="0" eaLnBrk="1" fontAlgn="auto" latinLnBrk="0" hangingPunct="1">
-              <a:lnSpc>
-                <a:spcPct val="100000"/>
-              </a:lnSpc>
-              <a:spcBef>
-                <a:spcPts val="0"/>
-              </a:spcBef>
-              <a:spcAft>
-                <a:spcPts val="0"/>
-              </a:spcAft>
-              <a:buClrTx/>
-              <a:buSzTx/>
-              <a:buFontTx/>
-              <a:buNone/>
-              <a:tabLst/>
-              <a:defRPr/>
-            </a:pPr>
-            <a:r>
-              <a:rPr kumimoji="0" lang="en-US" sz="1600" b="1" i="0" u="none" strike="noStrike" kern="1200" cap="none" spc="0" normalizeH="0" baseline="0" noProof="0" dirty="0">
-                <a:ln>
-                  <a:noFill/>
-                </a:ln>
-                <a:solidFill>
-                  <a:prstClr val="black"/>
-                </a:solidFill>
-                <a:effectLst/>
-                <a:uLnTx/>
-                <a:uFillTx/>
-                <a:latin typeface="Calibri" panose="020F0502020204030204"/>
-                <a:ea typeface="+mn-ea"/>
-                <a:cs typeface="+mn-cs"/>
-              </a:rPr>
-              <a:t>Working with Geo maps and Account Dimension</a:t>
-            </a:r>
-          </a:p>
-          <a:p>
-            <a:pPr marL="0" marR="0" lvl="0" indent="0" algn="l" defTabSz="914400" rtl="0" eaLnBrk="1" fontAlgn="auto" latinLnBrk="0" hangingPunct="1">
-              <a:lnSpc>
-                <a:spcPct val="100000"/>
-              </a:lnSpc>
-              <a:spcBef>
-                <a:spcPts val="0"/>
-              </a:spcBef>
-              <a:spcAft>
-                <a:spcPts val="0"/>
-              </a:spcAft>
-              <a:buClrTx/>
-              <a:buSzTx/>
-              <a:buFontTx/>
-              <a:buNone/>
-              <a:tabLst/>
-              <a:defRPr/>
-            </a:pPr>
-            <a:r>
-              <a:rPr kumimoji="0" lang="en-US" sz="1600" b="0" i="0" u="none" strike="noStrike" kern="1200" cap="none" spc="0" normalizeH="0" baseline="0" noProof="0" dirty="0">
-                <a:ln>
-                  <a:noFill/>
-                </a:ln>
-                <a:solidFill>
-                  <a:prstClr val="black"/>
-                </a:solidFill>
-                <a:effectLst/>
-                <a:uLnTx/>
-                <a:uFillTx/>
-                <a:latin typeface="Calibri" panose="020F0502020204030204"/>
-                <a:ea typeface="+mn-ea"/>
-                <a:cs typeface="+mn-cs"/>
-              </a:rPr>
-              <a:t>	- Understanding Exception Aggregation</a:t>
-            </a:r>
-          </a:p>
-          <a:p>
-            <a:pPr>
-              <a:defRPr/>
-            </a:pPr>
-            <a:r>
-              <a:rPr lang="en-US" sz="1600" dirty="0">
-                <a:solidFill>
-                  <a:prstClr val="black"/>
-                </a:solidFill>
-                <a:latin typeface="Calibri" panose="020F0502020204030204"/>
-              </a:rPr>
-              <a:t>	</a:t>
-            </a:r>
-            <a:r>
-              <a:rPr kumimoji="0" lang="en-US" sz="1600" b="0" i="0" u="none" strike="noStrike" kern="1200" cap="none" spc="0" normalizeH="0" baseline="0" noProof="0" dirty="0">
-                <a:ln>
-                  <a:noFill/>
-                </a:ln>
-                <a:solidFill>
-                  <a:prstClr val="black"/>
-                </a:solidFill>
-                <a:effectLst/>
-                <a:uLnTx/>
-                <a:uFillTx/>
-                <a:latin typeface="Calibri" panose="020F0502020204030204"/>
-                <a:ea typeface="+mn-ea"/>
-                <a:cs typeface="+mn-cs"/>
-              </a:rPr>
-              <a:t>- Working with GEO Maps</a:t>
-            </a:r>
-          </a:p>
-          <a:p>
-            <a:pPr>
-              <a:defRPr/>
-            </a:pPr>
-            <a:r>
-              <a:rPr lang="en-US" sz="1600" dirty="0">
-                <a:solidFill>
-                  <a:prstClr val="black"/>
-                </a:solidFill>
-                <a:latin typeface="Calibri" panose="020F0502020204030204"/>
-              </a:rPr>
-              <a:t>	</a:t>
-            </a:r>
-            <a:r>
-              <a:rPr kumimoji="0" lang="en-US" sz="1600" b="0" i="0" u="none" strike="noStrike" kern="1200" cap="none" spc="0" normalizeH="0" baseline="0" noProof="0" dirty="0">
-                <a:ln>
-                  <a:noFill/>
-                </a:ln>
-                <a:solidFill>
-                  <a:prstClr val="black"/>
-                </a:solidFill>
-                <a:effectLst/>
-                <a:uLnTx/>
-                <a:uFillTx/>
-                <a:latin typeface="Calibri" panose="020F0502020204030204"/>
-                <a:ea typeface="+mn-ea"/>
-                <a:cs typeface="+mn-cs"/>
-              </a:rPr>
-              <a:t>- Point of interest Layer using Direct file</a:t>
-            </a:r>
-          </a:p>
-          <a:p>
-            <a:pPr>
-              <a:defRPr/>
-            </a:pPr>
-            <a:r>
-              <a:rPr lang="en-US" sz="1600" dirty="0">
-                <a:solidFill>
-                  <a:prstClr val="black"/>
-                </a:solidFill>
-                <a:latin typeface="Calibri" panose="020F0502020204030204"/>
-              </a:rPr>
-              <a:t>	</a:t>
-            </a:r>
-            <a:r>
-              <a:rPr kumimoji="0" lang="en-US" sz="1600" b="0" i="0" u="none" strike="noStrike" kern="1200" cap="none" spc="0" normalizeH="0" baseline="0" noProof="0" dirty="0">
-                <a:ln>
-                  <a:noFill/>
-                </a:ln>
-                <a:solidFill>
-                  <a:prstClr val="black"/>
-                </a:solidFill>
-                <a:effectLst/>
-                <a:uLnTx/>
-                <a:uFillTx/>
-                <a:latin typeface="Calibri" panose="020F0502020204030204"/>
-                <a:ea typeface="+mn-ea"/>
-                <a:cs typeface="+mn-cs"/>
-              </a:rPr>
-              <a:t>- POI using shape file</a:t>
-            </a:r>
-          </a:p>
-          <a:p>
-            <a:pPr>
-              <a:defRPr/>
-            </a:pPr>
-            <a:r>
-              <a:rPr lang="en-US" sz="1600" dirty="0">
-                <a:solidFill>
-                  <a:prstClr val="black"/>
-                </a:solidFill>
-                <a:latin typeface="Calibri" panose="020F0502020204030204"/>
-              </a:rPr>
-              <a:t>	</a:t>
-            </a:r>
-            <a:r>
-              <a:rPr kumimoji="0" lang="en-US" sz="1600" b="0" i="0" u="none" strike="noStrike" kern="1200" cap="none" spc="0" normalizeH="0" baseline="0" noProof="0" dirty="0">
-                <a:ln>
-                  <a:noFill/>
-                </a:ln>
-                <a:solidFill>
-                  <a:prstClr val="black"/>
-                </a:solidFill>
-                <a:effectLst/>
-                <a:uLnTx/>
-                <a:uFillTx/>
-                <a:latin typeface="Calibri" panose="020F0502020204030204"/>
-                <a:ea typeface="+mn-ea"/>
-                <a:cs typeface="+mn-cs"/>
-              </a:rPr>
-              <a:t>- POI using data model</a:t>
-            </a:r>
-          </a:p>
-          <a:p>
-            <a:pPr>
-              <a:defRPr/>
-            </a:pPr>
-            <a:r>
-              <a:rPr lang="en-US" sz="1600" dirty="0">
-                <a:solidFill>
-                  <a:prstClr val="black"/>
-                </a:solidFill>
-                <a:latin typeface="Calibri" panose="020F0502020204030204"/>
-              </a:rPr>
-              <a:t>	</a:t>
-            </a:r>
-            <a:r>
-              <a:rPr kumimoji="0" lang="en-US" sz="1600" b="0" i="0" u="none" strike="noStrike" kern="1200" cap="none" spc="0" normalizeH="0" baseline="0" noProof="0" dirty="0">
-                <a:ln>
-                  <a:noFill/>
-                </a:ln>
-                <a:solidFill>
-                  <a:prstClr val="black"/>
-                </a:solidFill>
-                <a:effectLst/>
-                <a:uLnTx/>
-                <a:uFillTx/>
-                <a:latin typeface="Calibri" panose="020F0502020204030204"/>
-                <a:ea typeface="+mn-ea"/>
-                <a:cs typeface="+mn-cs"/>
-              </a:rPr>
-              <a:t>- Introduction to advance scenario</a:t>
-            </a:r>
-          </a:p>
-          <a:p>
-            <a:pPr marL="0" marR="0" lvl="0" indent="0" algn="l" defTabSz="914400" rtl="0" eaLnBrk="1" fontAlgn="auto" latinLnBrk="0" hangingPunct="1">
-              <a:lnSpc>
-                <a:spcPct val="100000"/>
-              </a:lnSpc>
-              <a:spcBef>
-                <a:spcPts val="0"/>
-              </a:spcBef>
-              <a:spcAft>
-                <a:spcPts val="0"/>
-              </a:spcAft>
-              <a:buClrTx/>
-              <a:buSzTx/>
-              <a:buFontTx/>
-              <a:buNone/>
-              <a:tabLst/>
-              <a:defRPr/>
-            </a:pPr>
-            <a:endParaRPr kumimoji="0" lang="en-US" sz="1600" b="0" i="0" u="none" strike="noStrike" kern="1200" cap="none" spc="0" normalizeH="0" baseline="0" noProof="0" dirty="0">
-              <a:ln>
-                <a:noFill/>
-              </a:ln>
-              <a:solidFill>
-                <a:prstClr val="black"/>
-              </a:solidFill>
-              <a:effectLst/>
-              <a:uLnTx/>
-              <a:uFillTx/>
-              <a:latin typeface="Calibri" panose="020F0502020204030204"/>
-              <a:ea typeface="+mn-ea"/>
-              <a:cs typeface="+mn-cs"/>
-            </a:endParaRPr>
-          </a:p>
-          <a:p>
-            <a:pPr marL="0" marR="0" lvl="0" indent="0" algn="l" defTabSz="914400" rtl="0" eaLnBrk="1" fontAlgn="auto" latinLnBrk="0" hangingPunct="1">
-              <a:lnSpc>
-                <a:spcPct val="100000"/>
-              </a:lnSpc>
-              <a:spcBef>
-                <a:spcPts val="0"/>
-              </a:spcBef>
-              <a:spcAft>
-                <a:spcPts val="0"/>
-              </a:spcAft>
-              <a:buClrTx/>
-              <a:buSzTx/>
-              <a:buFontTx/>
-              <a:buNone/>
-              <a:tabLst/>
-              <a:defRPr/>
-            </a:pPr>
-            <a:r>
-              <a:rPr kumimoji="0" lang="en-US" sz="1600" b="0" i="0" u="none" strike="noStrike" kern="1200" cap="none" spc="0" normalizeH="0" baseline="0" noProof="0" dirty="0">
-                <a:ln>
-                  <a:noFill/>
-                </a:ln>
-                <a:solidFill>
-                  <a:prstClr val="black"/>
-                </a:solidFill>
-                <a:effectLst/>
-                <a:uLnTx/>
-                <a:uFillTx/>
-                <a:latin typeface="Calibri" panose="020F0502020204030204"/>
-                <a:ea typeface="+mn-ea"/>
-                <a:cs typeface="+mn-cs"/>
-              </a:rPr>
-              <a:t>---Break---</a:t>
-            </a:r>
-          </a:p>
-          <a:p>
-            <a:pPr marL="0" marR="0" lvl="0" indent="0" algn="l" defTabSz="914400" rtl="0" eaLnBrk="1" fontAlgn="auto" latinLnBrk="0" hangingPunct="1">
-              <a:lnSpc>
-                <a:spcPct val="100000"/>
-              </a:lnSpc>
-              <a:spcBef>
-                <a:spcPts val="0"/>
-              </a:spcBef>
-              <a:spcAft>
-                <a:spcPts val="0"/>
-              </a:spcAft>
-              <a:buClrTx/>
-              <a:buSzTx/>
-              <a:buFontTx/>
-              <a:buNone/>
-              <a:tabLst/>
-              <a:defRPr/>
-            </a:pPr>
-            <a:endParaRPr kumimoji="0" lang="en-US" sz="1600" b="1" i="0" u="none" strike="noStrike" kern="1200" cap="none" spc="0" normalizeH="0" baseline="0" noProof="0" dirty="0">
-              <a:ln>
-                <a:noFill/>
-              </a:ln>
-              <a:solidFill>
-                <a:prstClr val="black"/>
-              </a:solidFill>
-              <a:effectLst/>
-              <a:uLnTx/>
-              <a:uFillTx/>
-              <a:latin typeface="Calibri" panose="020F0502020204030204"/>
-              <a:ea typeface="+mn-ea"/>
-              <a:cs typeface="+mn-cs"/>
-            </a:endParaRPr>
-          </a:p>
-          <a:p>
-            <a:pPr marL="0" marR="0" lvl="0" indent="0" algn="l" defTabSz="914400" rtl="0" eaLnBrk="1" fontAlgn="auto" latinLnBrk="0" hangingPunct="1">
-              <a:lnSpc>
-                <a:spcPct val="100000"/>
-              </a:lnSpc>
-              <a:spcBef>
-                <a:spcPts val="0"/>
-              </a:spcBef>
-              <a:spcAft>
-                <a:spcPts val="0"/>
-              </a:spcAft>
-              <a:buClrTx/>
-              <a:buSzTx/>
-              <a:buFontTx/>
-              <a:buNone/>
-              <a:tabLst/>
-              <a:defRPr/>
-            </a:pPr>
-            <a:r>
-              <a:rPr kumimoji="0" lang="en-US" sz="1600" b="1" i="0" u="none" strike="noStrike" kern="1200" cap="none" spc="0" normalizeH="0" baseline="0" noProof="0" dirty="0">
-                <a:ln>
-                  <a:noFill/>
-                </a:ln>
-                <a:solidFill>
-                  <a:prstClr val="black"/>
-                </a:solidFill>
-                <a:effectLst/>
-                <a:uLnTx/>
-                <a:uFillTx/>
-                <a:latin typeface="Calibri" panose="020F0502020204030204"/>
-                <a:ea typeface="+mn-ea"/>
-                <a:cs typeface="+mn-cs"/>
-              </a:rPr>
-              <a:t>Advance BI Scenario</a:t>
-            </a:r>
-          </a:p>
-          <a:p>
-            <a:pPr marL="0" marR="0" lvl="0" indent="0" algn="l" defTabSz="914400" rtl="0" eaLnBrk="1" fontAlgn="auto" latinLnBrk="0" hangingPunct="1">
-              <a:lnSpc>
-                <a:spcPct val="100000"/>
-              </a:lnSpc>
-              <a:spcBef>
-                <a:spcPts val="0"/>
-              </a:spcBef>
-              <a:spcAft>
-                <a:spcPts val="0"/>
-              </a:spcAft>
-              <a:buClrTx/>
-              <a:buSzTx/>
-              <a:buFontTx/>
-              <a:buNone/>
-              <a:tabLst/>
-              <a:defRPr/>
-            </a:pPr>
-            <a:r>
-              <a:rPr kumimoji="0" lang="en-US" sz="1600" b="0" i="0" u="none" strike="noStrike" kern="1200" cap="none" spc="0" normalizeH="0" baseline="0" noProof="0" dirty="0">
-                <a:ln>
-                  <a:noFill/>
-                </a:ln>
-                <a:solidFill>
-                  <a:prstClr val="black"/>
-                </a:solidFill>
-                <a:effectLst/>
-                <a:uLnTx/>
-                <a:uFillTx/>
-                <a:latin typeface="Calibri" panose="020F0502020204030204"/>
-                <a:ea typeface="+mn-ea"/>
-                <a:cs typeface="+mn-cs"/>
-              </a:rPr>
-              <a:t>                    - Variance Concept</a:t>
-            </a:r>
-          </a:p>
-          <a:p>
-            <a:pPr marL="0" marR="0" lvl="0" indent="0" algn="l" defTabSz="914400" rtl="0" eaLnBrk="1" fontAlgn="auto" latinLnBrk="0" hangingPunct="1">
-              <a:lnSpc>
-                <a:spcPct val="100000"/>
-              </a:lnSpc>
-              <a:spcBef>
-                <a:spcPts val="0"/>
-              </a:spcBef>
-              <a:spcAft>
-                <a:spcPts val="0"/>
-              </a:spcAft>
-              <a:buClrTx/>
-              <a:buSzTx/>
-              <a:buFontTx/>
-              <a:buNone/>
-              <a:tabLst/>
-              <a:defRPr/>
-            </a:pPr>
-            <a:r>
-              <a:rPr kumimoji="0" lang="en-US" sz="1600" b="0" i="0" u="none" strike="noStrike" kern="1200" cap="none" spc="0" normalizeH="0" baseline="0" noProof="0" dirty="0">
-                <a:ln>
-                  <a:noFill/>
-                </a:ln>
-                <a:solidFill>
-                  <a:prstClr val="black"/>
-                </a:solidFill>
-                <a:effectLst/>
-                <a:uLnTx/>
-                <a:uFillTx/>
-                <a:latin typeface="Calibri" panose="020F0502020204030204"/>
-                <a:ea typeface="+mn-ea"/>
-                <a:cs typeface="+mn-cs"/>
-              </a:rPr>
-              <a:t>	- </a:t>
-            </a:r>
-            <a:r>
-              <a:rPr lang="en-US" sz="1600" dirty="0">
-                <a:solidFill>
-                  <a:prstClr val="black"/>
-                </a:solidFill>
-                <a:latin typeface="Calibri" panose="020F0502020204030204"/>
-              </a:rPr>
-              <a:t>Smart Assist Scenario</a:t>
-            </a:r>
-            <a:endParaRPr kumimoji="0" lang="en-US" sz="1600" b="0" i="0" u="none" strike="noStrike" kern="1200" cap="none" spc="0" normalizeH="0" baseline="0" noProof="0" dirty="0">
-              <a:ln>
-                <a:noFill/>
-              </a:ln>
-              <a:solidFill>
-                <a:prstClr val="black"/>
-              </a:solidFill>
-              <a:effectLst/>
-              <a:uLnTx/>
-              <a:uFillTx/>
-              <a:latin typeface="Calibri" panose="020F0502020204030204"/>
-              <a:ea typeface="+mn-ea"/>
-              <a:cs typeface="+mn-cs"/>
-            </a:endParaRPr>
-          </a:p>
-          <a:p>
-            <a:pPr marL="0" marR="0" lvl="0" indent="0" algn="l" defTabSz="914400" rtl="0" eaLnBrk="1" fontAlgn="auto" latinLnBrk="0" hangingPunct="1">
-              <a:lnSpc>
-                <a:spcPct val="100000"/>
-              </a:lnSpc>
-              <a:spcBef>
-                <a:spcPts val="0"/>
-              </a:spcBef>
-              <a:spcAft>
-                <a:spcPts val="0"/>
-              </a:spcAft>
-              <a:buClrTx/>
-              <a:buSzTx/>
-              <a:buFontTx/>
-              <a:buNone/>
-              <a:tabLst/>
-              <a:defRPr/>
-            </a:pPr>
-            <a:r>
-              <a:rPr kumimoji="0" lang="en-US" sz="1600" b="0" i="0" u="none" strike="noStrike" kern="1200" cap="none" spc="0" normalizeH="0" baseline="0" noProof="0" dirty="0">
-                <a:ln>
-                  <a:noFill/>
-                </a:ln>
-                <a:solidFill>
-                  <a:prstClr val="black"/>
-                </a:solidFill>
-                <a:effectLst/>
-                <a:uLnTx/>
-                <a:uFillTx/>
-                <a:latin typeface="Calibri" panose="020F0502020204030204"/>
-                <a:ea typeface="+mn-ea"/>
-                <a:cs typeface="+mn-cs"/>
-              </a:rPr>
-              <a:t>	- Augmented Analytics</a:t>
-            </a:r>
-          </a:p>
-          <a:p>
-            <a:pPr marL="0" marR="0" lvl="0" indent="0" algn="l" defTabSz="914400" rtl="0" eaLnBrk="1" fontAlgn="auto" latinLnBrk="0" hangingPunct="1">
-              <a:lnSpc>
-                <a:spcPct val="100000"/>
-              </a:lnSpc>
-              <a:spcBef>
-                <a:spcPts val="0"/>
-              </a:spcBef>
-              <a:spcAft>
-                <a:spcPts val="0"/>
-              </a:spcAft>
-              <a:buClrTx/>
-              <a:buSzTx/>
-              <a:buFontTx/>
-              <a:buNone/>
-              <a:tabLst/>
-              <a:defRPr/>
-            </a:pPr>
-            <a:r>
-              <a:rPr kumimoji="0" lang="en-US" sz="1600" b="0" i="0" u="none" strike="noStrike" kern="1200" cap="none" spc="0" normalizeH="0" baseline="0" noProof="0" dirty="0">
-                <a:ln>
-                  <a:noFill/>
-                </a:ln>
-                <a:solidFill>
-                  <a:prstClr val="black"/>
-                </a:solidFill>
-                <a:effectLst/>
-                <a:uLnTx/>
-                <a:uFillTx/>
-                <a:latin typeface="Calibri" panose="020F0502020204030204"/>
-                <a:ea typeface="+mn-ea"/>
-                <a:cs typeface="+mn-cs"/>
-              </a:rPr>
-              <a:t>	- Smart Predict Forecast</a:t>
-            </a:r>
-          </a:p>
-          <a:p>
-            <a:pPr marL="0" marR="0" lvl="0" indent="0" algn="l" defTabSz="914400" rtl="0" eaLnBrk="1" fontAlgn="auto" latinLnBrk="0" hangingPunct="1">
-              <a:lnSpc>
-                <a:spcPct val="100000"/>
-              </a:lnSpc>
-              <a:spcBef>
-                <a:spcPts val="0"/>
-              </a:spcBef>
-              <a:spcAft>
-                <a:spcPts val="0"/>
-              </a:spcAft>
-              <a:buClrTx/>
-              <a:buSzTx/>
-              <a:buFontTx/>
-              <a:buNone/>
-              <a:tabLst/>
-              <a:defRPr/>
-            </a:pPr>
-            <a:r>
-              <a:rPr lang="en-US" sz="1600" dirty="0">
-                <a:solidFill>
-                  <a:prstClr val="black"/>
-                </a:solidFill>
-                <a:latin typeface="Calibri" panose="020F0502020204030204"/>
-              </a:rPr>
-              <a:t>	- Smart Insight</a:t>
-            </a:r>
-          </a:p>
-          <a:p>
-            <a:pPr marL="0" marR="0" lvl="0" indent="0" algn="l" defTabSz="914400" rtl="0" eaLnBrk="1" fontAlgn="auto" latinLnBrk="0" hangingPunct="1">
-              <a:lnSpc>
-                <a:spcPct val="100000"/>
-              </a:lnSpc>
-              <a:spcBef>
-                <a:spcPts val="0"/>
-              </a:spcBef>
-              <a:spcAft>
-                <a:spcPts val="0"/>
-              </a:spcAft>
-              <a:buClrTx/>
-              <a:buSzTx/>
-              <a:buFontTx/>
-              <a:buNone/>
-              <a:tabLst/>
-              <a:defRPr/>
-            </a:pPr>
-            <a:r>
-              <a:rPr kumimoji="0" lang="en-US" sz="1600" b="0" i="0" u="none" strike="noStrike" kern="1200" cap="none" spc="0" normalizeH="0" baseline="0" noProof="0" dirty="0">
-                <a:ln>
-                  <a:noFill/>
-                </a:ln>
-                <a:solidFill>
-                  <a:prstClr val="black"/>
-                </a:solidFill>
-                <a:effectLst/>
-                <a:uLnTx/>
-                <a:uFillTx/>
-                <a:latin typeface="Calibri" panose="020F0502020204030204"/>
-                <a:ea typeface="+mn-ea"/>
-                <a:cs typeface="+mn-cs"/>
-              </a:rPr>
-              <a:t>	- Smart Discovery</a:t>
-            </a:r>
-          </a:p>
-          <a:p>
-            <a:pPr>
-              <a:defRPr/>
-            </a:pPr>
-            <a:r>
-              <a:rPr kumimoji="0" lang="en-US" sz="1600" b="0" i="0" u="none" strike="noStrike" kern="1200" cap="none" spc="0" normalizeH="0" baseline="0" noProof="0" dirty="0">
-                <a:ln>
-                  <a:noFill/>
-                </a:ln>
-                <a:solidFill>
-                  <a:prstClr val="black"/>
-                </a:solidFill>
-                <a:effectLst/>
-                <a:uLnTx/>
-                <a:uFillTx/>
-                <a:latin typeface="Calibri" panose="020F0502020204030204"/>
-                <a:ea typeface="+mn-ea"/>
-                <a:cs typeface="+mn-cs"/>
-              </a:rPr>
-              <a:t>	- Smart Grouping</a:t>
-            </a:r>
-          </a:p>
-          <a:p>
-            <a:pPr>
-              <a:defRPr/>
-            </a:pPr>
-            <a:r>
-              <a:rPr kumimoji="0" lang="en-US" sz="1600" b="0" i="0" u="none" strike="noStrike" kern="1200" cap="none" spc="0" normalizeH="0" baseline="0" noProof="0" dirty="0">
-                <a:ln>
-                  <a:noFill/>
-                </a:ln>
-                <a:solidFill>
-                  <a:prstClr val="black"/>
-                </a:solidFill>
-                <a:effectLst/>
-                <a:uLnTx/>
-                <a:uFillTx/>
-                <a:latin typeface="Calibri" panose="020F0502020204030204"/>
-                <a:ea typeface="+mn-ea"/>
-                <a:cs typeface="+mn-cs"/>
-              </a:rPr>
-              <a:t>	- Roadmap and Support </a:t>
-            </a:r>
-          </a:p>
-          <a:p>
-            <a:pPr>
-              <a:defRPr/>
-            </a:pPr>
-            <a:r>
-              <a:rPr lang="en-US" sz="1600" dirty="0">
-                <a:solidFill>
-                  <a:prstClr val="black"/>
-                </a:solidFill>
-                <a:latin typeface="Calibri" panose="020F0502020204030204"/>
-              </a:rPr>
-              <a:t>	</a:t>
-            </a:r>
-            <a:endParaRPr kumimoji="0" lang="en-US" sz="1600" b="0" i="0" u="none" strike="noStrike" kern="1200" cap="none" spc="0" normalizeH="0" baseline="0" noProof="0" dirty="0">
-              <a:ln>
-                <a:noFill/>
-              </a:ln>
-              <a:solidFill>
-                <a:prstClr val="black"/>
-              </a:solidFill>
-              <a:effectLst/>
-              <a:uLnTx/>
-              <a:uFillTx/>
-              <a:latin typeface="Calibri" panose="020F0502020204030204"/>
-              <a:ea typeface="+mn-ea"/>
-              <a:cs typeface="+mn-cs"/>
-            </a:endParaRPr>
-          </a:p>
-          <a:p>
-            <a:pPr marL="0" marR="0" lvl="0" indent="0" algn="l" defTabSz="914400" rtl="0" eaLnBrk="1" fontAlgn="auto" latinLnBrk="0" hangingPunct="1">
-              <a:lnSpc>
-                <a:spcPct val="100000"/>
-              </a:lnSpc>
-              <a:spcBef>
-                <a:spcPts val="0"/>
-              </a:spcBef>
-              <a:spcAft>
-                <a:spcPts val="0"/>
-              </a:spcAft>
-              <a:buClrTx/>
-              <a:buSzTx/>
-              <a:buFontTx/>
-              <a:buNone/>
-              <a:tabLst/>
-              <a:defRPr/>
-            </a:pPr>
-            <a:r>
-              <a:rPr lang="en-US" sz="1600" dirty="0">
-                <a:solidFill>
-                  <a:prstClr val="black"/>
-                </a:solidFill>
-                <a:latin typeface="Calibri" panose="020F0502020204030204"/>
-              </a:rPr>
-              <a:t>	</a:t>
-            </a:r>
-            <a:endParaRPr kumimoji="0" lang="en-US" sz="1600" b="0" i="0" u="none" strike="noStrike" kern="1200" cap="none" spc="0" normalizeH="0" baseline="0" noProof="0" dirty="0">
-              <a:ln>
-                <a:noFill/>
-              </a:ln>
-              <a:solidFill>
-                <a:prstClr val="black"/>
-              </a:solidFill>
-              <a:effectLst/>
-              <a:uLnTx/>
-              <a:uFillTx/>
-              <a:latin typeface="Calibri" panose="020F0502020204030204"/>
-              <a:ea typeface="+mn-ea"/>
-              <a:cs typeface="+mn-cs"/>
-            </a:endParaRPr>
-          </a:p>
-        </p:txBody>
-      </p:sp>
-    </p:spTree>
-    <p:extLst>
-      <p:ext uri="{BB962C8B-B14F-4D97-AF65-F5344CB8AC3E}">
-        <p14:creationId xmlns:p14="http://schemas.microsoft.com/office/powerpoint/2010/main" val="2321857352"/>
-      </p:ext>
-    </p:extLst>
-  </p:cSld>
-  <p:clrMapOvr>
-    <a:masterClrMapping/>
-  </p:clrMapOvr>
-</p:sld>
-</file>
-
-<file path=ppt/slides/slide3.xml><?xml version="1.0" encoding="utf-8"?>
-<p:sld xmlns:a="http://schemas.openxmlformats.org/drawingml/2006/main" xmlns:r="http://schemas.openxmlformats.org/officeDocument/2006/relationships" xmlns:p="http://schemas.openxmlformats.org/presentationml/2006/main">
-  <p:cSld>
-    <p:spTree>
-      <p:nvGrpSpPr>
-        <p:cNvPr id="1" name=""/>
-        <p:cNvGrpSpPr/>
-        <p:nvPr/>
-      </p:nvGrpSpPr>
-      <p:grpSpPr>
-        <a:xfrm>
-          <a:off x="0" y="0"/>
-          <a:ext cx="0" cy="0"/>
-          <a:chOff x="0" y="0"/>
-          <a:chExt cx="0" cy="0"/>
-        </a:xfrm>
-      </p:grpSpPr>
-      <mc:AlternateContent xmlns:mc="http://schemas.openxmlformats.org/markup-compatibility/2006" xmlns:p14="http://schemas.microsoft.com/office/powerpoint/2010/main">
-        <mc:Choice Requires="p14">
-          <p:contentPart p14:bwMode="auto" r:id="rId2">
-            <p14:nvContentPartPr>
-              <p14:cNvPr id="113" name="Ink 112">
-                <a:extLst>
-                  <a:ext uri="{FF2B5EF4-FFF2-40B4-BE49-F238E27FC236}">
-                    <a16:creationId xmlns:a16="http://schemas.microsoft.com/office/drawing/2014/main" id="{0567713D-FD90-4A33-BB6A-3673D1123E70}"/>
-                  </a:ext>
-                </a:extLst>
-              </p14:cNvPr>
-              <p14:cNvContentPartPr/>
-              <p14:nvPr/>
-            </p14:nvContentPartPr>
-            <p14:xfrm>
-              <a:off x="314185" y="415607"/>
-              <a:ext cx="11836440" cy="6419520"/>
-            </p14:xfrm>
-          </p:contentPart>
-        </mc:Choice>
-        <mc:Fallback xmlns="">
-          <p:pic>
-            <p:nvPicPr>
-              <p:cNvPr id="113" name="Ink 112">
-                <a:extLst>
-                  <a:ext uri="{FF2B5EF4-FFF2-40B4-BE49-F238E27FC236}">
-                    <a16:creationId xmlns:a16="http://schemas.microsoft.com/office/drawing/2014/main" id="{0567713D-FD90-4A33-BB6A-3673D1123E70}"/>
-                  </a:ext>
-                </a:extLst>
-              </p:cNvPr>
-              <p:cNvPicPr/>
-              <p:nvPr/>
-            </p:nvPicPr>
-            <p:blipFill>
-              <a:blip r:embed="rId3"/>
-              <a:stretch>
-                <a:fillRect/>
-              </a:stretch>
-            </p:blipFill>
-            <p:spPr>
-              <a:xfrm>
-                <a:off x="305185" y="406607"/>
-                <a:ext cx="11854080" cy="6437160"/>
-              </a:xfrm>
-              <a:prstGeom prst="rect">
-                <a:avLst/>
-              </a:prstGeom>
-            </p:spPr>
-          </p:pic>
-        </mc:Fallback>
-      </mc:AlternateContent>
-      <p:sp>
-        <p:nvSpPr>
-          <p:cNvPr id="114" name="Rectangle 113">
-            <a:extLst>
-              <a:ext uri="{FF2B5EF4-FFF2-40B4-BE49-F238E27FC236}">
-                <a16:creationId xmlns:a16="http://schemas.microsoft.com/office/drawing/2014/main" id="{DBECC01B-6DA8-45CB-BC39-FC10B5A5A06D}"/>
-              </a:ext>
-            </a:extLst>
-          </p:cNvPr>
-          <p:cNvSpPr/>
-          <p:nvPr/>
-        </p:nvSpPr>
-        <p:spPr>
-          <a:xfrm>
-            <a:off x="6991927" y="812800"/>
-            <a:ext cx="4885888" cy="2355273"/>
-          </a:xfrm>
-          <a:prstGeom prst="rect">
-            <a:avLst/>
-          </a:prstGeom>
-        </p:spPr>
-        <p:style>
-          <a:lnRef idx="2">
-            <a:schemeClr val="accent1">
-              <a:shade val="50000"/>
-            </a:schemeClr>
-          </a:lnRef>
-          <a:fillRef idx="1">
-            <a:schemeClr val="accent1"/>
-          </a:fillRef>
-          <a:effectRef idx="0">
-            <a:schemeClr val="accent1"/>
-          </a:effectRef>
-          <a:fontRef idx="minor">
-            <a:schemeClr val="lt1"/>
-          </a:fontRef>
-        </p:style>
-        <p:txBody>
-          <a:bodyPr rtlCol="0" anchor="ctr"/>
-          <a:lstStyle/>
-          <a:p>
-            <a:pPr algn="ctr"/>
-            <a:r>
-              <a:rPr lang="en-US" dirty="0"/>
-              <a:t>Adaptor</a:t>
-            </a:r>
-          </a:p>
-        </p:txBody>
-      </p:sp>
-      <p:sp>
-        <p:nvSpPr>
-          <p:cNvPr id="115" name="Arrow: Down 114">
-            <a:extLst>
-              <a:ext uri="{FF2B5EF4-FFF2-40B4-BE49-F238E27FC236}">
-                <a16:creationId xmlns:a16="http://schemas.microsoft.com/office/drawing/2014/main" id="{F611B1A3-C2E3-43FC-986B-ADA2B16760A6}"/>
-              </a:ext>
-            </a:extLst>
-          </p:cNvPr>
-          <p:cNvSpPr/>
-          <p:nvPr/>
-        </p:nvSpPr>
-        <p:spPr>
-          <a:xfrm>
-            <a:off x="8266545" y="3288145"/>
-            <a:ext cx="517237" cy="1616364"/>
-          </a:xfrm>
-          <a:prstGeom prst="downArrow">
-            <a:avLst/>
-          </a:prstGeom>
-        </p:spPr>
-        <p:style>
-          <a:lnRef idx="2">
-            <a:schemeClr val="accent1">
-              <a:shade val="50000"/>
-            </a:schemeClr>
-          </a:lnRef>
-          <a:fillRef idx="1">
-            <a:schemeClr val="accent1"/>
-          </a:fillRef>
-          <a:effectRef idx="0">
-            <a:schemeClr val="accent1"/>
-          </a:effectRef>
-          <a:fontRef idx="minor">
-            <a:schemeClr val="lt1"/>
-          </a:fontRef>
-        </p:style>
-        <p:txBody>
-          <a:bodyPr rtlCol="0" anchor="ctr"/>
-          <a:lstStyle/>
-          <a:p>
-            <a:pPr algn="ctr"/>
-            <a:endParaRPr lang="en-US"/>
-          </a:p>
-        </p:txBody>
-      </p:sp>
-      <p:sp>
-        <p:nvSpPr>
-          <p:cNvPr id="116" name="Arrow: Right 115">
-            <a:extLst>
-              <a:ext uri="{FF2B5EF4-FFF2-40B4-BE49-F238E27FC236}">
-                <a16:creationId xmlns:a16="http://schemas.microsoft.com/office/drawing/2014/main" id="{E9280A13-C9F8-44A3-9BE7-FD4E941E8568}"/>
-              </a:ext>
-            </a:extLst>
-          </p:cNvPr>
-          <p:cNvSpPr/>
-          <p:nvPr/>
-        </p:nvSpPr>
-        <p:spPr>
-          <a:xfrm>
-            <a:off x="4590473" y="1634836"/>
-            <a:ext cx="2401454" cy="572655"/>
-          </a:xfrm>
-          <a:prstGeom prst="rightArrow">
-            <a:avLst/>
-          </a:prstGeom>
-        </p:spPr>
-        <p:style>
-          <a:lnRef idx="2">
-            <a:schemeClr val="accent1">
-              <a:shade val="50000"/>
-            </a:schemeClr>
-          </a:lnRef>
-          <a:fillRef idx="1">
-            <a:schemeClr val="accent1"/>
-          </a:fillRef>
-          <a:effectRef idx="0">
-            <a:schemeClr val="accent1"/>
-          </a:effectRef>
-          <a:fontRef idx="minor">
-            <a:schemeClr val="lt1"/>
-          </a:fontRef>
-        </p:style>
-        <p:txBody>
-          <a:bodyPr rtlCol="0" anchor="ctr"/>
-          <a:lstStyle/>
-          <a:p>
-            <a:pPr algn="ctr"/>
-            <a:endParaRPr lang="en-US"/>
-          </a:p>
-        </p:txBody>
-      </p:sp>
-    </p:spTree>
-    <p:extLst>
-      <p:ext uri="{BB962C8B-B14F-4D97-AF65-F5344CB8AC3E}">
-        <p14:creationId xmlns:p14="http://schemas.microsoft.com/office/powerpoint/2010/main" val="3438906211"/>
-      </p:ext>
-    </p:extLst>
-  </p:cSld>
-  <p:clrMapOvr>
-    <a:masterClrMapping/>
-  </p:clrMapOvr>
-</p:sld>
-</file>
-
-<file path=ppt/slides/slide4.xml><?xml version="1.0" encoding="utf-8"?>
-<p:sld xmlns:a="http://schemas.openxmlformats.org/drawingml/2006/main" xmlns:r="http://schemas.openxmlformats.org/officeDocument/2006/relationships" xmlns:p="http://schemas.openxmlformats.org/presentationml/2006/main">
-  <p:cSld>
-    <p:spTree>
-      <p:nvGrpSpPr>
-        <p:cNvPr id="1" name=""/>
-        <p:cNvGrpSpPr/>
-        <p:nvPr/>
-      </p:nvGrpSpPr>
-      <p:grpSpPr>
-        <a:xfrm>
-          <a:off x="0" y="0"/>
-          <a:ext cx="0" cy="0"/>
-          <a:chOff x="0" y="0"/>
-          <a:chExt cx="0" cy="0"/>
-        </a:xfrm>
-      </p:grpSpPr>
-      <mc:AlternateContent xmlns:mc="http://schemas.openxmlformats.org/markup-compatibility/2006" xmlns:p14="http://schemas.microsoft.com/office/powerpoint/2010/main">
-        <mc:Choice Requires="p14">
-          <p:contentPart p14:bwMode="auto" r:id="rId2">
-            <p14:nvContentPartPr>
-              <p14:cNvPr id="245" name="Ink 244">
-                <a:extLst>
-                  <a:ext uri="{FF2B5EF4-FFF2-40B4-BE49-F238E27FC236}">
-                    <a16:creationId xmlns:a16="http://schemas.microsoft.com/office/drawing/2014/main" id="{E602E5D5-69C5-4074-B7A3-C3248AC37F22}"/>
-                  </a:ext>
-                </a:extLst>
-              </p14:cNvPr>
-              <p14:cNvContentPartPr/>
-              <p14:nvPr/>
-            </p14:nvContentPartPr>
-            <p14:xfrm>
-              <a:off x="129145" y="73967"/>
-              <a:ext cx="12007800" cy="6521760"/>
-            </p14:xfrm>
-          </p:contentPart>
-        </mc:Choice>
-        <mc:Fallback xmlns="">
-          <p:pic>
-            <p:nvPicPr>
-              <p:cNvPr id="245" name="Ink 244">
-                <a:extLst>
-                  <a:ext uri="{FF2B5EF4-FFF2-40B4-BE49-F238E27FC236}">
-                    <a16:creationId xmlns:a16="http://schemas.microsoft.com/office/drawing/2014/main" id="{E602E5D5-69C5-4074-B7A3-C3248AC37F22}"/>
-                  </a:ext>
-                </a:extLst>
-              </p:cNvPr>
-              <p:cNvPicPr/>
-              <p:nvPr/>
-            </p:nvPicPr>
-            <p:blipFill>
-              <a:blip r:embed="rId3"/>
-              <a:stretch>
-                <a:fillRect/>
-              </a:stretch>
-            </p:blipFill>
-            <p:spPr>
-              <a:xfrm>
-                <a:off x="120145" y="64967"/>
-                <a:ext cx="12025440" cy="6539400"/>
-              </a:xfrm>
-              <a:prstGeom prst="rect">
-                <a:avLst/>
-              </a:prstGeom>
-            </p:spPr>
-          </p:pic>
-        </mc:Fallback>
-      </mc:AlternateContent>
-    </p:spTree>
-    <p:extLst>
-      <p:ext uri="{BB962C8B-B14F-4D97-AF65-F5344CB8AC3E}">
-        <p14:creationId xmlns:p14="http://schemas.microsoft.com/office/powerpoint/2010/main" val="354087056"/>
-      </p:ext>
-    </p:extLst>
-  </p:cSld>
-  <p:clrMapOvr>
-    <a:masterClrMapping/>
-  </p:clrMapOvr>
-</p:sld>
-</file>
-
-<file path=ppt/slides/slide5.xml><?xml version="1.0" encoding="utf-8"?>
-<p:sld xmlns:a="http://schemas.openxmlformats.org/drawingml/2006/main" xmlns:r="http://schemas.openxmlformats.org/officeDocument/2006/relationships" xmlns:p="http://schemas.openxmlformats.org/presentationml/2006/main">
-  <p:cSld>
-    <p:spTree>
-      <p:nvGrpSpPr>
-        <p:cNvPr id="1" name=""/>
-        <p:cNvGrpSpPr/>
-        <p:nvPr/>
-      </p:nvGrpSpPr>
-      <p:grpSpPr>
-        <a:xfrm>
-          <a:off x="0" y="0"/>
-          <a:ext cx="0" cy="0"/>
-          <a:chOff x="0" y="0"/>
-          <a:chExt cx="0" cy="0"/>
-        </a:xfrm>
-      </p:grpSpPr>
-      <p:sp>
-        <p:nvSpPr>
-          <p:cNvPr id="2" name="Rectangle: Rounded Corners 1">
-            <a:extLst>
-              <a:ext uri="{FF2B5EF4-FFF2-40B4-BE49-F238E27FC236}">
-                <a16:creationId xmlns:a16="http://schemas.microsoft.com/office/drawing/2014/main" id="{EACD5292-E842-478E-A5D0-083E4355A5F2}"/>
-              </a:ext>
-            </a:extLst>
-          </p:cNvPr>
-          <p:cNvSpPr/>
-          <p:nvPr/>
-        </p:nvSpPr>
-        <p:spPr>
-          <a:xfrm>
-            <a:off x="7998690" y="5006109"/>
-            <a:ext cx="2946400" cy="1228436"/>
-          </a:xfrm>
-          <a:prstGeom prst="roundRect">
-            <a:avLst/>
-          </a:prstGeom>
-        </p:spPr>
-        <p:style>
-          <a:lnRef idx="2">
-            <a:schemeClr val="accent1">
-              <a:shade val="50000"/>
-            </a:schemeClr>
-          </a:lnRef>
-          <a:fillRef idx="1">
-            <a:schemeClr val="accent1"/>
-          </a:fillRef>
-          <a:effectRef idx="0">
-            <a:schemeClr val="accent1"/>
-          </a:effectRef>
-          <a:fontRef idx="minor">
-            <a:schemeClr val="lt1"/>
-          </a:fontRef>
-        </p:style>
-        <p:txBody>
-          <a:bodyPr rtlCol="0" anchor="ctr"/>
-          <a:lstStyle/>
-          <a:p>
-            <a:pPr algn="ctr"/>
-            <a:r>
-              <a:rPr lang="en-US" dirty="0"/>
-              <a:t>SAP HANA Cloud in BTP</a:t>
-            </a:r>
-          </a:p>
-          <a:p>
-            <a:pPr algn="ctr"/>
-            <a:r>
-              <a:rPr lang="en-US" dirty="0"/>
-              <a:t>Database as a Service</a:t>
-            </a:r>
-          </a:p>
-        </p:txBody>
-      </p:sp>
-      <p:sp>
-        <p:nvSpPr>
-          <p:cNvPr id="3" name="Flowchart: Magnetic Disk 2">
-            <a:extLst>
-              <a:ext uri="{FF2B5EF4-FFF2-40B4-BE49-F238E27FC236}">
-                <a16:creationId xmlns:a16="http://schemas.microsoft.com/office/drawing/2014/main" id="{27518527-2364-4AC7-841A-7E5F3F4AFD65}"/>
-              </a:ext>
-            </a:extLst>
-          </p:cNvPr>
-          <p:cNvSpPr/>
-          <p:nvPr/>
-        </p:nvSpPr>
-        <p:spPr>
-          <a:xfrm>
-            <a:off x="10668000" y="4955308"/>
-            <a:ext cx="2540000" cy="1759528"/>
-          </a:xfrm>
-          <a:prstGeom prst="flowChartMagneticDisk">
-            <a:avLst/>
-          </a:prstGeom>
-          <a:solidFill>
-            <a:schemeClr val="accent2">
-              <a:lumMod val="75000"/>
-            </a:schemeClr>
-          </a:solidFill>
-        </p:spPr>
-        <p:style>
-          <a:lnRef idx="2">
-            <a:schemeClr val="accent1">
-              <a:shade val="50000"/>
-            </a:schemeClr>
-          </a:lnRef>
-          <a:fillRef idx="1">
-            <a:schemeClr val="accent1"/>
-          </a:fillRef>
-          <a:effectRef idx="0">
-            <a:schemeClr val="accent1"/>
-          </a:effectRef>
-          <a:fontRef idx="minor">
-            <a:schemeClr val="lt1"/>
-          </a:fontRef>
-        </p:style>
-        <p:txBody>
-          <a:bodyPr rtlCol="0" anchor="ctr"/>
-          <a:lstStyle/>
-          <a:p>
-            <a:pPr algn="ctr"/>
-            <a:endParaRPr lang="en-US"/>
-          </a:p>
-        </p:txBody>
-      </p:sp>
-      <p:sp>
-        <p:nvSpPr>
-          <p:cNvPr id="4" name="Arrow: Pentagon 3">
-            <a:extLst>
-              <a:ext uri="{FF2B5EF4-FFF2-40B4-BE49-F238E27FC236}">
-                <a16:creationId xmlns:a16="http://schemas.microsoft.com/office/drawing/2014/main" id="{76F675D1-E7FD-42CA-8C21-264C91062554}"/>
-              </a:ext>
-            </a:extLst>
-          </p:cNvPr>
-          <p:cNvSpPr/>
-          <p:nvPr/>
-        </p:nvSpPr>
-        <p:spPr>
-          <a:xfrm>
-            <a:off x="11115963" y="5671128"/>
-            <a:ext cx="960582" cy="849746"/>
-          </a:xfrm>
-          <a:prstGeom prst="homePlate">
-            <a:avLst/>
-          </a:prstGeom>
-        </p:spPr>
-        <p:style>
-          <a:lnRef idx="2">
-            <a:schemeClr val="accent1">
-              <a:shade val="50000"/>
-            </a:schemeClr>
-          </a:lnRef>
-          <a:fillRef idx="1">
-            <a:schemeClr val="accent1"/>
-          </a:fillRef>
-          <a:effectRef idx="0">
-            <a:schemeClr val="accent1"/>
-          </a:effectRef>
-          <a:fontRef idx="minor">
-            <a:schemeClr val="lt1"/>
-          </a:fontRef>
-        </p:style>
-        <p:txBody>
-          <a:bodyPr rtlCol="0" anchor="ctr"/>
-          <a:lstStyle/>
-          <a:p>
-            <a:pPr algn="ctr"/>
-            <a:r>
-              <a:rPr lang="en-US" dirty="0"/>
-              <a:t>table</a:t>
-            </a:r>
-          </a:p>
-        </p:txBody>
-      </p:sp>
-      <p:sp>
-        <p:nvSpPr>
-          <p:cNvPr id="5" name="Arrow: Pentagon 4">
-            <a:extLst>
-              <a:ext uri="{FF2B5EF4-FFF2-40B4-BE49-F238E27FC236}">
-                <a16:creationId xmlns:a16="http://schemas.microsoft.com/office/drawing/2014/main" id="{300EA168-971E-4A9C-BB43-52D905D38D3B}"/>
-              </a:ext>
-            </a:extLst>
-          </p:cNvPr>
-          <p:cNvSpPr/>
-          <p:nvPr/>
-        </p:nvSpPr>
-        <p:spPr>
-          <a:xfrm>
-            <a:off x="12106563" y="5671128"/>
-            <a:ext cx="960582" cy="849746"/>
-          </a:xfrm>
-          <a:prstGeom prst="homePlate">
-            <a:avLst/>
-          </a:prstGeom>
-        </p:spPr>
-        <p:style>
-          <a:lnRef idx="2">
-            <a:schemeClr val="accent1">
-              <a:shade val="50000"/>
-            </a:schemeClr>
-          </a:lnRef>
-          <a:fillRef idx="1">
-            <a:schemeClr val="accent1"/>
-          </a:fillRef>
-          <a:effectRef idx="0">
-            <a:schemeClr val="accent1"/>
-          </a:effectRef>
-          <a:fontRef idx="minor">
-            <a:schemeClr val="lt1"/>
-          </a:fontRef>
-        </p:style>
-        <p:txBody>
-          <a:bodyPr rtlCol="0" anchor="ctr"/>
-          <a:lstStyle/>
-          <a:p>
-            <a:pPr algn="ctr"/>
-            <a:r>
-              <a:rPr lang="en-US" dirty="0"/>
-              <a:t>cube</a:t>
-            </a:r>
-          </a:p>
-        </p:txBody>
-      </p:sp>
-      <p:sp>
-        <p:nvSpPr>
-          <p:cNvPr id="6" name="Callout: Right Arrow 5">
-            <a:extLst>
-              <a:ext uri="{FF2B5EF4-FFF2-40B4-BE49-F238E27FC236}">
-                <a16:creationId xmlns:a16="http://schemas.microsoft.com/office/drawing/2014/main" id="{AB9E464D-4C3F-406F-8AE5-A7A964F813CA}"/>
-              </a:ext>
-            </a:extLst>
-          </p:cNvPr>
-          <p:cNvSpPr/>
-          <p:nvPr/>
-        </p:nvSpPr>
-        <p:spPr>
-          <a:xfrm>
-            <a:off x="5800436" y="4876800"/>
-            <a:ext cx="2133600" cy="1450109"/>
-          </a:xfrm>
-          <a:prstGeom prst="rightArrowCallout">
-            <a:avLst/>
-          </a:prstGeom>
-        </p:spPr>
-        <p:style>
-          <a:lnRef idx="2">
-            <a:schemeClr val="accent1">
-              <a:shade val="50000"/>
-            </a:schemeClr>
-          </a:lnRef>
-          <a:fillRef idx="1">
-            <a:schemeClr val="accent1"/>
-          </a:fillRef>
-          <a:effectRef idx="0">
-            <a:schemeClr val="accent1"/>
-          </a:effectRef>
-          <a:fontRef idx="minor">
-            <a:schemeClr val="lt1"/>
-          </a:fontRef>
-        </p:style>
-        <p:txBody>
-          <a:bodyPr rtlCol="0" anchor="ctr"/>
-          <a:lstStyle/>
-          <a:p>
-            <a:pPr algn="ctr"/>
-            <a:r>
-              <a:rPr lang="en-US" dirty="0"/>
-              <a:t>BAS</a:t>
-            </a:r>
-          </a:p>
-        </p:txBody>
-      </p:sp>
-      <p:sp>
-        <p:nvSpPr>
-          <p:cNvPr id="7" name="Rectangle 6">
-            <a:extLst>
-              <a:ext uri="{FF2B5EF4-FFF2-40B4-BE49-F238E27FC236}">
-                <a16:creationId xmlns:a16="http://schemas.microsoft.com/office/drawing/2014/main" id="{9B945A4F-2B86-4DCE-86EF-A2EE8FFA4C88}"/>
-              </a:ext>
-            </a:extLst>
-          </p:cNvPr>
-          <p:cNvSpPr/>
-          <p:nvPr/>
-        </p:nvSpPr>
-        <p:spPr>
-          <a:xfrm>
-            <a:off x="812801" y="701963"/>
-            <a:ext cx="2974110" cy="1274618"/>
-          </a:xfrm>
-          <a:prstGeom prst="rect">
-            <a:avLst/>
-          </a:prstGeom>
-        </p:spPr>
-        <p:style>
-          <a:lnRef idx="2">
-            <a:schemeClr val="accent1">
-              <a:shade val="50000"/>
-            </a:schemeClr>
-          </a:lnRef>
-          <a:fillRef idx="1">
-            <a:schemeClr val="accent1"/>
-          </a:fillRef>
-          <a:effectRef idx="0">
-            <a:schemeClr val="accent1"/>
-          </a:effectRef>
-          <a:fontRef idx="minor">
-            <a:schemeClr val="lt1"/>
-          </a:fontRef>
-        </p:style>
-        <p:txBody>
-          <a:bodyPr rtlCol="0" anchor="ctr"/>
-          <a:lstStyle/>
-          <a:p>
-            <a:pPr algn="ctr"/>
-            <a:r>
-              <a:rPr lang="en-US" dirty="0"/>
-              <a:t>SAP Analytics Cloud</a:t>
-            </a:r>
-          </a:p>
-        </p:txBody>
-      </p:sp>
-      <p:cxnSp>
-        <p:nvCxnSpPr>
-          <p:cNvPr id="9" name="Straight Arrow Connector 8">
-            <a:extLst>
-              <a:ext uri="{FF2B5EF4-FFF2-40B4-BE49-F238E27FC236}">
-                <a16:creationId xmlns:a16="http://schemas.microsoft.com/office/drawing/2014/main" id="{85DFA3A9-5C4E-4475-99DF-57A279AD8D5D}"/>
-              </a:ext>
-            </a:extLst>
-          </p:cNvPr>
-          <p:cNvCxnSpPr>
-            <a:cxnSpLocks/>
-            <a:stCxn id="7" idx="3"/>
-          </p:cNvCxnSpPr>
-          <p:nvPr/>
-        </p:nvCxnSpPr>
-        <p:spPr>
-          <a:xfrm>
-            <a:off x="3786911" y="1339272"/>
-            <a:ext cx="2715489" cy="0"/>
-          </a:xfrm>
-          <a:prstGeom prst="straightConnector1">
-            <a:avLst/>
-          </a:prstGeom>
-          <a:ln>
-            <a:tailEnd type="triangle"/>
-          </a:ln>
-        </p:spPr>
-        <p:style>
-          <a:lnRef idx="1">
-            <a:schemeClr val="accent1"/>
-          </a:lnRef>
-          <a:fillRef idx="0">
-            <a:schemeClr val="accent1"/>
-          </a:fillRef>
-          <a:effectRef idx="0">
-            <a:schemeClr val="accent1"/>
-          </a:effectRef>
-          <a:fontRef idx="minor">
-            <a:schemeClr val="tx1"/>
-          </a:fontRef>
-        </p:style>
-      </p:cxnSp>
-      <p:sp>
-        <p:nvSpPr>
-          <p:cNvPr id="11" name="Rectangle: Rounded Corners 10">
-            <a:extLst>
-              <a:ext uri="{FF2B5EF4-FFF2-40B4-BE49-F238E27FC236}">
-                <a16:creationId xmlns:a16="http://schemas.microsoft.com/office/drawing/2014/main" id="{320A13E0-5444-41FE-8470-84DE8B1F9CA0}"/>
-              </a:ext>
-            </a:extLst>
-          </p:cNvPr>
-          <p:cNvSpPr/>
-          <p:nvPr/>
-        </p:nvSpPr>
-        <p:spPr>
-          <a:xfrm>
-            <a:off x="6511636" y="1126836"/>
-            <a:ext cx="831273" cy="480291"/>
-          </a:xfrm>
-          <a:prstGeom prst="roundRect">
-            <a:avLst/>
-          </a:prstGeom>
-        </p:spPr>
-        <p:style>
-          <a:lnRef idx="2">
-            <a:schemeClr val="accent1">
-              <a:shade val="50000"/>
-            </a:schemeClr>
-          </a:lnRef>
-          <a:fillRef idx="1">
-            <a:schemeClr val="accent1"/>
-          </a:fillRef>
-          <a:effectRef idx="0">
-            <a:schemeClr val="accent1"/>
-          </a:effectRef>
-          <a:fontRef idx="minor">
-            <a:schemeClr val="lt1"/>
-          </a:fontRef>
-        </p:style>
-        <p:txBody>
-          <a:bodyPr rtlCol="0" anchor="ctr"/>
-          <a:lstStyle/>
-          <a:p>
-            <a:pPr algn="ctr"/>
-            <a:r>
-              <a:rPr lang="en-US" dirty="0" err="1"/>
-              <a:t>InA</a:t>
-            </a:r>
-            <a:endParaRPr lang="en-US" dirty="0"/>
-          </a:p>
-        </p:txBody>
-      </p:sp>
-      <p:cxnSp>
-        <p:nvCxnSpPr>
-          <p:cNvPr id="13" name="Straight Arrow Connector 12">
-            <a:extLst>
-              <a:ext uri="{FF2B5EF4-FFF2-40B4-BE49-F238E27FC236}">
-                <a16:creationId xmlns:a16="http://schemas.microsoft.com/office/drawing/2014/main" id="{EAC2BAFE-1D32-4849-AB7C-E42341643C6E}"/>
-              </a:ext>
-            </a:extLst>
-          </p:cNvPr>
-          <p:cNvCxnSpPr>
-            <a:stCxn id="2" idx="0"/>
-          </p:cNvCxnSpPr>
-          <p:nvPr/>
-        </p:nvCxnSpPr>
-        <p:spPr>
-          <a:xfrm flipV="1">
-            <a:off x="9471890" y="4119418"/>
-            <a:ext cx="4619" cy="886691"/>
-          </a:xfrm>
-          <a:prstGeom prst="straightConnector1">
-            <a:avLst/>
-          </a:prstGeom>
-          <a:ln>
-            <a:tailEnd type="triangle"/>
-          </a:ln>
-        </p:spPr>
-        <p:style>
-          <a:lnRef idx="1">
-            <a:schemeClr val="accent1"/>
-          </a:lnRef>
-          <a:fillRef idx="0">
-            <a:schemeClr val="accent1"/>
-          </a:fillRef>
-          <a:effectRef idx="0">
-            <a:schemeClr val="accent1"/>
-          </a:effectRef>
-          <a:fontRef idx="minor">
-            <a:schemeClr val="tx1"/>
-          </a:fontRef>
-        </p:style>
-      </p:cxnSp>
-      <p:sp>
-        <p:nvSpPr>
-          <p:cNvPr id="14" name="Rectangle: Rounded Corners 13">
-            <a:extLst>
-              <a:ext uri="{FF2B5EF4-FFF2-40B4-BE49-F238E27FC236}">
-                <a16:creationId xmlns:a16="http://schemas.microsoft.com/office/drawing/2014/main" id="{849CF37B-1955-47AC-9466-7196E2DE611F}"/>
-              </a:ext>
-            </a:extLst>
-          </p:cNvPr>
-          <p:cNvSpPr/>
-          <p:nvPr/>
-        </p:nvSpPr>
-        <p:spPr>
-          <a:xfrm>
-            <a:off x="8945417" y="3745346"/>
-            <a:ext cx="1052946" cy="406400"/>
-          </a:xfrm>
-          <a:prstGeom prst="roundRect">
-            <a:avLst/>
-          </a:prstGeom>
-        </p:spPr>
-        <p:style>
-          <a:lnRef idx="2">
-            <a:schemeClr val="accent1">
-              <a:shade val="50000"/>
-            </a:schemeClr>
-          </a:lnRef>
-          <a:fillRef idx="1">
-            <a:schemeClr val="accent1"/>
-          </a:fillRef>
-          <a:effectRef idx="0">
-            <a:schemeClr val="accent1"/>
-          </a:effectRef>
-          <a:fontRef idx="minor">
-            <a:schemeClr val="lt1"/>
-          </a:fontRef>
-        </p:style>
-        <p:txBody>
-          <a:bodyPr rtlCol="0" anchor="ctr"/>
-          <a:lstStyle/>
-          <a:p>
-            <a:pPr algn="ctr"/>
-            <a:r>
-              <a:rPr lang="en-US" dirty="0"/>
-              <a:t>HDI</a:t>
-            </a:r>
-          </a:p>
-        </p:txBody>
-      </p:sp>
-      <p:sp>
-        <p:nvSpPr>
-          <p:cNvPr id="15" name="Isosceles Triangle 14">
-            <a:extLst>
-              <a:ext uri="{FF2B5EF4-FFF2-40B4-BE49-F238E27FC236}">
-                <a16:creationId xmlns:a16="http://schemas.microsoft.com/office/drawing/2014/main" id="{6A1C8109-FBD6-4B4A-B50A-9DDAED2742F1}"/>
-              </a:ext>
-            </a:extLst>
-          </p:cNvPr>
-          <p:cNvSpPr/>
-          <p:nvPr/>
-        </p:nvSpPr>
-        <p:spPr>
-          <a:xfrm>
-            <a:off x="7564582" y="212436"/>
-            <a:ext cx="4050138" cy="3352800"/>
-          </a:xfrm>
-          <a:prstGeom prst="triangle">
-            <a:avLst/>
-          </a:prstGeom>
-        </p:spPr>
-        <p:style>
-          <a:lnRef idx="2">
-            <a:schemeClr val="accent1">
-              <a:shade val="50000"/>
-            </a:schemeClr>
-          </a:lnRef>
-          <a:fillRef idx="1">
-            <a:schemeClr val="accent1"/>
-          </a:fillRef>
-          <a:effectRef idx="0">
-            <a:schemeClr val="accent1"/>
-          </a:effectRef>
-          <a:fontRef idx="minor">
-            <a:schemeClr val="lt1"/>
-          </a:fontRef>
-        </p:style>
-        <p:txBody>
-          <a:bodyPr rtlCol="0" anchor="ctr"/>
-          <a:lstStyle/>
-          <a:p>
-            <a:pPr algn="ctr"/>
-            <a:r>
-              <a:rPr lang="en-US" dirty="0"/>
-              <a:t>Adaptor</a:t>
-            </a:r>
-          </a:p>
-        </p:txBody>
-      </p:sp>
-      <p:sp>
-        <p:nvSpPr>
-          <p:cNvPr id="16" name="Arrow: Left 15">
-            <a:extLst>
-              <a:ext uri="{FF2B5EF4-FFF2-40B4-BE49-F238E27FC236}">
-                <a16:creationId xmlns:a16="http://schemas.microsoft.com/office/drawing/2014/main" id="{58A777AC-098E-48A4-B626-962AF804530A}"/>
-              </a:ext>
-            </a:extLst>
-          </p:cNvPr>
-          <p:cNvSpPr/>
-          <p:nvPr/>
-        </p:nvSpPr>
-        <p:spPr>
-          <a:xfrm>
-            <a:off x="7352145" y="1126836"/>
-            <a:ext cx="1450110" cy="480291"/>
-          </a:xfrm>
-          <a:prstGeom prst="leftArrow">
-            <a:avLst/>
-          </a:prstGeom>
-        </p:spPr>
-        <p:style>
-          <a:lnRef idx="2">
-            <a:schemeClr val="accent1">
-              <a:shade val="50000"/>
-            </a:schemeClr>
-          </a:lnRef>
-          <a:fillRef idx="1">
-            <a:schemeClr val="accent1"/>
-          </a:fillRef>
-          <a:effectRef idx="0">
-            <a:schemeClr val="accent1"/>
-          </a:effectRef>
-          <a:fontRef idx="minor">
-            <a:schemeClr val="lt1"/>
-          </a:fontRef>
-        </p:style>
-        <p:txBody>
-          <a:bodyPr rtlCol="0" anchor="ctr"/>
-          <a:lstStyle/>
-          <a:p>
-            <a:pPr algn="ctr"/>
-            <a:endParaRPr lang="en-US"/>
-          </a:p>
-        </p:txBody>
-      </p:sp>
-    </p:spTree>
-    <p:extLst>
-      <p:ext uri="{BB962C8B-B14F-4D97-AF65-F5344CB8AC3E}">
-        <p14:creationId xmlns:p14="http://schemas.microsoft.com/office/powerpoint/2010/main" val="954639991"/>
-      </p:ext>
-    </p:extLst>
-  </p:cSld>
-  <p:clrMapOvr>
-    <a:masterClrMapping/>
-  </p:clrMapOvr>
-</p:sld>
-</file>
-
-<file path=ppt/slides/slide6.xml><?xml version="1.0" encoding="utf-8"?>
-<p:sld xmlns:a="http://schemas.openxmlformats.org/drawingml/2006/main" xmlns:r="http://schemas.openxmlformats.org/officeDocument/2006/relationships" xmlns:p="http://schemas.openxmlformats.org/presentationml/2006/main">
-  <p:cSld>
-    <p:spTree>
-      <p:nvGrpSpPr>
-        <p:cNvPr id="1" name=""/>
-        <p:cNvGrpSpPr/>
-        <p:nvPr/>
-      </p:nvGrpSpPr>
-      <p:grpSpPr>
-        <a:xfrm>
-          <a:off x="0" y="0"/>
-          <a:ext cx="0" cy="0"/>
-          <a:chOff x="0" y="0"/>
-          <a:chExt cx="0" cy="0"/>
-        </a:xfrm>
-      </p:grpSpPr>
-      <p:sp>
-        <p:nvSpPr>
           <p:cNvPr id="11" name="Title 10"/>
           <p:cNvSpPr>
             <a:spLocks noGrp="1"/>
@@ -12435,18 +9735,6 @@
           </a:bodyPr>
           <a:lstStyle/>
           <a:p>
-            <a:r>
-              <a:rPr lang="en-IN" dirty="0" err="1">
-                <a:solidFill>
-                  <a:schemeClr val="tx2">
-                    <a:lumMod val="60000"/>
-                    <a:lumOff val="40000"/>
-                  </a:schemeClr>
-                </a:solidFill>
-                <a:latin typeface="Patua One" pitchFamily="2" charset="0"/>
-              </a:rPr>
-              <a:t>Odata</a:t>
-            </a:r>
             <a:r>
               <a:rPr lang="en-IN" dirty="0">
                 <a:solidFill>
@@ -12457,7 +9745,7 @@
                 </a:solidFill>
                 <a:latin typeface="Patua One" pitchFamily="2" charset="0"/>
               </a:rPr>
-              <a:t> Connection</a:t>
+              <a:t>Continue….</a:t>
             </a:r>
           </a:p>
         </p:txBody>
@@ -12589,6 +9877,3325 @@
       </p:cxnSp>
       <p:sp>
         <p:nvSpPr>
+          <p:cNvPr id="2" name="TextBox 1">
+            <a:extLst>
+              <a:ext uri="{FF2B5EF4-FFF2-40B4-BE49-F238E27FC236}">
+                <a16:creationId xmlns:a16="http://schemas.microsoft.com/office/drawing/2014/main" id="{5593BC0C-42CB-4815-9644-B6CC061DDE68}"/>
+              </a:ext>
+            </a:extLst>
+          </p:cNvPr>
+          <p:cNvSpPr txBox="1"/>
+          <p:nvPr/>
+        </p:nvSpPr>
+        <p:spPr>
+          <a:xfrm>
+            <a:off x="152400" y="881174"/>
+            <a:ext cx="11963400" cy="5262979"/>
+          </a:xfrm>
+          <a:prstGeom prst="rect">
+            <a:avLst/>
+          </a:prstGeom>
+          <a:noFill/>
+        </p:spPr>
+        <p:txBody>
+          <a:bodyPr wrap="square" rtlCol="0">
+            <a:spAutoFit/>
+          </a:bodyPr>
+          <a:lstStyle/>
+          <a:p>
+            <a:pPr marL="342900" indent="-342900" defTabSz="1218987">
+              <a:buFontTx/>
+              <a:buChar char="-"/>
+            </a:pPr>
+            <a:r>
+              <a:rPr lang="en-US" sz="2400" dirty="0">
+                <a:solidFill>
+                  <a:prstClr val="black"/>
+                </a:solidFill>
+                <a:latin typeface="Calibri"/>
+              </a:rPr>
+              <a:t>Go to </a:t>
+            </a:r>
+            <a:r>
+              <a:rPr lang="en-US" sz="2400" dirty="0">
+                <a:solidFill>
+                  <a:prstClr val="black"/>
+                </a:solidFill>
+                <a:latin typeface="Calibri"/>
+                <a:hlinkClick r:id="rId3"/>
+              </a:rPr>
+              <a:t>sap tools for </a:t>
+            </a:r>
+            <a:r>
+              <a:rPr lang="en-US" sz="2400" dirty="0" err="1">
+                <a:solidFill>
+                  <a:prstClr val="black"/>
+                </a:solidFill>
+                <a:latin typeface="Calibri"/>
+                <a:hlinkClick r:id="rId3"/>
+              </a:rPr>
+              <a:t>hana</a:t>
+            </a:r>
+            <a:r>
+              <a:rPr lang="en-US" sz="2400" dirty="0">
+                <a:solidFill>
+                  <a:prstClr val="black"/>
+                </a:solidFill>
+                <a:latin typeface="Calibri"/>
+              </a:rPr>
+              <a:t> and download the </a:t>
+            </a:r>
+            <a:r>
+              <a:rPr lang="en-US" sz="2400" dirty="0">
+                <a:solidFill>
+                  <a:prstClr val="black"/>
+                </a:solidFill>
+                <a:latin typeface="Arial" panose="020B0604020202020204" pitchFamily="34" charset="0"/>
+                <a:hlinkClick r:id="rId4"/>
+              </a:rPr>
+              <a:t>xsahaa-release-1.6.1-release.zip</a:t>
+            </a:r>
+            <a:r>
+              <a:rPr lang="en-US" sz="2400" dirty="0">
+                <a:solidFill>
+                  <a:srgbClr val="000000"/>
+                </a:solidFill>
+                <a:latin typeface="Arial" panose="020B0604020202020204" pitchFamily="34" charset="0"/>
+              </a:rPr>
+              <a:t> (</a:t>
+            </a:r>
+            <a:r>
+              <a:rPr lang="en-US" sz="2400" dirty="0">
+                <a:solidFill>
+                  <a:prstClr val="black"/>
+                </a:solidFill>
+                <a:latin typeface="Arial" panose="020B0604020202020204" pitchFamily="34" charset="0"/>
+                <a:hlinkClick r:id="rId5"/>
+              </a:rPr>
+              <a:t>sha1</a:t>
+            </a:r>
+            <a:r>
+              <a:rPr lang="en-US" sz="2400" dirty="0">
+                <a:solidFill>
+                  <a:srgbClr val="000000"/>
+                </a:solidFill>
+                <a:latin typeface="Arial" panose="020B0604020202020204" pitchFamily="34" charset="0"/>
+              </a:rPr>
+              <a:t>)</a:t>
+            </a:r>
+          </a:p>
+          <a:p>
+            <a:pPr marL="342900" indent="-342900" defTabSz="1218987">
+              <a:buFontTx/>
+              <a:buChar char="-"/>
+            </a:pPr>
+            <a:r>
+              <a:rPr lang="en-US" sz="2400" dirty="0">
+                <a:solidFill>
+                  <a:srgbClr val="000000"/>
+                </a:solidFill>
+                <a:latin typeface="Arial" panose="020B0604020202020204" pitchFamily="34" charset="0"/>
+              </a:rPr>
+              <a:t>Extract in computer and upload the war file to the folder</a:t>
+            </a:r>
+          </a:p>
+          <a:p>
+            <a:pPr marL="342900" indent="-342900" defTabSz="1218987">
+              <a:buFontTx/>
+              <a:buChar char="-"/>
+            </a:pPr>
+            <a:r>
+              <a:rPr lang="en-US" sz="2400" dirty="0">
+                <a:solidFill>
+                  <a:srgbClr val="000000"/>
+                </a:solidFill>
+                <a:latin typeface="Arial" panose="020B0604020202020204" pitchFamily="34" charset="0"/>
+              </a:rPr>
+              <a:t>Right click to </a:t>
+            </a:r>
+            <a:r>
+              <a:rPr lang="en-US" sz="2400" dirty="0" err="1">
+                <a:solidFill>
+                  <a:srgbClr val="000000"/>
+                </a:solidFill>
+                <a:latin typeface="Arial" panose="020B0604020202020204" pitchFamily="34" charset="0"/>
+              </a:rPr>
+              <a:t>mta.yml</a:t>
+            </a:r>
+            <a:r>
+              <a:rPr lang="en-US" sz="2400" dirty="0">
+                <a:solidFill>
+                  <a:srgbClr val="000000"/>
+                </a:solidFill>
+                <a:latin typeface="Arial" panose="020B0604020202020204" pitchFamily="34" charset="0"/>
+              </a:rPr>
+              <a:t> file in the adaptor project and click Build MTA</a:t>
+            </a:r>
+          </a:p>
+          <a:p>
+            <a:pPr marL="342900" indent="-342900" defTabSz="1218987">
+              <a:buFontTx/>
+              <a:buChar char="-"/>
+            </a:pPr>
+            <a:r>
+              <a:rPr lang="en-US" sz="2400" dirty="0">
+                <a:solidFill>
+                  <a:srgbClr val="000000"/>
+                </a:solidFill>
+                <a:latin typeface="Arial" panose="020B0604020202020204" pitchFamily="34" charset="0"/>
+              </a:rPr>
+              <a:t>If the build is success we see an </a:t>
+            </a:r>
+            <a:r>
+              <a:rPr lang="en-US" sz="2400" dirty="0" err="1">
+                <a:solidFill>
+                  <a:srgbClr val="000000"/>
+                </a:solidFill>
+                <a:latin typeface="Arial" panose="020B0604020202020204" pitchFamily="34" charset="0"/>
+              </a:rPr>
+              <a:t>mta_archieve</a:t>
+            </a:r>
+            <a:r>
+              <a:rPr lang="en-US" sz="2400" dirty="0">
+                <a:solidFill>
+                  <a:srgbClr val="000000"/>
+                </a:solidFill>
+                <a:latin typeface="Arial" panose="020B0604020202020204" pitchFamily="34" charset="0"/>
+              </a:rPr>
+              <a:t> with </a:t>
+            </a:r>
+            <a:r>
+              <a:rPr lang="en-US" sz="2400" dirty="0" err="1">
+                <a:solidFill>
+                  <a:srgbClr val="000000"/>
+                </a:solidFill>
+                <a:latin typeface="Arial" panose="020B0604020202020204" pitchFamily="34" charset="0"/>
+              </a:rPr>
+              <a:t>mtar</a:t>
+            </a:r>
+            <a:r>
+              <a:rPr lang="en-US" sz="2400" dirty="0">
+                <a:solidFill>
+                  <a:srgbClr val="000000"/>
+                </a:solidFill>
+                <a:latin typeface="Arial" panose="020B0604020202020204" pitchFamily="34" charset="0"/>
+              </a:rPr>
+              <a:t> extension.</a:t>
+            </a:r>
+          </a:p>
+          <a:p>
+            <a:pPr marL="342900" indent="-342900" defTabSz="1218987">
+              <a:buFontTx/>
+              <a:buChar char="-"/>
+            </a:pPr>
+            <a:r>
+              <a:rPr lang="en-US" sz="2400" dirty="0">
+                <a:solidFill>
+                  <a:srgbClr val="000000"/>
+                </a:solidFill>
+                <a:latin typeface="Arial" panose="020B0604020202020204" pitchFamily="34" charset="0"/>
+              </a:rPr>
+              <a:t>Right click on MTAR file generated by system and say deploy to CF</a:t>
+            </a:r>
+          </a:p>
+          <a:p>
+            <a:pPr marL="342900" indent="-342900" defTabSz="1218987">
+              <a:buFontTx/>
+              <a:buChar char="-"/>
+            </a:pPr>
+            <a:r>
+              <a:rPr lang="en-US" sz="2400" dirty="0">
+                <a:solidFill>
+                  <a:srgbClr val="000000"/>
+                </a:solidFill>
+                <a:latin typeface="Arial" panose="020B0604020202020204" pitchFamily="34" charset="0"/>
+              </a:rPr>
+              <a:t>Go to CF and Applications inside your dev space</a:t>
+            </a:r>
+          </a:p>
+          <a:p>
+            <a:pPr marL="342900" indent="-342900" defTabSz="1218987">
+              <a:buFontTx/>
+              <a:buChar char="-"/>
+            </a:pPr>
+            <a:r>
+              <a:rPr lang="en-US" sz="2400" dirty="0">
+                <a:solidFill>
+                  <a:srgbClr val="000000"/>
+                </a:solidFill>
+                <a:latin typeface="Arial" panose="020B0604020202020204" pitchFamily="34" charset="0"/>
+              </a:rPr>
+              <a:t>Ideally an app with same name must be up and running</a:t>
+            </a:r>
+          </a:p>
+          <a:p>
+            <a:pPr marL="342900" indent="-342900" defTabSz="1218987">
+              <a:buFontTx/>
+              <a:buChar char="-"/>
+            </a:pPr>
+            <a:r>
+              <a:rPr lang="en-US" sz="2400" dirty="0">
+                <a:solidFill>
+                  <a:prstClr val="black"/>
+                </a:solidFill>
+                <a:latin typeface="Calibri"/>
+              </a:rPr>
+              <a:t>Once the app is deployed, we need to grant auth to our user to access this app</a:t>
+            </a:r>
+          </a:p>
+          <a:p>
+            <a:pPr marL="342900" indent="-342900" defTabSz="1218987">
+              <a:buFontTx/>
+              <a:buChar char="-"/>
+            </a:pPr>
+            <a:r>
+              <a:rPr lang="en-US" sz="2400" dirty="0">
+                <a:solidFill>
+                  <a:prstClr val="black"/>
+                </a:solidFill>
+                <a:latin typeface="Calibri"/>
+              </a:rPr>
+              <a:t>Go to role collection in our trial a/c search for </a:t>
+            </a:r>
+            <a:r>
+              <a:rPr lang="en-US" sz="2400" dirty="0" err="1">
+                <a:solidFill>
+                  <a:prstClr val="black"/>
+                </a:solidFill>
+                <a:latin typeface="Calibri"/>
+              </a:rPr>
+              <a:t>app_Viewer</a:t>
+            </a:r>
+            <a:r>
+              <a:rPr lang="en-US" sz="2400" dirty="0">
+                <a:solidFill>
+                  <a:prstClr val="black"/>
+                </a:solidFill>
+                <a:latin typeface="Calibri"/>
+              </a:rPr>
+              <a:t> role collection</a:t>
+            </a:r>
+          </a:p>
+          <a:p>
+            <a:pPr marL="342900" indent="-342900" defTabSz="1218987">
+              <a:buFontTx/>
+              <a:buChar char="-"/>
+            </a:pPr>
+            <a:r>
+              <a:rPr lang="en-US" sz="2400" dirty="0">
+                <a:solidFill>
+                  <a:prstClr val="black"/>
+                </a:solidFill>
+                <a:latin typeface="Calibri"/>
+              </a:rPr>
+              <a:t>Click and edit and assign to your email id and Save</a:t>
+            </a:r>
+          </a:p>
+          <a:p>
+            <a:pPr marL="342900" indent="-342900" defTabSz="1218987">
+              <a:buFontTx/>
+              <a:buChar char="-"/>
+            </a:pPr>
+            <a:r>
+              <a:rPr lang="en-US" sz="2400" dirty="0">
+                <a:solidFill>
+                  <a:prstClr val="black"/>
+                </a:solidFill>
+                <a:latin typeface="Calibri"/>
+              </a:rPr>
+              <a:t>Test the adaptor service by adding /sap/</a:t>
+            </a:r>
+            <a:r>
+              <a:rPr lang="en-US" sz="2400" dirty="0" err="1">
+                <a:solidFill>
+                  <a:prstClr val="black"/>
+                </a:solidFill>
+                <a:latin typeface="Calibri"/>
+              </a:rPr>
+              <a:t>bc</a:t>
+            </a:r>
+            <a:r>
+              <a:rPr lang="en-US" sz="2400" dirty="0">
+                <a:solidFill>
+                  <a:prstClr val="black"/>
+                </a:solidFill>
+                <a:latin typeface="Calibri"/>
+              </a:rPr>
+              <a:t>/</a:t>
+            </a:r>
+            <a:r>
+              <a:rPr lang="en-US" sz="2400" dirty="0" err="1">
+                <a:solidFill>
+                  <a:prstClr val="black"/>
+                </a:solidFill>
+                <a:latin typeface="Calibri"/>
+              </a:rPr>
+              <a:t>ina</a:t>
+            </a:r>
+            <a:r>
+              <a:rPr lang="en-US" sz="2400" dirty="0">
+                <a:solidFill>
+                  <a:prstClr val="black"/>
+                </a:solidFill>
+                <a:latin typeface="Calibri"/>
+              </a:rPr>
+              <a:t>/service/v2/</a:t>
+            </a:r>
+            <a:r>
+              <a:rPr lang="en-US" sz="2400" dirty="0" err="1">
+                <a:solidFill>
+                  <a:prstClr val="black"/>
+                </a:solidFill>
+                <a:latin typeface="Calibri"/>
+              </a:rPr>
+              <a:t>HeartBeat</a:t>
+            </a:r>
+            <a:endParaRPr lang="en-US" sz="2400" dirty="0">
+              <a:solidFill>
+                <a:prstClr val="black"/>
+              </a:solidFill>
+              <a:latin typeface="Calibri"/>
+            </a:endParaRPr>
+          </a:p>
+          <a:p>
+            <a:pPr defTabSz="1218987"/>
+            <a:r>
+              <a:rPr lang="en-US" sz="2400" dirty="0">
+                <a:solidFill>
+                  <a:prstClr val="black"/>
+                </a:solidFill>
+                <a:latin typeface="Calibri"/>
+              </a:rPr>
+              <a:t>3. SAC Live Connection</a:t>
+            </a:r>
+          </a:p>
+          <a:p>
+            <a:pPr defTabSz="1218987"/>
+            <a:r>
+              <a:rPr lang="en-US" sz="2400" dirty="0">
+                <a:solidFill>
+                  <a:prstClr val="black"/>
+                </a:solidFill>
+                <a:latin typeface="Calibri"/>
+              </a:rPr>
+              <a:t>Add live data connection with HANA of Direct Type</a:t>
+            </a:r>
+          </a:p>
+          <a:p>
+            <a:pPr defTabSz="1218987"/>
+            <a:r>
+              <a:rPr lang="en-US" sz="2400" dirty="0">
+                <a:solidFill>
+                  <a:prstClr val="black"/>
+                </a:solidFill>
+                <a:latin typeface="Calibri"/>
+              </a:rPr>
+              <a:t>Provide Adaptor URL and enter CF </a:t>
+            </a:r>
+            <a:r>
+              <a:rPr lang="en-US" sz="2400">
+                <a:solidFill>
+                  <a:prstClr val="black"/>
+                </a:solidFill>
+                <a:latin typeface="Calibri"/>
+              </a:rPr>
+              <a:t>credentials.</a:t>
+            </a:r>
+            <a:endParaRPr lang="en-US" sz="2400" dirty="0">
+              <a:solidFill>
+                <a:prstClr val="black"/>
+              </a:solidFill>
+              <a:latin typeface="Calibri"/>
+            </a:endParaRPr>
+          </a:p>
+        </p:txBody>
+      </p:sp>
+    </p:spTree>
+    <p:extLst>
+      <p:ext uri="{BB962C8B-B14F-4D97-AF65-F5344CB8AC3E}">
+        <p14:creationId xmlns:p14="http://schemas.microsoft.com/office/powerpoint/2010/main" val="1108956787"/>
+      </p:ext>
+    </p:extLst>
+  </p:cSld>
+  <p:clrMapOvr>
+    <a:masterClrMapping/>
+  </p:clrMapOvr>
+  <p:transition spd="slow">
+    <p:push dir="u"/>
+  </p:transition>
+</p:sld>
+</file>
+
+<file path=ppt/slides/slide11.xml><?xml version="1.0" encoding="utf-8"?>
+<p:sld xmlns:a="http://schemas.openxmlformats.org/drawingml/2006/main" xmlns:r="http://schemas.openxmlformats.org/officeDocument/2006/relationships" xmlns:p="http://schemas.openxmlformats.org/presentationml/2006/main">
+  <p:cSld>
+    <p:spTree>
+      <p:nvGrpSpPr>
+        <p:cNvPr id="1" name=""/>
+        <p:cNvGrpSpPr/>
+        <p:nvPr/>
+      </p:nvGrpSpPr>
+      <p:grpSpPr>
+        <a:xfrm>
+          <a:off x="0" y="0"/>
+          <a:ext cx="0" cy="0"/>
+          <a:chOff x="0" y="0"/>
+          <a:chExt cx="0" cy="0"/>
+        </a:xfrm>
+      </p:grpSpPr>
+      <p:sp>
+        <p:nvSpPr>
+          <p:cNvPr id="2" name="Title 3">
+            <a:extLst>
+              <a:ext uri="{FF2B5EF4-FFF2-40B4-BE49-F238E27FC236}">
+                <a16:creationId xmlns:a16="http://schemas.microsoft.com/office/drawing/2014/main" id="{F07FC580-E2AB-4C55-8C95-D5E077A1D127}"/>
+              </a:ext>
+            </a:extLst>
+          </p:cNvPr>
+          <p:cNvSpPr txBox="1">
+            <a:spLocks/>
+          </p:cNvSpPr>
+          <p:nvPr/>
+        </p:nvSpPr>
+        <p:spPr>
+          <a:xfrm>
+            <a:off x="261764" y="188640"/>
+            <a:ext cx="11292008" cy="711081"/>
+          </a:xfrm>
+          <a:prstGeom prst="rect">
+            <a:avLst/>
+          </a:prstGeom>
+        </p:spPr>
+        <p:txBody>
+          <a:bodyPr/>
+          <a:lstStyle>
+            <a:lvl1pPr algn="l" defTabSz="914400" rtl="0" eaLnBrk="1" latinLnBrk="0" hangingPunct="1">
+              <a:lnSpc>
+                <a:spcPct val="90000"/>
+              </a:lnSpc>
+              <a:spcBef>
+                <a:spcPct val="0"/>
+              </a:spcBef>
+              <a:buNone/>
+              <a:defRPr sz="4400" kern="1200">
+                <a:solidFill>
+                  <a:schemeClr val="tx1"/>
+                </a:solidFill>
+                <a:latin typeface="+mj-lt"/>
+                <a:ea typeface="+mj-ea"/>
+                <a:cs typeface="+mj-cs"/>
+              </a:defRPr>
+            </a:lvl1pPr>
+          </a:lstStyle>
+          <a:p>
+            <a:endParaRPr lang="en-US" b="1" dirty="0"/>
+          </a:p>
+        </p:txBody>
+      </p:sp>
+      <p:sp>
+        <p:nvSpPr>
+          <p:cNvPr id="7" name="TextBox 6">
+            <a:extLst>
+              <a:ext uri="{FF2B5EF4-FFF2-40B4-BE49-F238E27FC236}">
+                <a16:creationId xmlns:a16="http://schemas.microsoft.com/office/drawing/2014/main" id="{17EB74BE-8011-4153-8F37-3BEF9C1F4CC0}"/>
+              </a:ext>
+            </a:extLst>
+          </p:cNvPr>
+          <p:cNvSpPr txBox="1"/>
+          <p:nvPr/>
+        </p:nvSpPr>
+        <p:spPr>
+          <a:xfrm>
+            <a:off x="3207328" y="2498209"/>
+            <a:ext cx="6174508" cy="1323439"/>
+          </a:xfrm>
+          <a:prstGeom prst="rect">
+            <a:avLst/>
+          </a:prstGeom>
+          <a:noFill/>
+        </p:spPr>
+        <p:txBody>
+          <a:bodyPr wrap="square">
+            <a:spAutoFit/>
+          </a:bodyPr>
+          <a:lstStyle/>
+          <a:p>
+            <a:r>
+              <a:rPr lang="en-US" sz="8000" b="1" dirty="0"/>
+              <a:t>End of Day 10</a:t>
+            </a:r>
+          </a:p>
+        </p:txBody>
+      </p:sp>
+    </p:spTree>
+    <p:extLst>
+      <p:ext uri="{BB962C8B-B14F-4D97-AF65-F5344CB8AC3E}">
+        <p14:creationId xmlns:p14="http://schemas.microsoft.com/office/powerpoint/2010/main" val="3867772902"/>
+      </p:ext>
+    </p:extLst>
+  </p:cSld>
+  <p:clrMapOvr>
+    <a:masterClrMapping/>
+  </p:clrMapOvr>
+</p:sld>
+</file>
+
+<file path=ppt/slides/slide12.xml><?xml version="1.0" encoding="utf-8"?>
+<p:sld xmlns:a="http://schemas.openxmlformats.org/drawingml/2006/main" xmlns:r="http://schemas.openxmlformats.org/officeDocument/2006/relationships" xmlns:p="http://schemas.openxmlformats.org/presentationml/2006/main">
+  <p:cSld>
+    <p:spTree>
+      <p:nvGrpSpPr>
+        <p:cNvPr id="1" name=""/>
+        <p:cNvGrpSpPr/>
+        <p:nvPr/>
+      </p:nvGrpSpPr>
+      <p:grpSpPr>
+        <a:xfrm>
+          <a:off x="0" y="0"/>
+          <a:ext cx="0" cy="0"/>
+          <a:chOff x="0" y="0"/>
+          <a:chExt cx="0" cy="0"/>
+        </a:xfrm>
+      </p:grpSpPr>
+      <p:sp>
+        <p:nvSpPr>
+          <p:cNvPr id="2" name="Title 1">
+            <a:extLst>
+              <a:ext uri="{FF2B5EF4-FFF2-40B4-BE49-F238E27FC236}">
+                <a16:creationId xmlns:a16="http://schemas.microsoft.com/office/drawing/2014/main" id="{29CB9E00-0397-4178-9E57-32DC82D3A8F7}"/>
+              </a:ext>
+            </a:extLst>
+          </p:cNvPr>
+          <p:cNvSpPr>
+            <a:spLocks noGrp="1"/>
+          </p:cNvSpPr>
+          <p:nvPr>
+            <p:ph type="title"/>
+          </p:nvPr>
+        </p:nvSpPr>
+        <p:spPr/>
+        <p:txBody>
+          <a:bodyPr/>
+          <a:lstStyle/>
+          <a:p>
+            <a:endParaRPr lang="en-US"/>
+          </a:p>
+        </p:txBody>
+      </p:sp>
+      <p:sp>
+        <p:nvSpPr>
+          <p:cNvPr id="3" name="Content Placeholder 2">
+            <a:extLst>
+              <a:ext uri="{FF2B5EF4-FFF2-40B4-BE49-F238E27FC236}">
+                <a16:creationId xmlns:a16="http://schemas.microsoft.com/office/drawing/2014/main" id="{73A078A5-4F35-4958-8384-CBBBD3DED2C3}"/>
+              </a:ext>
+            </a:extLst>
+          </p:cNvPr>
+          <p:cNvSpPr>
+            <a:spLocks noGrp="1"/>
+          </p:cNvSpPr>
+          <p:nvPr>
+            <p:ph sz="quarter" idx="13"/>
+          </p:nvPr>
+        </p:nvSpPr>
+        <p:spPr/>
+        <p:txBody>
+          <a:bodyPr/>
+          <a:lstStyle/>
+          <a:p>
+            <a:endParaRPr lang="en-US"/>
+          </a:p>
+        </p:txBody>
+      </p:sp>
+    </p:spTree>
+    <p:extLst>
+      <p:ext uri="{BB962C8B-B14F-4D97-AF65-F5344CB8AC3E}">
+        <p14:creationId xmlns:p14="http://schemas.microsoft.com/office/powerpoint/2010/main" val="3265325021"/>
+      </p:ext>
+    </p:extLst>
+  </p:cSld>
+  <p:clrMapOvr>
+    <a:masterClrMapping/>
+  </p:clrMapOvr>
+</p:sld>
+</file>
+
+<file path=ppt/slides/slide13.xml><?xml version="1.0" encoding="utf-8"?>
+<p:sld xmlns:a="http://schemas.openxmlformats.org/drawingml/2006/main" xmlns:r="http://schemas.openxmlformats.org/officeDocument/2006/relationships" xmlns:p="http://schemas.openxmlformats.org/presentationml/2006/main">
+  <p:cSld>
+    <p:spTree>
+      <p:nvGrpSpPr>
+        <p:cNvPr id="1" name=""/>
+        <p:cNvGrpSpPr/>
+        <p:nvPr/>
+      </p:nvGrpSpPr>
+      <p:grpSpPr>
+        <a:xfrm>
+          <a:off x="0" y="0"/>
+          <a:ext cx="0" cy="0"/>
+          <a:chOff x="0" y="0"/>
+          <a:chExt cx="0" cy="0"/>
+        </a:xfrm>
+      </p:grpSpPr>
+      <p:pic>
+        <p:nvPicPr>
+          <p:cNvPr id="1028" name="Picture 4" descr="Free Vector | Flat people with question marks background">
+            <a:extLst>
+              <a:ext uri="{FF2B5EF4-FFF2-40B4-BE49-F238E27FC236}">
+                <a16:creationId xmlns:a16="http://schemas.microsoft.com/office/drawing/2014/main" id="{E158EC70-4769-4E41-A278-C90EC4E480C7}"/>
+              </a:ext>
+            </a:extLst>
+          </p:cNvPr>
+          <p:cNvPicPr>
+            <a:picLocks noChangeAspect="1" noChangeArrowheads="1"/>
+          </p:cNvPicPr>
+          <p:nvPr/>
+        </p:nvPicPr>
+        <p:blipFill rotWithShape="1">
+          <a:blip r:embed="rId2">
+            <a:extLst>
+              <a:ext uri="{28A0092B-C50C-407E-A947-70E740481C1C}">
+                <a14:useLocalDpi xmlns:a14="http://schemas.microsoft.com/office/drawing/2010/main" val="0"/>
+              </a:ext>
+            </a:extLst>
+          </a:blip>
+          <a:srcRect t="1" b="22246"/>
+          <a:stretch/>
+        </p:blipFill>
+        <p:spPr bwMode="auto">
+          <a:xfrm>
+            <a:off x="1848418" y="639706"/>
+            <a:ext cx="7599507" cy="5908876"/>
+          </a:xfrm>
+          <a:prstGeom prst="rect">
+            <a:avLst/>
+          </a:prstGeom>
+          <a:noFill/>
+          <a:extLst>
+            <a:ext uri="{909E8E84-426E-40DD-AFC4-6F175D3DCCD1}">
+              <a14:hiddenFill xmlns:a14="http://schemas.microsoft.com/office/drawing/2010/main">
+                <a:solidFill>
+                  <a:srgbClr val="FFFFFF"/>
+                </a:solidFill>
+              </a14:hiddenFill>
+            </a:ext>
+          </a:extLst>
+        </p:spPr>
+      </p:pic>
+      <p:sp>
+        <p:nvSpPr>
+          <p:cNvPr id="2" name="TextBox 1">
+            <a:extLst>
+              <a:ext uri="{FF2B5EF4-FFF2-40B4-BE49-F238E27FC236}">
+                <a16:creationId xmlns:a16="http://schemas.microsoft.com/office/drawing/2014/main" id="{994C3DB2-D47E-4B94-804B-87AF1FDEF86E}"/>
+              </a:ext>
+            </a:extLst>
+          </p:cNvPr>
+          <p:cNvSpPr txBox="1"/>
+          <p:nvPr/>
+        </p:nvSpPr>
+        <p:spPr>
+          <a:xfrm>
+            <a:off x="4535055" y="1052946"/>
+            <a:ext cx="5588000" cy="769441"/>
+          </a:xfrm>
+          <a:prstGeom prst="rect">
+            <a:avLst/>
+          </a:prstGeom>
+          <a:noFill/>
+        </p:spPr>
+        <p:txBody>
+          <a:bodyPr wrap="square" rtlCol="0">
+            <a:spAutoFit/>
+          </a:bodyPr>
+          <a:lstStyle/>
+          <a:p>
+            <a:r>
+              <a:rPr lang="en-US" sz="4400" b="1" dirty="0"/>
+              <a:t>Questions</a:t>
+            </a:r>
+          </a:p>
+        </p:txBody>
+      </p:sp>
+    </p:spTree>
+    <p:extLst>
+      <p:ext uri="{BB962C8B-B14F-4D97-AF65-F5344CB8AC3E}">
+        <p14:creationId xmlns:p14="http://schemas.microsoft.com/office/powerpoint/2010/main" val="1308118299"/>
+      </p:ext>
+    </p:extLst>
+  </p:cSld>
+  <p:clrMapOvr>
+    <a:masterClrMapping/>
+  </p:clrMapOvr>
+</p:sld>
+</file>
+
+<file path=ppt/slides/slide14.xml><?xml version="1.0" encoding="utf-8"?>
+<p:sld xmlns:a="http://schemas.openxmlformats.org/drawingml/2006/main" xmlns:r="http://schemas.openxmlformats.org/officeDocument/2006/relationships" xmlns:p="http://schemas.openxmlformats.org/presentationml/2006/main">
+  <p:cSld>
+    <p:bg>
+      <p:bgPr>
+        <a:solidFill>
+          <a:schemeClr val="bg1">
+            <a:lumMod val="95000"/>
+          </a:schemeClr>
+        </a:solidFill>
+        <a:effectLst/>
+      </p:bgPr>
+    </p:bg>
+    <p:spTree>
+      <p:nvGrpSpPr>
+        <p:cNvPr id="1" name=""/>
+        <p:cNvGrpSpPr/>
+        <p:nvPr/>
+      </p:nvGrpSpPr>
+      <p:grpSpPr>
+        <a:xfrm>
+          <a:off x="0" y="0"/>
+          <a:ext cx="0" cy="0"/>
+          <a:chOff x="0" y="0"/>
+          <a:chExt cx="0" cy="0"/>
+        </a:xfrm>
+      </p:grpSpPr>
+      <p:pic>
+        <p:nvPicPr>
+          <p:cNvPr id="2052" name="Picture 4" descr="Ski Jumping Arena - Free Presentation Templates">
+            <a:extLst>
+              <a:ext uri="{FF2B5EF4-FFF2-40B4-BE49-F238E27FC236}">
+                <a16:creationId xmlns:a16="http://schemas.microsoft.com/office/drawing/2014/main" id="{B0D7E6A1-F72A-4F69-B4FB-A4ED7A0C6CED}"/>
+              </a:ext>
+            </a:extLst>
+          </p:cNvPr>
+          <p:cNvPicPr>
+            <a:picLocks noChangeAspect="1" noChangeArrowheads="1"/>
+          </p:cNvPicPr>
+          <p:nvPr/>
+        </p:nvPicPr>
+        <p:blipFill rotWithShape="1">
+          <a:blip r:embed="rId3">
+            <a:extLst>
+              <a:ext uri="{28A0092B-C50C-407E-A947-70E740481C1C}">
+                <a14:useLocalDpi xmlns:a14="http://schemas.microsoft.com/office/drawing/2010/main" val="0"/>
+              </a:ext>
+            </a:extLst>
+          </a:blip>
+          <a:srcRect r="2246" b="2246"/>
+          <a:stretch/>
+        </p:blipFill>
+        <p:spPr bwMode="auto">
+          <a:xfrm>
+            <a:off x="0" y="0"/>
+            <a:ext cx="12192000" cy="6858000"/>
+          </a:xfrm>
+          <a:prstGeom prst="rect">
+            <a:avLst/>
+          </a:prstGeom>
+          <a:noFill/>
+          <a:extLst>
+            <a:ext uri="{909E8E84-426E-40DD-AFC4-6F175D3DCCD1}">
+              <a14:hiddenFill xmlns:a14="http://schemas.microsoft.com/office/drawing/2010/main">
+                <a:solidFill>
+                  <a:srgbClr val="FFFFFF"/>
+                </a:solidFill>
+              </a14:hiddenFill>
+            </a:ext>
+          </a:extLst>
+        </p:spPr>
+      </p:pic>
+      <p:sp>
+        <p:nvSpPr>
+          <p:cNvPr id="5" name="TextBox 4"/>
+          <p:cNvSpPr txBox="1"/>
+          <p:nvPr/>
+        </p:nvSpPr>
+        <p:spPr>
+          <a:xfrm>
+            <a:off x="1910833" y="3429000"/>
+            <a:ext cx="6629399" cy="1200329"/>
+          </a:xfrm>
+          <a:prstGeom prst="rect">
+            <a:avLst/>
+          </a:prstGeom>
+          <a:noFill/>
+        </p:spPr>
+        <p:txBody>
+          <a:bodyPr wrap="square" rtlCol="0">
+            <a:spAutoFit/>
+          </a:bodyPr>
+          <a:lstStyle/>
+          <a:p>
+            <a:pPr marL="0" marR="0" lvl="0" indent="0" algn="l" defTabSz="914400" rtl="0" eaLnBrk="1" fontAlgn="auto" latinLnBrk="0" hangingPunct="1">
+              <a:lnSpc>
+                <a:spcPct val="100000"/>
+              </a:lnSpc>
+              <a:spcBef>
+                <a:spcPts val="0"/>
+              </a:spcBef>
+              <a:spcAft>
+                <a:spcPts val="0"/>
+              </a:spcAft>
+              <a:buClrTx/>
+              <a:buSzTx/>
+              <a:buFontTx/>
+              <a:buNone/>
+              <a:tabLst/>
+              <a:defRPr/>
+            </a:pPr>
+            <a:r>
+              <a:rPr kumimoji="0" lang="en-US" sz="3600" b="0" i="0" u="none" strike="noStrike" kern="1200" cap="none" spc="-150" normalizeH="0" baseline="0" noProof="0" dirty="0">
+                <a:ln>
+                  <a:noFill/>
+                </a:ln>
+                <a:solidFill>
+                  <a:prstClr val="white"/>
+                </a:solidFill>
+                <a:effectLst/>
+                <a:uLnTx/>
+                <a:uFillTx/>
+                <a:latin typeface="Calibri" panose="020F0502020204030204"/>
+                <a:ea typeface="+mn-ea"/>
+                <a:cs typeface="+mn-cs"/>
+              </a:rPr>
+              <a:t>Anubhav </a:t>
+            </a:r>
+            <a:r>
+              <a:rPr kumimoji="0" lang="en-US" sz="3600" b="0" i="0" u="none" strike="noStrike" kern="1200" cap="none" spc="-150" normalizeH="0" baseline="0" noProof="0" dirty="0" err="1">
+                <a:ln>
+                  <a:noFill/>
+                </a:ln>
+                <a:solidFill>
+                  <a:prstClr val="white"/>
+                </a:solidFill>
+                <a:effectLst/>
+                <a:uLnTx/>
+                <a:uFillTx/>
+                <a:latin typeface="Calibri" panose="020F0502020204030204"/>
+                <a:ea typeface="+mn-ea"/>
+                <a:cs typeface="+mn-cs"/>
+              </a:rPr>
+              <a:t>Oberoy</a:t>
+            </a:r>
+            <a:endParaRPr kumimoji="0" lang="en-US" sz="3600" b="0" i="0" u="none" strike="noStrike" kern="1200" cap="none" spc="-150" normalizeH="0" baseline="0" noProof="0" dirty="0">
+              <a:ln>
+                <a:noFill/>
+              </a:ln>
+              <a:solidFill>
+                <a:prstClr val="white"/>
+              </a:solidFill>
+              <a:effectLst/>
+              <a:uLnTx/>
+              <a:uFillTx/>
+              <a:latin typeface="Calibri" panose="020F0502020204030204"/>
+              <a:ea typeface="+mn-ea"/>
+              <a:cs typeface="+mn-cs"/>
+            </a:endParaRPr>
+          </a:p>
+          <a:p>
+            <a:pPr marL="0" marR="0" lvl="0" indent="0" algn="l" defTabSz="914400" rtl="0" eaLnBrk="1" fontAlgn="auto" latinLnBrk="0" hangingPunct="1">
+              <a:lnSpc>
+                <a:spcPct val="100000"/>
+              </a:lnSpc>
+              <a:spcBef>
+                <a:spcPts val="0"/>
+              </a:spcBef>
+              <a:spcAft>
+                <a:spcPts val="0"/>
+              </a:spcAft>
+              <a:buClrTx/>
+              <a:buSzTx/>
+              <a:buFontTx/>
+              <a:buNone/>
+              <a:tabLst/>
+              <a:defRPr/>
+            </a:pPr>
+            <a:r>
+              <a:rPr lang="en-US" sz="3600" spc="-150" dirty="0">
+                <a:solidFill>
+                  <a:prstClr val="white"/>
+                </a:solidFill>
+                <a:latin typeface="Calibri" panose="020F0502020204030204"/>
+              </a:rPr>
+              <a:t>anubhav.abap@gmail.com</a:t>
+            </a:r>
+            <a:endParaRPr kumimoji="0" lang="en-US" sz="3600" b="0" i="0" u="none" strike="noStrike" kern="1200" cap="none" spc="-150" normalizeH="0" baseline="0" noProof="0" dirty="0">
+              <a:ln>
+                <a:noFill/>
+              </a:ln>
+              <a:solidFill>
+                <a:prstClr val="white"/>
+              </a:solidFill>
+              <a:effectLst/>
+              <a:uLnTx/>
+              <a:uFillTx/>
+              <a:latin typeface="Calibri" panose="020F0502020204030204"/>
+              <a:ea typeface="+mn-ea"/>
+              <a:cs typeface="+mn-cs"/>
+            </a:endParaRPr>
+          </a:p>
+        </p:txBody>
+      </p:sp>
+    </p:spTree>
+    <p:extLst>
+      <p:ext uri="{BB962C8B-B14F-4D97-AF65-F5344CB8AC3E}">
+        <p14:creationId xmlns:p14="http://schemas.microsoft.com/office/powerpoint/2010/main" val="132008300"/>
+      </p:ext>
+    </p:extLst>
+  </p:cSld>
+  <p:clrMapOvr>
+    <a:masterClrMapping/>
+  </p:clrMapOvr>
+  <mc:AlternateContent xmlns:mc="http://schemas.openxmlformats.org/markup-compatibility/2006" xmlns:p14="http://schemas.microsoft.com/office/powerpoint/2010/main">
+    <mc:Choice Requires="p14">
+      <p:transition spd="med" p14:dur="700">
+        <p:fade/>
+      </p:transition>
+    </mc:Choice>
+    <mc:Fallback xmlns="">
+      <p:transition spd="med">
+        <p:fade/>
+      </p:transition>
+    </mc:Fallback>
+  </mc:AlternateContent>
+</p:sld>
+</file>
+
+<file path=ppt/slides/slide2.xml><?xml version="1.0" encoding="utf-8"?>
+<p:sld xmlns:a="http://schemas.openxmlformats.org/drawingml/2006/main" xmlns:r="http://schemas.openxmlformats.org/officeDocument/2006/relationships" xmlns:p="http://schemas.openxmlformats.org/presentationml/2006/main">
+  <p:cSld>
+    <p:spTree>
+      <p:nvGrpSpPr>
+        <p:cNvPr id="1" name=""/>
+        <p:cNvGrpSpPr/>
+        <p:nvPr/>
+      </p:nvGrpSpPr>
+      <p:grpSpPr>
+        <a:xfrm>
+          <a:off x="0" y="0"/>
+          <a:ext cx="0" cy="0"/>
+          <a:chOff x="0" y="0"/>
+          <a:chExt cx="0" cy="0"/>
+        </a:xfrm>
+      </p:grpSpPr>
+      <p:sp>
+        <p:nvSpPr>
+          <p:cNvPr id="2" name="Title 3">
+            <a:extLst>
+              <a:ext uri="{FF2B5EF4-FFF2-40B4-BE49-F238E27FC236}">
+                <a16:creationId xmlns:a16="http://schemas.microsoft.com/office/drawing/2014/main" id="{F07FC580-E2AB-4C55-8C95-D5E077A1D127}"/>
+              </a:ext>
+            </a:extLst>
+          </p:cNvPr>
+          <p:cNvSpPr txBox="1">
+            <a:spLocks/>
+          </p:cNvSpPr>
+          <p:nvPr/>
+        </p:nvSpPr>
+        <p:spPr>
+          <a:xfrm>
+            <a:off x="261764" y="188640"/>
+            <a:ext cx="11292008" cy="711081"/>
+          </a:xfrm>
+          <a:prstGeom prst="rect">
+            <a:avLst/>
+          </a:prstGeom>
+        </p:spPr>
+        <p:txBody>
+          <a:bodyPr/>
+          <a:lstStyle>
+            <a:lvl1pPr algn="l" defTabSz="914400" rtl="0" eaLnBrk="1" latinLnBrk="0" hangingPunct="1">
+              <a:lnSpc>
+                <a:spcPct val="90000"/>
+              </a:lnSpc>
+              <a:spcBef>
+                <a:spcPct val="0"/>
+              </a:spcBef>
+              <a:buNone/>
+              <a:defRPr sz="4400" kern="1200">
+                <a:solidFill>
+                  <a:schemeClr val="tx1"/>
+                </a:solidFill>
+                <a:latin typeface="+mj-lt"/>
+                <a:ea typeface="+mj-ea"/>
+                <a:cs typeface="+mj-cs"/>
+              </a:defRPr>
+            </a:lvl1pPr>
+          </a:lstStyle>
+          <a:p>
+            <a:pPr marL="0" marR="0" lvl="0" indent="0" algn="l" defTabSz="914400" rtl="0" eaLnBrk="1" fontAlgn="auto" latinLnBrk="0" hangingPunct="1">
+              <a:lnSpc>
+                <a:spcPct val="90000"/>
+              </a:lnSpc>
+              <a:spcBef>
+                <a:spcPct val="0"/>
+              </a:spcBef>
+              <a:spcAft>
+                <a:spcPts val="0"/>
+              </a:spcAft>
+              <a:buClrTx/>
+              <a:buSzTx/>
+              <a:buFontTx/>
+              <a:buNone/>
+              <a:tabLst/>
+              <a:defRPr/>
+            </a:pPr>
+            <a:r>
+              <a:rPr kumimoji="0" lang="en-US" sz="4400" b="1" i="0" u="none" strike="noStrike" kern="1200" cap="none" spc="0" normalizeH="0" baseline="0" noProof="0" dirty="0">
+                <a:ln>
+                  <a:noFill/>
+                </a:ln>
+                <a:solidFill>
+                  <a:prstClr val="black"/>
+                </a:solidFill>
+                <a:effectLst/>
+                <a:uLnTx/>
+                <a:uFillTx/>
+                <a:latin typeface="Calibri Light" panose="020F0302020204030204"/>
+                <a:ea typeface="+mj-ea"/>
+                <a:cs typeface="+mj-cs"/>
+              </a:rPr>
+              <a:t>Agenda – Day 10</a:t>
+            </a:r>
+          </a:p>
+        </p:txBody>
+      </p:sp>
+      <p:sp>
+        <p:nvSpPr>
+          <p:cNvPr id="4" name="Footer Placeholder 45">
+            <a:extLst>
+              <a:ext uri="{FF2B5EF4-FFF2-40B4-BE49-F238E27FC236}">
+                <a16:creationId xmlns:a16="http://schemas.microsoft.com/office/drawing/2014/main" id="{90E33047-DFF5-4690-8905-31E4C115EFDC}"/>
+              </a:ext>
+            </a:extLst>
+          </p:cNvPr>
+          <p:cNvSpPr>
+            <a:spLocks noGrp="1"/>
+          </p:cNvSpPr>
+          <p:nvPr>
+            <p:ph type="ftr" sz="quarter" idx="11"/>
+          </p:nvPr>
+        </p:nvSpPr>
+        <p:spPr>
+          <a:xfrm>
+            <a:off x="10123055" y="6548582"/>
+            <a:ext cx="2225295" cy="203620"/>
+          </a:xfrm>
+        </p:spPr>
+        <p:txBody>
+          <a:bodyPr/>
+          <a:lstStyle/>
+          <a:p>
+            <a:pPr marL="0" marR="0" lvl="0" indent="0" algn="ctr" defTabSz="914400" rtl="0" eaLnBrk="1" fontAlgn="auto" latinLnBrk="0" hangingPunct="1">
+              <a:lnSpc>
+                <a:spcPct val="100000"/>
+              </a:lnSpc>
+              <a:spcBef>
+                <a:spcPts val="0"/>
+              </a:spcBef>
+              <a:spcAft>
+                <a:spcPts val="0"/>
+              </a:spcAft>
+              <a:buClrTx/>
+              <a:buSzTx/>
+              <a:buFontTx/>
+              <a:buNone/>
+              <a:tabLst/>
+              <a:defRPr/>
+            </a:pPr>
+            <a:r>
+              <a:rPr kumimoji="0" lang="en-US" sz="1200" b="1" i="0" u="none" strike="noStrike" kern="1200" cap="none" spc="0" normalizeH="0" baseline="0" noProof="0" dirty="0">
+                <a:ln>
+                  <a:noFill/>
+                </a:ln>
+                <a:solidFill>
+                  <a:prstClr val="black"/>
+                </a:solidFill>
+                <a:effectLst/>
+                <a:uLnTx/>
+                <a:uFillTx/>
+                <a:latin typeface="Calibri" panose="020F0502020204030204"/>
+                <a:ea typeface="+mn-ea"/>
+                <a:cs typeface="+mn-cs"/>
+              </a:rPr>
+              <a:t>Anubhav trainings</a:t>
+            </a:r>
+          </a:p>
+        </p:txBody>
+      </p:sp>
+      <p:sp>
+        <p:nvSpPr>
+          <p:cNvPr id="5" name="TextBox 4">
+            <a:extLst>
+              <a:ext uri="{FF2B5EF4-FFF2-40B4-BE49-F238E27FC236}">
+                <a16:creationId xmlns:a16="http://schemas.microsoft.com/office/drawing/2014/main" id="{27E5B41D-1DDF-48C9-A5AF-075F84492B68}"/>
+              </a:ext>
+            </a:extLst>
+          </p:cNvPr>
+          <p:cNvSpPr txBox="1"/>
+          <p:nvPr/>
+        </p:nvSpPr>
+        <p:spPr>
+          <a:xfrm>
+            <a:off x="247878" y="982353"/>
+            <a:ext cx="11696243" cy="830997"/>
+          </a:xfrm>
+          <a:prstGeom prst="rect">
+            <a:avLst/>
+          </a:prstGeom>
+          <a:noFill/>
+        </p:spPr>
+        <p:txBody>
+          <a:bodyPr wrap="square" rtlCol="0">
+            <a:spAutoFit/>
+          </a:bodyPr>
+          <a:lstStyle/>
+          <a:p>
+            <a:pPr marL="0" marR="0" lvl="0" indent="0" algn="l" defTabSz="914400" rtl="0" eaLnBrk="1" fontAlgn="auto" latinLnBrk="0" hangingPunct="1">
+              <a:lnSpc>
+                <a:spcPct val="100000"/>
+              </a:lnSpc>
+              <a:spcBef>
+                <a:spcPts val="0"/>
+              </a:spcBef>
+              <a:spcAft>
+                <a:spcPts val="0"/>
+              </a:spcAft>
+              <a:buClrTx/>
+              <a:buSzTx/>
+              <a:buFontTx/>
+              <a:buNone/>
+              <a:tabLst/>
+              <a:defRPr/>
+            </a:pPr>
+            <a:r>
+              <a:rPr kumimoji="0" lang="en-US" sz="1600" b="1" i="0" u="none" strike="noStrike" kern="1200" cap="none" spc="0" normalizeH="0" baseline="0" noProof="0" dirty="0">
+                <a:ln>
+                  <a:noFill/>
+                </a:ln>
+                <a:solidFill>
+                  <a:prstClr val="black"/>
+                </a:solidFill>
+                <a:effectLst/>
+                <a:uLnTx/>
+                <a:uFillTx/>
+                <a:latin typeface="Calibri" panose="020F0502020204030204"/>
+                <a:ea typeface="+mn-ea"/>
+                <a:cs typeface="+mn-cs"/>
+              </a:rPr>
+              <a:t>Integration Basics</a:t>
+            </a:r>
+          </a:p>
+          <a:p>
+            <a:pPr marL="0" marR="0" lvl="0" indent="0" algn="l" defTabSz="914400" rtl="0" eaLnBrk="1" fontAlgn="auto" latinLnBrk="0" hangingPunct="1">
+              <a:lnSpc>
+                <a:spcPct val="100000"/>
+              </a:lnSpc>
+              <a:spcBef>
+                <a:spcPts val="0"/>
+              </a:spcBef>
+              <a:spcAft>
+                <a:spcPts val="0"/>
+              </a:spcAft>
+              <a:buClrTx/>
+              <a:buSzTx/>
+              <a:buFontTx/>
+              <a:buNone/>
+              <a:tabLst/>
+              <a:defRPr/>
+            </a:pPr>
+            <a:r>
+              <a:rPr lang="en-US" sz="1600" b="1" dirty="0">
+                <a:solidFill>
+                  <a:prstClr val="black"/>
+                </a:solidFill>
+                <a:latin typeface="Calibri" panose="020F0502020204030204"/>
+              </a:rPr>
+              <a:t>SAP Cloud Connector</a:t>
+            </a:r>
+          </a:p>
+          <a:p>
+            <a:pPr marL="0" marR="0" lvl="0" indent="0" algn="l" defTabSz="914400" rtl="0" eaLnBrk="1" fontAlgn="auto" latinLnBrk="0" hangingPunct="1">
+              <a:lnSpc>
+                <a:spcPct val="100000"/>
+              </a:lnSpc>
+              <a:spcBef>
+                <a:spcPts val="0"/>
+              </a:spcBef>
+              <a:spcAft>
+                <a:spcPts val="0"/>
+              </a:spcAft>
+              <a:buClrTx/>
+              <a:buSzTx/>
+              <a:buFontTx/>
+              <a:buNone/>
+              <a:tabLst/>
+              <a:defRPr/>
+            </a:pPr>
+            <a:r>
+              <a:rPr kumimoji="0" lang="en-US" sz="1600" b="1" i="0" u="none" strike="noStrike" kern="1200" cap="none" spc="0" normalizeH="0" baseline="0" noProof="0" dirty="0">
+                <a:ln>
+                  <a:noFill/>
+                </a:ln>
+                <a:solidFill>
+                  <a:prstClr val="black"/>
+                </a:solidFill>
+                <a:effectLst/>
+                <a:uLnTx/>
+                <a:uFillTx/>
+                <a:latin typeface="Calibri" panose="020F0502020204030204"/>
+                <a:ea typeface="+mn-ea"/>
+                <a:cs typeface="+mn-cs"/>
+              </a:rPr>
+              <a:t>SAP HANA Integration</a:t>
+            </a:r>
+            <a:endParaRPr kumimoji="0" lang="en-US" sz="1600" b="0" i="0" u="none" strike="noStrike" kern="1200" cap="none" spc="0" normalizeH="0" baseline="0" noProof="0" dirty="0">
+              <a:ln>
+                <a:noFill/>
+              </a:ln>
+              <a:solidFill>
+                <a:prstClr val="black"/>
+              </a:solidFill>
+              <a:effectLst/>
+              <a:uLnTx/>
+              <a:uFillTx/>
+              <a:latin typeface="Calibri" panose="020F0502020204030204"/>
+              <a:ea typeface="+mn-ea"/>
+              <a:cs typeface="+mn-cs"/>
+            </a:endParaRPr>
+          </a:p>
+        </p:txBody>
+      </p:sp>
+    </p:spTree>
+    <p:extLst>
+      <p:ext uri="{BB962C8B-B14F-4D97-AF65-F5344CB8AC3E}">
+        <p14:creationId xmlns:p14="http://schemas.microsoft.com/office/powerpoint/2010/main" val="2321857352"/>
+      </p:ext>
+    </p:extLst>
+  </p:cSld>
+  <p:clrMapOvr>
+    <a:masterClrMapping/>
+  </p:clrMapOvr>
+</p:sld>
+</file>
+
+<file path=ppt/slides/slide3.xml><?xml version="1.0" encoding="utf-8"?>
+<p:sld xmlns:a="http://schemas.openxmlformats.org/drawingml/2006/main" xmlns:r="http://schemas.openxmlformats.org/officeDocument/2006/relationships" xmlns:p="http://schemas.openxmlformats.org/presentationml/2006/main">
+  <p:cSld>
+    <p:spTree>
+      <p:nvGrpSpPr>
+        <p:cNvPr id="1" name=""/>
+        <p:cNvGrpSpPr/>
+        <p:nvPr/>
+      </p:nvGrpSpPr>
+      <p:grpSpPr>
+        <a:xfrm>
+          <a:off x="0" y="0"/>
+          <a:ext cx="0" cy="0"/>
+          <a:chOff x="0" y="0"/>
+          <a:chExt cx="0" cy="0"/>
+        </a:xfrm>
+      </p:grpSpPr>
+      <p:sp>
+        <p:nvSpPr>
+          <p:cNvPr id="2" name="TextBox 1">
+            <a:extLst>
+              <a:ext uri="{FF2B5EF4-FFF2-40B4-BE49-F238E27FC236}">
+                <a16:creationId xmlns:a16="http://schemas.microsoft.com/office/drawing/2014/main" id="{E77C22AA-A72E-4A03-837E-F078437EE38E}"/>
+              </a:ext>
+            </a:extLst>
+          </p:cNvPr>
+          <p:cNvSpPr txBox="1"/>
+          <p:nvPr/>
+        </p:nvSpPr>
+        <p:spPr>
+          <a:xfrm>
+            <a:off x="228600" y="342900"/>
+            <a:ext cx="11563350" cy="1477328"/>
+          </a:xfrm>
+          <a:prstGeom prst="rect">
+            <a:avLst/>
+          </a:prstGeom>
+          <a:noFill/>
+        </p:spPr>
+        <p:txBody>
+          <a:bodyPr wrap="square" rtlCol="0">
+            <a:spAutoFit/>
+          </a:bodyPr>
+          <a:lstStyle/>
+          <a:p>
+            <a:r>
+              <a:rPr lang="en-US" b="1" dirty="0"/>
+              <a:t>Why integration?</a:t>
+            </a:r>
+          </a:p>
+          <a:p>
+            <a:endParaRPr lang="en-US" b="1" dirty="0"/>
+          </a:p>
+          <a:p>
+            <a:r>
+              <a:rPr lang="en-US" dirty="0"/>
+              <a:t>Most of the time, our data is not available in excel. It is stored inside a system.</a:t>
+            </a:r>
+          </a:p>
+          <a:p>
+            <a:r>
+              <a:rPr lang="en-US" dirty="0"/>
+              <a:t>e.g. HANA (Database), BW, S/4HANA, BPC, other…</a:t>
+            </a:r>
+          </a:p>
+          <a:p>
+            <a:endParaRPr lang="en-US" dirty="0"/>
+          </a:p>
+        </p:txBody>
+      </p:sp>
+      <p:sp>
+        <p:nvSpPr>
+          <p:cNvPr id="3" name="Rectangle 2">
+            <a:extLst>
+              <a:ext uri="{FF2B5EF4-FFF2-40B4-BE49-F238E27FC236}">
+                <a16:creationId xmlns:a16="http://schemas.microsoft.com/office/drawing/2014/main" id="{FDDB7290-01C3-4E7E-9C78-98F5B2C4C4BB}"/>
+              </a:ext>
+            </a:extLst>
+          </p:cNvPr>
+          <p:cNvSpPr/>
+          <p:nvPr/>
+        </p:nvSpPr>
+        <p:spPr>
+          <a:xfrm>
+            <a:off x="1790700" y="1820228"/>
+            <a:ext cx="2619375" cy="1342072"/>
+          </a:xfrm>
+          <a:prstGeom prst="rect">
+            <a:avLst/>
+          </a:prstGeom>
+        </p:spPr>
+        <p:style>
+          <a:lnRef idx="2">
+            <a:schemeClr val="accent1">
+              <a:shade val="50000"/>
+            </a:schemeClr>
+          </a:lnRef>
+          <a:fillRef idx="1">
+            <a:schemeClr val="accent1"/>
+          </a:fillRef>
+          <a:effectRef idx="0">
+            <a:schemeClr val="accent1"/>
+          </a:effectRef>
+          <a:fontRef idx="minor">
+            <a:schemeClr val="lt1"/>
+          </a:fontRef>
+        </p:style>
+        <p:txBody>
+          <a:bodyPr rtlCol="0" anchor="ctr"/>
+          <a:lstStyle/>
+          <a:p>
+            <a:pPr algn="ctr"/>
+            <a:r>
+              <a:rPr lang="en-US" dirty="0"/>
+              <a:t>SAP Analytics cloud</a:t>
+            </a:r>
+          </a:p>
+        </p:txBody>
+      </p:sp>
+      <p:sp>
+        <p:nvSpPr>
+          <p:cNvPr id="4" name="Rectangle 3">
+            <a:extLst>
+              <a:ext uri="{FF2B5EF4-FFF2-40B4-BE49-F238E27FC236}">
+                <a16:creationId xmlns:a16="http://schemas.microsoft.com/office/drawing/2014/main" id="{EDCE30A1-F8C8-44E5-9DFC-EBE8C89FF7E5}"/>
+              </a:ext>
+            </a:extLst>
+          </p:cNvPr>
+          <p:cNvSpPr/>
+          <p:nvPr/>
+        </p:nvSpPr>
+        <p:spPr>
+          <a:xfrm>
+            <a:off x="7629525" y="1820228"/>
+            <a:ext cx="2619375" cy="1342072"/>
+          </a:xfrm>
+          <a:prstGeom prst="rect">
+            <a:avLst/>
+          </a:prstGeom>
+        </p:spPr>
+        <p:style>
+          <a:lnRef idx="2">
+            <a:schemeClr val="accent1">
+              <a:shade val="50000"/>
+            </a:schemeClr>
+          </a:lnRef>
+          <a:fillRef idx="1">
+            <a:schemeClr val="accent1"/>
+          </a:fillRef>
+          <a:effectRef idx="0">
+            <a:schemeClr val="accent1"/>
+          </a:effectRef>
+          <a:fontRef idx="minor">
+            <a:schemeClr val="lt1"/>
+          </a:fontRef>
+        </p:style>
+        <p:txBody>
+          <a:bodyPr rtlCol="0" anchor="ctr"/>
+          <a:lstStyle/>
+          <a:p>
+            <a:pPr algn="ctr"/>
+            <a:r>
+              <a:rPr lang="en-US" dirty="0"/>
+              <a:t>source system</a:t>
+            </a:r>
+          </a:p>
+        </p:txBody>
+      </p:sp>
+      <p:sp>
+        <p:nvSpPr>
+          <p:cNvPr id="5" name="Oval 4">
+            <a:extLst>
+              <a:ext uri="{FF2B5EF4-FFF2-40B4-BE49-F238E27FC236}">
+                <a16:creationId xmlns:a16="http://schemas.microsoft.com/office/drawing/2014/main" id="{BDCE7CEA-BEA6-4584-8740-57B26885B0D3}"/>
+              </a:ext>
+            </a:extLst>
+          </p:cNvPr>
+          <p:cNvSpPr/>
+          <p:nvPr/>
+        </p:nvSpPr>
+        <p:spPr>
+          <a:xfrm>
+            <a:off x="2676525" y="2772133"/>
+            <a:ext cx="1057275" cy="295275"/>
+          </a:xfrm>
+          <a:prstGeom prst="ellipse">
+            <a:avLst/>
+          </a:prstGeom>
+          <a:solidFill>
+            <a:srgbClr val="00B050"/>
+          </a:solidFill>
+        </p:spPr>
+        <p:style>
+          <a:lnRef idx="2">
+            <a:schemeClr val="accent1">
+              <a:shade val="50000"/>
+            </a:schemeClr>
+          </a:lnRef>
+          <a:fillRef idx="1">
+            <a:schemeClr val="accent1"/>
+          </a:fillRef>
+          <a:effectRef idx="0">
+            <a:schemeClr val="accent1"/>
+          </a:effectRef>
+          <a:fontRef idx="minor">
+            <a:schemeClr val="lt1"/>
+          </a:fontRef>
+        </p:style>
+        <p:txBody>
+          <a:bodyPr rtlCol="0" anchor="ctr"/>
+          <a:lstStyle/>
+          <a:p>
+            <a:pPr algn="ctr"/>
+            <a:r>
+              <a:rPr lang="en-US" dirty="0"/>
+              <a:t>data</a:t>
+            </a:r>
+          </a:p>
+        </p:txBody>
+      </p:sp>
+      <p:sp>
+        <p:nvSpPr>
+          <p:cNvPr id="6" name="Arrow: Left 5">
+            <a:extLst>
+              <a:ext uri="{FF2B5EF4-FFF2-40B4-BE49-F238E27FC236}">
+                <a16:creationId xmlns:a16="http://schemas.microsoft.com/office/drawing/2014/main" id="{10BBB996-4929-479F-BAB4-8D51B7043689}"/>
+              </a:ext>
+            </a:extLst>
+          </p:cNvPr>
+          <p:cNvSpPr/>
+          <p:nvPr/>
+        </p:nvSpPr>
+        <p:spPr>
+          <a:xfrm>
+            <a:off x="4410075" y="2133600"/>
+            <a:ext cx="3219450" cy="638175"/>
+          </a:xfrm>
+          <a:prstGeom prst="leftArrow">
+            <a:avLst/>
+          </a:prstGeom>
+          <a:solidFill>
+            <a:srgbClr val="00B050"/>
+          </a:solidFill>
+        </p:spPr>
+        <p:style>
+          <a:lnRef idx="2">
+            <a:schemeClr val="accent1">
+              <a:shade val="50000"/>
+            </a:schemeClr>
+          </a:lnRef>
+          <a:fillRef idx="1">
+            <a:schemeClr val="accent1"/>
+          </a:fillRef>
+          <a:effectRef idx="0">
+            <a:schemeClr val="accent1"/>
+          </a:effectRef>
+          <a:fontRef idx="minor">
+            <a:schemeClr val="lt1"/>
+          </a:fontRef>
+        </p:style>
+        <p:txBody>
+          <a:bodyPr rtlCol="0" anchor="ctr"/>
+          <a:lstStyle/>
+          <a:p>
+            <a:pPr algn="ctr"/>
+            <a:endParaRPr lang="en-US"/>
+          </a:p>
+        </p:txBody>
+      </p:sp>
+      <p:sp>
+        <p:nvSpPr>
+          <p:cNvPr id="7" name="TextBox 6">
+            <a:extLst>
+              <a:ext uri="{FF2B5EF4-FFF2-40B4-BE49-F238E27FC236}">
+                <a16:creationId xmlns:a16="http://schemas.microsoft.com/office/drawing/2014/main" id="{22D5FE0C-2BEF-42CB-BA4C-AD993C224391}"/>
+              </a:ext>
+            </a:extLst>
+          </p:cNvPr>
+          <p:cNvSpPr txBox="1"/>
+          <p:nvPr/>
+        </p:nvSpPr>
+        <p:spPr>
+          <a:xfrm>
+            <a:off x="133349" y="3343275"/>
+            <a:ext cx="11915775" cy="2585323"/>
+          </a:xfrm>
+          <a:prstGeom prst="rect">
+            <a:avLst/>
+          </a:prstGeom>
+          <a:noFill/>
+        </p:spPr>
+        <p:txBody>
+          <a:bodyPr wrap="square" rtlCol="0">
+            <a:spAutoFit/>
+          </a:bodyPr>
+          <a:lstStyle/>
+          <a:p>
+            <a:r>
+              <a:rPr lang="en-US" dirty="0"/>
+              <a:t>There are 2 types of data sources supported by SAC</a:t>
+            </a:r>
+          </a:p>
+          <a:p>
+            <a:pPr marL="342900" indent="-342900">
+              <a:buAutoNum type="arabicPeriod"/>
+            </a:pPr>
+            <a:r>
+              <a:rPr lang="en-US" dirty="0"/>
+              <a:t>Acquire Data Source – all the data will be copied from the source system and store it in sac.</a:t>
+            </a:r>
+          </a:p>
+          <a:p>
+            <a:pPr marL="342900" indent="-342900">
+              <a:buAutoNum type="arabicPeriod"/>
+            </a:pPr>
+            <a:r>
+              <a:rPr lang="en-US" dirty="0"/>
+              <a:t>Live Data Source – Data is never stored in SAC, rather it will be fetched at runtime. Any change to data in underlaying source system will immediately reflect in SAC. (limited types of source). So when we create model in sap analytics cloud, you will only see the skeleton of the data.</a:t>
+            </a:r>
+          </a:p>
+          <a:p>
+            <a:pPr marL="800100" lvl="1" indent="-342900">
+              <a:buAutoNum type="arabicPeriod"/>
+            </a:pPr>
+            <a:r>
+              <a:rPr lang="en-US" dirty="0"/>
+              <a:t>SAP HANA</a:t>
+            </a:r>
+          </a:p>
+          <a:p>
+            <a:pPr marL="800100" lvl="1" indent="-342900">
+              <a:buAutoNum type="arabicPeriod"/>
+            </a:pPr>
+            <a:r>
+              <a:rPr lang="en-US" dirty="0"/>
+              <a:t>SAP BW</a:t>
+            </a:r>
+          </a:p>
+          <a:p>
+            <a:pPr marL="800100" lvl="1" indent="-342900">
+              <a:buAutoNum type="arabicPeriod"/>
+            </a:pPr>
+            <a:r>
+              <a:rPr lang="en-US" dirty="0"/>
+              <a:t>SAP S.4HANA </a:t>
+            </a:r>
+          </a:p>
+          <a:p>
+            <a:pPr marL="800100" lvl="1" indent="-342900">
+              <a:buAutoNum type="arabicPeriod"/>
+            </a:pPr>
+            <a:r>
+              <a:rPr lang="en-US" dirty="0"/>
+              <a:t>SAP BPC</a:t>
+            </a:r>
+          </a:p>
+        </p:txBody>
+      </p:sp>
+    </p:spTree>
+    <p:extLst>
+      <p:ext uri="{BB962C8B-B14F-4D97-AF65-F5344CB8AC3E}">
+        <p14:creationId xmlns:p14="http://schemas.microsoft.com/office/powerpoint/2010/main" val="1965358066"/>
+      </p:ext>
+    </p:extLst>
+  </p:cSld>
+  <p:clrMapOvr>
+    <a:masterClrMapping/>
+  </p:clrMapOvr>
+</p:sld>
+</file>
+
+<file path=ppt/slides/slide4.xml><?xml version="1.0" encoding="utf-8"?>
+<p:sld xmlns:a="http://schemas.openxmlformats.org/drawingml/2006/main" xmlns:r="http://schemas.openxmlformats.org/officeDocument/2006/relationships" xmlns:p="http://schemas.openxmlformats.org/presentationml/2006/main">
+  <p:cSld>
+    <p:spTree>
+      <p:nvGrpSpPr>
+        <p:cNvPr id="1" name=""/>
+        <p:cNvGrpSpPr/>
+        <p:nvPr/>
+      </p:nvGrpSpPr>
+      <p:grpSpPr>
+        <a:xfrm>
+          <a:off x="0" y="0"/>
+          <a:ext cx="0" cy="0"/>
+          <a:chOff x="0" y="0"/>
+          <a:chExt cx="0" cy="0"/>
+        </a:xfrm>
+      </p:grpSpPr>
+      <p:sp>
+        <p:nvSpPr>
+          <p:cNvPr id="2" name="Rectangle 1">
+            <a:extLst>
+              <a:ext uri="{FF2B5EF4-FFF2-40B4-BE49-F238E27FC236}">
+                <a16:creationId xmlns:a16="http://schemas.microsoft.com/office/drawing/2014/main" id="{546A1D33-28D2-4E70-9CA5-B63A4F591F42}"/>
+              </a:ext>
+            </a:extLst>
+          </p:cNvPr>
+          <p:cNvSpPr/>
+          <p:nvPr/>
+        </p:nvSpPr>
+        <p:spPr>
+          <a:xfrm>
+            <a:off x="657224" y="718185"/>
+            <a:ext cx="3514725" cy="1314450"/>
+          </a:xfrm>
+          <a:prstGeom prst="rect">
+            <a:avLst/>
+          </a:prstGeom>
+        </p:spPr>
+        <p:style>
+          <a:lnRef idx="2">
+            <a:schemeClr val="accent1">
+              <a:shade val="50000"/>
+            </a:schemeClr>
+          </a:lnRef>
+          <a:fillRef idx="1">
+            <a:schemeClr val="accent1"/>
+          </a:fillRef>
+          <a:effectRef idx="0">
+            <a:schemeClr val="accent1"/>
+          </a:effectRef>
+          <a:fontRef idx="minor">
+            <a:schemeClr val="lt1"/>
+          </a:fontRef>
+        </p:style>
+        <p:txBody>
+          <a:bodyPr rtlCol="0" anchor="ctr"/>
+          <a:lstStyle/>
+          <a:p>
+            <a:pPr algn="ctr"/>
+            <a:r>
+              <a:rPr lang="en-US" dirty="0"/>
+              <a:t>SAP Analytics Cloud</a:t>
+            </a:r>
+          </a:p>
+        </p:txBody>
+      </p:sp>
+      <p:cxnSp>
+        <p:nvCxnSpPr>
+          <p:cNvPr id="5" name="Straight Connector 4">
+            <a:extLst>
+              <a:ext uri="{FF2B5EF4-FFF2-40B4-BE49-F238E27FC236}">
+                <a16:creationId xmlns:a16="http://schemas.microsoft.com/office/drawing/2014/main" id="{C6197588-D95A-4443-A7E0-5161A4E21FD6}"/>
+              </a:ext>
+            </a:extLst>
+          </p:cNvPr>
+          <p:cNvCxnSpPr>
+            <a:cxnSpLocks/>
+          </p:cNvCxnSpPr>
+          <p:nvPr/>
+        </p:nvCxnSpPr>
+        <p:spPr>
+          <a:xfrm>
+            <a:off x="6781800" y="142875"/>
+            <a:ext cx="0" cy="3857625"/>
+          </a:xfrm>
+          <a:prstGeom prst="line">
+            <a:avLst/>
+          </a:prstGeom>
+          <a:ln w="76200">
+            <a:solidFill>
+              <a:schemeClr val="accent6">
+                <a:lumMod val="75000"/>
+              </a:schemeClr>
+            </a:solidFill>
+          </a:ln>
+        </p:spPr>
+        <p:style>
+          <a:lnRef idx="1">
+            <a:schemeClr val="accent1"/>
+          </a:lnRef>
+          <a:fillRef idx="0">
+            <a:schemeClr val="accent1"/>
+          </a:fillRef>
+          <a:effectRef idx="0">
+            <a:schemeClr val="accent1"/>
+          </a:effectRef>
+          <a:fontRef idx="minor">
+            <a:schemeClr val="tx1"/>
+          </a:fontRef>
+        </p:style>
+      </p:cxnSp>
+      <p:sp>
+        <p:nvSpPr>
+          <p:cNvPr id="6" name="Rectangle 5">
+            <a:extLst>
+              <a:ext uri="{FF2B5EF4-FFF2-40B4-BE49-F238E27FC236}">
+                <a16:creationId xmlns:a16="http://schemas.microsoft.com/office/drawing/2014/main" id="{3FBB31A0-9732-423D-8C09-B04967EDB590}"/>
+              </a:ext>
+            </a:extLst>
+          </p:cNvPr>
+          <p:cNvSpPr/>
+          <p:nvPr/>
+        </p:nvSpPr>
+        <p:spPr>
+          <a:xfrm>
+            <a:off x="9372600" y="1019175"/>
+            <a:ext cx="2295522" cy="1114425"/>
+          </a:xfrm>
+          <a:prstGeom prst="rect">
+            <a:avLst/>
+          </a:prstGeom>
+        </p:spPr>
+        <p:style>
+          <a:lnRef idx="2">
+            <a:schemeClr val="accent1">
+              <a:shade val="50000"/>
+            </a:schemeClr>
+          </a:lnRef>
+          <a:fillRef idx="1">
+            <a:schemeClr val="accent1"/>
+          </a:fillRef>
+          <a:effectRef idx="0">
+            <a:schemeClr val="accent1"/>
+          </a:effectRef>
+          <a:fontRef idx="minor">
+            <a:schemeClr val="lt1"/>
+          </a:fontRef>
+        </p:style>
+        <p:txBody>
+          <a:bodyPr rtlCol="0" anchor="ctr"/>
+          <a:lstStyle/>
+          <a:p>
+            <a:pPr algn="ctr"/>
+            <a:r>
+              <a:rPr lang="en-US" dirty="0"/>
+              <a:t>SAP S/4HANA System</a:t>
+            </a:r>
+          </a:p>
+          <a:p>
+            <a:pPr algn="ctr"/>
+            <a:r>
+              <a:rPr lang="en-US" dirty="0"/>
+              <a:t>/</a:t>
+            </a:r>
+            <a:r>
+              <a:rPr lang="en-US" dirty="0" err="1"/>
+              <a:t>bc</a:t>
+            </a:r>
+            <a:r>
+              <a:rPr lang="en-US" dirty="0"/>
+              <a:t>/</a:t>
+            </a:r>
+            <a:r>
+              <a:rPr lang="en-US" dirty="0" err="1"/>
+              <a:t>bw</a:t>
+            </a:r>
+            <a:r>
+              <a:rPr lang="en-US" dirty="0"/>
+              <a:t>/</a:t>
+            </a:r>
+            <a:r>
+              <a:rPr lang="en-US" dirty="0" err="1"/>
+              <a:t>ina</a:t>
+            </a:r>
+            <a:endParaRPr lang="en-US" dirty="0"/>
+          </a:p>
+        </p:txBody>
+      </p:sp>
+      <p:sp>
+        <p:nvSpPr>
+          <p:cNvPr id="7" name="TextBox 6">
+            <a:extLst>
+              <a:ext uri="{FF2B5EF4-FFF2-40B4-BE49-F238E27FC236}">
+                <a16:creationId xmlns:a16="http://schemas.microsoft.com/office/drawing/2014/main" id="{764F398C-2AD0-4477-89EB-315139AAABA8}"/>
+              </a:ext>
+            </a:extLst>
+          </p:cNvPr>
+          <p:cNvSpPr txBox="1"/>
+          <p:nvPr/>
+        </p:nvSpPr>
+        <p:spPr>
+          <a:xfrm>
+            <a:off x="9953625" y="0"/>
+            <a:ext cx="2057400" cy="369332"/>
+          </a:xfrm>
+          <a:prstGeom prst="rect">
+            <a:avLst/>
+          </a:prstGeom>
+          <a:noFill/>
+        </p:spPr>
+        <p:txBody>
+          <a:bodyPr wrap="square" rtlCol="0">
+            <a:spAutoFit/>
+          </a:bodyPr>
+          <a:lstStyle/>
+          <a:p>
+            <a:r>
+              <a:rPr lang="en-US" b="1" dirty="0"/>
+              <a:t>On-premise</a:t>
+            </a:r>
+          </a:p>
+        </p:txBody>
+      </p:sp>
+      <p:sp>
+        <p:nvSpPr>
+          <p:cNvPr id="8" name="TextBox 7">
+            <a:extLst>
+              <a:ext uri="{FF2B5EF4-FFF2-40B4-BE49-F238E27FC236}">
+                <a16:creationId xmlns:a16="http://schemas.microsoft.com/office/drawing/2014/main" id="{B6A83240-2D48-42B8-BABF-F9585E6CD4E2}"/>
+              </a:ext>
+            </a:extLst>
+          </p:cNvPr>
+          <p:cNvSpPr txBox="1"/>
+          <p:nvPr/>
+        </p:nvSpPr>
+        <p:spPr>
+          <a:xfrm>
+            <a:off x="0" y="0"/>
+            <a:ext cx="2057400" cy="369332"/>
+          </a:xfrm>
+          <a:prstGeom prst="rect">
+            <a:avLst/>
+          </a:prstGeom>
+          <a:noFill/>
+        </p:spPr>
+        <p:txBody>
+          <a:bodyPr wrap="square" rtlCol="0">
+            <a:spAutoFit/>
+          </a:bodyPr>
+          <a:lstStyle/>
+          <a:p>
+            <a:r>
+              <a:rPr lang="en-US" b="1" dirty="0"/>
+              <a:t>Internet</a:t>
+            </a:r>
+          </a:p>
+        </p:txBody>
+      </p:sp>
+      <p:sp>
+        <p:nvSpPr>
+          <p:cNvPr id="9" name="Rectangle 8">
+            <a:extLst>
+              <a:ext uri="{FF2B5EF4-FFF2-40B4-BE49-F238E27FC236}">
+                <a16:creationId xmlns:a16="http://schemas.microsoft.com/office/drawing/2014/main" id="{A1A5ED7A-4A21-4FDC-8BD6-E7A1FE20FD87}"/>
+              </a:ext>
+            </a:extLst>
+          </p:cNvPr>
+          <p:cNvSpPr/>
+          <p:nvPr/>
+        </p:nvSpPr>
+        <p:spPr>
+          <a:xfrm>
+            <a:off x="657224" y="3376612"/>
+            <a:ext cx="1657346" cy="814388"/>
+          </a:xfrm>
+          <a:prstGeom prst="rect">
+            <a:avLst/>
+          </a:prstGeom>
+        </p:spPr>
+        <p:style>
+          <a:lnRef idx="2">
+            <a:schemeClr val="accent1">
+              <a:shade val="50000"/>
+            </a:schemeClr>
+          </a:lnRef>
+          <a:fillRef idx="1">
+            <a:schemeClr val="accent1"/>
+          </a:fillRef>
+          <a:effectRef idx="0">
+            <a:schemeClr val="accent1"/>
+          </a:effectRef>
+          <a:fontRef idx="minor">
+            <a:schemeClr val="lt1"/>
+          </a:fontRef>
+        </p:style>
+        <p:txBody>
+          <a:bodyPr rtlCol="0" anchor="ctr"/>
+          <a:lstStyle/>
+          <a:p>
+            <a:pPr algn="ctr"/>
+            <a:r>
+              <a:rPr lang="en-US" dirty="0"/>
+              <a:t>Laptop</a:t>
+            </a:r>
+          </a:p>
+        </p:txBody>
+      </p:sp>
+      <p:cxnSp>
+        <p:nvCxnSpPr>
+          <p:cNvPr id="11" name="Connector: Elbow 10">
+            <a:extLst>
+              <a:ext uri="{FF2B5EF4-FFF2-40B4-BE49-F238E27FC236}">
+                <a16:creationId xmlns:a16="http://schemas.microsoft.com/office/drawing/2014/main" id="{ED394D9F-4B53-462A-ADA9-6CF84D9618DB}"/>
+              </a:ext>
+            </a:extLst>
+          </p:cNvPr>
+          <p:cNvCxnSpPr>
+            <a:cxnSpLocks/>
+            <a:stCxn id="9" idx="3"/>
+            <a:endCxn id="6" idx="1"/>
+          </p:cNvCxnSpPr>
+          <p:nvPr/>
+        </p:nvCxnSpPr>
+        <p:spPr>
+          <a:xfrm flipV="1">
+            <a:off x="2314570" y="1576388"/>
+            <a:ext cx="7058030" cy="2207418"/>
+          </a:xfrm>
+          <a:prstGeom prst="bentConnector3">
+            <a:avLst/>
+          </a:prstGeom>
+          <a:ln>
+            <a:tailEnd type="triangle"/>
+          </a:ln>
+        </p:spPr>
+        <p:style>
+          <a:lnRef idx="1">
+            <a:schemeClr val="accent1"/>
+          </a:lnRef>
+          <a:fillRef idx="0">
+            <a:schemeClr val="accent1"/>
+          </a:fillRef>
+          <a:effectRef idx="0">
+            <a:schemeClr val="accent1"/>
+          </a:effectRef>
+          <a:fontRef idx="minor">
+            <a:schemeClr val="tx1"/>
+          </a:fontRef>
+        </p:style>
+      </p:cxnSp>
+      <p:sp>
+        <p:nvSpPr>
+          <p:cNvPr id="12" name="Flowchart: Direct Access Storage 11">
+            <a:extLst>
+              <a:ext uri="{FF2B5EF4-FFF2-40B4-BE49-F238E27FC236}">
+                <a16:creationId xmlns:a16="http://schemas.microsoft.com/office/drawing/2014/main" id="{9473700A-8E1D-4F80-814A-7A16F08D8184}"/>
+              </a:ext>
+            </a:extLst>
+          </p:cNvPr>
+          <p:cNvSpPr/>
+          <p:nvPr/>
+        </p:nvSpPr>
+        <p:spPr>
+          <a:xfrm>
+            <a:off x="6267449" y="1476375"/>
+            <a:ext cx="1371597" cy="476250"/>
+          </a:xfrm>
+          <a:prstGeom prst="flowChartMagneticDrum">
+            <a:avLst/>
+          </a:prstGeom>
+        </p:spPr>
+        <p:style>
+          <a:lnRef idx="2">
+            <a:schemeClr val="accent1">
+              <a:shade val="50000"/>
+            </a:schemeClr>
+          </a:lnRef>
+          <a:fillRef idx="1">
+            <a:schemeClr val="accent1"/>
+          </a:fillRef>
+          <a:effectRef idx="0">
+            <a:schemeClr val="accent1"/>
+          </a:effectRef>
+          <a:fontRef idx="minor">
+            <a:schemeClr val="lt1"/>
+          </a:fontRef>
+        </p:style>
+        <p:txBody>
+          <a:bodyPr rtlCol="0" anchor="ctr"/>
+          <a:lstStyle/>
+          <a:p>
+            <a:pPr algn="ctr"/>
+            <a:r>
+              <a:rPr lang="en-US" dirty="0"/>
+              <a:t>VPN</a:t>
+            </a:r>
+          </a:p>
+        </p:txBody>
+      </p:sp>
+      <p:sp>
+        <p:nvSpPr>
+          <p:cNvPr id="17" name="Rectangle: Beveled 16">
+            <a:extLst>
+              <a:ext uri="{FF2B5EF4-FFF2-40B4-BE49-F238E27FC236}">
+                <a16:creationId xmlns:a16="http://schemas.microsoft.com/office/drawing/2014/main" id="{6FEE2B9D-D0E5-44FA-BA1B-42310AC558F9}"/>
+              </a:ext>
+            </a:extLst>
+          </p:cNvPr>
+          <p:cNvSpPr/>
+          <p:nvPr/>
+        </p:nvSpPr>
+        <p:spPr>
+          <a:xfrm>
+            <a:off x="6372225" y="718185"/>
+            <a:ext cx="1190618" cy="476250"/>
+          </a:xfrm>
+          <a:prstGeom prst="bevel">
+            <a:avLst/>
+          </a:prstGeom>
+        </p:spPr>
+        <p:style>
+          <a:lnRef idx="2">
+            <a:schemeClr val="accent1">
+              <a:shade val="50000"/>
+            </a:schemeClr>
+          </a:lnRef>
+          <a:fillRef idx="1">
+            <a:schemeClr val="accent1"/>
+          </a:fillRef>
+          <a:effectRef idx="0">
+            <a:schemeClr val="accent1"/>
+          </a:effectRef>
+          <a:fontRef idx="minor">
+            <a:schemeClr val="lt1"/>
+          </a:fontRef>
+        </p:style>
+        <p:txBody>
+          <a:bodyPr rtlCol="0" anchor="ctr"/>
+          <a:lstStyle/>
+          <a:p>
+            <a:pPr algn="ctr"/>
+            <a:r>
+              <a:rPr lang="en-US" dirty="0"/>
+              <a:t>SCC</a:t>
+            </a:r>
+          </a:p>
+        </p:txBody>
+      </p:sp>
+      <p:cxnSp>
+        <p:nvCxnSpPr>
+          <p:cNvPr id="19" name="Connector: Elbow 18">
+            <a:extLst>
+              <a:ext uri="{FF2B5EF4-FFF2-40B4-BE49-F238E27FC236}">
+                <a16:creationId xmlns:a16="http://schemas.microsoft.com/office/drawing/2014/main" id="{14943C10-1DCD-4CA9-87B7-889821296748}"/>
+              </a:ext>
+            </a:extLst>
+          </p:cNvPr>
+          <p:cNvCxnSpPr>
+            <a:stCxn id="2" idx="3"/>
+            <a:endCxn id="17" idx="4"/>
+          </p:cNvCxnSpPr>
+          <p:nvPr/>
+        </p:nvCxnSpPr>
+        <p:spPr>
+          <a:xfrm flipV="1">
+            <a:off x="4171949" y="956310"/>
+            <a:ext cx="2200276" cy="419100"/>
+          </a:xfrm>
+          <a:prstGeom prst="bentConnector3">
+            <a:avLst/>
+          </a:prstGeom>
+          <a:ln>
+            <a:tailEnd type="triangle"/>
+          </a:ln>
+        </p:spPr>
+        <p:style>
+          <a:lnRef idx="1">
+            <a:schemeClr val="accent1"/>
+          </a:lnRef>
+          <a:fillRef idx="0">
+            <a:schemeClr val="accent1"/>
+          </a:fillRef>
+          <a:effectRef idx="0">
+            <a:schemeClr val="accent1"/>
+          </a:effectRef>
+          <a:fontRef idx="minor">
+            <a:schemeClr val="tx1"/>
+          </a:fontRef>
+        </p:style>
+      </p:cxnSp>
+      <p:cxnSp>
+        <p:nvCxnSpPr>
+          <p:cNvPr id="21" name="Connector: Elbow 20">
+            <a:extLst>
+              <a:ext uri="{FF2B5EF4-FFF2-40B4-BE49-F238E27FC236}">
+                <a16:creationId xmlns:a16="http://schemas.microsoft.com/office/drawing/2014/main" id="{17665967-7ED5-42BA-9881-E2D22A88AE18}"/>
+              </a:ext>
+            </a:extLst>
+          </p:cNvPr>
+          <p:cNvCxnSpPr>
+            <a:stCxn id="17" idx="0"/>
+          </p:cNvCxnSpPr>
+          <p:nvPr/>
+        </p:nvCxnSpPr>
+        <p:spPr>
+          <a:xfrm>
+            <a:off x="7562843" y="956310"/>
+            <a:ext cx="1828809" cy="338138"/>
+          </a:xfrm>
+          <a:prstGeom prst="bentConnector3">
+            <a:avLst/>
+          </a:prstGeom>
+          <a:ln>
+            <a:tailEnd type="triangle"/>
+          </a:ln>
+        </p:spPr>
+        <p:style>
+          <a:lnRef idx="1">
+            <a:schemeClr val="accent1"/>
+          </a:lnRef>
+          <a:fillRef idx="0">
+            <a:schemeClr val="accent1"/>
+          </a:fillRef>
+          <a:effectRef idx="0">
+            <a:schemeClr val="accent1"/>
+          </a:effectRef>
+          <a:fontRef idx="minor">
+            <a:schemeClr val="tx1"/>
+          </a:fontRef>
+        </p:style>
+      </p:cxnSp>
+      <p:sp>
+        <p:nvSpPr>
+          <p:cNvPr id="23" name="TextBox 22">
+            <a:extLst>
+              <a:ext uri="{FF2B5EF4-FFF2-40B4-BE49-F238E27FC236}">
+                <a16:creationId xmlns:a16="http://schemas.microsoft.com/office/drawing/2014/main" id="{890BA5B8-B0B7-42DF-B8DB-5979D98B7099}"/>
+              </a:ext>
+            </a:extLst>
+          </p:cNvPr>
+          <p:cNvSpPr txBox="1"/>
+          <p:nvPr/>
+        </p:nvSpPr>
+        <p:spPr>
+          <a:xfrm>
+            <a:off x="6781800" y="3984784"/>
+            <a:ext cx="3390896" cy="369332"/>
+          </a:xfrm>
+          <a:prstGeom prst="rect">
+            <a:avLst/>
+          </a:prstGeom>
+          <a:noFill/>
+        </p:spPr>
+        <p:txBody>
+          <a:bodyPr wrap="square" rtlCol="0">
+            <a:spAutoFit/>
+          </a:bodyPr>
+          <a:lstStyle/>
+          <a:p>
+            <a:r>
+              <a:rPr lang="en-US" b="1" dirty="0"/>
+              <a:t>Cloud System</a:t>
+            </a:r>
+          </a:p>
+        </p:txBody>
+      </p:sp>
+      <p:sp>
+        <p:nvSpPr>
+          <p:cNvPr id="24" name="Thought Bubble: Cloud 23">
+            <a:extLst>
+              <a:ext uri="{FF2B5EF4-FFF2-40B4-BE49-F238E27FC236}">
+                <a16:creationId xmlns:a16="http://schemas.microsoft.com/office/drawing/2014/main" id="{F114E809-75FD-48F4-8B26-2BC7981E2428}"/>
+              </a:ext>
+            </a:extLst>
+          </p:cNvPr>
+          <p:cNvSpPr/>
+          <p:nvPr/>
+        </p:nvSpPr>
+        <p:spPr>
+          <a:xfrm>
+            <a:off x="8220075" y="3984784"/>
+            <a:ext cx="409570" cy="206216"/>
+          </a:xfrm>
+          <a:prstGeom prst="cloudCallout">
+            <a:avLst/>
+          </a:prstGeom>
+        </p:spPr>
+        <p:style>
+          <a:lnRef idx="2">
+            <a:schemeClr val="accent1">
+              <a:shade val="50000"/>
+            </a:schemeClr>
+          </a:lnRef>
+          <a:fillRef idx="1">
+            <a:schemeClr val="accent1"/>
+          </a:fillRef>
+          <a:effectRef idx="0">
+            <a:schemeClr val="accent1"/>
+          </a:effectRef>
+          <a:fontRef idx="minor">
+            <a:schemeClr val="lt1"/>
+          </a:fontRef>
+        </p:style>
+        <p:txBody>
+          <a:bodyPr rtlCol="0" anchor="ctr"/>
+          <a:lstStyle/>
+          <a:p>
+            <a:pPr algn="ctr"/>
+            <a:endParaRPr lang="en-US"/>
+          </a:p>
+        </p:txBody>
+      </p:sp>
+      <p:sp>
+        <p:nvSpPr>
+          <p:cNvPr id="25" name="Rectangle 24">
+            <a:extLst>
+              <a:ext uri="{FF2B5EF4-FFF2-40B4-BE49-F238E27FC236}">
+                <a16:creationId xmlns:a16="http://schemas.microsoft.com/office/drawing/2014/main" id="{07FC0138-CB0C-4CB2-B4C5-E0DDF7CE5BD5}"/>
+              </a:ext>
+            </a:extLst>
+          </p:cNvPr>
+          <p:cNvSpPr/>
+          <p:nvPr/>
+        </p:nvSpPr>
+        <p:spPr>
+          <a:xfrm>
+            <a:off x="6800852" y="4418648"/>
+            <a:ext cx="2590800" cy="410528"/>
+          </a:xfrm>
+          <a:prstGeom prst="rect">
+            <a:avLst/>
+          </a:prstGeom>
+        </p:spPr>
+        <p:style>
+          <a:lnRef idx="2">
+            <a:schemeClr val="accent1">
+              <a:shade val="50000"/>
+            </a:schemeClr>
+          </a:lnRef>
+          <a:fillRef idx="1">
+            <a:schemeClr val="accent1"/>
+          </a:fillRef>
+          <a:effectRef idx="0">
+            <a:schemeClr val="accent1"/>
+          </a:effectRef>
+          <a:fontRef idx="minor">
+            <a:schemeClr val="lt1"/>
+          </a:fontRef>
+        </p:style>
+        <p:txBody>
+          <a:bodyPr rtlCol="0" anchor="ctr"/>
+          <a:lstStyle/>
+          <a:p>
+            <a:pPr algn="ctr"/>
+            <a:r>
+              <a:rPr lang="en-US" dirty="0"/>
+              <a:t>Success Factor - HRMS</a:t>
+            </a:r>
+          </a:p>
+        </p:txBody>
+      </p:sp>
+      <p:sp>
+        <p:nvSpPr>
+          <p:cNvPr id="26" name="Rectangle 25">
+            <a:extLst>
+              <a:ext uri="{FF2B5EF4-FFF2-40B4-BE49-F238E27FC236}">
+                <a16:creationId xmlns:a16="http://schemas.microsoft.com/office/drawing/2014/main" id="{145CC112-B6BF-47C9-ACDD-F6300FE5FE90}"/>
+              </a:ext>
+            </a:extLst>
+          </p:cNvPr>
+          <p:cNvSpPr/>
+          <p:nvPr/>
+        </p:nvSpPr>
+        <p:spPr>
+          <a:xfrm>
+            <a:off x="9505952" y="4418648"/>
+            <a:ext cx="2590800" cy="410528"/>
+          </a:xfrm>
+          <a:prstGeom prst="rect">
+            <a:avLst/>
+          </a:prstGeom>
+        </p:spPr>
+        <p:style>
+          <a:lnRef idx="2">
+            <a:schemeClr val="accent1">
+              <a:shade val="50000"/>
+            </a:schemeClr>
+          </a:lnRef>
+          <a:fillRef idx="1">
+            <a:schemeClr val="accent1"/>
+          </a:fillRef>
+          <a:effectRef idx="0">
+            <a:schemeClr val="accent1"/>
+          </a:effectRef>
+          <a:fontRef idx="minor">
+            <a:schemeClr val="lt1"/>
+          </a:fontRef>
+        </p:style>
+        <p:txBody>
+          <a:bodyPr rtlCol="0" anchor="ctr"/>
+          <a:lstStyle/>
+          <a:p>
+            <a:pPr algn="ctr"/>
+            <a:r>
+              <a:rPr lang="en-US" dirty="0"/>
+              <a:t>Ariba - SRM</a:t>
+            </a:r>
+          </a:p>
+        </p:txBody>
+      </p:sp>
+      <p:sp>
+        <p:nvSpPr>
+          <p:cNvPr id="27" name="Rectangle 26">
+            <a:extLst>
+              <a:ext uri="{FF2B5EF4-FFF2-40B4-BE49-F238E27FC236}">
+                <a16:creationId xmlns:a16="http://schemas.microsoft.com/office/drawing/2014/main" id="{E939F5A2-AC41-4C31-81CD-CDC442002C33}"/>
+              </a:ext>
+            </a:extLst>
+          </p:cNvPr>
+          <p:cNvSpPr/>
+          <p:nvPr/>
+        </p:nvSpPr>
+        <p:spPr>
+          <a:xfrm>
+            <a:off x="6800852" y="4912759"/>
+            <a:ext cx="2590800" cy="410528"/>
+          </a:xfrm>
+          <a:prstGeom prst="rect">
+            <a:avLst/>
+          </a:prstGeom>
+        </p:spPr>
+        <p:style>
+          <a:lnRef idx="2">
+            <a:schemeClr val="accent1">
+              <a:shade val="50000"/>
+            </a:schemeClr>
+          </a:lnRef>
+          <a:fillRef idx="1">
+            <a:schemeClr val="accent1"/>
+          </a:fillRef>
+          <a:effectRef idx="0">
+            <a:schemeClr val="accent1"/>
+          </a:effectRef>
+          <a:fontRef idx="minor">
+            <a:schemeClr val="lt1"/>
+          </a:fontRef>
+        </p:style>
+        <p:txBody>
+          <a:bodyPr rtlCol="0" anchor="ctr"/>
+          <a:lstStyle/>
+          <a:p>
+            <a:pPr algn="ctr"/>
+            <a:r>
+              <a:rPr lang="en-US" dirty="0"/>
+              <a:t>Field glass - Contractor</a:t>
+            </a:r>
+          </a:p>
+        </p:txBody>
+      </p:sp>
+      <p:sp>
+        <p:nvSpPr>
+          <p:cNvPr id="28" name="Rectangle 27">
+            <a:extLst>
+              <a:ext uri="{FF2B5EF4-FFF2-40B4-BE49-F238E27FC236}">
+                <a16:creationId xmlns:a16="http://schemas.microsoft.com/office/drawing/2014/main" id="{3286F0E7-E547-4DBD-B893-7F470ABF1502}"/>
+              </a:ext>
+            </a:extLst>
+          </p:cNvPr>
+          <p:cNvSpPr/>
+          <p:nvPr/>
+        </p:nvSpPr>
+        <p:spPr>
+          <a:xfrm>
+            <a:off x="9505952" y="4912759"/>
+            <a:ext cx="2590800" cy="410528"/>
+          </a:xfrm>
+          <a:prstGeom prst="rect">
+            <a:avLst/>
+          </a:prstGeom>
+        </p:spPr>
+        <p:style>
+          <a:lnRef idx="2">
+            <a:schemeClr val="accent1">
+              <a:shade val="50000"/>
+            </a:schemeClr>
+          </a:lnRef>
+          <a:fillRef idx="1">
+            <a:schemeClr val="accent1"/>
+          </a:fillRef>
+          <a:effectRef idx="0">
+            <a:schemeClr val="accent1"/>
+          </a:effectRef>
+          <a:fontRef idx="minor">
+            <a:schemeClr val="lt1"/>
+          </a:fontRef>
+        </p:style>
+        <p:txBody>
+          <a:bodyPr rtlCol="0" anchor="ctr"/>
+          <a:lstStyle/>
+          <a:p>
+            <a:pPr algn="ctr"/>
+            <a:r>
+              <a:rPr lang="en-US" dirty="0"/>
+              <a:t>Concur – Travel &amp; </a:t>
+            </a:r>
+            <a:r>
+              <a:rPr lang="en-US" dirty="0" err="1"/>
+              <a:t>Expese</a:t>
+            </a:r>
+            <a:endParaRPr lang="en-US" dirty="0"/>
+          </a:p>
+        </p:txBody>
+      </p:sp>
+      <p:sp>
+        <p:nvSpPr>
+          <p:cNvPr id="29" name="Rectangle 28">
+            <a:extLst>
+              <a:ext uri="{FF2B5EF4-FFF2-40B4-BE49-F238E27FC236}">
+                <a16:creationId xmlns:a16="http://schemas.microsoft.com/office/drawing/2014/main" id="{E82827D6-1E68-4840-A987-E3C44F2D4E17}"/>
+              </a:ext>
+            </a:extLst>
+          </p:cNvPr>
+          <p:cNvSpPr/>
+          <p:nvPr/>
+        </p:nvSpPr>
+        <p:spPr>
+          <a:xfrm>
+            <a:off x="6800852" y="5406870"/>
+            <a:ext cx="2590800" cy="410528"/>
+          </a:xfrm>
+          <a:prstGeom prst="rect">
+            <a:avLst/>
+          </a:prstGeom>
+          <a:solidFill>
+            <a:srgbClr val="00B0F0"/>
+          </a:solidFill>
+        </p:spPr>
+        <p:style>
+          <a:lnRef idx="2">
+            <a:schemeClr val="accent1">
+              <a:shade val="50000"/>
+            </a:schemeClr>
+          </a:lnRef>
+          <a:fillRef idx="1">
+            <a:schemeClr val="accent1"/>
+          </a:fillRef>
+          <a:effectRef idx="0">
+            <a:schemeClr val="accent1"/>
+          </a:effectRef>
+          <a:fontRef idx="minor">
+            <a:schemeClr val="lt1"/>
+          </a:fontRef>
+        </p:style>
+        <p:txBody>
+          <a:bodyPr rtlCol="0" anchor="ctr"/>
+          <a:lstStyle/>
+          <a:p>
+            <a:pPr algn="ctr"/>
+            <a:r>
+              <a:rPr lang="en-US" dirty="0"/>
+              <a:t>HANA Cloud – FREE TRIAL</a:t>
+            </a:r>
+          </a:p>
+        </p:txBody>
+      </p:sp>
+      <p:sp>
+        <p:nvSpPr>
+          <p:cNvPr id="30" name="Rectangle: Rounded Corners 29">
+            <a:extLst>
+              <a:ext uri="{FF2B5EF4-FFF2-40B4-BE49-F238E27FC236}">
+                <a16:creationId xmlns:a16="http://schemas.microsoft.com/office/drawing/2014/main" id="{DD6AC65B-9110-4080-B835-47F2A299C6D2}"/>
+              </a:ext>
+            </a:extLst>
+          </p:cNvPr>
+          <p:cNvSpPr/>
+          <p:nvPr/>
+        </p:nvSpPr>
+        <p:spPr>
+          <a:xfrm>
+            <a:off x="4481512" y="4642009"/>
+            <a:ext cx="1581150" cy="782958"/>
+          </a:xfrm>
+          <a:prstGeom prst="roundRect">
+            <a:avLst/>
+          </a:prstGeom>
+        </p:spPr>
+        <p:style>
+          <a:lnRef idx="2">
+            <a:schemeClr val="accent1">
+              <a:shade val="50000"/>
+            </a:schemeClr>
+          </a:lnRef>
+          <a:fillRef idx="1">
+            <a:schemeClr val="accent1"/>
+          </a:fillRef>
+          <a:effectRef idx="0">
+            <a:schemeClr val="accent1"/>
+          </a:effectRef>
+          <a:fontRef idx="minor">
+            <a:schemeClr val="lt1"/>
+          </a:fontRef>
+        </p:style>
+        <p:txBody>
+          <a:bodyPr rtlCol="0" anchor="ctr"/>
+          <a:lstStyle/>
+          <a:p>
+            <a:pPr algn="ctr"/>
+            <a:r>
+              <a:rPr lang="en-US" dirty="0"/>
+              <a:t>Adapter</a:t>
+            </a:r>
+          </a:p>
+        </p:txBody>
+      </p:sp>
+      <p:cxnSp>
+        <p:nvCxnSpPr>
+          <p:cNvPr id="32" name="Connector: Elbow 31">
+            <a:extLst>
+              <a:ext uri="{FF2B5EF4-FFF2-40B4-BE49-F238E27FC236}">
+                <a16:creationId xmlns:a16="http://schemas.microsoft.com/office/drawing/2014/main" id="{49692598-215E-441F-8A27-1F0A1DE49806}"/>
+              </a:ext>
+            </a:extLst>
+          </p:cNvPr>
+          <p:cNvCxnSpPr>
+            <a:stCxn id="2" idx="2"/>
+            <a:endCxn id="30" idx="1"/>
+          </p:cNvCxnSpPr>
+          <p:nvPr/>
+        </p:nvCxnSpPr>
+        <p:spPr>
+          <a:xfrm rot="16200000" flipH="1">
+            <a:off x="1947623" y="2499598"/>
+            <a:ext cx="3000853" cy="2066925"/>
+          </a:xfrm>
+          <a:prstGeom prst="bentConnector2">
+            <a:avLst/>
+          </a:prstGeom>
+          <a:ln>
+            <a:tailEnd type="triangle"/>
+          </a:ln>
+        </p:spPr>
+        <p:style>
+          <a:lnRef idx="1">
+            <a:schemeClr val="accent1"/>
+          </a:lnRef>
+          <a:fillRef idx="0">
+            <a:schemeClr val="accent1"/>
+          </a:fillRef>
+          <a:effectRef idx="0">
+            <a:schemeClr val="accent1"/>
+          </a:effectRef>
+          <a:fontRef idx="minor">
+            <a:schemeClr val="tx1"/>
+          </a:fontRef>
+        </p:style>
+      </p:cxnSp>
+      <p:cxnSp>
+        <p:nvCxnSpPr>
+          <p:cNvPr id="34" name="Connector: Elbow 33">
+            <a:extLst>
+              <a:ext uri="{FF2B5EF4-FFF2-40B4-BE49-F238E27FC236}">
+                <a16:creationId xmlns:a16="http://schemas.microsoft.com/office/drawing/2014/main" id="{93214372-8ABB-4A34-B725-C61B139B7F47}"/>
+              </a:ext>
+            </a:extLst>
+          </p:cNvPr>
+          <p:cNvCxnSpPr>
+            <a:stCxn id="30" idx="3"/>
+          </p:cNvCxnSpPr>
+          <p:nvPr/>
+        </p:nvCxnSpPr>
+        <p:spPr>
+          <a:xfrm flipV="1">
+            <a:off x="6062662" y="4912759"/>
+            <a:ext cx="357188" cy="120729"/>
+          </a:xfrm>
+          <a:prstGeom prst="bentConnector3">
+            <a:avLst/>
+          </a:prstGeom>
+          <a:ln>
+            <a:tailEnd type="triangle"/>
+          </a:ln>
+        </p:spPr>
+        <p:style>
+          <a:lnRef idx="1">
+            <a:schemeClr val="accent1"/>
+          </a:lnRef>
+          <a:fillRef idx="0">
+            <a:schemeClr val="accent1"/>
+          </a:fillRef>
+          <a:effectRef idx="0">
+            <a:schemeClr val="accent1"/>
+          </a:effectRef>
+          <a:fontRef idx="minor">
+            <a:schemeClr val="tx1"/>
+          </a:fontRef>
+        </p:style>
+      </p:cxnSp>
+      <p:pic>
+        <p:nvPicPr>
+          <p:cNvPr id="1026" name="Picture 2" descr="Buy Universal EU UK US GER AU CHN Plug Adapter European Germany Australia  China Power Plug Socket at affordable prices — free shipping, real reviews  with photos — Joom">
+            <a:extLst>
+              <a:ext uri="{FF2B5EF4-FFF2-40B4-BE49-F238E27FC236}">
+                <a16:creationId xmlns:a16="http://schemas.microsoft.com/office/drawing/2014/main" id="{D84C64E9-102B-4D4F-9513-684D64C06639}"/>
+              </a:ext>
+            </a:extLst>
+          </p:cNvPr>
+          <p:cNvPicPr>
+            <a:picLocks noChangeAspect="1" noChangeArrowheads="1"/>
+          </p:cNvPicPr>
+          <p:nvPr/>
+        </p:nvPicPr>
+        <p:blipFill>
+          <a:blip r:embed="rId2" cstate="print">
+            <a:extLst>
+              <a:ext uri="{28A0092B-C50C-407E-A947-70E740481C1C}">
+                <a14:useLocalDpi xmlns:a14="http://schemas.microsoft.com/office/drawing/2010/main" val="0"/>
+              </a:ext>
+            </a:extLst>
+          </a:blip>
+          <a:srcRect/>
+          <a:stretch>
+            <a:fillRect/>
+          </a:stretch>
+        </p:blipFill>
+        <p:spPr bwMode="auto">
+          <a:xfrm>
+            <a:off x="2667000" y="5051584"/>
+            <a:ext cx="1700212" cy="1700212"/>
+          </a:xfrm>
+          <a:prstGeom prst="rect">
+            <a:avLst/>
+          </a:prstGeom>
+          <a:noFill/>
+          <a:extLst>
+            <a:ext uri="{909E8E84-426E-40DD-AFC4-6F175D3DCCD1}">
+              <a14:hiddenFill xmlns:a14="http://schemas.microsoft.com/office/drawing/2010/main">
+                <a:solidFill>
+                  <a:srgbClr val="FFFFFF"/>
+                </a:solidFill>
+              </a14:hiddenFill>
+            </a:ext>
+          </a:extLst>
+        </p:spPr>
+      </p:pic>
+      <p:sp>
+        <p:nvSpPr>
+          <p:cNvPr id="36" name="TextBox 35">
+            <a:extLst>
+              <a:ext uri="{FF2B5EF4-FFF2-40B4-BE49-F238E27FC236}">
+                <a16:creationId xmlns:a16="http://schemas.microsoft.com/office/drawing/2014/main" id="{EF7A7334-AC52-4F40-8D63-9FE9564BEA4A}"/>
+              </a:ext>
+            </a:extLst>
+          </p:cNvPr>
+          <p:cNvSpPr txBox="1"/>
+          <p:nvPr/>
+        </p:nvSpPr>
+        <p:spPr>
+          <a:xfrm>
+            <a:off x="10639422" y="6182916"/>
+            <a:ext cx="2057400" cy="369332"/>
+          </a:xfrm>
+          <a:prstGeom prst="rect">
+            <a:avLst/>
+          </a:prstGeom>
+          <a:noFill/>
+        </p:spPr>
+        <p:txBody>
+          <a:bodyPr wrap="square" rtlCol="0">
+            <a:spAutoFit/>
+          </a:bodyPr>
+          <a:lstStyle/>
+          <a:p>
+            <a:r>
+              <a:rPr lang="en-US" b="1" dirty="0"/>
+              <a:t>Internet</a:t>
+            </a:r>
+          </a:p>
+        </p:txBody>
+      </p:sp>
+    </p:spTree>
+    <p:extLst>
+      <p:ext uri="{BB962C8B-B14F-4D97-AF65-F5344CB8AC3E}">
+        <p14:creationId xmlns:p14="http://schemas.microsoft.com/office/powerpoint/2010/main" val="229407626"/>
+      </p:ext>
+    </p:extLst>
+  </p:cSld>
+  <p:clrMapOvr>
+    <a:masterClrMapping/>
+  </p:clrMapOvr>
+</p:sld>
+</file>
+
+<file path=ppt/slides/slide5.xml><?xml version="1.0" encoding="utf-8"?>
+<p:sld xmlns:a="http://schemas.openxmlformats.org/drawingml/2006/main" xmlns:r="http://schemas.openxmlformats.org/officeDocument/2006/relationships" xmlns:p="http://schemas.openxmlformats.org/presentationml/2006/main">
+  <p:cSld>
+    <p:spTree>
+      <p:nvGrpSpPr>
+        <p:cNvPr id="1" name=""/>
+        <p:cNvGrpSpPr/>
+        <p:nvPr/>
+      </p:nvGrpSpPr>
+      <p:grpSpPr>
+        <a:xfrm>
+          <a:off x="0" y="0"/>
+          <a:ext cx="0" cy="0"/>
+          <a:chOff x="0" y="0"/>
+          <a:chExt cx="0" cy="0"/>
+        </a:xfrm>
+      </p:grpSpPr>
+      <p:sp>
+        <p:nvSpPr>
+          <p:cNvPr id="2" name="Rectangle: Rounded Corners 1">
+            <a:extLst>
+              <a:ext uri="{FF2B5EF4-FFF2-40B4-BE49-F238E27FC236}">
+                <a16:creationId xmlns:a16="http://schemas.microsoft.com/office/drawing/2014/main" id="{4BA88CD0-CDF2-4368-AB1E-01DDF9314AE4}"/>
+              </a:ext>
+            </a:extLst>
+          </p:cNvPr>
+          <p:cNvSpPr/>
+          <p:nvPr/>
+        </p:nvSpPr>
+        <p:spPr>
+          <a:xfrm>
+            <a:off x="8686800" y="5010150"/>
+            <a:ext cx="2933700" cy="1419225"/>
+          </a:xfrm>
+          <a:prstGeom prst="roundRect">
+            <a:avLst/>
+          </a:prstGeom>
+        </p:spPr>
+        <p:style>
+          <a:lnRef idx="2">
+            <a:schemeClr val="accent1">
+              <a:shade val="50000"/>
+            </a:schemeClr>
+          </a:lnRef>
+          <a:fillRef idx="1">
+            <a:schemeClr val="accent1"/>
+          </a:fillRef>
+          <a:effectRef idx="0">
+            <a:schemeClr val="accent1"/>
+          </a:effectRef>
+          <a:fontRef idx="minor">
+            <a:schemeClr val="lt1"/>
+          </a:fontRef>
+        </p:style>
+        <p:txBody>
+          <a:bodyPr rtlCol="0" anchor="ctr"/>
+          <a:lstStyle/>
+          <a:p>
+            <a:pPr algn="ctr"/>
+            <a:r>
+              <a:rPr lang="en-US" dirty="0"/>
+              <a:t>SAP HANA Cloud</a:t>
+            </a:r>
+          </a:p>
+        </p:txBody>
+      </p:sp>
+      <p:sp>
+        <p:nvSpPr>
+          <p:cNvPr id="3" name="Rectangle: Rounded Corners 2">
+            <a:extLst>
+              <a:ext uri="{FF2B5EF4-FFF2-40B4-BE49-F238E27FC236}">
+                <a16:creationId xmlns:a16="http://schemas.microsoft.com/office/drawing/2014/main" id="{CBA22FA5-DC87-48AF-95D2-E95BDB326843}"/>
+              </a:ext>
+            </a:extLst>
+          </p:cNvPr>
+          <p:cNvSpPr/>
+          <p:nvPr/>
+        </p:nvSpPr>
+        <p:spPr>
+          <a:xfrm>
+            <a:off x="361950" y="276225"/>
+            <a:ext cx="2933700" cy="1419225"/>
+          </a:xfrm>
+          <a:prstGeom prst="roundRect">
+            <a:avLst/>
+          </a:prstGeom>
+        </p:spPr>
+        <p:style>
+          <a:lnRef idx="2">
+            <a:schemeClr val="accent1">
+              <a:shade val="50000"/>
+            </a:schemeClr>
+          </a:lnRef>
+          <a:fillRef idx="1">
+            <a:schemeClr val="accent1"/>
+          </a:fillRef>
+          <a:effectRef idx="0">
+            <a:schemeClr val="accent1"/>
+          </a:effectRef>
+          <a:fontRef idx="minor">
+            <a:schemeClr val="lt1"/>
+          </a:fontRef>
+        </p:style>
+        <p:txBody>
+          <a:bodyPr rtlCol="0" anchor="ctr"/>
+          <a:lstStyle/>
+          <a:p>
+            <a:pPr algn="ctr"/>
+            <a:r>
+              <a:rPr lang="en-US" dirty="0"/>
+              <a:t>SAP Analytics Cloud</a:t>
+            </a:r>
+          </a:p>
+        </p:txBody>
+      </p:sp>
+      <p:sp>
+        <p:nvSpPr>
+          <p:cNvPr id="4" name="Rectangle: Rounded Corners 3">
+            <a:extLst>
+              <a:ext uri="{FF2B5EF4-FFF2-40B4-BE49-F238E27FC236}">
+                <a16:creationId xmlns:a16="http://schemas.microsoft.com/office/drawing/2014/main" id="{2F3D9BEC-C593-4E78-9C88-3C87BEF18B17}"/>
+              </a:ext>
+            </a:extLst>
+          </p:cNvPr>
+          <p:cNvSpPr/>
+          <p:nvPr/>
+        </p:nvSpPr>
+        <p:spPr>
+          <a:xfrm>
+            <a:off x="8686800" y="209550"/>
+            <a:ext cx="2933700" cy="1485900"/>
+          </a:xfrm>
+          <a:prstGeom prst="roundRect">
+            <a:avLst/>
+          </a:prstGeom>
+        </p:spPr>
+        <p:style>
+          <a:lnRef idx="2">
+            <a:schemeClr val="accent1">
+              <a:shade val="50000"/>
+            </a:schemeClr>
+          </a:lnRef>
+          <a:fillRef idx="1">
+            <a:schemeClr val="accent1"/>
+          </a:fillRef>
+          <a:effectRef idx="0">
+            <a:schemeClr val="accent1"/>
+          </a:effectRef>
+          <a:fontRef idx="minor">
+            <a:schemeClr val="lt1"/>
+          </a:fontRef>
+        </p:style>
+        <p:txBody>
+          <a:bodyPr rtlCol="0" anchor="ctr"/>
+          <a:lstStyle/>
+          <a:p>
+            <a:pPr algn="ctr"/>
+            <a:r>
+              <a:rPr lang="en-US" dirty="0"/>
+              <a:t>Adaptor</a:t>
+            </a:r>
+          </a:p>
+        </p:txBody>
+      </p:sp>
+      <p:sp>
+        <p:nvSpPr>
+          <p:cNvPr id="5" name="Oval 4">
+            <a:extLst>
+              <a:ext uri="{FF2B5EF4-FFF2-40B4-BE49-F238E27FC236}">
+                <a16:creationId xmlns:a16="http://schemas.microsoft.com/office/drawing/2014/main" id="{824E814F-4606-4CD4-9A52-2D3D79A396C9}"/>
+              </a:ext>
+            </a:extLst>
+          </p:cNvPr>
+          <p:cNvSpPr/>
+          <p:nvPr/>
+        </p:nvSpPr>
+        <p:spPr>
+          <a:xfrm>
+            <a:off x="11068050" y="4876800"/>
+            <a:ext cx="723900" cy="695325"/>
+          </a:xfrm>
+          <a:prstGeom prst="ellipse">
+            <a:avLst/>
+          </a:prstGeom>
+          <a:solidFill>
+            <a:schemeClr val="tx1"/>
+          </a:solidFill>
+        </p:spPr>
+        <p:style>
+          <a:lnRef idx="2">
+            <a:schemeClr val="accent1">
+              <a:shade val="50000"/>
+            </a:schemeClr>
+          </a:lnRef>
+          <a:fillRef idx="1">
+            <a:schemeClr val="accent1"/>
+          </a:fillRef>
+          <a:effectRef idx="0">
+            <a:schemeClr val="accent1"/>
+          </a:effectRef>
+          <a:fontRef idx="minor">
+            <a:schemeClr val="lt1"/>
+          </a:fontRef>
+        </p:style>
+        <p:txBody>
+          <a:bodyPr rtlCol="0" anchor="ctr"/>
+          <a:lstStyle/>
+          <a:p>
+            <a:pPr algn="ctr"/>
+            <a:r>
+              <a:rPr lang="en-US" sz="3200" dirty="0"/>
+              <a:t>1</a:t>
+            </a:r>
+          </a:p>
+        </p:txBody>
+      </p:sp>
+      <p:sp>
+        <p:nvSpPr>
+          <p:cNvPr id="6" name="Oval 5">
+            <a:extLst>
+              <a:ext uri="{FF2B5EF4-FFF2-40B4-BE49-F238E27FC236}">
+                <a16:creationId xmlns:a16="http://schemas.microsoft.com/office/drawing/2014/main" id="{4A4BB5E3-01CF-46D5-83A9-99A646FC7896}"/>
+              </a:ext>
+            </a:extLst>
+          </p:cNvPr>
+          <p:cNvSpPr/>
+          <p:nvPr/>
+        </p:nvSpPr>
+        <p:spPr>
+          <a:xfrm>
+            <a:off x="11068050" y="0"/>
+            <a:ext cx="723900" cy="695325"/>
+          </a:xfrm>
+          <a:prstGeom prst="ellipse">
+            <a:avLst/>
+          </a:prstGeom>
+          <a:solidFill>
+            <a:schemeClr val="tx1"/>
+          </a:solidFill>
+        </p:spPr>
+        <p:style>
+          <a:lnRef idx="2">
+            <a:schemeClr val="accent1">
+              <a:shade val="50000"/>
+            </a:schemeClr>
+          </a:lnRef>
+          <a:fillRef idx="1">
+            <a:schemeClr val="accent1"/>
+          </a:fillRef>
+          <a:effectRef idx="0">
+            <a:schemeClr val="accent1"/>
+          </a:effectRef>
+          <a:fontRef idx="minor">
+            <a:schemeClr val="lt1"/>
+          </a:fontRef>
+        </p:style>
+        <p:txBody>
+          <a:bodyPr rtlCol="0" anchor="ctr"/>
+          <a:lstStyle/>
+          <a:p>
+            <a:pPr algn="ctr"/>
+            <a:r>
+              <a:rPr lang="en-US" sz="3200" dirty="0"/>
+              <a:t>2</a:t>
+            </a:r>
+          </a:p>
+        </p:txBody>
+      </p:sp>
+      <p:sp>
+        <p:nvSpPr>
+          <p:cNvPr id="7" name="Oval 6">
+            <a:extLst>
+              <a:ext uri="{FF2B5EF4-FFF2-40B4-BE49-F238E27FC236}">
+                <a16:creationId xmlns:a16="http://schemas.microsoft.com/office/drawing/2014/main" id="{CDFF47A4-75CD-4295-A812-C8A27E73E8E0}"/>
+              </a:ext>
+            </a:extLst>
+          </p:cNvPr>
+          <p:cNvSpPr/>
+          <p:nvPr/>
+        </p:nvSpPr>
+        <p:spPr>
+          <a:xfrm>
+            <a:off x="209550" y="76200"/>
+            <a:ext cx="723900" cy="695325"/>
+          </a:xfrm>
+          <a:prstGeom prst="ellipse">
+            <a:avLst/>
+          </a:prstGeom>
+          <a:solidFill>
+            <a:schemeClr val="tx1"/>
+          </a:solidFill>
+        </p:spPr>
+        <p:style>
+          <a:lnRef idx="2">
+            <a:schemeClr val="accent1">
+              <a:shade val="50000"/>
+            </a:schemeClr>
+          </a:lnRef>
+          <a:fillRef idx="1">
+            <a:schemeClr val="accent1"/>
+          </a:fillRef>
+          <a:effectRef idx="0">
+            <a:schemeClr val="accent1"/>
+          </a:effectRef>
+          <a:fontRef idx="minor">
+            <a:schemeClr val="lt1"/>
+          </a:fontRef>
+        </p:style>
+        <p:txBody>
+          <a:bodyPr rtlCol="0" anchor="ctr"/>
+          <a:lstStyle/>
+          <a:p>
+            <a:pPr algn="ctr"/>
+            <a:r>
+              <a:rPr lang="en-US" sz="3200" dirty="0"/>
+              <a:t>3</a:t>
+            </a:r>
+          </a:p>
+        </p:txBody>
+      </p:sp>
+    </p:spTree>
+    <p:extLst>
+      <p:ext uri="{BB962C8B-B14F-4D97-AF65-F5344CB8AC3E}">
+        <p14:creationId xmlns:p14="http://schemas.microsoft.com/office/powerpoint/2010/main" val="812267003"/>
+      </p:ext>
+    </p:extLst>
+  </p:cSld>
+  <p:clrMapOvr>
+    <a:masterClrMapping/>
+  </p:clrMapOvr>
+</p:sld>
+</file>
+
+<file path=ppt/slides/slide6.xml><?xml version="1.0" encoding="utf-8"?>
+<p:sld xmlns:a="http://schemas.openxmlformats.org/drawingml/2006/main" xmlns:r="http://schemas.openxmlformats.org/officeDocument/2006/relationships" xmlns:p="http://schemas.openxmlformats.org/presentationml/2006/main">
+  <p:cSld>
+    <p:spTree>
+      <p:nvGrpSpPr>
+        <p:cNvPr id="1" name=""/>
+        <p:cNvGrpSpPr/>
+        <p:nvPr/>
+      </p:nvGrpSpPr>
+      <p:grpSpPr>
+        <a:xfrm>
+          <a:off x="0" y="0"/>
+          <a:ext cx="0" cy="0"/>
+          <a:chOff x="0" y="0"/>
+          <a:chExt cx="0" cy="0"/>
+        </a:xfrm>
+      </p:grpSpPr>
+    </p:spTree>
+    <p:extLst>
+      <p:ext uri="{BB962C8B-B14F-4D97-AF65-F5344CB8AC3E}">
+        <p14:creationId xmlns:p14="http://schemas.microsoft.com/office/powerpoint/2010/main" val="1454486343"/>
+      </p:ext>
+    </p:extLst>
+  </p:cSld>
+  <p:clrMapOvr>
+    <a:masterClrMapping/>
+  </p:clrMapOvr>
+</p:sld>
+</file>
+
+<file path=ppt/slides/slide7.xml><?xml version="1.0" encoding="utf-8"?>
+<p:sld xmlns:a="http://schemas.openxmlformats.org/drawingml/2006/main" xmlns:r="http://schemas.openxmlformats.org/officeDocument/2006/relationships" xmlns:p="http://schemas.openxmlformats.org/presentationml/2006/main">
+  <p:cSld>
+    <p:spTree>
+      <p:nvGrpSpPr>
+        <p:cNvPr id="1" name=""/>
+        <p:cNvGrpSpPr/>
+        <p:nvPr/>
+      </p:nvGrpSpPr>
+      <p:grpSpPr>
+        <a:xfrm>
+          <a:off x="0" y="0"/>
+          <a:ext cx="0" cy="0"/>
+          <a:chOff x="0" y="0"/>
+          <a:chExt cx="0" cy="0"/>
+        </a:xfrm>
+      </p:grpSpPr>
+      <p:sp>
+        <p:nvSpPr>
+          <p:cNvPr id="11" name="Title 10"/>
+          <p:cNvSpPr>
+            <a:spLocks noGrp="1"/>
+          </p:cNvSpPr>
+          <p:nvPr>
+            <p:ph type="title"/>
+          </p:nvPr>
+        </p:nvSpPr>
+        <p:spPr>
+          <a:xfrm>
+            <a:off x="-20279" y="41354"/>
+            <a:ext cx="10969943" cy="711081"/>
+          </a:xfrm>
+        </p:spPr>
+        <p:txBody>
+          <a:bodyPr>
+            <a:noAutofit/>
+          </a:bodyPr>
+          <a:lstStyle/>
+          <a:p>
+            <a:r>
+              <a:rPr lang="en-IN" dirty="0" err="1">
+                <a:solidFill>
+                  <a:schemeClr val="tx2">
+                    <a:lumMod val="60000"/>
+                    <a:lumOff val="40000"/>
+                  </a:schemeClr>
+                </a:solidFill>
+                <a:latin typeface="Patua One" pitchFamily="2" charset="0"/>
+              </a:rPr>
+              <a:t>Odata</a:t>
+            </a:r>
+            <a:r>
+              <a:rPr lang="en-IN" dirty="0">
+                <a:solidFill>
+                  <a:schemeClr val="tx2">
+                    <a:lumMod val="60000"/>
+                    <a:lumOff val="40000"/>
+                  </a:schemeClr>
+                </a:solidFill>
+                <a:latin typeface="Patua One" pitchFamily="2" charset="0"/>
+              </a:rPr>
+              <a:t> Connection</a:t>
+            </a:r>
+          </a:p>
+        </p:txBody>
+      </p:sp>
+      <p:sp>
+        <p:nvSpPr>
+          <p:cNvPr id="37" name="TextBox 36">
+            <a:extLst>
+              <a:ext uri="{FF2B5EF4-FFF2-40B4-BE49-F238E27FC236}">
+                <a16:creationId xmlns:a16="http://schemas.microsoft.com/office/drawing/2014/main" id="{E8CAC22F-1542-4031-BC6C-A16989886504}"/>
+              </a:ext>
+            </a:extLst>
+          </p:cNvPr>
+          <p:cNvSpPr txBox="1"/>
+          <p:nvPr/>
+        </p:nvSpPr>
+        <p:spPr>
+          <a:xfrm>
+            <a:off x="4943872" y="6550224"/>
+            <a:ext cx="3456384" cy="307777"/>
+          </a:xfrm>
+          <a:prstGeom prst="rect">
+            <a:avLst/>
+          </a:prstGeom>
+          <a:noFill/>
+        </p:spPr>
+        <p:txBody>
+          <a:bodyPr wrap="square" rtlCol="0">
+            <a:spAutoFit/>
+          </a:bodyPr>
+          <a:lstStyle/>
+          <a:p>
+            <a:pPr defTabSz="1218987">
+              <a:defRPr/>
+            </a:pPr>
+            <a:r>
+              <a:rPr lang="en-US" sz="1400" b="1" dirty="0">
+                <a:solidFill>
+                  <a:prstClr val="black"/>
+                </a:solidFill>
+                <a:latin typeface="Arial Rounded MT Bold" panose="020F0704030504030204" pitchFamily="34" charset="0"/>
+                <a:ea typeface="Arial Unicode MS" panose="020B0604020202020204" pitchFamily="34" charset="-128"/>
+                <a:cs typeface="Arial Unicode MS" panose="020B0604020202020204" pitchFamily="34" charset="-128"/>
+              </a:rPr>
+              <a:t>www.anubhavtrainings.com</a:t>
+            </a:r>
+            <a:endParaRPr lang="en-IN" sz="1400" b="1" dirty="0">
+              <a:solidFill>
+                <a:prstClr val="black"/>
+              </a:solidFill>
+              <a:latin typeface="Arial Rounded MT Bold" panose="020F0704030504030204" pitchFamily="34" charset="0"/>
+              <a:ea typeface="Arial Unicode MS" panose="020B0604020202020204" pitchFamily="34" charset="-128"/>
+              <a:cs typeface="Arial Unicode MS" panose="020B0604020202020204" pitchFamily="34" charset="-128"/>
+            </a:endParaRPr>
+          </a:p>
+        </p:txBody>
+      </p:sp>
+      <p:pic>
+        <p:nvPicPr>
+          <p:cNvPr id="40" name="Picture 39">
+            <a:extLst>
+              <a:ext uri="{FF2B5EF4-FFF2-40B4-BE49-F238E27FC236}">
+                <a16:creationId xmlns:a16="http://schemas.microsoft.com/office/drawing/2014/main" id="{DA60E6FB-8C44-4FEB-B6E9-83DA908565CD}"/>
+              </a:ext>
+            </a:extLst>
+          </p:cNvPr>
+          <p:cNvPicPr>
+            <a:picLocks noChangeAspect="1"/>
+          </p:cNvPicPr>
+          <p:nvPr/>
+        </p:nvPicPr>
+        <p:blipFill>
+          <a:blip r:embed="rId2">
+            <a:extLst>
+              <a:ext uri="{28A0092B-C50C-407E-A947-70E740481C1C}">
+                <a14:useLocalDpi xmlns:a14="http://schemas.microsoft.com/office/drawing/2010/main" val="0"/>
+              </a:ext>
+            </a:extLst>
+          </a:blip>
+          <a:stretch>
+            <a:fillRect/>
+          </a:stretch>
+        </p:blipFill>
+        <p:spPr>
+          <a:xfrm>
+            <a:off x="9624393" y="106009"/>
+            <a:ext cx="2335203" cy="762895"/>
+          </a:xfrm>
+          <a:prstGeom prst="rect">
+            <a:avLst/>
+          </a:prstGeom>
+        </p:spPr>
+      </p:pic>
+      <p:cxnSp>
+        <p:nvCxnSpPr>
+          <p:cNvPr id="41" name="Straight Connector 40">
+            <a:extLst>
+              <a:ext uri="{FF2B5EF4-FFF2-40B4-BE49-F238E27FC236}">
+                <a16:creationId xmlns:a16="http://schemas.microsoft.com/office/drawing/2014/main" id="{3B3B7D73-CAE9-45AC-ACCE-FAEF4E505C7A}"/>
+              </a:ext>
+            </a:extLst>
+          </p:cNvPr>
+          <p:cNvCxnSpPr/>
+          <p:nvPr/>
+        </p:nvCxnSpPr>
+        <p:spPr>
+          <a:xfrm>
+            <a:off x="1588" y="764704"/>
+            <a:ext cx="6479584" cy="0"/>
+          </a:xfrm>
+          <a:prstGeom prst="line">
+            <a:avLst/>
+          </a:prstGeom>
+        </p:spPr>
+        <p:style>
+          <a:lnRef idx="2">
+            <a:schemeClr val="accent6"/>
+          </a:lnRef>
+          <a:fillRef idx="0">
+            <a:schemeClr val="accent6"/>
+          </a:fillRef>
+          <a:effectRef idx="1">
+            <a:schemeClr val="accent6"/>
+          </a:effectRef>
+          <a:fontRef idx="minor">
+            <a:schemeClr val="tx1"/>
+          </a:fontRef>
+        </p:style>
+      </p:cxnSp>
+      <p:sp>
+        <p:nvSpPr>
           <p:cNvPr id="7" name="TextBox 6">
             <a:extLst>
               <a:ext uri="{FF2B5EF4-FFF2-40B4-BE49-F238E27FC236}">
@@ -12922,7 +13529,7 @@
 </p:sld>
 </file>
 
-<file path=ppt/slides/slide7.xml><?xml version="1.0" encoding="utf-8"?>
+<file path=ppt/slides/slide8.xml><?xml version="1.0" encoding="utf-8"?>
 <p:sld xmlns:a="http://schemas.openxmlformats.org/drawingml/2006/main" xmlns:r="http://schemas.openxmlformats.org/officeDocument/2006/relationships" xmlns:p="http://schemas.openxmlformats.org/presentationml/2006/main">
   <p:cSld>
     <p:spTree>
@@ -14740,7 +15347,7 @@
 </p:sld>
 </file>
 
-<file path=ppt/slides/slide8.xml><?xml version="1.0" encoding="utf-8"?>
+<file path=ppt/slides/slide9.xml><?xml version="1.0" encoding="utf-8"?>
 <p:sld xmlns:a="http://schemas.openxmlformats.org/drawingml/2006/main" xmlns:r="http://schemas.openxmlformats.org/officeDocument/2006/relationships" xmlns:p="http://schemas.openxmlformats.org/presentationml/2006/main">
   <p:cSld>
     <p:spTree>
@@ -15341,636 +15948,6 @@
     <p:extLst>
       <p:ext uri="{BB962C8B-B14F-4D97-AF65-F5344CB8AC3E}">
         <p14:creationId xmlns:p14="http://schemas.microsoft.com/office/powerpoint/2010/main" val="640105036"/>
-      </p:ext>
-    </p:extLst>
-  </p:cSld>
-  <p:clrMapOvr>
-    <a:masterClrMapping/>
-  </p:clrMapOvr>
-  <p:transition spd="slow">
-    <p:push dir="u"/>
-  </p:transition>
-</p:sld>
-</file>
-
-<file path=ppt/slides/slide9.xml><?xml version="1.0" encoding="utf-8"?>
-<p:sld xmlns:a="http://schemas.openxmlformats.org/drawingml/2006/main" xmlns:r="http://schemas.openxmlformats.org/officeDocument/2006/relationships" xmlns:p="http://schemas.openxmlformats.org/presentationml/2006/main">
-  <p:cSld>
-    <p:spTree>
-      <p:nvGrpSpPr>
-        <p:cNvPr id="1" name=""/>
-        <p:cNvGrpSpPr/>
-        <p:nvPr/>
-      </p:nvGrpSpPr>
-      <p:grpSpPr>
-        <a:xfrm>
-          <a:off x="0" y="0"/>
-          <a:ext cx="0" cy="0"/>
-          <a:chOff x="0" y="0"/>
-          <a:chExt cx="0" cy="0"/>
-        </a:xfrm>
-      </p:grpSpPr>
-      <p:sp>
-        <p:nvSpPr>
-          <p:cNvPr id="11" name="Title 10"/>
-          <p:cNvSpPr>
-            <a:spLocks noGrp="1"/>
-          </p:cNvSpPr>
-          <p:nvPr>
-            <p:ph type="title"/>
-          </p:nvPr>
-        </p:nvSpPr>
-        <p:spPr>
-          <a:xfrm>
-            <a:off x="-20279" y="41354"/>
-            <a:ext cx="10969943" cy="711081"/>
-          </a:xfrm>
-        </p:spPr>
-        <p:txBody>
-          <a:bodyPr>
-            <a:noAutofit/>
-          </a:bodyPr>
-          <a:lstStyle/>
-          <a:p>
-            <a:r>
-              <a:rPr lang="en-IN" dirty="0">
-                <a:solidFill>
-                  <a:schemeClr val="tx2">
-                    <a:lumMod val="60000"/>
-                    <a:lumOff val="40000"/>
-                  </a:schemeClr>
-                </a:solidFill>
-                <a:latin typeface="Patua One" pitchFamily="2" charset="0"/>
-              </a:rPr>
-              <a:t>Continue….</a:t>
-            </a:r>
-          </a:p>
-        </p:txBody>
-      </p:sp>
-      <p:sp>
-        <p:nvSpPr>
-          <p:cNvPr id="37" name="TextBox 36">
-            <a:extLst>
-              <a:ext uri="{FF2B5EF4-FFF2-40B4-BE49-F238E27FC236}">
-                <a16:creationId xmlns:a16="http://schemas.microsoft.com/office/drawing/2014/main" id="{E8CAC22F-1542-4031-BC6C-A16989886504}"/>
-              </a:ext>
-            </a:extLst>
-          </p:cNvPr>
-          <p:cNvSpPr txBox="1"/>
-          <p:nvPr/>
-        </p:nvSpPr>
-        <p:spPr>
-          <a:xfrm>
-            <a:off x="4943872" y="6550224"/>
-            <a:ext cx="3456384" cy="307777"/>
-          </a:xfrm>
-          <a:prstGeom prst="rect">
-            <a:avLst/>
-          </a:prstGeom>
-          <a:noFill/>
-        </p:spPr>
-        <p:txBody>
-          <a:bodyPr wrap="square" rtlCol="0">
-            <a:spAutoFit/>
-          </a:bodyPr>
-          <a:lstStyle/>
-          <a:p>
-            <a:pPr defTabSz="1218987">
-              <a:defRPr/>
-            </a:pPr>
-            <a:r>
-              <a:rPr lang="en-US" sz="1400" b="1" dirty="0">
-                <a:solidFill>
-                  <a:prstClr val="black"/>
-                </a:solidFill>
-                <a:latin typeface="Arial Rounded MT Bold" panose="020F0704030504030204" pitchFamily="34" charset="0"/>
-                <a:ea typeface="Arial Unicode MS" panose="020B0604020202020204" pitchFamily="34" charset="-128"/>
-                <a:cs typeface="Arial Unicode MS" panose="020B0604020202020204" pitchFamily="34" charset="-128"/>
-              </a:rPr>
-              <a:t>www.anubhavtrainings.com</a:t>
-            </a:r>
-            <a:endParaRPr lang="en-IN" sz="1400" b="1" dirty="0">
-              <a:solidFill>
-                <a:prstClr val="black"/>
-              </a:solidFill>
-              <a:latin typeface="Arial Rounded MT Bold" panose="020F0704030504030204" pitchFamily="34" charset="0"/>
-              <a:ea typeface="Arial Unicode MS" panose="020B0604020202020204" pitchFamily="34" charset="-128"/>
-              <a:cs typeface="Arial Unicode MS" panose="020B0604020202020204" pitchFamily="34" charset="-128"/>
-            </a:endParaRPr>
-          </a:p>
-        </p:txBody>
-      </p:sp>
-      <p:pic>
-        <p:nvPicPr>
-          <p:cNvPr id="40" name="Picture 39">
-            <a:extLst>
-              <a:ext uri="{FF2B5EF4-FFF2-40B4-BE49-F238E27FC236}">
-                <a16:creationId xmlns:a16="http://schemas.microsoft.com/office/drawing/2014/main" id="{DA60E6FB-8C44-4FEB-B6E9-83DA908565CD}"/>
-              </a:ext>
-            </a:extLst>
-          </p:cNvPr>
-          <p:cNvPicPr>
-            <a:picLocks noChangeAspect="1"/>
-          </p:cNvPicPr>
-          <p:nvPr/>
-        </p:nvPicPr>
-        <p:blipFill>
-          <a:blip r:embed="rId2">
-            <a:extLst>
-              <a:ext uri="{28A0092B-C50C-407E-A947-70E740481C1C}">
-                <a14:useLocalDpi xmlns:a14="http://schemas.microsoft.com/office/drawing/2010/main" val="0"/>
-              </a:ext>
-            </a:extLst>
-          </a:blip>
-          <a:stretch>
-            <a:fillRect/>
-          </a:stretch>
-        </p:blipFill>
-        <p:spPr>
-          <a:xfrm>
-            <a:off x="9624393" y="106009"/>
-            <a:ext cx="2335203" cy="762895"/>
-          </a:xfrm>
-          <a:prstGeom prst="rect">
-            <a:avLst/>
-          </a:prstGeom>
-        </p:spPr>
-      </p:pic>
-      <p:cxnSp>
-        <p:nvCxnSpPr>
-          <p:cNvPr id="41" name="Straight Connector 40">
-            <a:extLst>
-              <a:ext uri="{FF2B5EF4-FFF2-40B4-BE49-F238E27FC236}">
-                <a16:creationId xmlns:a16="http://schemas.microsoft.com/office/drawing/2014/main" id="{3B3B7D73-CAE9-45AC-ACCE-FAEF4E505C7A}"/>
-              </a:ext>
-            </a:extLst>
-          </p:cNvPr>
-          <p:cNvCxnSpPr/>
-          <p:nvPr/>
-        </p:nvCxnSpPr>
-        <p:spPr>
-          <a:xfrm>
-            <a:off x="1588" y="764704"/>
-            <a:ext cx="6479584" cy="0"/>
-          </a:xfrm>
-          <a:prstGeom prst="line">
-            <a:avLst/>
-          </a:prstGeom>
-        </p:spPr>
-        <p:style>
-          <a:lnRef idx="2">
-            <a:schemeClr val="accent6"/>
-          </a:lnRef>
-          <a:fillRef idx="0">
-            <a:schemeClr val="accent6"/>
-          </a:fillRef>
-          <a:effectRef idx="1">
-            <a:schemeClr val="accent6"/>
-          </a:effectRef>
-          <a:fontRef idx="minor">
-            <a:schemeClr val="tx1"/>
-          </a:fontRef>
-        </p:style>
-      </p:cxnSp>
-      <p:sp>
-        <p:nvSpPr>
-          <p:cNvPr id="2" name="TextBox 1">
-            <a:extLst>
-              <a:ext uri="{FF2B5EF4-FFF2-40B4-BE49-F238E27FC236}">
-                <a16:creationId xmlns:a16="http://schemas.microsoft.com/office/drawing/2014/main" id="{5593BC0C-42CB-4815-9644-B6CC061DDE68}"/>
-              </a:ext>
-            </a:extLst>
-          </p:cNvPr>
-          <p:cNvSpPr txBox="1"/>
-          <p:nvPr/>
-        </p:nvSpPr>
-        <p:spPr>
-          <a:xfrm>
-            <a:off x="152400" y="881174"/>
-            <a:ext cx="11963400" cy="5262979"/>
-          </a:xfrm>
-          <a:prstGeom prst="rect">
-            <a:avLst/>
-          </a:prstGeom>
-          <a:noFill/>
-        </p:spPr>
-        <p:txBody>
-          <a:bodyPr wrap="square" rtlCol="0">
-            <a:spAutoFit/>
-          </a:bodyPr>
-          <a:lstStyle/>
-          <a:p>
-            <a:pPr marL="342900" indent="-342900" defTabSz="1218987">
-              <a:buFontTx/>
-              <a:buChar char="-"/>
-            </a:pPr>
-            <a:r>
-              <a:rPr lang="en-US" sz="2400" dirty="0">
-                <a:solidFill>
-                  <a:prstClr val="black"/>
-                </a:solidFill>
-                <a:latin typeface="Calibri"/>
-              </a:rPr>
-              <a:t>Go to </a:t>
-            </a:r>
-            <a:r>
-              <a:rPr lang="en-US" sz="2400" dirty="0">
-                <a:solidFill>
-                  <a:prstClr val="black"/>
-                </a:solidFill>
-                <a:latin typeface="Calibri"/>
-                <a:hlinkClick r:id="rId3"/>
-              </a:rPr>
-              <a:t>sap tools for </a:t>
-            </a:r>
-            <a:r>
-              <a:rPr lang="en-US" sz="2400" dirty="0" err="1">
-                <a:solidFill>
-                  <a:prstClr val="black"/>
-                </a:solidFill>
-                <a:latin typeface="Calibri"/>
-                <a:hlinkClick r:id="rId3"/>
-              </a:rPr>
-              <a:t>hana</a:t>
-            </a:r>
-            <a:r>
-              <a:rPr lang="en-US" sz="2400" dirty="0">
-                <a:solidFill>
-                  <a:prstClr val="black"/>
-                </a:solidFill>
-                <a:latin typeface="Calibri"/>
-              </a:rPr>
-              <a:t> and download the </a:t>
-            </a:r>
-            <a:r>
-              <a:rPr lang="en-US" sz="2400" dirty="0">
-                <a:solidFill>
-                  <a:prstClr val="black"/>
-                </a:solidFill>
-                <a:latin typeface="Arial" panose="020B0604020202020204" pitchFamily="34" charset="0"/>
-                <a:hlinkClick r:id="rId4"/>
-              </a:rPr>
-              <a:t>xsahaa-release-1.6.1-release.zip</a:t>
-            </a:r>
-            <a:r>
-              <a:rPr lang="en-US" sz="2400" dirty="0">
-                <a:solidFill>
-                  <a:srgbClr val="000000"/>
-                </a:solidFill>
-                <a:latin typeface="Arial" panose="020B0604020202020204" pitchFamily="34" charset="0"/>
-              </a:rPr>
-              <a:t> (</a:t>
-            </a:r>
-            <a:r>
-              <a:rPr lang="en-US" sz="2400" dirty="0">
-                <a:solidFill>
-                  <a:prstClr val="black"/>
-                </a:solidFill>
-                <a:latin typeface="Arial" panose="020B0604020202020204" pitchFamily="34" charset="0"/>
-                <a:hlinkClick r:id="rId5"/>
-              </a:rPr>
-              <a:t>sha1</a:t>
-            </a:r>
-            <a:r>
-              <a:rPr lang="en-US" sz="2400" dirty="0">
-                <a:solidFill>
-                  <a:srgbClr val="000000"/>
-                </a:solidFill>
-                <a:latin typeface="Arial" panose="020B0604020202020204" pitchFamily="34" charset="0"/>
-              </a:rPr>
-              <a:t>)</a:t>
-            </a:r>
-          </a:p>
-          <a:p>
-            <a:pPr marL="342900" indent="-342900" defTabSz="1218987">
-              <a:buFontTx/>
-              <a:buChar char="-"/>
-            </a:pPr>
-            <a:r>
-              <a:rPr lang="en-US" sz="2400" dirty="0">
-                <a:solidFill>
-                  <a:srgbClr val="000000"/>
-                </a:solidFill>
-                <a:latin typeface="Arial" panose="020B0604020202020204" pitchFamily="34" charset="0"/>
-              </a:rPr>
-              <a:t>Extract in computer and upload the war file to the folder</a:t>
-            </a:r>
-          </a:p>
-          <a:p>
-            <a:pPr marL="342900" indent="-342900" defTabSz="1218987">
-              <a:buFontTx/>
-              <a:buChar char="-"/>
-            </a:pPr>
-            <a:r>
-              <a:rPr lang="en-US" sz="2400" dirty="0">
-                <a:solidFill>
-                  <a:srgbClr val="000000"/>
-                </a:solidFill>
-                <a:latin typeface="Arial" panose="020B0604020202020204" pitchFamily="34" charset="0"/>
-              </a:rPr>
-              <a:t>Right click to </a:t>
-            </a:r>
-            <a:r>
-              <a:rPr lang="en-US" sz="2400" dirty="0" err="1">
-                <a:solidFill>
-                  <a:srgbClr val="000000"/>
-                </a:solidFill>
-                <a:latin typeface="Arial" panose="020B0604020202020204" pitchFamily="34" charset="0"/>
-              </a:rPr>
-              <a:t>mta.yml</a:t>
-            </a:r>
-            <a:r>
-              <a:rPr lang="en-US" sz="2400" dirty="0">
-                <a:solidFill>
-                  <a:srgbClr val="000000"/>
-                </a:solidFill>
-                <a:latin typeface="Arial" panose="020B0604020202020204" pitchFamily="34" charset="0"/>
-              </a:rPr>
-              <a:t> file in the adaptor project and click Build MTA</a:t>
-            </a:r>
-          </a:p>
-          <a:p>
-            <a:pPr marL="342900" indent="-342900" defTabSz="1218987">
-              <a:buFontTx/>
-              <a:buChar char="-"/>
-            </a:pPr>
-            <a:r>
-              <a:rPr lang="en-US" sz="2400" dirty="0">
-                <a:solidFill>
-                  <a:srgbClr val="000000"/>
-                </a:solidFill>
-                <a:latin typeface="Arial" panose="020B0604020202020204" pitchFamily="34" charset="0"/>
-              </a:rPr>
-              <a:t>If the build is success we see an </a:t>
-            </a:r>
-            <a:r>
-              <a:rPr lang="en-US" sz="2400" dirty="0" err="1">
-                <a:solidFill>
-                  <a:srgbClr val="000000"/>
-                </a:solidFill>
-                <a:latin typeface="Arial" panose="020B0604020202020204" pitchFamily="34" charset="0"/>
-              </a:rPr>
-              <a:t>mta_archieve</a:t>
-            </a:r>
-            <a:r>
-              <a:rPr lang="en-US" sz="2400" dirty="0">
-                <a:solidFill>
-                  <a:srgbClr val="000000"/>
-                </a:solidFill>
-                <a:latin typeface="Arial" panose="020B0604020202020204" pitchFamily="34" charset="0"/>
-              </a:rPr>
-              <a:t> with </a:t>
-            </a:r>
-            <a:r>
-              <a:rPr lang="en-US" sz="2400" dirty="0" err="1">
-                <a:solidFill>
-                  <a:srgbClr val="000000"/>
-                </a:solidFill>
-                <a:latin typeface="Arial" panose="020B0604020202020204" pitchFamily="34" charset="0"/>
-              </a:rPr>
-              <a:t>mtar</a:t>
-            </a:r>
-            <a:r>
-              <a:rPr lang="en-US" sz="2400" dirty="0">
-                <a:solidFill>
-                  <a:srgbClr val="000000"/>
-                </a:solidFill>
-                <a:latin typeface="Arial" panose="020B0604020202020204" pitchFamily="34" charset="0"/>
-              </a:rPr>
-              <a:t> extension.</a:t>
-            </a:r>
-          </a:p>
-          <a:p>
-            <a:pPr marL="342900" indent="-342900" defTabSz="1218987">
-              <a:buFontTx/>
-              <a:buChar char="-"/>
-            </a:pPr>
-            <a:r>
-              <a:rPr lang="en-US" sz="2400" dirty="0">
-                <a:solidFill>
-                  <a:srgbClr val="000000"/>
-                </a:solidFill>
-                <a:latin typeface="Arial" panose="020B0604020202020204" pitchFamily="34" charset="0"/>
-              </a:rPr>
-              <a:t>Right click on MTAR file generated by system and say deploy to CF</a:t>
-            </a:r>
-          </a:p>
-          <a:p>
-            <a:pPr marL="342900" indent="-342900" defTabSz="1218987">
-              <a:buFontTx/>
-              <a:buChar char="-"/>
-            </a:pPr>
-            <a:r>
-              <a:rPr lang="en-US" sz="2400" dirty="0">
-                <a:solidFill>
-                  <a:srgbClr val="000000"/>
-                </a:solidFill>
-                <a:latin typeface="Arial" panose="020B0604020202020204" pitchFamily="34" charset="0"/>
-              </a:rPr>
-              <a:t>Go to CF and Applications inside your dev space</a:t>
-            </a:r>
-          </a:p>
-          <a:p>
-            <a:pPr marL="342900" indent="-342900" defTabSz="1218987">
-              <a:buFontTx/>
-              <a:buChar char="-"/>
-            </a:pPr>
-            <a:r>
-              <a:rPr lang="en-US" sz="2400" dirty="0">
-                <a:solidFill>
-                  <a:srgbClr val="000000"/>
-                </a:solidFill>
-                <a:latin typeface="Arial" panose="020B0604020202020204" pitchFamily="34" charset="0"/>
-              </a:rPr>
-              <a:t>Ideally an app with same name must be up and running</a:t>
-            </a:r>
-          </a:p>
-          <a:p>
-            <a:pPr marL="342900" indent="-342900" defTabSz="1218987">
-              <a:buFontTx/>
-              <a:buChar char="-"/>
-            </a:pPr>
-            <a:r>
-              <a:rPr lang="en-US" sz="2400" dirty="0">
-                <a:solidFill>
-                  <a:prstClr val="black"/>
-                </a:solidFill>
-                <a:latin typeface="Calibri"/>
-              </a:rPr>
-              <a:t>Once the app is deployed, we need to grant auth to our user to access this app</a:t>
-            </a:r>
-          </a:p>
-          <a:p>
-            <a:pPr marL="342900" indent="-342900" defTabSz="1218987">
-              <a:buFontTx/>
-              <a:buChar char="-"/>
-            </a:pPr>
-            <a:r>
-              <a:rPr lang="en-US" sz="2400" dirty="0">
-                <a:solidFill>
-                  <a:prstClr val="black"/>
-                </a:solidFill>
-                <a:latin typeface="Calibri"/>
-              </a:rPr>
-              <a:t>Go to role collection in our trial a/c search for </a:t>
-            </a:r>
-            <a:r>
-              <a:rPr lang="en-US" sz="2400" dirty="0" err="1">
-                <a:solidFill>
-                  <a:prstClr val="black"/>
-                </a:solidFill>
-                <a:latin typeface="Calibri"/>
-              </a:rPr>
-              <a:t>app_Viewer</a:t>
-            </a:r>
-            <a:r>
-              <a:rPr lang="en-US" sz="2400" dirty="0">
-                <a:solidFill>
-                  <a:prstClr val="black"/>
-                </a:solidFill>
-                <a:latin typeface="Calibri"/>
-              </a:rPr>
-              <a:t> role collection</a:t>
-            </a:r>
-          </a:p>
-          <a:p>
-            <a:pPr marL="342900" indent="-342900" defTabSz="1218987">
-              <a:buFontTx/>
-              <a:buChar char="-"/>
-            </a:pPr>
-            <a:r>
-              <a:rPr lang="en-US" sz="2400" dirty="0">
-                <a:solidFill>
-                  <a:prstClr val="black"/>
-                </a:solidFill>
-                <a:latin typeface="Calibri"/>
-              </a:rPr>
-              <a:t>Click and edit and assign to your email id and Save</a:t>
-            </a:r>
-          </a:p>
-          <a:p>
-            <a:pPr marL="342900" indent="-342900" defTabSz="1218987">
-              <a:buFontTx/>
-              <a:buChar char="-"/>
-            </a:pPr>
-            <a:r>
-              <a:rPr lang="en-US" sz="2400" dirty="0">
-                <a:solidFill>
-                  <a:prstClr val="black"/>
-                </a:solidFill>
-                <a:latin typeface="Calibri"/>
-              </a:rPr>
-              <a:t>Test the adaptor service by adding /sap/</a:t>
-            </a:r>
-            <a:r>
-              <a:rPr lang="en-US" sz="2400" dirty="0" err="1">
-                <a:solidFill>
-                  <a:prstClr val="black"/>
-                </a:solidFill>
-                <a:latin typeface="Calibri"/>
-              </a:rPr>
-              <a:t>bc</a:t>
-            </a:r>
-            <a:r>
-              <a:rPr lang="en-US" sz="2400" dirty="0">
-                <a:solidFill>
-                  <a:prstClr val="black"/>
-                </a:solidFill>
-                <a:latin typeface="Calibri"/>
-              </a:rPr>
-              <a:t>/</a:t>
-            </a:r>
-            <a:r>
-              <a:rPr lang="en-US" sz="2400" dirty="0" err="1">
-                <a:solidFill>
-                  <a:prstClr val="black"/>
-                </a:solidFill>
-                <a:latin typeface="Calibri"/>
-              </a:rPr>
-              <a:t>ina</a:t>
-            </a:r>
-            <a:r>
-              <a:rPr lang="en-US" sz="2400" dirty="0">
-                <a:solidFill>
-                  <a:prstClr val="black"/>
-                </a:solidFill>
-                <a:latin typeface="Calibri"/>
-              </a:rPr>
-              <a:t>/service/v2/</a:t>
-            </a:r>
-            <a:r>
-              <a:rPr lang="en-US" sz="2400" dirty="0" err="1">
-                <a:solidFill>
-                  <a:prstClr val="black"/>
-                </a:solidFill>
-                <a:latin typeface="Calibri"/>
-              </a:rPr>
-              <a:t>HeartBeat</a:t>
-            </a:r>
-            <a:endParaRPr lang="en-US" sz="2400" dirty="0">
-              <a:solidFill>
-                <a:prstClr val="black"/>
-              </a:solidFill>
-              <a:latin typeface="Calibri"/>
-            </a:endParaRPr>
-          </a:p>
-          <a:p>
-            <a:pPr defTabSz="1218987"/>
-            <a:r>
-              <a:rPr lang="en-US" sz="2400" dirty="0">
-                <a:solidFill>
-                  <a:prstClr val="black"/>
-                </a:solidFill>
-                <a:latin typeface="Calibri"/>
-              </a:rPr>
-              <a:t>3. SAC Live Connection</a:t>
-            </a:r>
-          </a:p>
-          <a:p>
-            <a:pPr defTabSz="1218987"/>
-            <a:r>
-              <a:rPr lang="en-US" sz="2400" dirty="0">
-                <a:solidFill>
-                  <a:prstClr val="black"/>
-                </a:solidFill>
-                <a:latin typeface="Calibri"/>
-              </a:rPr>
-              <a:t>Add live data connection with HANA of Direct Type</a:t>
-            </a:r>
-          </a:p>
-          <a:p>
-            <a:pPr defTabSz="1218987"/>
-            <a:r>
-              <a:rPr lang="en-US" sz="2400" dirty="0">
-                <a:solidFill>
-                  <a:prstClr val="black"/>
-                </a:solidFill>
-                <a:latin typeface="Calibri"/>
-              </a:rPr>
-              <a:t>Provide Adaptor URL and enter CF </a:t>
-            </a:r>
-            <a:r>
-              <a:rPr lang="en-US" sz="2400">
-                <a:solidFill>
-                  <a:prstClr val="black"/>
-                </a:solidFill>
-                <a:latin typeface="Calibri"/>
-              </a:rPr>
-              <a:t>credentials.</a:t>
-            </a:r>
-            <a:endParaRPr lang="en-US" sz="2400" dirty="0">
-              <a:solidFill>
-                <a:prstClr val="black"/>
-              </a:solidFill>
-              <a:latin typeface="Calibri"/>
-            </a:endParaRPr>
-          </a:p>
-        </p:txBody>
-      </p:sp>
-    </p:spTree>
-    <p:extLst>
-      <p:ext uri="{BB962C8B-B14F-4D97-AF65-F5344CB8AC3E}">
-        <p14:creationId xmlns:p14="http://schemas.microsoft.com/office/powerpoint/2010/main" val="1108956787"/>
       </p:ext>
     </p:extLst>
   </p:cSld>
